--- a/Study/03. Forms and User Input/Forms and User Input.pptx
+++ b/Study/03. Forms and User Input/Forms and User Input.pptx
@@ -8,6 +8,8 @@
     <p:sldId id="256" r:id="rId2"/>
     <p:sldId id="284" r:id="rId3"/>
     <p:sldId id="293" r:id="rId4"/>
+    <p:sldId id="294" r:id="rId5"/>
+    <p:sldId id="295" r:id="rId6"/>
   </p:sldIdLst>
   <p:sldSz cx="12192000" cy="6858000"/>
   <p:notesSz cx="6858000" cy="9144000"/>
@@ -836,7 +838,7 @@
           <a:p>
             <a:fld id="{B6FB7DCD-5BA3-48A2-BE8C-591555253DD2}" type="datetimeFigureOut">
               <a:rPr lang="ko-KR" altLang="en-US" smtClean="0"/>
-              <a:t>2020-06-25</a:t>
+              <a:t>2020-06-28</a:t>
             </a:fld>
             <a:endParaRPr lang="ko-KR" altLang="en-US"/>
           </a:p>
@@ -1087,7 +1089,7 @@
           <a:p>
             <a:fld id="{B6FB7DCD-5BA3-48A2-BE8C-591555253DD2}" type="datetimeFigureOut">
               <a:rPr lang="ko-KR" altLang="en-US" smtClean="0"/>
-              <a:t>2020-06-25</a:t>
+              <a:t>2020-06-28</a:t>
             </a:fld>
             <a:endParaRPr lang="ko-KR" altLang="en-US"/>
           </a:p>
@@ -1401,7 +1403,7 @@
           <a:p>
             <a:fld id="{B6FB7DCD-5BA3-48A2-BE8C-591555253DD2}" type="datetimeFigureOut">
               <a:rPr lang="ko-KR" altLang="en-US" smtClean="0"/>
-              <a:t>2020-06-25</a:t>
+              <a:t>2020-06-28</a:t>
             </a:fld>
             <a:endParaRPr lang="ko-KR" altLang="en-US"/>
           </a:p>
@@ -1742,7 +1744,7 @@
           <a:p>
             <a:fld id="{B6FB7DCD-5BA3-48A2-BE8C-591555253DD2}" type="datetimeFigureOut">
               <a:rPr lang="ko-KR" altLang="en-US" smtClean="0"/>
-              <a:t>2020-06-25</a:t>
+              <a:t>2020-06-28</a:t>
             </a:fld>
             <a:endParaRPr lang="ko-KR" altLang="en-US"/>
           </a:p>
@@ -2056,7 +2058,7 @@
           <a:p>
             <a:fld id="{B6FB7DCD-5BA3-48A2-BE8C-591555253DD2}" type="datetimeFigureOut">
               <a:rPr lang="ko-KR" altLang="en-US" smtClean="0"/>
-              <a:t>2020-06-25</a:t>
+              <a:t>2020-06-28</a:t>
             </a:fld>
             <a:endParaRPr lang="ko-KR" altLang="en-US"/>
           </a:p>
@@ -2449,7 +2451,7 @@
           <a:p>
             <a:fld id="{B6FB7DCD-5BA3-48A2-BE8C-591555253DD2}" type="datetimeFigureOut">
               <a:rPr lang="ko-KR" altLang="en-US" smtClean="0"/>
-              <a:t>2020-06-25</a:t>
+              <a:t>2020-06-28</a:t>
             </a:fld>
             <a:endParaRPr lang="ko-KR" altLang="en-US"/>
           </a:p>
@@ -2619,7 +2621,7 @@
           <a:p>
             <a:fld id="{B6FB7DCD-5BA3-48A2-BE8C-591555253DD2}" type="datetimeFigureOut">
               <a:rPr lang="ko-KR" altLang="en-US" smtClean="0"/>
-              <a:t>2020-06-25</a:t>
+              <a:t>2020-06-28</a:t>
             </a:fld>
             <a:endParaRPr lang="ko-KR" altLang="en-US"/>
           </a:p>
@@ -2799,7 +2801,7 @@
           <a:p>
             <a:fld id="{B6FB7DCD-5BA3-48A2-BE8C-591555253DD2}" type="datetimeFigureOut">
               <a:rPr lang="ko-KR" altLang="en-US" smtClean="0"/>
-              <a:t>2020-06-25</a:t>
+              <a:t>2020-06-28</a:t>
             </a:fld>
             <a:endParaRPr lang="ko-KR" altLang="en-US"/>
           </a:p>
@@ -2975,7 +2977,7 @@
           <a:p>
             <a:fld id="{B6FB7DCD-5BA3-48A2-BE8C-591555253DD2}" type="datetimeFigureOut">
               <a:rPr lang="ko-KR" altLang="en-US" smtClean="0"/>
-              <a:t>2020-06-25</a:t>
+              <a:t>2020-06-28</a:t>
             </a:fld>
             <a:endParaRPr lang="ko-KR" altLang="en-US"/>
           </a:p>
@@ -3222,7 +3224,7 @@
           <a:p>
             <a:fld id="{B6FB7DCD-5BA3-48A2-BE8C-591555253DD2}" type="datetimeFigureOut">
               <a:rPr lang="ko-KR" altLang="en-US" smtClean="0"/>
-              <a:t>2020-06-25</a:t>
+              <a:t>2020-06-28</a:t>
             </a:fld>
             <a:endParaRPr lang="ko-KR" altLang="en-US"/>
           </a:p>
@@ -3454,7 +3456,7 @@
           <a:p>
             <a:fld id="{B6FB7DCD-5BA3-48A2-BE8C-591555253DD2}" type="datetimeFigureOut">
               <a:rPr lang="ko-KR" altLang="en-US" smtClean="0"/>
-              <a:t>2020-06-25</a:t>
+              <a:t>2020-06-28</a:t>
             </a:fld>
             <a:endParaRPr lang="ko-KR" altLang="en-US"/>
           </a:p>
@@ -3828,7 +3830,7 @@
           <a:p>
             <a:fld id="{B6FB7DCD-5BA3-48A2-BE8C-591555253DD2}" type="datetimeFigureOut">
               <a:rPr lang="ko-KR" altLang="en-US" smtClean="0"/>
-              <a:t>2020-06-25</a:t>
+              <a:t>2020-06-28</a:t>
             </a:fld>
             <a:endParaRPr lang="ko-KR" altLang="en-US"/>
           </a:p>
@@ -3951,7 +3953,7 @@
           <a:p>
             <a:fld id="{B6FB7DCD-5BA3-48A2-BE8C-591555253DD2}" type="datetimeFigureOut">
               <a:rPr lang="ko-KR" altLang="en-US" smtClean="0"/>
-              <a:t>2020-06-25</a:t>
+              <a:t>2020-06-28</a:t>
             </a:fld>
             <a:endParaRPr lang="ko-KR" altLang="en-US"/>
           </a:p>
@@ -4046,7 +4048,7 @@
           <a:p>
             <a:fld id="{B6FB7DCD-5BA3-48A2-BE8C-591555253DD2}" type="datetimeFigureOut">
               <a:rPr lang="ko-KR" altLang="en-US" smtClean="0"/>
-              <a:t>2020-06-25</a:t>
+              <a:t>2020-06-28</a:t>
             </a:fld>
             <a:endParaRPr lang="ko-KR" altLang="en-US"/>
           </a:p>
@@ -4301,7 +4303,7 @@
           <a:p>
             <a:fld id="{B6FB7DCD-5BA3-48A2-BE8C-591555253DD2}" type="datetimeFigureOut">
               <a:rPr lang="ko-KR" altLang="en-US" smtClean="0"/>
-              <a:t>2020-06-25</a:t>
+              <a:t>2020-06-28</a:t>
             </a:fld>
             <a:endParaRPr lang="ko-KR" altLang="en-US"/>
           </a:p>
@@ -4564,7 +4566,7 @@
           <a:p>
             <a:fld id="{B6FB7DCD-5BA3-48A2-BE8C-591555253DD2}" type="datetimeFigureOut">
               <a:rPr lang="ko-KR" altLang="en-US" smtClean="0"/>
-              <a:t>2020-06-25</a:t>
+              <a:t>2020-06-28</a:t>
             </a:fld>
             <a:endParaRPr lang="ko-KR" altLang="en-US"/>
           </a:p>
@@ -5307,7 +5309,7 @@
           <a:p>
             <a:fld id="{B6FB7DCD-5BA3-48A2-BE8C-591555253DD2}" type="datetimeFigureOut">
               <a:rPr lang="ko-KR" altLang="en-US" smtClean="0"/>
-              <a:t>2020-06-25</a:t>
+              <a:t>2020-06-28</a:t>
             </a:fld>
             <a:endParaRPr lang="ko-KR" altLang="en-US"/>
           </a:p>
@@ -6034,11 +6036,353 @@
           <a:p>
             <a:r>
               <a:rPr lang="en-US" altLang="ko-KR" dirty="0"/>
-              <a:t>1. Getting </a:t>
-            </a:r>
-            <a:r>
-              <a:rPr lang="en-US" altLang="ko-KR" dirty="0" err="1"/>
-              <a:t>Srarted</a:t>
+              <a:t>3. Forms and User Input</a:t>
+            </a:r>
+            <a:endParaRPr lang="ko-KR" altLang="en-US" dirty="0"/>
+          </a:p>
+        </p:txBody>
+      </p:sp>
+      <p:sp>
+        <p:nvSpPr>
+          <p:cNvPr id="6" name="직사각형 5">
+            <a:extLst>
+              <a:ext uri="{FF2B5EF4-FFF2-40B4-BE49-F238E27FC236}">
+                <a16:creationId xmlns:a16="http://schemas.microsoft.com/office/drawing/2014/main" id="{6A60F032-B172-43E0-B147-16329887DE8F}"/>
+              </a:ext>
+            </a:extLst>
+          </p:cNvPr>
+          <p:cNvSpPr/>
+          <p:nvPr/>
+        </p:nvSpPr>
+        <p:spPr>
+          <a:xfrm>
+            <a:off x="7620874" y="2196693"/>
+            <a:ext cx="4470512" cy="1384995"/>
+          </a:xfrm>
+          <a:prstGeom prst="rect">
+            <a:avLst/>
+          </a:prstGeom>
+        </p:spPr>
+        <p:txBody>
+          <a:bodyPr wrap="square">
+            <a:spAutoFit/>
+          </a:bodyPr>
+          <a:lstStyle/>
+          <a:p>
+            <a:pPr marL="285750" indent="-285750">
+              <a:buFontTx/>
+              <a:buChar char="-"/>
+            </a:pPr>
+            <a:r>
+              <a:rPr lang="en-US" altLang="ko-KR" sz="1400" dirty="0" err="1"/>
+              <a:t>WTForms</a:t>
+            </a:r>
+            <a:r>
+              <a:rPr lang="ko-KR" altLang="en-US" sz="1400" dirty="0"/>
+              <a:t>로 작업할 때 </a:t>
+            </a:r>
+            <a:r>
+              <a:rPr lang="en-US" altLang="ko-KR" sz="1400" dirty="0"/>
+              <a:t>class</a:t>
+            </a:r>
+            <a:r>
+              <a:rPr lang="ko-KR" altLang="en-US" sz="1400" dirty="0"/>
+              <a:t>로 먼저 그 </a:t>
+            </a:r>
+            <a:r>
+              <a:rPr lang="en-US" altLang="ko-KR" sz="1400" dirty="0"/>
+              <a:t>forms</a:t>
+            </a:r>
+            <a:r>
+              <a:rPr lang="ko-KR" altLang="en-US" sz="1400" dirty="0"/>
+              <a:t>을 정의 </a:t>
+            </a:r>
+            <a:r>
+              <a:rPr lang="ko-KR" altLang="en-US" sz="1400" dirty="0" err="1"/>
+              <a:t>해야한다</a:t>
+            </a:r>
+            <a:r>
+              <a:rPr lang="en-US" altLang="ko-KR" sz="1400" dirty="0"/>
+              <a:t>.</a:t>
+            </a:r>
+          </a:p>
+          <a:p>
+            <a:pPr marL="285750" indent="-285750">
+              <a:buFontTx/>
+              <a:buChar char="-"/>
+            </a:pPr>
+            <a:r>
+              <a:rPr lang="ko-KR" altLang="en-US" sz="1400" dirty="0"/>
+              <a:t>어플리케이션을 여러 모듈로 쪼개고 </a:t>
+            </a:r>
+            <a:r>
+              <a:rPr lang="en-US" altLang="ko-KR" sz="1400" dirty="0"/>
+              <a:t>form</a:t>
+            </a:r>
+            <a:r>
+              <a:rPr lang="ko-KR" altLang="en-US" sz="1400" dirty="0"/>
+              <a:t>에 대한 분리된 모듈을 추가하는 것이 권고된다</a:t>
+            </a:r>
+            <a:r>
+              <a:rPr lang="en-US" altLang="ko-KR" sz="1400" dirty="0"/>
+              <a:t>.</a:t>
+            </a:r>
+          </a:p>
+          <a:p>
+            <a:endParaRPr lang="en-US" altLang="ko-KR" sz="1400" dirty="0"/>
+          </a:p>
+          <a:p>
+            <a:endParaRPr lang="en-US" altLang="ko-KR" sz="1400" dirty="0"/>
+          </a:p>
+        </p:txBody>
+      </p:sp>
+      <p:sp>
+        <p:nvSpPr>
+          <p:cNvPr id="5" name="직사각형 4">
+            <a:extLst>
+              <a:ext uri="{FF2B5EF4-FFF2-40B4-BE49-F238E27FC236}">
+                <a16:creationId xmlns:a16="http://schemas.microsoft.com/office/drawing/2014/main" id="{39CC5049-A41A-4F6B-9773-FD1531970FA0}"/>
+              </a:ext>
+            </a:extLst>
+          </p:cNvPr>
+          <p:cNvSpPr/>
+          <p:nvPr/>
+        </p:nvSpPr>
+        <p:spPr>
+          <a:xfrm>
+            <a:off x="848526" y="2196693"/>
+            <a:ext cx="5584358" cy="3631763"/>
+          </a:xfrm>
+          <a:prstGeom prst="rect">
+            <a:avLst/>
+          </a:prstGeom>
+        </p:spPr>
+        <p:txBody>
+          <a:bodyPr wrap="square">
+            <a:spAutoFit/>
+          </a:bodyPr>
+          <a:lstStyle/>
+          <a:p>
+            <a:r>
+              <a:rPr lang="en-US" altLang="ko-KR" dirty="0"/>
+              <a:t>Flask </a:t>
+            </a:r>
+            <a:r>
+              <a:rPr lang="ko-KR" altLang="en-US" dirty="0"/>
+              <a:t>폴더</a:t>
+            </a:r>
+            <a:br>
+              <a:rPr lang="ko-KR" altLang="en-US" dirty="0"/>
+            </a:br>
+            <a:r>
+              <a:rPr lang="ko-KR" altLang="en-US" dirty="0"/>
+              <a:t>│   ├── </a:t>
+            </a:r>
+            <a:r>
+              <a:rPr lang="en-US" altLang="ko-KR" dirty="0"/>
+              <a:t>templates </a:t>
+            </a:r>
+            <a:br>
+              <a:rPr lang="ko-KR" altLang="en-US" dirty="0"/>
+            </a:br>
+            <a:r>
+              <a:rPr lang="ko-KR" altLang="en-US" dirty="0"/>
+              <a:t>│          ├── </a:t>
+            </a:r>
+            <a:r>
+              <a:rPr lang="en-US" altLang="ko-KR" dirty="0"/>
+              <a:t>about.html</a:t>
+            </a:r>
+            <a:r>
+              <a:rPr lang="ko-KR" altLang="en-US" dirty="0"/>
+              <a:t>                                    </a:t>
+            </a:r>
+            <a:br>
+              <a:rPr lang="ko-KR" altLang="en-US" dirty="0"/>
+            </a:br>
+            <a:r>
+              <a:rPr lang="ko-KR" altLang="en-US" dirty="0"/>
+              <a:t>│          ├── </a:t>
+            </a:r>
+            <a:r>
+              <a:rPr lang="en-US" altLang="ko-KR" dirty="0"/>
+              <a:t>home.html</a:t>
+            </a:r>
+            <a:r>
+              <a:rPr lang="ko-KR" altLang="en-US" dirty="0"/>
+              <a:t>       </a:t>
+            </a:r>
+            <a:br>
+              <a:rPr lang="ko-KR" altLang="en-US" dirty="0"/>
+            </a:br>
+            <a:r>
+              <a:rPr lang="ko-KR" altLang="en-US" dirty="0"/>
+              <a:t>│          ├── </a:t>
+            </a:r>
+            <a:r>
+              <a:rPr lang="en-US" altLang="ko-KR" dirty="0"/>
+              <a:t>layout.html</a:t>
+            </a:r>
+            <a:r>
+              <a:rPr lang="ko-KR" altLang="en-US" dirty="0"/>
+              <a:t> </a:t>
+            </a:r>
+            <a:endParaRPr lang="en-US" altLang="ko-KR" dirty="0"/>
+          </a:p>
+          <a:p>
+            <a:r>
+              <a:rPr lang="ko-KR" altLang="en-US" dirty="0"/>
+              <a:t>│          ├── </a:t>
+            </a:r>
+            <a:r>
+              <a:rPr lang="en-US" altLang="ko-KR" dirty="0"/>
+              <a:t>login.html</a:t>
+            </a:r>
+            <a:r>
+              <a:rPr lang="ko-KR" altLang="en-US" dirty="0"/>
+              <a:t>                                    </a:t>
+            </a:r>
+            <a:endParaRPr lang="en-US" altLang="ko-KR" dirty="0"/>
+          </a:p>
+          <a:p>
+            <a:r>
+              <a:rPr lang="ko-KR" altLang="en-US" dirty="0"/>
+              <a:t>│          ├── </a:t>
+            </a:r>
+            <a:r>
+              <a:rPr lang="en-US" altLang="ko-KR" dirty="0"/>
+              <a:t>register.html</a:t>
+            </a:r>
+            <a:r>
+              <a:rPr lang="ko-KR" altLang="en-US" dirty="0"/>
+              <a:t>                                    </a:t>
+            </a:r>
+            <a:br>
+              <a:rPr lang="ko-KR" altLang="en-US" dirty="0"/>
+            </a:br>
+            <a:r>
+              <a:rPr lang="ko-KR" altLang="en-US" dirty="0"/>
+              <a:t>├── </a:t>
+            </a:r>
+            <a:r>
+              <a:rPr lang="en-US" altLang="ko-KR" dirty="0"/>
+              <a:t>flaskblog.py</a:t>
+            </a:r>
+            <a:r>
+              <a:rPr lang="ko-KR" altLang="en-US" dirty="0"/>
+              <a:t> </a:t>
+            </a:r>
+            <a:r>
+              <a:rPr lang="en-US" altLang="ko-KR" dirty="0"/>
+              <a:t> </a:t>
+            </a:r>
+            <a:r>
+              <a:rPr lang="ko-KR" altLang="en-US" dirty="0"/>
+              <a:t>                                          </a:t>
+            </a:r>
+            <a:br>
+              <a:rPr lang="ko-KR" altLang="en-US" dirty="0"/>
+            </a:br>
+            <a:r>
+              <a:rPr lang="ko-KR" altLang="en-US" dirty="0"/>
+              <a:t>├── </a:t>
+            </a:r>
+            <a:r>
+              <a:rPr lang="en-US" altLang="ko-KR" dirty="0"/>
+              <a:t>forms.py </a:t>
+            </a:r>
+          </a:p>
+          <a:p>
+            <a:r>
+              <a:rPr lang="en-US" altLang="ko-KR" dirty="0"/>
+              <a:t>static </a:t>
+            </a:r>
+            <a:r>
+              <a:rPr lang="ko-KR" altLang="en-US" dirty="0"/>
+              <a:t>폴더</a:t>
+            </a:r>
+            <a:br>
+              <a:rPr lang="ko-KR" altLang="en-US" dirty="0"/>
+            </a:br>
+            <a:r>
+              <a:rPr lang="ko-KR" altLang="en-US" dirty="0"/>
+              <a:t>│   ├── </a:t>
+            </a:r>
+            <a:r>
+              <a:rPr lang="en-US" altLang="ko-KR" dirty="0"/>
+              <a:t>main.css</a:t>
+            </a:r>
+            <a:br>
+              <a:rPr lang="ko-KR" altLang="en-US" dirty="0"/>
+            </a:br>
+            <a:endParaRPr lang="en-US" altLang="ko-KR" dirty="0"/>
+          </a:p>
+          <a:p>
+            <a:endParaRPr lang="en-US" altLang="ko-KR" sz="1400" dirty="0"/>
+          </a:p>
+        </p:txBody>
+      </p:sp>
+    </p:spTree>
+    <p:extLst>
+      <p:ext uri="{BB962C8B-B14F-4D97-AF65-F5344CB8AC3E}">
+        <p14:creationId xmlns:p14="http://schemas.microsoft.com/office/powerpoint/2010/main" val="1412398302"/>
+      </p:ext>
+    </p:extLst>
+  </p:cSld>
+  <p:clrMapOvr>
+    <a:masterClrMapping/>
+  </p:clrMapOvr>
+</p:sld>
+</file>
+
+<file path=ppt/slides/slide4.xml><?xml version="1.0" encoding="utf-8"?>
+<p:sld xmlns:a="http://schemas.openxmlformats.org/drawingml/2006/main" xmlns:r="http://schemas.openxmlformats.org/officeDocument/2006/relationships" xmlns:p="http://schemas.openxmlformats.org/presentationml/2006/main">
+  <p:cSld>
+    <p:spTree>
+      <p:nvGrpSpPr>
+        <p:cNvPr id="1" name=""/>
+        <p:cNvGrpSpPr/>
+        <p:nvPr/>
+      </p:nvGrpSpPr>
+      <p:grpSpPr>
+        <a:xfrm>
+          <a:off x="0" y="0"/>
+          <a:ext cx="0" cy="0"/>
+          <a:chOff x="0" y="0"/>
+          <a:chExt cx="0" cy="0"/>
+        </a:xfrm>
+      </p:grpSpPr>
+      <p:sp>
+        <p:nvSpPr>
+          <p:cNvPr id="2" name="제목 1">
+            <a:extLst>
+              <a:ext uri="{FF2B5EF4-FFF2-40B4-BE49-F238E27FC236}">
+                <a16:creationId xmlns:a16="http://schemas.microsoft.com/office/drawing/2014/main" id="{2EC833C6-FAC3-442B-803D-3FB02DF07980}"/>
+              </a:ext>
+            </a:extLst>
+          </p:cNvPr>
+          <p:cNvSpPr>
+            <a:spLocks noGrp="1"/>
+          </p:cNvSpPr>
+          <p:nvPr>
+            <p:ph type="title"/>
+          </p:nvPr>
+        </p:nvSpPr>
+        <p:spPr>
+          <a:xfrm>
+            <a:off x="677334" y="609600"/>
+            <a:ext cx="8596668" cy="517864"/>
+          </a:xfrm>
+        </p:spPr>
+        <p:txBody>
+          <a:bodyPr>
+            <a:normAutofit fontScale="90000"/>
+          </a:bodyPr>
+          <a:lstStyle/>
+          <a:p>
+            <a:r>
+              <a:rPr lang="en-US" altLang="ko-KR" dirty="0"/>
+              <a:t>3. Forms and User Input</a:t>
             </a:r>
             <a:endParaRPr lang="ko-KR" altLang="en-US" dirty="0"/>
           </a:p>
@@ -6145,8 +6489,12 @@
           </a:lstStyle>
           <a:p>
             <a:r>
+              <a:rPr lang="ko-KR" altLang="en-US" sz="2400" dirty="0"/>
+              <a:t>전형적인 등록 페이지에 대한 예제 </a:t>
+            </a:r>
+            <a:r>
               <a:rPr lang="en-US" altLang="ko-KR" sz="2400" dirty="0"/>
-              <a:t>Install flask</a:t>
+              <a:t>Form</a:t>
             </a:r>
           </a:p>
         </p:txBody>
@@ -6166,7 +6514,7 @@
         <p:spPr>
           <a:xfrm>
             <a:off x="7620874" y="2196693"/>
-            <a:ext cx="4470512" cy="954107"/>
+            <a:ext cx="4470512" cy="3754874"/>
           </a:xfrm>
           <a:prstGeom prst="rect">
             <a:avLst/>
@@ -6178,52 +6526,447 @@
           </a:bodyPr>
           <a:lstStyle/>
           <a:p>
+            <a:pPr marL="285750" indent="-285750">
+              <a:buFontTx/>
+              <a:buChar char="-"/>
+            </a:pPr>
+            <a:r>
+              <a:rPr lang="ko-KR" altLang="en-US" sz="1400" dirty="0"/>
+              <a:t>브라우저에서 전송되는 </a:t>
+            </a:r>
             <a:r>
               <a:rPr lang="en-US" altLang="ko-KR" sz="1400" dirty="0"/>
-              <a:t>forms.py </a:t>
+              <a:t>form data</a:t>
             </a:r>
             <a:r>
               <a:rPr lang="ko-KR" altLang="en-US" sz="1400" dirty="0"/>
-              <a:t>파일을 만들고</a:t>
-            </a:r>
-            <a:endParaRPr lang="en-US" altLang="ko-KR" sz="1400" dirty="0"/>
-          </a:p>
-          <a:p>
+              <a:t>를 가지고 작업을 </a:t>
+            </a:r>
+            <a:r>
+              <a:rPr lang="ko-KR" altLang="en-US" sz="1400" dirty="0" err="1"/>
+              <a:t>해야할</a:t>
+            </a:r>
+            <a:r>
+              <a:rPr lang="ko-KR" altLang="en-US" sz="1400" dirty="0"/>
+              <a:t> 때</a:t>
+            </a:r>
             <a:r>
               <a:rPr lang="en-US" altLang="ko-KR" sz="1400" dirty="0"/>
-              <a:t>From </a:t>
+              <a:t>, view code</a:t>
+            </a:r>
+            <a:r>
+              <a:rPr lang="ko-KR" altLang="en-US" sz="1400" dirty="0"/>
+              <a:t>를 읽기가 매우 </a:t>
+            </a:r>
+            <a:r>
+              <a:rPr lang="ko-KR" altLang="en-US" sz="1400" dirty="0" err="1"/>
+              <a:t>어려짐</a:t>
+            </a:r>
+            <a:r>
+              <a:rPr lang="en-US" altLang="ko-KR" sz="1400" dirty="0"/>
+              <a:t>.</a:t>
+            </a:r>
+          </a:p>
+          <a:p>
+            <a:pPr marL="285750" indent="-285750">
+              <a:buFontTx/>
+              <a:buChar char="-"/>
+            </a:pPr>
+            <a:r>
+              <a:rPr lang="ko-KR" altLang="en-US" sz="1400" dirty="0"/>
+              <a:t>이 과정을 더 쉽게 관리할 수 있도록 설계된 라이브러리가 있는데 그것이 </a:t>
             </a:r>
             <a:r>
               <a:rPr lang="en-US" altLang="ko-KR" sz="1400" dirty="0" err="1"/>
-              <a:t>flask_wtf</a:t>
-            </a:r>
-            <a:r>
-              <a:rPr lang="en-US" altLang="ko-KR" sz="1400" dirty="0"/>
-              <a:t> import </a:t>
-            </a:r>
-            <a:r>
-              <a:rPr lang="en-US" altLang="ko-KR" sz="1400" dirty="0" err="1"/>
-              <a:t>FlaskForm</a:t>
+              <a:t>WTForms</a:t>
             </a:r>
             <a:r>
               <a:rPr lang="en-US" altLang="ko-KR" sz="1400" dirty="0"/>
               <a:t> </a:t>
             </a:r>
-          </a:p>
-          <a:p>
+            <a:r>
+              <a:rPr lang="ko-KR" altLang="en-US" sz="1400" dirty="0"/>
+              <a:t>다</a:t>
+            </a:r>
+            <a:r>
+              <a:rPr lang="en-US" altLang="ko-KR" sz="1400" dirty="0"/>
+              <a:t>.</a:t>
+            </a:r>
+          </a:p>
+          <a:p>
+            <a:pPr marL="285750" indent="-285750">
+              <a:buFontTx/>
+              <a:buChar char="-"/>
+            </a:pPr>
+            <a:r>
+              <a:rPr lang="en-US" altLang="ko-KR" sz="1400" dirty="0" err="1"/>
+              <a:t>WTForms</a:t>
+            </a:r>
+            <a:r>
+              <a:rPr lang="ko-KR" altLang="en-US" sz="1400" dirty="0"/>
+              <a:t>로 작업 </a:t>
+            </a:r>
+            <a:r>
+              <a:rPr lang="ko-KR" altLang="en-US" sz="1400" dirty="0" err="1"/>
+              <a:t>할때는</a:t>
+            </a:r>
+            <a:r>
+              <a:rPr lang="ko-KR" altLang="en-US" sz="1400" dirty="0"/>
+              <a:t> 먼저 </a:t>
+            </a:r>
+            <a:r>
+              <a:rPr lang="en-US" altLang="ko-KR" sz="1400" dirty="0"/>
+              <a:t>class</a:t>
+            </a:r>
+            <a:r>
+              <a:rPr lang="ko-KR" altLang="en-US" sz="1400" dirty="0"/>
+              <a:t>로 그 </a:t>
+            </a:r>
+            <a:r>
+              <a:rPr lang="en-US" altLang="ko-KR" sz="1400" dirty="0"/>
+              <a:t>form</a:t>
+            </a:r>
+            <a:r>
+              <a:rPr lang="ko-KR" altLang="en-US" sz="1400" dirty="0"/>
+              <a:t>들을 정의해야 한다</a:t>
+            </a:r>
+            <a:r>
+              <a:rPr lang="en-US" altLang="ko-KR" sz="1400" dirty="0"/>
+              <a:t>.</a:t>
+            </a:r>
+          </a:p>
+          <a:p>
+            <a:pPr marL="285750" indent="-285750">
+              <a:buFontTx/>
+              <a:buChar char="-"/>
+            </a:pPr>
+            <a:r>
+              <a:rPr lang="ko-KR" altLang="en-US" sz="1400" dirty="0"/>
+              <a:t>어플리케이션을 여러 모듈로 쪼개고 </a:t>
+            </a:r>
+            <a:r>
+              <a:rPr lang="en-US" altLang="ko-KR" sz="1400" dirty="0"/>
+              <a:t>form</a:t>
+            </a:r>
+            <a:r>
+              <a:rPr lang="ko-KR" altLang="en-US" sz="1400" dirty="0"/>
+              <a:t>에 대한 분리된 모듈을 추가하는 것이 권고된다</a:t>
+            </a:r>
+            <a:r>
+              <a:rPr lang="en-US" altLang="ko-KR" sz="1400" dirty="0"/>
+              <a:t>.</a:t>
+            </a:r>
+          </a:p>
+          <a:p>
+            <a:pPr marL="285750" indent="-285750">
+              <a:buFontTx/>
+              <a:buChar char="-"/>
+            </a:pPr>
             <a:endParaRPr lang="en-US" altLang="ko-KR" sz="1400" dirty="0"/>
           </a:p>
           <a:p>
+            <a:pPr marL="285750" indent="-285750">
+              <a:buFontTx/>
+              <a:buChar char="-"/>
+            </a:pPr>
+            <a:r>
+              <a:rPr lang="ko-KR" altLang="en-US" sz="1400" dirty="0"/>
+              <a:t>위의 코드가 전형적인 </a:t>
+            </a:r>
+            <a:r>
+              <a:rPr lang="en-US" altLang="ko-KR" sz="1400" dirty="0"/>
+              <a:t>form </a:t>
+            </a:r>
+            <a:r>
+              <a:rPr lang="ko-KR" altLang="en-US" sz="1400" dirty="0"/>
+              <a:t>예제</a:t>
+            </a:r>
             <a:endParaRPr lang="en-US" altLang="ko-KR" sz="1400" dirty="0"/>
           </a:p>
-        </p:txBody>
-      </p:sp>
-      <p:sp>
-        <p:nvSpPr>
-          <p:cNvPr id="5" name="직사각형 4">
+          <a:p>
+            <a:pPr marL="285750" indent="-285750">
+              <a:buFontTx/>
+              <a:buChar char="-"/>
+            </a:pPr>
+            <a:endParaRPr lang="en-US" altLang="ko-KR" sz="1400" dirty="0"/>
+          </a:p>
+          <a:p>
+            <a:pPr marL="285750" indent="-285750">
+              <a:buFontTx/>
+              <a:buChar char="-"/>
+            </a:pPr>
+            <a:r>
+              <a:rPr lang="en-US" altLang="ko-KR" sz="1400" dirty="0"/>
+              <a:t>Form</a:t>
+            </a:r>
+            <a:r>
+              <a:rPr lang="ko-KR" altLang="en-US" sz="1400" dirty="0"/>
+              <a:t>에 맞는 것을 사용</a:t>
+            </a:r>
+            <a:endParaRPr lang="en-US" altLang="ko-KR" sz="1400" dirty="0"/>
+          </a:p>
+          <a:p>
+            <a:pPr marL="285750" indent="-285750">
+              <a:buFontTx/>
+              <a:buChar char="-"/>
+            </a:pPr>
+            <a:r>
+              <a:rPr lang="en-US" altLang="ko-KR" sz="1400" dirty="0" err="1"/>
+              <a:t>StringField</a:t>
+            </a:r>
+            <a:endParaRPr lang="en-US" altLang="ko-KR" sz="1400" dirty="0"/>
+          </a:p>
+          <a:p>
+            <a:pPr marL="285750" indent="-285750">
+              <a:buFontTx/>
+              <a:buChar char="-"/>
+            </a:pPr>
+            <a:r>
+              <a:rPr lang="en-US" altLang="ko-KR" sz="1400" dirty="0" err="1"/>
+              <a:t>PasswordField</a:t>
+            </a:r>
+            <a:endParaRPr lang="en-US" altLang="ko-KR" sz="1400" dirty="0"/>
+          </a:p>
+          <a:p>
+            <a:pPr marL="285750" indent="-285750">
+              <a:buFontTx/>
+              <a:buChar char="-"/>
+            </a:pPr>
+            <a:r>
+              <a:rPr lang="en-US" altLang="ko-KR" sz="1400" dirty="0" err="1"/>
+              <a:t>SubmitField</a:t>
+            </a:r>
+            <a:endParaRPr lang="en-US" altLang="ko-KR" sz="1400" dirty="0"/>
+          </a:p>
+          <a:p>
+            <a:pPr marL="285750" indent="-285750">
+              <a:buFontTx/>
+              <a:buChar char="-"/>
+            </a:pPr>
+            <a:r>
+              <a:rPr lang="en-US" altLang="ko-KR" sz="1400" dirty="0" err="1"/>
+              <a:t>BooleanField</a:t>
+            </a:r>
+            <a:endParaRPr lang="en-US" altLang="ko-KR" sz="1400" dirty="0"/>
+          </a:p>
+          <a:p>
+            <a:pPr marL="285750" indent="-285750">
+              <a:buFontTx/>
+              <a:buChar char="-"/>
+            </a:pPr>
+            <a:endParaRPr lang="en-US" altLang="ko-KR" sz="1400" dirty="0"/>
+          </a:p>
+        </p:txBody>
+      </p:sp>
+      <p:pic>
+        <p:nvPicPr>
+          <p:cNvPr id="8" name="그림 7">
             <a:extLst>
               <a:ext uri="{FF2B5EF4-FFF2-40B4-BE49-F238E27FC236}">
-                <a16:creationId xmlns:a16="http://schemas.microsoft.com/office/drawing/2014/main" id="{39CC5049-A41A-4F6B-9773-FD1531970FA0}"/>
+                <a16:creationId xmlns:a16="http://schemas.microsoft.com/office/drawing/2014/main" id="{E122AF97-F87C-4E7E-AC32-8916AA08ECA6}"/>
+              </a:ext>
+            </a:extLst>
+          </p:cNvPr>
+          <p:cNvPicPr>
+            <a:picLocks noChangeAspect="1"/>
+          </p:cNvPicPr>
+          <p:nvPr/>
+        </p:nvPicPr>
+        <p:blipFill>
+          <a:blip r:embed="rId2"/>
+          <a:stretch>
+            <a:fillRect/>
+          </a:stretch>
+        </p:blipFill>
+        <p:spPr>
+          <a:xfrm>
+            <a:off x="876814" y="1670514"/>
+            <a:ext cx="6438384" cy="5057473"/>
+          </a:xfrm>
+          <a:prstGeom prst="rect">
+            <a:avLst/>
+          </a:prstGeom>
+        </p:spPr>
+      </p:pic>
+    </p:spTree>
+    <p:extLst>
+      <p:ext uri="{BB962C8B-B14F-4D97-AF65-F5344CB8AC3E}">
+        <p14:creationId xmlns:p14="http://schemas.microsoft.com/office/powerpoint/2010/main" val="3875879065"/>
+      </p:ext>
+    </p:extLst>
+  </p:cSld>
+  <p:clrMapOvr>
+    <a:masterClrMapping/>
+  </p:clrMapOvr>
+</p:sld>
+</file>
+
+<file path=ppt/slides/slide5.xml><?xml version="1.0" encoding="utf-8"?>
+<p:sld xmlns:a="http://schemas.openxmlformats.org/drawingml/2006/main" xmlns:r="http://schemas.openxmlformats.org/officeDocument/2006/relationships" xmlns:p="http://schemas.openxmlformats.org/presentationml/2006/main">
+  <p:cSld>
+    <p:spTree>
+      <p:nvGrpSpPr>
+        <p:cNvPr id="1" name=""/>
+        <p:cNvGrpSpPr/>
+        <p:nvPr/>
+      </p:nvGrpSpPr>
+      <p:grpSpPr>
+        <a:xfrm>
+          <a:off x="0" y="0"/>
+          <a:ext cx="0" cy="0"/>
+          <a:chOff x="0" y="0"/>
+          <a:chExt cx="0" cy="0"/>
+        </a:xfrm>
+      </p:grpSpPr>
+      <p:sp>
+        <p:nvSpPr>
+          <p:cNvPr id="2" name="제목 1">
+            <a:extLst>
+              <a:ext uri="{FF2B5EF4-FFF2-40B4-BE49-F238E27FC236}">
+                <a16:creationId xmlns:a16="http://schemas.microsoft.com/office/drawing/2014/main" id="{2EC833C6-FAC3-442B-803D-3FB02DF07980}"/>
+              </a:ext>
+            </a:extLst>
+          </p:cNvPr>
+          <p:cNvSpPr>
+            <a:spLocks noGrp="1"/>
+          </p:cNvSpPr>
+          <p:nvPr>
+            <p:ph type="title"/>
+          </p:nvPr>
+        </p:nvSpPr>
+        <p:spPr>
+          <a:xfrm>
+            <a:off x="677334" y="609600"/>
+            <a:ext cx="8596668" cy="517864"/>
+          </a:xfrm>
+        </p:spPr>
+        <p:txBody>
+          <a:bodyPr>
+            <a:normAutofit fontScale="90000"/>
+          </a:bodyPr>
+          <a:lstStyle/>
+          <a:p>
+            <a:r>
+              <a:rPr lang="en-US" altLang="ko-KR" dirty="0"/>
+              <a:t>3. Forms and User Input</a:t>
+            </a:r>
+            <a:endParaRPr lang="ko-KR" altLang="en-US" dirty="0"/>
+          </a:p>
+        </p:txBody>
+      </p:sp>
+      <p:sp>
+        <p:nvSpPr>
+          <p:cNvPr id="4" name="제목 1">
+            <a:extLst>
+              <a:ext uri="{FF2B5EF4-FFF2-40B4-BE49-F238E27FC236}">
+                <a16:creationId xmlns:a16="http://schemas.microsoft.com/office/drawing/2014/main" id="{824331F3-9831-4A24-AC95-4771B0BCE333}"/>
+              </a:ext>
+            </a:extLst>
+          </p:cNvPr>
+          <p:cNvSpPr txBox="1">
+            <a:spLocks/>
+          </p:cNvSpPr>
+          <p:nvPr/>
+        </p:nvSpPr>
+        <p:spPr>
+          <a:xfrm>
+            <a:off x="1307647" y="1180730"/>
+            <a:ext cx="8022783" cy="436518"/>
+          </a:xfrm>
+          <a:prstGeom prst="rect">
+            <a:avLst/>
+          </a:prstGeom>
+        </p:spPr>
+        <p:txBody>
+          <a:bodyPr vert="horz" lIns="91440" tIns="45720" rIns="91440" bIns="45720" rtlCol="0" anchor="t">
+            <a:normAutofit lnSpcReduction="10000"/>
+          </a:bodyPr>
+          <a:lstStyle>
+            <a:lvl1pPr algn="l" defTabSz="457200" rtl="0" eaLnBrk="1" latinLnBrk="1" hangingPunct="1">
+              <a:spcBef>
+                <a:spcPct val="0"/>
+              </a:spcBef>
+              <a:buNone/>
+              <a:defRPr sz="3600" kern="1200">
+                <a:solidFill>
+                  <a:schemeClr val="accent1"/>
+                </a:solidFill>
+                <a:latin typeface="+mj-lt"/>
+                <a:ea typeface="+mj-ea"/>
+                <a:cs typeface="+mj-cs"/>
+              </a:defRPr>
+            </a:lvl1pPr>
+            <a:lvl2pPr eaLnBrk="1" latinLnBrk="1" hangingPunct="1">
+              <a:defRPr>
+                <a:solidFill>
+                  <a:schemeClr val="tx2"/>
+                </a:solidFill>
+              </a:defRPr>
+            </a:lvl2pPr>
+            <a:lvl3pPr eaLnBrk="1" latinLnBrk="1" hangingPunct="1">
+              <a:defRPr>
+                <a:solidFill>
+                  <a:schemeClr val="tx2"/>
+                </a:solidFill>
+              </a:defRPr>
+            </a:lvl3pPr>
+            <a:lvl4pPr eaLnBrk="1" latinLnBrk="1" hangingPunct="1">
+              <a:defRPr>
+                <a:solidFill>
+                  <a:schemeClr val="tx2"/>
+                </a:solidFill>
+              </a:defRPr>
+            </a:lvl4pPr>
+            <a:lvl5pPr eaLnBrk="1" latinLnBrk="1" hangingPunct="1">
+              <a:defRPr>
+                <a:solidFill>
+                  <a:schemeClr val="tx2"/>
+                </a:solidFill>
+              </a:defRPr>
+            </a:lvl5pPr>
+            <a:lvl6pPr eaLnBrk="1" latinLnBrk="1" hangingPunct="1">
+              <a:defRPr>
+                <a:solidFill>
+                  <a:schemeClr val="tx2"/>
+                </a:solidFill>
+              </a:defRPr>
+            </a:lvl6pPr>
+            <a:lvl7pPr eaLnBrk="1" latinLnBrk="1" hangingPunct="1">
+              <a:defRPr>
+                <a:solidFill>
+                  <a:schemeClr val="tx2"/>
+                </a:solidFill>
+              </a:defRPr>
+            </a:lvl7pPr>
+            <a:lvl8pPr eaLnBrk="1" latinLnBrk="1" hangingPunct="1">
+              <a:defRPr>
+                <a:solidFill>
+                  <a:schemeClr val="tx2"/>
+                </a:solidFill>
+              </a:defRPr>
+            </a:lvl8pPr>
+            <a:lvl9pPr eaLnBrk="1" latinLnBrk="1" hangingPunct="1">
+              <a:defRPr>
+                <a:solidFill>
+                  <a:schemeClr val="tx2"/>
+                </a:solidFill>
+              </a:defRPr>
+            </a:lvl9pPr>
+          </a:lstStyle>
+          <a:p>
+            <a:r>
+              <a:rPr lang="en-US" altLang="ko-KR" sz="2400" dirty="0"/>
+              <a:t>In the view</a:t>
+            </a:r>
+          </a:p>
+        </p:txBody>
+      </p:sp>
+      <p:sp>
+        <p:nvSpPr>
+          <p:cNvPr id="6" name="직사각형 5">
+            <a:extLst>
+              <a:ext uri="{FF2B5EF4-FFF2-40B4-BE49-F238E27FC236}">
+                <a16:creationId xmlns:a16="http://schemas.microsoft.com/office/drawing/2014/main" id="{6A60F032-B172-43E0-B147-16329887DE8F}"/>
               </a:ext>
             </a:extLst>
           </p:cNvPr>
@@ -6232,8 +6975,8 @@
         </p:nvSpPr>
         <p:spPr>
           <a:xfrm>
-            <a:off x="848526" y="2196693"/>
-            <a:ext cx="5584358" cy="1600438"/>
+            <a:off x="7620874" y="2196693"/>
+            <a:ext cx="4470512" cy="2462213"/>
           </a:xfrm>
           <a:prstGeom prst="rect">
             <a:avLst/>
@@ -6245,70 +6988,199 @@
           </a:bodyPr>
           <a:lstStyle/>
           <a:p>
+            <a:pPr marL="285750" indent="-285750">
+              <a:buFontTx/>
+              <a:buChar char="-"/>
+            </a:pPr>
             <a:r>
               <a:rPr lang="en-US" altLang="ko-KR" sz="1400" dirty="0"/>
-              <a:t>forms.py </a:t>
+              <a:t>Forms.py</a:t>
             </a:r>
             <a:r>
               <a:rPr lang="ko-KR" altLang="en-US" sz="1400" dirty="0"/>
-              <a:t>파일을 만들고</a:t>
+              <a:t> 를 </a:t>
+            </a:r>
+            <a:r>
+              <a:rPr lang="en-US" altLang="ko-KR" sz="1400" dirty="0"/>
+              <a:t>import </a:t>
+            </a:r>
+            <a:r>
+              <a:rPr lang="ko-KR" altLang="en-US" sz="1400" dirty="0"/>
+              <a:t>하여 </a:t>
+            </a:r>
+            <a:r>
+              <a:rPr lang="en-US" altLang="ko-KR" sz="1400" dirty="0"/>
+              <a:t>register</a:t>
+            </a:r>
+            <a:r>
+              <a:rPr lang="ko-KR" altLang="en-US" sz="1400" dirty="0"/>
+              <a:t> 과 </a:t>
+            </a:r>
+            <a:r>
+              <a:rPr lang="en-US" altLang="ko-KR" sz="1400" dirty="0"/>
+              <a:t>login </a:t>
+            </a:r>
+            <a:r>
+              <a:rPr lang="ko-KR" altLang="en-US" sz="1400" dirty="0"/>
+              <a:t>에서 사용</a:t>
             </a:r>
             <a:endParaRPr lang="en-US" altLang="ko-KR" sz="1400" dirty="0"/>
           </a:p>
           <a:p>
+            <a:pPr marL="285750" indent="-285750">
+              <a:buFontTx/>
+              <a:buChar char="-"/>
+            </a:pPr>
             <a:r>
               <a:rPr lang="en-US" altLang="ko-KR" sz="1400" dirty="0"/>
-              <a:t>From </a:t>
+              <a:t>HTTP POST </a:t>
+            </a:r>
+            <a:r>
+              <a:rPr lang="ko-KR" altLang="en-US" sz="1400" dirty="0"/>
+              <a:t>메소드로 데이터가 전송됐다면 요청의 </a:t>
+            </a:r>
+            <a:r>
+              <a:rPr lang="en-US" altLang="ko-KR" sz="1400" dirty="0"/>
+              <a:t>form </a:t>
+            </a:r>
+            <a:r>
+              <a:rPr lang="ko-KR" altLang="en-US" sz="1400" dirty="0"/>
+              <a:t>값으로 부터 </a:t>
+            </a:r>
+            <a:r>
+              <a:rPr lang="en-US" altLang="ko-KR" sz="1400" dirty="0"/>
+              <a:t>form</a:t>
+            </a:r>
+            <a:r>
+              <a:rPr lang="ko-KR" altLang="en-US" sz="1400" dirty="0"/>
+              <a:t>을 생성하고</a:t>
+            </a:r>
+            <a:r>
+              <a:rPr lang="en-US" altLang="ko-KR" sz="1400" dirty="0"/>
+              <a:t>, GET</a:t>
+            </a:r>
+            <a:r>
+              <a:rPr lang="ko-KR" altLang="en-US" sz="1400" dirty="0"/>
+              <a:t> 으로 전송됐다면 </a:t>
             </a:r>
             <a:r>
               <a:rPr lang="en-US" altLang="ko-KR" sz="1400" dirty="0" err="1"/>
-              <a:t>flask_wtf</a:t>
+              <a:t>args</a:t>
             </a:r>
             <a:r>
               <a:rPr lang="en-US" altLang="ko-KR" sz="1400" dirty="0"/>
-              <a:t> import </a:t>
-            </a:r>
-            <a:r>
-              <a:rPr lang="en-US" altLang="ko-KR" sz="1400" dirty="0" err="1"/>
-              <a:t>FlaskForm</a:t>
+              <a:t> </a:t>
+            </a:r>
+            <a:r>
+              <a:rPr lang="ko-KR" altLang="en-US" sz="1400" dirty="0"/>
+              <a:t>에서 폼을 생성</a:t>
             </a:r>
             <a:endParaRPr lang="en-US" altLang="ko-KR" sz="1400" dirty="0"/>
           </a:p>
           <a:p>
+            <a:pPr marL="285750" indent="-285750">
+              <a:buFontTx/>
+              <a:buChar char="-"/>
+            </a:pPr>
+            <a:r>
+              <a:rPr lang="ko-KR" altLang="en-US" sz="1400" dirty="0"/>
+              <a:t>데이터를 검증하기 위해서</a:t>
+            </a:r>
+            <a:r>
+              <a:rPr lang="en-US" altLang="ko-KR" sz="1400" dirty="0"/>
+              <a:t>, validate() </a:t>
+            </a:r>
+            <a:r>
+              <a:rPr lang="ko-KR" altLang="en-US" sz="1400" dirty="0"/>
+              <a:t>메소드를 호출하고 데이터가 유효하면</a:t>
+            </a:r>
+            <a:r>
+              <a:rPr lang="en-US" altLang="ko-KR" sz="1400" dirty="0"/>
+              <a:t> ‘True’</a:t>
+            </a:r>
+            <a:r>
+              <a:rPr lang="ko-KR" altLang="en-US" sz="1400" dirty="0"/>
+              <a:t>를 얻고 유효하지 않으면 </a:t>
+            </a:r>
+            <a:r>
+              <a:rPr lang="en-US" altLang="ko-KR" sz="1400" dirty="0"/>
+              <a:t>‘False</a:t>
+            </a:r>
+            <a:r>
+              <a:rPr lang="ko-KR" altLang="en-US" sz="1400" dirty="0"/>
+              <a:t>를 얻는다</a:t>
+            </a:r>
+            <a:r>
+              <a:rPr lang="en-US" altLang="ko-KR" sz="1400" dirty="0"/>
+              <a:t>.</a:t>
+            </a:r>
+          </a:p>
+          <a:p>
+            <a:pPr marL="285750" indent="-285750">
+              <a:buFontTx/>
+              <a:buChar char="-"/>
+            </a:pPr>
+            <a:r>
+              <a:rPr lang="en-US" altLang="ko-KR" sz="1400" dirty="0"/>
+              <a:t>Form </a:t>
+            </a:r>
+            <a:r>
+              <a:rPr lang="ko-KR" altLang="en-US" sz="1400" dirty="0"/>
+              <a:t>에서 개별 값에 접근하기 위해서</a:t>
+            </a:r>
+            <a:r>
+              <a:rPr lang="en-US" altLang="ko-KR" sz="1400" dirty="0"/>
+              <a:t>, form&lt;NAME&gt;.data</a:t>
+            </a:r>
+            <a:r>
+              <a:rPr lang="ko-KR" altLang="en-US" sz="1400" dirty="0"/>
+              <a:t> 로 접근</a:t>
+            </a:r>
             <a:endParaRPr lang="en-US" altLang="ko-KR" sz="1400" dirty="0"/>
           </a:p>
           <a:p>
+            <a:pPr marL="285750" indent="-285750">
+              <a:buFontTx/>
+              <a:buChar char="-"/>
+            </a:pPr>
             <a:endParaRPr lang="en-US" altLang="ko-KR" sz="1400" dirty="0"/>
           </a:p>
-          <a:p>
-            <a:r>
-              <a:rPr lang="en-US" altLang="ko-KR" sz="1400" dirty="0"/>
-              <a:t> Exception: Install '</a:t>
-            </a:r>
-            <a:r>
-              <a:rPr lang="en-US" altLang="ko-KR" sz="1400" dirty="0" err="1"/>
-              <a:t>email_validator</a:t>
-            </a:r>
-            <a:r>
-              <a:rPr lang="en-US" altLang="ko-KR" sz="1400" dirty="0"/>
-              <a:t>' for email validation support.</a:t>
-            </a:r>
-          </a:p>
-          <a:p>
-            <a:r>
-              <a:rPr lang="en-US" altLang="ko-KR" sz="1400" dirty="0"/>
-              <a:t>Pip install email-validator</a:t>
-            </a:r>
-          </a:p>
-          <a:p>
-            <a:endParaRPr lang="en-US" altLang="ko-KR" sz="1400" dirty="0"/>
-          </a:p>
-        </p:txBody>
-      </p:sp>
+        </p:txBody>
+      </p:sp>
+      <p:pic>
+        <p:nvPicPr>
+          <p:cNvPr id="3" name="그림 2">
+            <a:extLst>
+              <a:ext uri="{FF2B5EF4-FFF2-40B4-BE49-F238E27FC236}">
+                <a16:creationId xmlns:a16="http://schemas.microsoft.com/office/drawing/2014/main" id="{4D970662-3D4D-4F13-80B7-E2D19C15270D}"/>
+              </a:ext>
+            </a:extLst>
+          </p:cNvPr>
+          <p:cNvPicPr>
+            <a:picLocks noChangeAspect="1"/>
+          </p:cNvPicPr>
+          <p:nvPr/>
+        </p:nvPicPr>
+        <p:blipFill>
+          <a:blip r:embed="rId2"/>
+          <a:stretch>
+            <a:fillRect/>
+          </a:stretch>
+        </p:blipFill>
+        <p:spPr>
+          <a:xfrm>
+            <a:off x="262410" y="1887628"/>
+            <a:ext cx="7064097" cy="4360772"/>
+          </a:xfrm>
+          <a:prstGeom prst="rect">
+            <a:avLst/>
+          </a:prstGeom>
+        </p:spPr>
+      </p:pic>
     </p:spTree>
     <p:extLst>
       <p:ext uri="{BB962C8B-B14F-4D97-AF65-F5344CB8AC3E}">
-        <p14:creationId xmlns:p14="http://schemas.microsoft.com/office/powerpoint/2010/main" val="1412398302"/>
+        <p14:creationId xmlns:p14="http://schemas.microsoft.com/office/powerpoint/2010/main" val="2791102259"/>
       </p:ext>
     </p:extLst>
   </p:cSld>

--- a/Study/03. Forms and User Input/Forms and User Input.pptx
+++ b/Study/03. Forms and User Input/Forms and User Input.pptx
@@ -9,7 +9,13 @@
     <p:sldId id="284" r:id="rId3"/>
     <p:sldId id="293" r:id="rId4"/>
     <p:sldId id="294" r:id="rId5"/>
-    <p:sldId id="295" r:id="rId6"/>
+    <p:sldId id="296" r:id="rId6"/>
+    <p:sldId id="297" r:id="rId7"/>
+    <p:sldId id="295" r:id="rId8"/>
+    <p:sldId id="298" r:id="rId9"/>
+    <p:sldId id="299" r:id="rId10"/>
+    <p:sldId id="300" r:id="rId11"/>
+    <p:sldId id="301" r:id="rId12"/>
   </p:sldIdLst>
   <p:sldSz cx="12192000" cy="6858000"/>
   <p:notesSz cx="6858000" cy="9144000"/>
@@ -5902,6 +5908,1154 @@
 </p:sld>
 </file>
 
+<file path=ppt/slides/slide10.xml><?xml version="1.0" encoding="utf-8"?>
+<p:sld xmlns:a="http://schemas.openxmlformats.org/drawingml/2006/main" xmlns:r="http://schemas.openxmlformats.org/officeDocument/2006/relationships" xmlns:p="http://schemas.openxmlformats.org/presentationml/2006/main">
+  <p:cSld>
+    <p:spTree>
+      <p:nvGrpSpPr>
+        <p:cNvPr id="1" name=""/>
+        <p:cNvGrpSpPr/>
+        <p:nvPr/>
+      </p:nvGrpSpPr>
+      <p:grpSpPr>
+        <a:xfrm>
+          <a:off x="0" y="0"/>
+          <a:ext cx="0" cy="0"/>
+          <a:chOff x="0" y="0"/>
+          <a:chExt cx="0" cy="0"/>
+        </a:xfrm>
+      </p:grpSpPr>
+      <p:sp>
+        <p:nvSpPr>
+          <p:cNvPr id="2" name="제목 1">
+            <a:extLst>
+              <a:ext uri="{FF2B5EF4-FFF2-40B4-BE49-F238E27FC236}">
+                <a16:creationId xmlns:a16="http://schemas.microsoft.com/office/drawing/2014/main" id="{2EC833C6-FAC3-442B-803D-3FB02DF07980}"/>
+              </a:ext>
+            </a:extLst>
+          </p:cNvPr>
+          <p:cNvSpPr>
+            <a:spLocks noGrp="1"/>
+          </p:cNvSpPr>
+          <p:nvPr>
+            <p:ph type="title"/>
+          </p:nvPr>
+        </p:nvSpPr>
+        <p:spPr>
+          <a:xfrm>
+            <a:off x="677334" y="609600"/>
+            <a:ext cx="8596668" cy="517864"/>
+          </a:xfrm>
+        </p:spPr>
+        <p:txBody>
+          <a:bodyPr>
+            <a:normAutofit fontScale="90000"/>
+          </a:bodyPr>
+          <a:lstStyle/>
+          <a:p>
+            <a:r>
+              <a:rPr lang="en-US" altLang="ko-KR" dirty="0"/>
+              <a:t>3. Forms and User Input</a:t>
+            </a:r>
+            <a:endParaRPr lang="ko-KR" altLang="en-US" dirty="0"/>
+          </a:p>
+        </p:txBody>
+      </p:sp>
+      <p:sp>
+        <p:nvSpPr>
+          <p:cNvPr id="4" name="제목 1">
+            <a:extLst>
+              <a:ext uri="{FF2B5EF4-FFF2-40B4-BE49-F238E27FC236}">
+                <a16:creationId xmlns:a16="http://schemas.microsoft.com/office/drawing/2014/main" id="{824331F3-9831-4A24-AC95-4771B0BCE333}"/>
+              </a:ext>
+            </a:extLst>
+          </p:cNvPr>
+          <p:cNvSpPr txBox="1">
+            <a:spLocks/>
+          </p:cNvSpPr>
+          <p:nvPr/>
+        </p:nvSpPr>
+        <p:spPr>
+          <a:xfrm>
+            <a:off x="1307647" y="1180730"/>
+            <a:ext cx="8022783" cy="436518"/>
+          </a:xfrm>
+          <a:prstGeom prst="rect">
+            <a:avLst/>
+          </a:prstGeom>
+        </p:spPr>
+        <p:txBody>
+          <a:bodyPr vert="horz" lIns="91440" tIns="45720" rIns="91440" bIns="45720" rtlCol="0" anchor="t">
+            <a:normAutofit lnSpcReduction="10000"/>
+          </a:bodyPr>
+          <a:lstStyle>
+            <a:lvl1pPr algn="l" defTabSz="457200" rtl="0" eaLnBrk="1" latinLnBrk="1" hangingPunct="1">
+              <a:spcBef>
+                <a:spcPct val="0"/>
+              </a:spcBef>
+              <a:buNone/>
+              <a:defRPr sz="3600" kern="1200">
+                <a:solidFill>
+                  <a:schemeClr val="accent1"/>
+                </a:solidFill>
+                <a:latin typeface="+mj-lt"/>
+                <a:ea typeface="+mj-ea"/>
+                <a:cs typeface="+mj-cs"/>
+              </a:defRPr>
+            </a:lvl1pPr>
+            <a:lvl2pPr eaLnBrk="1" latinLnBrk="1" hangingPunct="1">
+              <a:defRPr>
+                <a:solidFill>
+                  <a:schemeClr val="tx2"/>
+                </a:solidFill>
+              </a:defRPr>
+            </a:lvl2pPr>
+            <a:lvl3pPr eaLnBrk="1" latinLnBrk="1" hangingPunct="1">
+              <a:defRPr>
+                <a:solidFill>
+                  <a:schemeClr val="tx2"/>
+                </a:solidFill>
+              </a:defRPr>
+            </a:lvl3pPr>
+            <a:lvl4pPr eaLnBrk="1" latinLnBrk="1" hangingPunct="1">
+              <a:defRPr>
+                <a:solidFill>
+                  <a:schemeClr val="tx2"/>
+                </a:solidFill>
+              </a:defRPr>
+            </a:lvl4pPr>
+            <a:lvl5pPr eaLnBrk="1" latinLnBrk="1" hangingPunct="1">
+              <a:defRPr>
+                <a:solidFill>
+                  <a:schemeClr val="tx2"/>
+                </a:solidFill>
+              </a:defRPr>
+            </a:lvl5pPr>
+            <a:lvl6pPr eaLnBrk="1" latinLnBrk="1" hangingPunct="1">
+              <a:defRPr>
+                <a:solidFill>
+                  <a:schemeClr val="tx2"/>
+                </a:solidFill>
+              </a:defRPr>
+            </a:lvl6pPr>
+            <a:lvl7pPr eaLnBrk="1" latinLnBrk="1" hangingPunct="1">
+              <a:defRPr>
+                <a:solidFill>
+                  <a:schemeClr val="tx2"/>
+                </a:solidFill>
+              </a:defRPr>
+            </a:lvl7pPr>
+            <a:lvl8pPr eaLnBrk="1" latinLnBrk="1" hangingPunct="1">
+              <a:defRPr>
+                <a:solidFill>
+                  <a:schemeClr val="tx2"/>
+                </a:solidFill>
+              </a:defRPr>
+            </a:lvl8pPr>
+            <a:lvl9pPr eaLnBrk="1" latinLnBrk="1" hangingPunct="1">
+              <a:defRPr>
+                <a:solidFill>
+                  <a:schemeClr val="tx2"/>
+                </a:solidFill>
+              </a:defRPr>
+            </a:lvl9pPr>
+          </a:lstStyle>
+          <a:p>
+            <a:r>
+              <a:rPr lang="en-US" altLang="ko-KR" sz="2400" dirty="0"/>
+              <a:t>Form</a:t>
+            </a:r>
+            <a:r>
+              <a:rPr lang="ko-KR" altLang="en-US" sz="2400" dirty="0"/>
+              <a:t> </a:t>
+            </a:r>
+            <a:r>
+              <a:rPr lang="en-US" altLang="ko-KR" sz="2400" dirty="0"/>
+              <a:t>Handling</a:t>
+            </a:r>
+            <a:r>
+              <a:rPr lang="ko-KR" altLang="en-US" sz="2400" dirty="0"/>
+              <a:t> </a:t>
+            </a:r>
+            <a:r>
+              <a:rPr lang="en-US" altLang="ko-KR" sz="2400" dirty="0"/>
+              <a:t>in</a:t>
+            </a:r>
+            <a:r>
+              <a:rPr lang="ko-KR" altLang="en-US" sz="2400" dirty="0"/>
+              <a:t> </a:t>
+            </a:r>
+            <a:r>
+              <a:rPr lang="en-US" altLang="ko-KR" sz="2400" dirty="0"/>
+              <a:t>View Functions</a:t>
+            </a:r>
+          </a:p>
+        </p:txBody>
+      </p:sp>
+      <p:sp>
+        <p:nvSpPr>
+          <p:cNvPr id="6" name="직사각형 5">
+            <a:extLst>
+              <a:ext uri="{FF2B5EF4-FFF2-40B4-BE49-F238E27FC236}">
+                <a16:creationId xmlns:a16="http://schemas.microsoft.com/office/drawing/2014/main" id="{6A60F032-B172-43E0-B147-16329887DE8F}"/>
+              </a:ext>
+            </a:extLst>
+          </p:cNvPr>
+          <p:cNvSpPr/>
+          <p:nvPr/>
+        </p:nvSpPr>
+        <p:spPr>
+          <a:xfrm>
+            <a:off x="7620874" y="2196693"/>
+            <a:ext cx="4470512" cy="3754874"/>
+          </a:xfrm>
+          <a:prstGeom prst="rect">
+            <a:avLst/>
+          </a:prstGeom>
+        </p:spPr>
+        <p:txBody>
+          <a:bodyPr wrap="square">
+            <a:spAutoFit/>
+          </a:bodyPr>
+          <a:lstStyle/>
+          <a:p>
+            <a:pPr marL="285750" indent="-285750">
+              <a:buFontTx/>
+              <a:buChar char="-"/>
+            </a:pPr>
+            <a:r>
+              <a:rPr lang="en-US" altLang="ko-KR" sz="1400" dirty="0" err="1"/>
+              <a:t>App.route</a:t>
+            </a:r>
+            <a:r>
+              <a:rPr lang="en-US" altLang="ko-KR" sz="1400" dirty="0"/>
+              <a:t> </a:t>
+            </a:r>
+            <a:r>
+              <a:rPr lang="ko-KR" altLang="en-US" sz="1400" dirty="0" err="1"/>
+              <a:t>데코레이터에</a:t>
+            </a:r>
+            <a:r>
+              <a:rPr lang="ko-KR" altLang="en-US" sz="1400" dirty="0"/>
+              <a:t> 추가된 </a:t>
+            </a:r>
+            <a:r>
+              <a:rPr lang="en-US" altLang="ko-KR" sz="1400" dirty="0"/>
+              <a:t>methods </a:t>
+            </a:r>
+            <a:r>
+              <a:rPr lang="ko-KR" altLang="en-US" sz="1400" dirty="0"/>
+              <a:t>인수는 </a:t>
+            </a:r>
+            <a:r>
+              <a:rPr lang="en-US" altLang="ko-KR" sz="1400" dirty="0"/>
+              <a:t>Flask </a:t>
+            </a:r>
+            <a:r>
+              <a:rPr lang="ko-KR" altLang="en-US" sz="1400" dirty="0"/>
+              <a:t>에서 </a:t>
+            </a:r>
+            <a:r>
+              <a:rPr lang="en-US" altLang="ko-KR" sz="1400" dirty="0" err="1"/>
+              <a:t>url</a:t>
+            </a:r>
+            <a:r>
+              <a:rPr lang="en-US" altLang="ko-KR" sz="1400" dirty="0"/>
+              <a:t> </a:t>
+            </a:r>
+            <a:r>
+              <a:rPr lang="ko-KR" altLang="en-US" sz="1400" dirty="0" err="1"/>
+              <a:t>맵의</a:t>
+            </a:r>
+            <a:r>
+              <a:rPr lang="ko-KR" altLang="en-US" sz="1400" dirty="0"/>
+              <a:t> </a:t>
+            </a:r>
+            <a:r>
+              <a:rPr lang="en-US" altLang="ko-KR" sz="1400" dirty="0"/>
+              <a:t>GET</a:t>
+            </a:r>
+            <a:r>
+              <a:rPr lang="ko-KR" altLang="en-US" sz="1400" dirty="0"/>
+              <a:t>과 </a:t>
+            </a:r>
+            <a:r>
+              <a:rPr lang="en-US" altLang="ko-KR" sz="1400" dirty="0"/>
+              <a:t>POST </a:t>
+            </a:r>
+            <a:r>
+              <a:rPr lang="ko-KR" altLang="en-US" sz="1400" dirty="0"/>
+              <a:t>를 </a:t>
+            </a:r>
+            <a:r>
+              <a:rPr lang="en-US" altLang="ko-KR" sz="1400" dirty="0"/>
+              <a:t>request </a:t>
+            </a:r>
+            <a:r>
+              <a:rPr lang="ko-KR" altLang="en-US" sz="1400" dirty="0"/>
+              <a:t>위한 </a:t>
+            </a:r>
+            <a:r>
+              <a:rPr lang="ko-KR" altLang="en-US" sz="1400" dirty="0" err="1"/>
+              <a:t>핸들러</a:t>
+            </a:r>
+            <a:r>
+              <a:rPr lang="ko-KR" altLang="en-US" sz="1400" dirty="0"/>
+              <a:t> </a:t>
+            </a:r>
+            <a:r>
+              <a:rPr lang="en-US" altLang="ko-KR" sz="1400" dirty="0"/>
+              <a:t>view </a:t>
+            </a:r>
+            <a:r>
+              <a:rPr lang="ko-KR" altLang="en-US" sz="1400" dirty="0"/>
+              <a:t>함수이다</a:t>
+            </a:r>
+            <a:r>
+              <a:rPr lang="en-US" altLang="ko-KR" sz="1400" dirty="0"/>
+              <a:t>.</a:t>
+            </a:r>
+          </a:p>
+          <a:p>
+            <a:pPr marL="285750" indent="-285750">
+              <a:buFontTx/>
+              <a:buChar char="-"/>
+            </a:pPr>
+            <a:r>
+              <a:rPr lang="ko-KR" altLang="en-US" sz="1400" dirty="0"/>
+              <a:t>메소드가 주어지지 않으면 </a:t>
+            </a:r>
+            <a:r>
+              <a:rPr lang="en-US" altLang="ko-KR" sz="1400" dirty="0"/>
+              <a:t>view</a:t>
+            </a:r>
+            <a:r>
+              <a:rPr lang="ko-KR" altLang="en-US" sz="1400" dirty="0"/>
+              <a:t>함수는 </a:t>
+            </a:r>
+            <a:r>
+              <a:rPr lang="en-US" altLang="ko-KR" sz="1400" dirty="0"/>
+              <a:t>GET request</a:t>
+            </a:r>
+            <a:r>
+              <a:rPr lang="ko-KR" altLang="en-US" sz="1400" dirty="0"/>
+              <a:t>만 처리</a:t>
+            </a:r>
+            <a:endParaRPr lang="en-US" altLang="ko-KR" sz="1400" dirty="0"/>
+          </a:p>
+          <a:p>
+            <a:pPr marL="285750" indent="-285750">
+              <a:buFontTx/>
+              <a:buChar char="-"/>
+            </a:pPr>
+            <a:r>
+              <a:rPr lang="en-US" altLang="ko-KR" sz="1400" dirty="0"/>
+              <a:t>Name</a:t>
+            </a:r>
+            <a:r>
+              <a:rPr lang="ko-KR" altLang="en-US" sz="1400" dirty="0"/>
+              <a:t> 변수는 </a:t>
+            </a:r>
+            <a:r>
+              <a:rPr lang="en-US" altLang="ko-KR" sz="1400" dirty="0"/>
+              <a:t>form</a:t>
+            </a:r>
+            <a:r>
+              <a:rPr lang="ko-KR" altLang="en-US" sz="1400" dirty="0"/>
+              <a:t>으로 부터 받은 이름을 저장</a:t>
+            </a:r>
+            <a:endParaRPr lang="en-US" altLang="ko-KR" sz="1400" dirty="0"/>
+          </a:p>
+          <a:p>
+            <a:pPr marL="285750" indent="-285750">
+              <a:buFontTx/>
+              <a:buChar char="-"/>
+            </a:pPr>
+            <a:r>
+              <a:rPr lang="en-US" altLang="ko-KR" sz="1400" dirty="0" err="1"/>
+              <a:t>Validate_on_submit</a:t>
+            </a:r>
+            <a:r>
+              <a:rPr lang="en-US" altLang="ko-KR" sz="1400" dirty="0"/>
+              <a:t>() </a:t>
+            </a:r>
+            <a:r>
+              <a:rPr lang="ko-KR" altLang="en-US" sz="1400" dirty="0"/>
+              <a:t>은 메서드의 폼이 </a:t>
+            </a:r>
+            <a:r>
+              <a:rPr lang="ko-KR" altLang="en-US" sz="1400" dirty="0" err="1"/>
+              <a:t>서브밋될때</a:t>
+            </a:r>
+            <a:r>
+              <a:rPr lang="ko-KR" altLang="en-US" sz="1400" dirty="0"/>
+              <a:t> </a:t>
+            </a:r>
+            <a:r>
+              <a:rPr lang="en-US" altLang="ko-KR" sz="1400" dirty="0"/>
+              <a:t>True</a:t>
+            </a:r>
+            <a:r>
+              <a:rPr lang="ko-KR" altLang="en-US" sz="1400" dirty="0"/>
+              <a:t>를 리턴하고 데이터는 모든 </a:t>
+            </a:r>
+            <a:r>
+              <a:rPr lang="en-US" altLang="ko-KR" sz="1400" dirty="0"/>
+              <a:t>field </a:t>
+            </a:r>
+            <a:r>
+              <a:rPr lang="ko-KR" altLang="en-US" sz="1400" dirty="0"/>
+              <a:t>검증자에 의해 받아들여진다</a:t>
+            </a:r>
+            <a:r>
+              <a:rPr lang="en-US" altLang="ko-KR" sz="1400" dirty="0"/>
+              <a:t>.(</a:t>
+            </a:r>
+            <a:r>
+              <a:rPr lang="ko-KR" altLang="en-US" sz="1400" dirty="0"/>
+              <a:t>유효성 검사</a:t>
+            </a:r>
+            <a:r>
+              <a:rPr lang="en-US" altLang="ko-KR" sz="1400" dirty="0"/>
+              <a:t>)</a:t>
+            </a:r>
+          </a:p>
+          <a:p>
+            <a:pPr marL="285750" indent="-285750">
+              <a:buFontTx/>
+              <a:buChar char="-"/>
+            </a:pPr>
+            <a:r>
+              <a:rPr lang="ko-KR" altLang="en-US" sz="1400" dirty="0"/>
+              <a:t>다른 경우에는 </a:t>
+            </a:r>
+            <a:r>
+              <a:rPr lang="en-US" altLang="ko-KR" sz="1400" dirty="0"/>
+              <a:t>False </a:t>
+            </a:r>
+            <a:r>
+              <a:rPr lang="ko-KR" altLang="en-US" sz="1400" dirty="0"/>
+              <a:t>반환</a:t>
+            </a:r>
+            <a:endParaRPr lang="en-US" altLang="ko-KR" sz="1400" dirty="0"/>
+          </a:p>
+          <a:p>
+            <a:pPr marL="285750" indent="-285750">
+              <a:buFontTx/>
+              <a:buChar char="-"/>
+            </a:pPr>
+            <a:endParaRPr lang="en-US" altLang="ko-KR" sz="1400" dirty="0"/>
+          </a:p>
+          <a:p>
+            <a:pPr marL="285750" indent="-285750">
+              <a:buFontTx/>
+              <a:buChar char="-"/>
+            </a:pPr>
+            <a:r>
+              <a:rPr lang="ko-KR" altLang="en-US" sz="1400" dirty="0"/>
+              <a:t>사용자가 폼을 제출할 때 데이터와 함께 서버는 </a:t>
+            </a:r>
+            <a:r>
+              <a:rPr lang="en-US" altLang="ko-KR" sz="1400" dirty="0"/>
+              <a:t>POST request</a:t>
+            </a:r>
+            <a:r>
+              <a:rPr lang="ko-KR" altLang="en-US" sz="1400" dirty="0"/>
+              <a:t>를 받고 </a:t>
+            </a:r>
+            <a:r>
+              <a:rPr lang="en-US" altLang="ko-KR" sz="1400" dirty="0" err="1"/>
+              <a:t>validate_on_submit</a:t>
+            </a:r>
+            <a:r>
+              <a:rPr lang="en-US" altLang="ko-KR" sz="1400" dirty="0"/>
+              <a:t>() </a:t>
+            </a:r>
+            <a:r>
+              <a:rPr lang="ko-KR" altLang="en-US" sz="1400" dirty="0"/>
+              <a:t>을 호출하면 </a:t>
+            </a:r>
+            <a:r>
+              <a:rPr lang="en-US" altLang="ko-KR" sz="1400" dirty="0"/>
+              <a:t>name </a:t>
+            </a:r>
+            <a:r>
+              <a:rPr lang="ko-KR" altLang="en-US" sz="1400" dirty="0"/>
+              <a:t>필드에 붙어 있는 </a:t>
+            </a:r>
+            <a:r>
+              <a:rPr lang="en-US" altLang="ko-KR" sz="1400" dirty="0"/>
+              <a:t>Required() </a:t>
+            </a:r>
+            <a:r>
+              <a:rPr lang="ko-KR" altLang="en-US" sz="1400" dirty="0"/>
+              <a:t>검증자가 호출</a:t>
+            </a:r>
+            <a:endParaRPr lang="en-US" altLang="ko-KR" sz="1400" dirty="0"/>
+          </a:p>
+          <a:p>
+            <a:pPr marL="285750" indent="-285750">
+              <a:buFontTx/>
+              <a:buChar char="-"/>
+            </a:pPr>
+            <a:r>
+              <a:rPr lang="en-US" altLang="ko-KR" sz="1400" dirty="0"/>
+              <a:t>Name</a:t>
+            </a:r>
+            <a:r>
+              <a:rPr lang="ko-KR" altLang="en-US" sz="1400" dirty="0"/>
+              <a:t>이 비어 있으면</a:t>
+            </a:r>
+            <a:r>
+              <a:rPr lang="en-US" altLang="ko-KR" sz="1400" dirty="0"/>
+              <a:t>, </a:t>
+            </a:r>
+            <a:r>
+              <a:rPr lang="ko-KR" altLang="en-US" sz="1400" dirty="0"/>
+              <a:t>검증자가 값을 받아 </a:t>
+            </a:r>
+            <a:r>
+              <a:rPr lang="en-US" altLang="ko-KR" sz="1400" dirty="0"/>
+              <a:t>True </a:t>
+            </a:r>
+            <a:r>
+              <a:rPr lang="ko-KR" altLang="en-US" sz="1400" dirty="0"/>
+              <a:t>반환</a:t>
+            </a:r>
+            <a:endParaRPr lang="en-US" altLang="ko-KR" sz="1400" dirty="0"/>
+          </a:p>
+        </p:txBody>
+      </p:sp>
+      <p:pic>
+        <p:nvPicPr>
+          <p:cNvPr id="5" name="그림 4">
+            <a:extLst>
+              <a:ext uri="{FF2B5EF4-FFF2-40B4-BE49-F238E27FC236}">
+                <a16:creationId xmlns:a16="http://schemas.microsoft.com/office/drawing/2014/main" id="{FDC6DD09-369E-45DC-B44D-527EBD4B2B36}"/>
+              </a:ext>
+            </a:extLst>
+          </p:cNvPr>
+          <p:cNvPicPr>
+            <a:picLocks noChangeAspect="1"/>
+          </p:cNvPicPr>
+          <p:nvPr/>
+        </p:nvPicPr>
+        <p:blipFill>
+          <a:blip r:embed="rId2"/>
+          <a:stretch>
+            <a:fillRect/>
+          </a:stretch>
+        </p:blipFill>
+        <p:spPr>
+          <a:xfrm>
+            <a:off x="507819" y="1913023"/>
+            <a:ext cx="6986995" cy="3158300"/>
+          </a:xfrm>
+          <a:prstGeom prst="rect">
+            <a:avLst/>
+          </a:prstGeom>
+        </p:spPr>
+      </p:pic>
+    </p:spTree>
+    <p:extLst>
+      <p:ext uri="{BB962C8B-B14F-4D97-AF65-F5344CB8AC3E}">
+        <p14:creationId xmlns:p14="http://schemas.microsoft.com/office/powerpoint/2010/main" val="3774428932"/>
+      </p:ext>
+    </p:extLst>
+  </p:cSld>
+  <p:clrMapOvr>
+    <a:masterClrMapping/>
+  </p:clrMapOvr>
+</p:sld>
+</file>
+
+<file path=ppt/slides/slide11.xml><?xml version="1.0" encoding="utf-8"?>
+<p:sld xmlns:a="http://schemas.openxmlformats.org/drawingml/2006/main" xmlns:r="http://schemas.openxmlformats.org/officeDocument/2006/relationships" xmlns:p="http://schemas.openxmlformats.org/presentationml/2006/main">
+  <p:cSld>
+    <p:spTree>
+      <p:nvGrpSpPr>
+        <p:cNvPr id="1" name=""/>
+        <p:cNvGrpSpPr/>
+        <p:nvPr/>
+      </p:nvGrpSpPr>
+      <p:grpSpPr>
+        <a:xfrm>
+          <a:off x="0" y="0"/>
+          <a:ext cx="0" cy="0"/>
+          <a:chOff x="0" y="0"/>
+          <a:chExt cx="0" cy="0"/>
+        </a:xfrm>
+      </p:grpSpPr>
+      <p:sp>
+        <p:nvSpPr>
+          <p:cNvPr id="2" name="제목 1">
+            <a:extLst>
+              <a:ext uri="{FF2B5EF4-FFF2-40B4-BE49-F238E27FC236}">
+                <a16:creationId xmlns:a16="http://schemas.microsoft.com/office/drawing/2014/main" id="{2EC833C6-FAC3-442B-803D-3FB02DF07980}"/>
+              </a:ext>
+            </a:extLst>
+          </p:cNvPr>
+          <p:cNvSpPr>
+            <a:spLocks noGrp="1"/>
+          </p:cNvSpPr>
+          <p:nvPr>
+            <p:ph type="title"/>
+          </p:nvPr>
+        </p:nvSpPr>
+        <p:spPr>
+          <a:xfrm>
+            <a:off x="677334" y="609600"/>
+            <a:ext cx="8596668" cy="517864"/>
+          </a:xfrm>
+        </p:spPr>
+        <p:txBody>
+          <a:bodyPr>
+            <a:normAutofit fontScale="90000"/>
+          </a:bodyPr>
+          <a:lstStyle/>
+          <a:p>
+            <a:r>
+              <a:rPr lang="en-US" altLang="ko-KR" dirty="0"/>
+              <a:t>3. Forms and User Input</a:t>
+            </a:r>
+            <a:endParaRPr lang="ko-KR" altLang="en-US" dirty="0"/>
+          </a:p>
+        </p:txBody>
+      </p:sp>
+      <p:sp>
+        <p:nvSpPr>
+          <p:cNvPr id="4" name="제목 1">
+            <a:extLst>
+              <a:ext uri="{FF2B5EF4-FFF2-40B4-BE49-F238E27FC236}">
+                <a16:creationId xmlns:a16="http://schemas.microsoft.com/office/drawing/2014/main" id="{824331F3-9831-4A24-AC95-4771B0BCE333}"/>
+              </a:ext>
+            </a:extLst>
+          </p:cNvPr>
+          <p:cNvSpPr txBox="1">
+            <a:spLocks/>
+          </p:cNvSpPr>
+          <p:nvPr/>
+        </p:nvSpPr>
+        <p:spPr>
+          <a:xfrm>
+            <a:off x="1307647" y="1180730"/>
+            <a:ext cx="8022783" cy="436518"/>
+          </a:xfrm>
+          <a:prstGeom prst="rect">
+            <a:avLst/>
+          </a:prstGeom>
+        </p:spPr>
+        <p:txBody>
+          <a:bodyPr vert="horz" lIns="91440" tIns="45720" rIns="91440" bIns="45720" rtlCol="0" anchor="t">
+            <a:normAutofit lnSpcReduction="10000"/>
+          </a:bodyPr>
+          <a:lstStyle>
+            <a:lvl1pPr algn="l" defTabSz="457200" rtl="0" eaLnBrk="1" latinLnBrk="1" hangingPunct="1">
+              <a:spcBef>
+                <a:spcPct val="0"/>
+              </a:spcBef>
+              <a:buNone/>
+              <a:defRPr sz="3600" kern="1200">
+                <a:solidFill>
+                  <a:schemeClr val="accent1"/>
+                </a:solidFill>
+                <a:latin typeface="+mj-lt"/>
+                <a:ea typeface="+mj-ea"/>
+                <a:cs typeface="+mj-cs"/>
+              </a:defRPr>
+            </a:lvl1pPr>
+            <a:lvl2pPr eaLnBrk="1" latinLnBrk="1" hangingPunct="1">
+              <a:defRPr>
+                <a:solidFill>
+                  <a:schemeClr val="tx2"/>
+                </a:solidFill>
+              </a:defRPr>
+            </a:lvl2pPr>
+            <a:lvl3pPr eaLnBrk="1" latinLnBrk="1" hangingPunct="1">
+              <a:defRPr>
+                <a:solidFill>
+                  <a:schemeClr val="tx2"/>
+                </a:solidFill>
+              </a:defRPr>
+            </a:lvl3pPr>
+            <a:lvl4pPr eaLnBrk="1" latinLnBrk="1" hangingPunct="1">
+              <a:defRPr>
+                <a:solidFill>
+                  <a:schemeClr val="tx2"/>
+                </a:solidFill>
+              </a:defRPr>
+            </a:lvl4pPr>
+            <a:lvl5pPr eaLnBrk="1" latinLnBrk="1" hangingPunct="1">
+              <a:defRPr>
+                <a:solidFill>
+                  <a:schemeClr val="tx2"/>
+                </a:solidFill>
+              </a:defRPr>
+            </a:lvl5pPr>
+            <a:lvl6pPr eaLnBrk="1" latinLnBrk="1" hangingPunct="1">
+              <a:defRPr>
+                <a:solidFill>
+                  <a:schemeClr val="tx2"/>
+                </a:solidFill>
+              </a:defRPr>
+            </a:lvl6pPr>
+            <a:lvl7pPr eaLnBrk="1" latinLnBrk="1" hangingPunct="1">
+              <a:defRPr>
+                <a:solidFill>
+                  <a:schemeClr val="tx2"/>
+                </a:solidFill>
+              </a:defRPr>
+            </a:lvl7pPr>
+            <a:lvl8pPr eaLnBrk="1" latinLnBrk="1" hangingPunct="1">
+              <a:defRPr>
+                <a:solidFill>
+                  <a:schemeClr val="tx2"/>
+                </a:solidFill>
+              </a:defRPr>
+            </a:lvl8pPr>
+            <a:lvl9pPr eaLnBrk="1" latinLnBrk="1" hangingPunct="1">
+              <a:defRPr>
+                <a:solidFill>
+                  <a:schemeClr val="tx2"/>
+                </a:solidFill>
+              </a:defRPr>
+            </a:lvl9pPr>
+          </a:lstStyle>
+          <a:p>
+            <a:r>
+              <a:rPr lang="en-US" altLang="ko-KR" sz="2400" dirty="0"/>
+              <a:t>Redirects and User Sessions</a:t>
+            </a:r>
+          </a:p>
+        </p:txBody>
+      </p:sp>
+      <p:sp>
+        <p:nvSpPr>
+          <p:cNvPr id="6" name="직사각형 5">
+            <a:extLst>
+              <a:ext uri="{FF2B5EF4-FFF2-40B4-BE49-F238E27FC236}">
+                <a16:creationId xmlns:a16="http://schemas.microsoft.com/office/drawing/2014/main" id="{6A60F032-B172-43E0-B147-16329887DE8F}"/>
+              </a:ext>
+            </a:extLst>
+          </p:cNvPr>
+          <p:cNvSpPr/>
+          <p:nvPr/>
+        </p:nvSpPr>
+        <p:spPr>
+          <a:xfrm>
+            <a:off x="7620874" y="2196693"/>
+            <a:ext cx="4470512" cy="3754874"/>
+          </a:xfrm>
+          <a:prstGeom prst="rect">
+            <a:avLst/>
+          </a:prstGeom>
+        </p:spPr>
+        <p:txBody>
+          <a:bodyPr wrap="square">
+            <a:spAutoFit/>
+          </a:bodyPr>
+          <a:lstStyle/>
+          <a:p>
+            <a:pPr marL="285750" indent="-285750">
+              <a:buFontTx/>
+              <a:buChar char="-"/>
+            </a:pPr>
+            <a:r>
+              <a:rPr lang="ko-KR" altLang="en-US" sz="1400" dirty="0"/>
+              <a:t>첫번째는 </a:t>
+            </a:r>
+            <a:r>
+              <a:rPr lang="en-US" altLang="ko-KR" sz="1400" dirty="0"/>
+              <a:t>form</a:t>
+            </a:r>
+            <a:r>
+              <a:rPr lang="ko-KR" altLang="en-US" sz="1400" dirty="0"/>
+              <a:t>의 작동 예시</a:t>
+            </a:r>
+            <a:endParaRPr lang="en-US" altLang="ko-KR" sz="1400" dirty="0"/>
+          </a:p>
+          <a:p>
+            <a:pPr marL="285750" indent="-285750">
+              <a:buFontTx/>
+              <a:buChar char="-"/>
+            </a:pPr>
+            <a:r>
+              <a:rPr lang="ko-KR" altLang="en-US" sz="1400" dirty="0"/>
+              <a:t>두번째는 새로운 이름을 제출한 상태</a:t>
+            </a:r>
+            <a:endParaRPr lang="en-US" altLang="ko-KR" sz="1400" dirty="0"/>
+          </a:p>
+          <a:p>
+            <a:pPr marL="285750" indent="-285750">
+              <a:buFontTx/>
+              <a:buChar char="-"/>
+            </a:pPr>
+            <a:r>
+              <a:rPr lang="ko-KR" altLang="en-US" sz="1400" dirty="0"/>
+              <a:t>세번째는 검증에 실패</a:t>
+            </a:r>
+            <a:endParaRPr lang="en-US" altLang="ko-KR" sz="1400" dirty="0"/>
+          </a:p>
+          <a:p>
+            <a:pPr marL="285750" indent="-285750">
+              <a:buFontTx/>
+              <a:buChar char="-"/>
+            </a:pPr>
+            <a:endParaRPr lang="en-US" altLang="ko-KR" sz="1400" dirty="0"/>
+          </a:p>
+          <a:p>
+            <a:pPr marL="285750" indent="-285750">
+              <a:buFontTx/>
+              <a:buChar char="-"/>
+            </a:pPr>
+            <a:r>
+              <a:rPr lang="ko-KR" altLang="en-US" sz="1400" dirty="0"/>
+              <a:t>폼을 제출하고 </a:t>
+            </a:r>
+            <a:r>
+              <a:rPr lang="ko-KR" altLang="en-US" sz="1400" dirty="0" err="1"/>
+              <a:t>새로고침을</a:t>
+            </a:r>
+            <a:r>
+              <a:rPr lang="ko-KR" altLang="en-US" sz="1400" dirty="0"/>
+              <a:t> 하면 제출이 또 일어나서 폼 서브미션이 두 번하게 되는 문제 발생</a:t>
+            </a:r>
+            <a:endParaRPr lang="en-US" altLang="ko-KR" sz="1400" dirty="0"/>
+          </a:p>
+          <a:p>
+            <a:pPr marL="285750" indent="-285750">
+              <a:buFontTx/>
+              <a:buChar char="-"/>
+            </a:pPr>
+            <a:r>
+              <a:rPr lang="ko-KR" altLang="en-US" sz="1400" dirty="0"/>
+              <a:t>마지막 </a:t>
+            </a:r>
+            <a:r>
+              <a:rPr lang="ko-KR" altLang="en-US" sz="1400" dirty="0" err="1"/>
+              <a:t>리퀘스트를</a:t>
+            </a:r>
+            <a:r>
+              <a:rPr lang="ko-KR" altLang="en-US" sz="1400" dirty="0"/>
+              <a:t> 반복해서 </a:t>
+            </a:r>
+            <a:r>
+              <a:rPr lang="en-US" altLang="ko-KR" sz="1400" dirty="0"/>
+              <a:t>POST </a:t>
+            </a:r>
+            <a:r>
+              <a:rPr lang="ko-KR" altLang="en-US" sz="1400" dirty="0" err="1"/>
+              <a:t>리퀘스트가</a:t>
+            </a:r>
+            <a:r>
+              <a:rPr lang="ko-KR" altLang="en-US" sz="1400" dirty="0"/>
+              <a:t> 다시 </a:t>
+            </a:r>
+            <a:r>
+              <a:rPr lang="ko-KR" altLang="en-US" sz="1400" dirty="0" err="1"/>
+              <a:t>전송되서</a:t>
+            </a:r>
+            <a:r>
+              <a:rPr lang="ko-KR" altLang="en-US" sz="1400" dirty="0"/>
+              <a:t> 생기는 문제</a:t>
+            </a:r>
+            <a:endParaRPr lang="en-US" altLang="ko-KR" sz="1400" dirty="0"/>
+          </a:p>
+          <a:p>
+            <a:pPr marL="285750" indent="-285750">
+              <a:buFontTx/>
+              <a:buChar char="-"/>
+            </a:pPr>
+            <a:r>
+              <a:rPr lang="ko-KR" altLang="en-US" sz="1400" dirty="0"/>
+              <a:t>정상적인 응답 대신 </a:t>
+            </a:r>
+            <a:r>
+              <a:rPr lang="en-US" altLang="ko-KR" sz="1400" dirty="0"/>
+              <a:t>redirect </a:t>
+            </a:r>
+            <a:r>
+              <a:rPr lang="ko-KR" altLang="en-US" sz="1400" dirty="0"/>
+              <a:t>와 </a:t>
+            </a:r>
+            <a:r>
+              <a:rPr lang="en-US" altLang="ko-KR" sz="1400" dirty="0"/>
+              <a:t>POST </a:t>
+            </a:r>
+            <a:r>
+              <a:rPr lang="ko-KR" altLang="en-US" sz="1400" dirty="0" err="1"/>
+              <a:t>리퀘스트에</a:t>
+            </a:r>
+            <a:r>
+              <a:rPr lang="ko-KR" altLang="en-US" sz="1400" dirty="0"/>
+              <a:t> 대해 응답하면 된다</a:t>
+            </a:r>
+            <a:r>
+              <a:rPr lang="en-US" altLang="ko-KR" sz="1400" dirty="0"/>
+              <a:t>.</a:t>
+            </a:r>
+          </a:p>
+          <a:p>
+            <a:pPr marL="285750" indent="-285750">
+              <a:buFontTx/>
+              <a:buChar char="-"/>
+            </a:pPr>
+            <a:r>
+              <a:rPr lang="en-US" altLang="ko-KR" sz="1400" dirty="0"/>
+              <a:t>Redirect</a:t>
+            </a:r>
+            <a:r>
+              <a:rPr lang="ko-KR" altLang="en-US" sz="1400" dirty="0"/>
+              <a:t>는 특별한 형태의 응답이고 </a:t>
+            </a:r>
+            <a:r>
+              <a:rPr lang="en-US" altLang="ko-KR" sz="1400" dirty="0"/>
+              <a:t>HTML </a:t>
+            </a:r>
+            <a:r>
+              <a:rPr lang="ko-KR" altLang="en-US" sz="1400" dirty="0"/>
+              <a:t>코드로 되어 있는 문자열 대신 </a:t>
+            </a:r>
+            <a:r>
+              <a:rPr lang="en-US" altLang="ko-KR" sz="1400" dirty="0"/>
+              <a:t>URL</a:t>
+            </a:r>
+            <a:r>
+              <a:rPr lang="ko-KR" altLang="en-US" sz="1400" dirty="0"/>
+              <a:t>을 가지고 있다</a:t>
+            </a:r>
+            <a:r>
+              <a:rPr lang="en-US" altLang="ko-KR" sz="1400" dirty="0"/>
+              <a:t>.</a:t>
+            </a:r>
+          </a:p>
+          <a:p>
+            <a:pPr marL="285750" indent="-285750">
+              <a:buFontTx/>
+              <a:buChar char="-"/>
+            </a:pPr>
+            <a:r>
+              <a:rPr lang="ko-KR" altLang="en-US" sz="1400" dirty="0"/>
+              <a:t>응답을 받게 되면 </a:t>
+            </a:r>
+            <a:r>
+              <a:rPr lang="ko-KR" altLang="en-US" sz="1400" dirty="0" err="1"/>
+              <a:t>리다이렉트</a:t>
+            </a:r>
+            <a:r>
+              <a:rPr lang="ko-KR" altLang="en-US" sz="1400" dirty="0"/>
+              <a:t> </a:t>
+            </a:r>
+            <a:r>
+              <a:rPr lang="en-US" altLang="ko-KR" sz="1400" dirty="0" err="1"/>
+              <a:t>url</a:t>
+            </a:r>
+            <a:r>
+              <a:rPr lang="ko-KR" altLang="en-US" sz="1400" dirty="0"/>
+              <a:t>에 대한 </a:t>
+            </a:r>
+            <a:r>
+              <a:rPr lang="en-US" altLang="ko-KR" sz="1400" dirty="0"/>
+              <a:t>GET </a:t>
+            </a:r>
+            <a:r>
+              <a:rPr lang="ko-KR" altLang="en-US" sz="1400" dirty="0" err="1"/>
+              <a:t>리퀘스트를</a:t>
+            </a:r>
+            <a:r>
+              <a:rPr lang="ko-KR" altLang="en-US" sz="1400" dirty="0"/>
+              <a:t> 발생 시키고 이것이 보여지는 페이지가 된다</a:t>
+            </a:r>
+            <a:r>
+              <a:rPr lang="en-US" altLang="ko-KR" sz="1400" dirty="0"/>
+              <a:t>.</a:t>
+            </a:r>
+          </a:p>
+          <a:p>
+            <a:pPr marL="285750" indent="-285750">
+              <a:buFontTx/>
+              <a:buChar char="-"/>
+            </a:pPr>
+            <a:r>
+              <a:rPr lang="ko-KR" altLang="en-US" sz="1400" dirty="0"/>
+              <a:t>이것이 </a:t>
+            </a:r>
+            <a:r>
+              <a:rPr lang="en-US" altLang="ko-KR" sz="1400" dirty="0"/>
+              <a:t>Post/Redirect/Get pattern </a:t>
+            </a:r>
+            <a:r>
+              <a:rPr lang="ko-KR" altLang="en-US" sz="1400" dirty="0"/>
+              <a:t>이다</a:t>
+            </a:r>
+            <a:r>
+              <a:rPr lang="en-US" altLang="ko-KR" sz="1400"/>
+              <a:t>.</a:t>
+            </a:r>
+          </a:p>
+          <a:p>
+            <a:pPr marL="285750" indent="-285750">
+              <a:buFontTx/>
+              <a:buChar char="-"/>
+            </a:pPr>
+            <a:endParaRPr lang="en-US" altLang="ko-KR" sz="1400" dirty="0"/>
+          </a:p>
+        </p:txBody>
+      </p:sp>
+      <p:pic>
+        <p:nvPicPr>
+          <p:cNvPr id="1026" name="Picture 2" descr="image">
+            <a:extLst>
+              <a:ext uri="{FF2B5EF4-FFF2-40B4-BE49-F238E27FC236}">
+                <a16:creationId xmlns:a16="http://schemas.microsoft.com/office/drawing/2014/main" id="{0B12C31F-15EE-4073-AD5B-BB97198FC8F3}"/>
+              </a:ext>
+            </a:extLst>
+          </p:cNvPr>
+          <p:cNvPicPr>
+            <a:picLocks noChangeAspect="1" noChangeArrowheads="1"/>
+          </p:cNvPicPr>
+          <p:nvPr/>
+        </p:nvPicPr>
+        <p:blipFill>
+          <a:blip r:embed="rId2">
+            <a:extLst>
+              <a:ext uri="{28A0092B-C50C-407E-A947-70E740481C1C}">
+                <a14:useLocalDpi xmlns:a14="http://schemas.microsoft.com/office/drawing/2010/main" val="0"/>
+              </a:ext>
+            </a:extLst>
+          </a:blip>
+          <a:srcRect/>
+          <a:stretch>
+            <a:fillRect/>
+          </a:stretch>
+        </p:blipFill>
+        <p:spPr bwMode="auto">
+          <a:xfrm>
+            <a:off x="48987" y="2237951"/>
+            <a:ext cx="2478779" cy="1841628"/>
+          </a:xfrm>
+          <a:prstGeom prst="rect">
+            <a:avLst/>
+          </a:prstGeom>
+          <a:noFill/>
+          <a:extLst>
+            <a:ext uri="{909E8E84-426E-40DD-AFC4-6F175D3DCCD1}">
+              <a14:hiddenFill xmlns:a14="http://schemas.microsoft.com/office/drawing/2010/main">
+                <a:solidFill>
+                  <a:srgbClr val="FFFFFF"/>
+                </a:solidFill>
+              </a14:hiddenFill>
+            </a:ext>
+          </a:extLst>
+        </p:spPr>
+      </p:pic>
+      <p:pic>
+        <p:nvPicPr>
+          <p:cNvPr id="1028" name="Picture 4" descr="image">
+            <a:extLst>
+              <a:ext uri="{FF2B5EF4-FFF2-40B4-BE49-F238E27FC236}">
+                <a16:creationId xmlns:a16="http://schemas.microsoft.com/office/drawing/2014/main" id="{5A6B5AB4-3B66-4E1D-8902-D3A10DB49F45}"/>
+              </a:ext>
+            </a:extLst>
+          </p:cNvPr>
+          <p:cNvPicPr>
+            <a:picLocks noChangeAspect="1" noChangeArrowheads="1"/>
+          </p:cNvPicPr>
+          <p:nvPr/>
+        </p:nvPicPr>
+        <p:blipFill>
+          <a:blip r:embed="rId3">
+            <a:extLst>
+              <a:ext uri="{28A0092B-C50C-407E-A947-70E740481C1C}">
+                <a14:useLocalDpi xmlns:a14="http://schemas.microsoft.com/office/drawing/2010/main" val="0"/>
+              </a:ext>
+            </a:extLst>
+          </a:blip>
+          <a:srcRect/>
+          <a:stretch>
+            <a:fillRect/>
+          </a:stretch>
+        </p:blipFill>
+        <p:spPr bwMode="auto">
+          <a:xfrm>
+            <a:off x="2645226" y="2232501"/>
+            <a:ext cx="2334985" cy="1847078"/>
+          </a:xfrm>
+          <a:prstGeom prst="rect">
+            <a:avLst/>
+          </a:prstGeom>
+          <a:noFill/>
+          <a:extLst>
+            <a:ext uri="{909E8E84-426E-40DD-AFC4-6F175D3DCCD1}">
+              <a14:hiddenFill xmlns:a14="http://schemas.microsoft.com/office/drawing/2010/main">
+                <a:solidFill>
+                  <a:srgbClr val="FFFFFF"/>
+                </a:solidFill>
+              </a14:hiddenFill>
+            </a:ext>
+          </a:extLst>
+        </p:spPr>
+      </p:pic>
+      <p:pic>
+        <p:nvPicPr>
+          <p:cNvPr id="1030" name="Picture 6" descr="image">
+            <a:extLst>
+              <a:ext uri="{FF2B5EF4-FFF2-40B4-BE49-F238E27FC236}">
+                <a16:creationId xmlns:a16="http://schemas.microsoft.com/office/drawing/2014/main" id="{EC4E017E-3172-40DF-B292-7E0DF853210A}"/>
+              </a:ext>
+            </a:extLst>
+          </p:cNvPr>
+          <p:cNvPicPr>
+            <a:picLocks noChangeAspect="1" noChangeArrowheads="1"/>
+          </p:cNvPicPr>
+          <p:nvPr/>
+        </p:nvPicPr>
+        <p:blipFill>
+          <a:blip r:embed="rId4">
+            <a:extLst>
+              <a:ext uri="{28A0092B-C50C-407E-A947-70E740481C1C}">
+                <a14:useLocalDpi xmlns:a14="http://schemas.microsoft.com/office/drawing/2010/main" val="0"/>
+              </a:ext>
+            </a:extLst>
+          </a:blip>
+          <a:srcRect/>
+          <a:stretch>
+            <a:fillRect/>
+          </a:stretch>
+        </p:blipFill>
+        <p:spPr bwMode="auto">
+          <a:xfrm>
+            <a:off x="5149376" y="2196693"/>
+            <a:ext cx="2149495" cy="1887155"/>
+          </a:xfrm>
+          <a:prstGeom prst="rect">
+            <a:avLst/>
+          </a:prstGeom>
+          <a:noFill/>
+          <a:extLst>
+            <a:ext uri="{909E8E84-426E-40DD-AFC4-6F175D3DCCD1}">
+              <a14:hiddenFill xmlns:a14="http://schemas.microsoft.com/office/drawing/2010/main">
+                <a:solidFill>
+                  <a:srgbClr val="FFFFFF"/>
+                </a:solidFill>
+              </a14:hiddenFill>
+            </a:ext>
+          </a:extLst>
+        </p:spPr>
+      </p:pic>
+    </p:spTree>
+    <p:extLst>
+      <p:ext uri="{BB962C8B-B14F-4D97-AF65-F5344CB8AC3E}">
+        <p14:creationId xmlns:p14="http://schemas.microsoft.com/office/powerpoint/2010/main" val="4188577066"/>
+      </p:ext>
+    </p:extLst>
+  </p:cSld>
+  <p:clrMapOvr>
+    <a:masterClrMapping/>
+  </p:clrMapOvr>
+</p:sld>
+</file>
+
 <file path=ppt/slides/slide2.xml><?xml version="1.0" encoding="utf-8"?>
 <p:sld xmlns:a="http://schemas.openxmlformats.org/drawingml/2006/main" xmlns:r="http://schemas.openxmlformats.org/officeDocument/2006/relationships" xmlns:p="http://schemas.openxmlformats.org/presentationml/2006/main">
   <p:cSld>
@@ -6955,6 +8109,958 @@
           </a:lstStyle>
           <a:p>
             <a:r>
+              <a:rPr lang="en-US" altLang="ko-KR" sz="2400" dirty="0" err="1"/>
+              <a:t>WTForms</a:t>
+            </a:r>
+            <a:r>
+              <a:rPr lang="ko-KR" altLang="en-US" sz="2400" dirty="0"/>
+              <a:t> </a:t>
+            </a:r>
+            <a:r>
+              <a:rPr lang="en-US" altLang="ko-KR" sz="2400" dirty="0"/>
+              <a:t>standard</a:t>
+            </a:r>
+            <a:r>
+              <a:rPr lang="ko-KR" altLang="en-US" sz="2400" dirty="0"/>
+              <a:t> </a:t>
+            </a:r>
+            <a:r>
+              <a:rPr lang="en-US" altLang="ko-KR" sz="2400" dirty="0"/>
+              <a:t>HTML</a:t>
+            </a:r>
+            <a:r>
+              <a:rPr lang="ko-KR" altLang="en-US" sz="2400" dirty="0"/>
+              <a:t> </a:t>
+            </a:r>
+            <a:r>
+              <a:rPr lang="en-US" altLang="ko-KR" sz="2400" dirty="0"/>
+              <a:t>fields</a:t>
+            </a:r>
+          </a:p>
+        </p:txBody>
+      </p:sp>
+      <p:sp>
+        <p:nvSpPr>
+          <p:cNvPr id="6" name="직사각형 5">
+            <a:extLst>
+              <a:ext uri="{FF2B5EF4-FFF2-40B4-BE49-F238E27FC236}">
+                <a16:creationId xmlns:a16="http://schemas.microsoft.com/office/drawing/2014/main" id="{6A60F032-B172-43E0-B147-16329887DE8F}"/>
+              </a:ext>
+            </a:extLst>
+          </p:cNvPr>
+          <p:cNvSpPr/>
+          <p:nvPr/>
+        </p:nvSpPr>
+        <p:spPr>
+          <a:xfrm>
+            <a:off x="7620874" y="2196693"/>
+            <a:ext cx="4470512" cy="3754874"/>
+          </a:xfrm>
+          <a:prstGeom prst="rect">
+            <a:avLst/>
+          </a:prstGeom>
+        </p:spPr>
+        <p:txBody>
+          <a:bodyPr wrap="square">
+            <a:spAutoFit/>
+          </a:bodyPr>
+          <a:lstStyle/>
+          <a:p>
+            <a:pPr marL="285750" indent="-285750">
+              <a:buFontTx/>
+              <a:buChar char="-"/>
+            </a:pPr>
+            <a:r>
+              <a:rPr lang="ko-KR" altLang="en-US" sz="1400" dirty="0"/>
+              <a:t>브라우저에서 전송되는 </a:t>
+            </a:r>
+            <a:r>
+              <a:rPr lang="en-US" altLang="ko-KR" sz="1400" dirty="0"/>
+              <a:t>form data</a:t>
+            </a:r>
+            <a:r>
+              <a:rPr lang="ko-KR" altLang="en-US" sz="1400" dirty="0"/>
+              <a:t>를 가지고 작업을 </a:t>
+            </a:r>
+            <a:r>
+              <a:rPr lang="ko-KR" altLang="en-US" sz="1400" dirty="0" err="1"/>
+              <a:t>해야할</a:t>
+            </a:r>
+            <a:r>
+              <a:rPr lang="ko-KR" altLang="en-US" sz="1400" dirty="0"/>
+              <a:t> 때</a:t>
+            </a:r>
+            <a:r>
+              <a:rPr lang="en-US" altLang="ko-KR" sz="1400" dirty="0"/>
+              <a:t>, view code</a:t>
+            </a:r>
+            <a:r>
+              <a:rPr lang="ko-KR" altLang="en-US" sz="1400" dirty="0"/>
+              <a:t>를 읽기가 매우 </a:t>
+            </a:r>
+            <a:r>
+              <a:rPr lang="ko-KR" altLang="en-US" sz="1400" dirty="0" err="1"/>
+              <a:t>어려짐</a:t>
+            </a:r>
+            <a:r>
+              <a:rPr lang="en-US" altLang="ko-KR" sz="1400" dirty="0"/>
+              <a:t>.</a:t>
+            </a:r>
+          </a:p>
+          <a:p>
+            <a:pPr marL="285750" indent="-285750">
+              <a:buFontTx/>
+              <a:buChar char="-"/>
+            </a:pPr>
+            <a:r>
+              <a:rPr lang="ko-KR" altLang="en-US" sz="1400" dirty="0"/>
+              <a:t>이 과정을 더 쉽게 관리할 수 있도록 설계된 라이브러리가 있는데 그것이 </a:t>
+            </a:r>
+            <a:r>
+              <a:rPr lang="en-US" altLang="ko-KR" sz="1400" dirty="0" err="1"/>
+              <a:t>WTForms</a:t>
+            </a:r>
+            <a:r>
+              <a:rPr lang="en-US" altLang="ko-KR" sz="1400" dirty="0"/>
+              <a:t> </a:t>
+            </a:r>
+            <a:r>
+              <a:rPr lang="ko-KR" altLang="en-US" sz="1400" dirty="0"/>
+              <a:t>다</a:t>
+            </a:r>
+            <a:r>
+              <a:rPr lang="en-US" altLang="ko-KR" sz="1400" dirty="0"/>
+              <a:t>.</a:t>
+            </a:r>
+          </a:p>
+          <a:p>
+            <a:pPr marL="285750" indent="-285750">
+              <a:buFontTx/>
+              <a:buChar char="-"/>
+            </a:pPr>
+            <a:r>
+              <a:rPr lang="en-US" altLang="ko-KR" sz="1400" dirty="0" err="1"/>
+              <a:t>WTForms</a:t>
+            </a:r>
+            <a:r>
+              <a:rPr lang="ko-KR" altLang="en-US" sz="1400" dirty="0"/>
+              <a:t>로 작업 </a:t>
+            </a:r>
+            <a:r>
+              <a:rPr lang="ko-KR" altLang="en-US" sz="1400" dirty="0" err="1"/>
+              <a:t>할때는</a:t>
+            </a:r>
+            <a:r>
+              <a:rPr lang="ko-KR" altLang="en-US" sz="1400" dirty="0"/>
+              <a:t> 먼저 </a:t>
+            </a:r>
+            <a:r>
+              <a:rPr lang="en-US" altLang="ko-KR" sz="1400" dirty="0"/>
+              <a:t>class</a:t>
+            </a:r>
+            <a:r>
+              <a:rPr lang="ko-KR" altLang="en-US" sz="1400" dirty="0"/>
+              <a:t>로 그 </a:t>
+            </a:r>
+            <a:r>
+              <a:rPr lang="en-US" altLang="ko-KR" sz="1400" dirty="0"/>
+              <a:t>form</a:t>
+            </a:r>
+            <a:r>
+              <a:rPr lang="ko-KR" altLang="en-US" sz="1400" dirty="0"/>
+              <a:t>들을 정의해야 한다</a:t>
+            </a:r>
+            <a:r>
+              <a:rPr lang="en-US" altLang="ko-KR" sz="1400" dirty="0"/>
+              <a:t>.</a:t>
+            </a:r>
+          </a:p>
+          <a:p>
+            <a:pPr marL="285750" indent="-285750">
+              <a:buFontTx/>
+              <a:buChar char="-"/>
+            </a:pPr>
+            <a:r>
+              <a:rPr lang="ko-KR" altLang="en-US" sz="1400" dirty="0"/>
+              <a:t>어플리케이션을 여러 모듈로 쪼개고 </a:t>
+            </a:r>
+            <a:r>
+              <a:rPr lang="en-US" altLang="ko-KR" sz="1400" dirty="0"/>
+              <a:t>form</a:t>
+            </a:r>
+            <a:r>
+              <a:rPr lang="ko-KR" altLang="en-US" sz="1400" dirty="0"/>
+              <a:t>에 대한 분리된 모듈을 추가하는 것이 권고된다</a:t>
+            </a:r>
+            <a:r>
+              <a:rPr lang="en-US" altLang="ko-KR" sz="1400" dirty="0"/>
+              <a:t>.</a:t>
+            </a:r>
+          </a:p>
+          <a:p>
+            <a:pPr marL="285750" indent="-285750">
+              <a:buFontTx/>
+              <a:buChar char="-"/>
+            </a:pPr>
+            <a:endParaRPr lang="en-US" altLang="ko-KR" sz="1400" dirty="0"/>
+          </a:p>
+          <a:p>
+            <a:pPr marL="285750" indent="-285750">
+              <a:buFontTx/>
+              <a:buChar char="-"/>
+            </a:pPr>
+            <a:r>
+              <a:rPr lang="ko-KR" altLang="en-US" sz="1400" dirty="0"/>
+              <a:t>위의 코드가 전형적인 </a:t>
+            </a:r>
+            <a:r>
+              <a:rPr lang="en-US" altLang="ko-KR" sz="1400" dirty="0"/>
+              <a:t>form </a:t>
+            </a:r>
+            <a:r>
+              <a:rPr lang="ko-KR" altLang="en-US" sz="1400" dirty="0"/>
+              <a:t>예제</a:t>
+            </a:r>
+            <a:endParaRPr lang="en-US" altLang="ko-KR" sz="1400" dirty="0"/>
+          </a:p>
+          <a:p>
+            <a:pPr marL="285750" indent="-285750">
+              <a:buFontTx/>
+              <a:buChar char="-"/>
+            </a:pPr>
+            <a:endParaRPr lang="en-US" altLang="ko-KR" sz="1400" dirty="0"/>
+          </a:p>
+          <a:p>
+            <a:pPr marL="285750" indent="-285750">
+              <a:buFontTx/>
+              <a:buChar char="-"/>
+            </a:pPr>
+            <a:r>
+              <a:rPr lang="en-US" altLang="ko-KR" sz="1400" dirty="0"/>
+              <a:t>Form</a:t>
+            </a:r>
+            <a:r>
+              <a:rPr lang="ko-KR" altLang="en-US" sz="1400" dirty="0"/>
+              <a:t>에 맞는 것을 사용</a:t>
+            </a:r>
+            <a:endParaRPr lang="en-US" altLang="ko-KR" sz="1400" dirty="0"/>
+          </a:p>
+          <a:p>
+            <a:pPr marL="285750" indent="-285750">
+              <a:buFontTx/>
+              <a:buChar char="-"/>
+            </a:pPr>
+            <a:r>
+              <a:rPr lang="en-US" altLang="ko-KR" sz="1400" dirty="0" err="1"/>
+              <a:t>StringField</a:t>
+            </a:r>
+            <a:endParaRPr lang="en-US" altLang="ko-KR" sz="1400" dirty="0"/>
+          </a:p>
+          <a:p>
+            <a:pPr marL="285750" indent="-285750">
+              <a:buFontTx/>
+              <a:buChar char="-"/>
+            </a:pPr>
+            <a:r>
+              <a:rPr lang="en-US" altLang="ko-KR" sz="1400" dirty="0" err="1"/>
+              <a:t>PasswordField</a:t>
+            </a:r>
+            <a:endParaRPr lang="en-US" altLang="ko-KR" sz="1400" dirty="0"/>
+          </a:p>
+          <a:p>
+            <a:pPr marL="285750" indent="-285750">
+              <a:buFontTx/>
+              <a:buChar char="-"/>
+            </a:pPr>
+            <a:r>
+              <a:rPr lang="en-US" altLang="ko-KR" sz="1400" dirty="0" err="1"/>
+              <a:t>SubmitField</a:t>
+            </a:r>
+            <a:endParaRPr lang="en-US" altLang="ko-KR" sz="1400" dirty="0"/>
+          </a:p>
+          <a:p>
+            <a:pPr marL="285750" indent="-285750">
+              <a:buFontTx/>
+              <a:buChar char="-"/>
+            </a:pPr>
+            <a:r>
+              <a:rPr lang="en-US" altLang="ko-KR" sz="1400" dirty="0" err="1"/>
+              <a:t>BooleanField</a:t>
+            </a:r>
+            <a:endParaRPr lang="en-US" altLang="ko-KR" sz="1400" dirty="0"/>
+          </a:p>
+          <a:p>
+            <a:pPr marL="285750" indent="-285750">
+              <a:buFontTx/>
+              <a:buChar char="-"/>
+            </a:pPr>
+            <a:endParaRPr lang="en-US" altLang="ko-KR" sz="1400" dirty="0"/>
+          </a:p>
+        </p:txBody>
+      </p:sp>
+      <p:pic>
+        <p:nvPicPr>
+          <p:cNvPr id="3" name="그림 2">
+            <a:extLst>
+              <a:ext uri="{FF2B5EF4-FFF2-40B4-BE49-F238E27FC236}">
+                <a16:creationId xmlns:a16="http://schemas.microsoft.com/office/drawing/2014/main" id="{352C2449-9DB4-49A0-A914-99B0B2667B71}"/>
+              </a:ext>
+            </a:extLst>
+          </p:cNvPr>
+          <p:cNvPicPr>
+            <a:picLocks noChangeAspect="1"/>
+          </p:cNvPicPr>
+          <p:nvPr/>
+        </p:nvPicPr>
+        <p:blipFill>
+          <a:blip r:embed="rId2"/>
+          <a:stretch>
+            <a:fillRect/>
+          </a:stretch>
+        </p:blipFill>
+        <p:spPr>
+          <a:xfrm>
+            <a:off x="1507600" y="1712962"/>
+            <a:ext cx="5170787" cy="5047965"/>
+          </a:xfrm>
+          <a:prstGeom prst="rect">
+            <a:avLst/>
+          </a:prstGeom>
+        </p:spPr>
+      </p:pic>
+    </p:spTree>
+    <p:extLst>
+      <p:ext uri="{BB962C8B-B14F-4D97-AF65-F5344CB8AC3E}">
+        <p14:creationId xmlns:p14="http://schemas.microsoft.com/office/powerpoint/2010/main" val="729960550"/>
+      </p:ext>
+    </p:extLst>
+  </p:cSld>
+  <p:clrMapOvr>
+    <a:masterClrMapping/>
+  </p:clrMapOvr>
+</p:sld>
+</file>
+
+<file path=ppt/slides/slide6.xml><?xml version="1.0" encoding="utf-8"?>
+<p:sld xmlns:a="http://schemas.openxmlformats.org/drawingml/2006/main" xmlns:r="http://schemas.openxmlformats.org/officeDocument/2006/relationships" xmlns:p="http://schemas.openxmlformats.org/presentationml/2006/main">
+  <p:cSld>
+    <p:spTree>
+      <p:nvGrpSpPr>
+        <p:cNvPr id="1" name=""/>
+        <p:cNvGrpSpPr/>
+        <p:nvPr/>
+      </p:nvGrpSpPr>
+      <p:grpSpPr>
+        <a:xfrm>
+          <a:off x="0" y="0"/>
+          <a:ext cx="0" cy="0"/>
+          <a:chOff x="0" y="0"/>
+          <a:chExt cx="0" cy="0"/>
+        </a:xfrm>
+      </p:grpSpPr>
+      <p:sp>
+        <p:nvSpPr>
+          <p:cNvPr id="2" name="제목 1">
+            <a:extLst>
+              <a:ext uri="{FF2B5EF4-FFF2-40B4-BE49-F238E27FC236}">
+                <a16:creationId xmlns:a16="http://schemas.microsoft.com/office/drawing/2014/main" id="{2EC833C6-FAC3-442B-803D-3FB02DF07980}"/>
+              </a:ext>
+            </a:extLst>
+          </p:cNvPr>
+          <p:cNvSpPr>
+            <a:spLocks noGrp="1"/>
+          </p:cNvSpPr>
+          <p:nvPr>
+            <p:ph type="title"/>
+          </p:nvPr>
+        </p:nvSpPr>
+        <p:spPr>
+          <a:xfrm>
+            <a:off x="677334" y="609600"/>
+            <a:ext cx="8596668" cy="517864"/>
+          </a:xfrm>
+        </p:spPr>
+        <p:txBody>
+          <a:bodyPr>
+            <a:normAutofit fontScale="90000"/>
+          </a:bodyPr>
+          <a:lstStyle/>
+          <a:p>
+            <a:r>
+              <a:rPr lang="en-US" altLang="ko-KR" dirty="0"/>
+              <a:t>3. Forms and User Input</a:t>
+            </a:r>
+            <a:endParaRPr lang="ko-KR" altLang="en-US" dirty="0"/>
+          </a:p>
+        </p:txBody>
+      </p:sp>
+      <p:sp>
+        <p:nvSpPr>
+          <p:cNvPr id="4" name="제목 1">
+            <a:extLst>
+              <a:ext uri="{FF2B5EF4-FFF2-40B4-BE49-F238E27FC236}">
+                <a16:creationId xmlns:a16="http://schemas.microsoft.com/office/drawing/2014/main" id="{824331F3-9831-4A24-AC95-4771B0BCE333}"/>
+              </a:ext>
+            </a:extLst>
+          </p:cNvPr>
+          <p:cNvSpPr txBox="1">
+            <a:spLocks/>
+          </p:cNvSpPr>
+          <p:nvPr/>
+        </p:nvSpPr>
+        <p:spPr>
+          <a:xfrm>
+            <a:off x="1307647" y="1180730"/>
+            <a:ext cx="8022783" cy="436518"/>
+          </a:xfrm>
+          <a:prstGeom prst="rect">
+            <a:avLst/>
+          </a:prstGeom>
+        </p:spPr>
+        <p:txBody>
+          <a:bodyPr vert="horz" lIns="91440" tIns="45720" rIns="91440" bIns="45720" rtlCol="0" anchor="t">
+            <a:normAutofit lnSpcReduction="10000"/>
+          </a:bodyPr>
+          <a:lstStyle>
+            <a:lvl1pPr algn="l" defTabSz="457200" rtl="0" eaLnBrk="1" latinLnBrk="1" hangingPunct="1">
+              <a:spcBef>
+                <a:spcPct val="0"/>
+              </a:spcBef>
+              <a:buNone/>
+              <a:defRPr sz="3600" kern="1200">
+                <a:solidFill>
+                  <a:schemeClr val="accent1"/>
+                </a:solidFill>
+                <a:latin typeface="+mj-lt"/>
+                <a:ea typeface="+mj-ea"/>
+                <a:cs typeface="+mj-cs"/>
+              </a:defRPr>
+            </a:lvl1pPr>
+            <a:lvl2pPr eaLnBrk="1" latinLnBrk="1" hangingPunct="1">
+              <a:defRPr>
+                <a:solidFill>
+                  <a:schemeClr val="tx2"/>
+                </a:solidFill>
+              </a:defRPr>
+            </a:lvl2pPr>
+            <a:lvl3pPr eaLnBrk="1" latinLnBrk="1" hangingPunct="1">
+              <a:defRPr>
+                <a:solidFill>
+                  <a:schemeClr val="tx2"/>
+                </a:solidFill>
+              </a:defRPr>
+            </a:lvl3pPr>
+            <a:lvl4pPr eaLnBrk="1" latinLnBrk="1" hangingPunct="1">
+              <a:defRPr>
+                <a:solidFill>
+                  <a:schemeClr val="tx2"/>
+                </a:solidFill>
+              </a:defRPr>
+            </a:lvl4pPr>
+            <a:lvl5pPr eaLnBrk="1" latinLnBrk="1" hangingPunct="1">
+              <a:defRPr>
+                <a:solidFill>
+                  <a:schemeClr val="tx2"/>
+                </a:solidFill>
+              </a:defRPr>
+            </a:lvl5pPr>
+            <a:lvl6pPr eaLnBrk="1" latinLnBrk="1" hangingPunct="1">
+              <a:defRPr>
+                <a:solidFill>
+                  <a:schemeClr val="tx2"/>
+                </a:solidFill>
+              </a:defRPr>
+            </a:lvl6pPr>
+            <a:lvl7pPr eaLnBrk="1" latinLnBrk="1" hangingPunct="1">
+              <a:defRPr>
+                <a:solidFill>
+                  <a:schemeClr val="tx2"/>
+                </a:solidFill>
+              </a:defRPr>
+            </a:lvl7pPr>
+            <a:lvl8pPr eaLnBrk="1" latinLnBrk="1" hangingPunct="1">
+              <a:defRPr>
+                <a:solidFill>
+                  <a:schemeClr val="tx2"/>
+                </a:solidFill>
+              </a:defRPr>
+            </a:lvl8pPr>
+            <a:lvl9pPr eaLnBrk="1" latinLnBrk="1" hangingPunct="1">
+              <a:defRPr>
+                <a:solidFill>
+                  <a:schemeClr val="tx2"/>
+                </a:solidFill>
+              </a:defRPr>
+            </a:lvl9pPr>
+          </a:lstStyle>
+          <a:p>
+            <a:r>
+              <a:rPr lang="en-US" altLang="ko-KR" sz="2400" dirty="0" err="1"/>
+              <a:t>WTForms</a:t>
+            </a:r>
+            <a:r>
+              <a:rPr lang="en-US" altLang="ko-KR" sz="2400" dirty="0"/>
+              <a:t> Validator</a:t>
+            </a:r>
+          </a:p>
+        </p:txBody>
+      </p:sp>
+      <p:sp>
+        <p:nvSpPr>
+          <p:cNvPr id="6" name="직사각형 5">
+            <a:extLst>
+              <a:ext uri="{FF2B5EF4-FFF2-40B4-BE49-F238E27FC236}">
+                <a16:creationId xmlns:a16="http://schemas.microsoft.com/office/drawing/2014/main" id="{6A60F032-B172-43E0-B147-16329887DE8F}"/>
+              </a:ext>
+            </a:extLst>
+          </p:cNvPr>
+          <p:cNvSpPr/>
+          <p:nvPr/>
+        </p:nvSpPr>
+        <p:spPr>
+          <a:xfrm>
+            <a:off x="7620874" y="2196693"/>
+            <a:ext cx="4470512" cy="3754874"/>
+          </a:xfrm>
+          <a:prstGeom prst="rect">
+            <a:avLst/>
+          </a:prstGeom>
+        </p:spPr>
+        <p:txBody>
+          <a:bodyPr wrap="square">
+            <a:spAutoFit/>
+          </a:bodyPr>
+          <a:lstStyle/>
+          <a:p>
+            <a:pPr marL="285750" indent="-285750">
+              <a:buFontTx/>
+              <a:buChar char="-"/>
+            </a:pPr>
+            <a:r>
+              <a:rPr lang="ko-KR" altLang="en-US" sz="1400" dirty="0"/>
+              <a:t>브라우저에서 전송되는 </a:t>
+            </a:r>
+            <a:r>
+              <a:rPr lang="en-US" altLang="ko-KR" sz="1400" dirty="0"/>
+              <a:t>form data</a:t>
+            </a:r>
+            <a:r>
+              <a:rPr lang="ko-KR" altLang="en-US" sz="1400" dirty="0"/>
+              <a:t>를 가지고 작업을 </a:t>
+            </a:r>
+            <a:r>
+              <a:rPr lang="ko-KR" altLang="en-US" sz="1400" dirty="0" err="1"/>
+              <a:t>해야할</a:t>
+            </a:r>
+            <a:r>
+              <a:rPr lang="ko-KR" altLang="en-US" sz="1400" dirty="0"/>
+              <a:t> 때</a:t>
+            </a:r>
+            <a:r>
+              <a:rPr lang="en-US" altLang="ko-KR" sz="1400" dirty="0"/>
+              <a:t>, view code</a:t>
+            </a:r>
+            <a:r>
+              <a:rPr lang="ko-KR" altLang="en-US" sz="1400" dirty="0"/>
+              <a:t>를 읽기가 매우 </a:t>
+            </a:r>
+            <a:r>
+              <a:rPr lang="ko-KR" altLang="en-US" sz="1400" dirty="0" err="1"/>
+              <a:t>어려짐</a:t>
+            </a:r>
+            <a:r>
+              <a:rPr lang="en-US" altLang="ko-KR" sz="1400" dirty="0"/>
+              <a:t>.</a:t>
+            </a:r>
+          </a:p>
+          <a:p>
+            <a:pPr marL="285750" indent="-285750">
+              <a:buFontTx/>
+              <a:buChar char="-"/>
+            </a:pPr>
+            <a:r>
+              <a:rPr lang="ko-KR" altLang="en-US" sz="1400" dirty="0"/>
+              <a:t>이 과정을 더 쉽게 관리할 수 있도록 설계된 라이브러리가 있는데 그것이 </a:t>
+            </a:r>
+            <a:r>
+              <a:rPr lang="en-US" altLang="ko-KR" sz="1400" dirty="0" err="1"/>
+              <a:t>WTForms</a:t>
+            </a:r>
+            <a:r>
+              <a:rPr lang="en-US" altLang="ko-KR" sz="1400" dirty="0"/>
+              <a:t> </a:t>
+            </a:r>
+            <a:r>
+              <a:rPr lang="ko-KR" altLang="en-US" sz="1400" dirty="0"/>
+              <a:t>다</a:t>
+            </a:r>
+            <a:r>
+              <a:rPr lang="en-US" altLang="ko-KR" sz="1400" dirty="0"/>
+              <a:t>.</a:t>
+            </a:r>
+          </a:p>
+          <a:p>
+            <a:pPr marL="285750" indent="-285750">
+              <a:buFontTx/>
+              <a:buChar char="-"/>
+            </a:pPr>
+            <a:r>
+              <a:rPr lang="en-US" altLang="ko-KR" sz="1400" dirty="0" err="1"/>
+              <a:t>WTForms</a:t>
+            </a:r>
+            <a:r>
+              <a:rPr lang="ko-KR" altLang="en-US" sz="1400" dirty="0"/>
+              <a:t>로 작업 </a:t>
+            </a:r>
+            <a:r>
+              <a:rPr lang="ko-KR" altLang="en-US" sz="1400" dirty="0" err="1"/>
+              <a:t>할때는</a:t>
+            </a:r>
+            <a:r>
+              <a:rPr lang="ko-KR" altLang="en-US" sz="1400" dirty="0"/>
+              <a:t> 먼저 </a:t>
+            </a:r>
+            <a:r>
+              <a:rPr lang="en-US" altLang="ko-KR" sz="1400" dirty="0"/>
+              <a:t>class</a:t>
+            </a:r>
+            <a:r>
+              <a:rPr lang="ko-KR" altLang="en-US" sz="1400" dirty="0"/>
+              <a:t>로 그 </a:t>
+            </a:r>
+            <a:r>
+              <a:rPr lang="en-US" altLang="ko-KR" sz="1400" dirty="0"/>
+              <a:t>form</a:t>
+            </a:r>
+            <a:r>
+              <a:rPr lang="ko-KR" altLang="en-US" sz="1400" dirty="0"/>
+              <a:t>들을 정의해야 한다</a:t>
+            </a:r>
+            <a:r>
+              <a:rPr lang="en-US" altLang="ko-KR" sz="1400" dirty="0"/>
+              <a:t>.</a:t>
+            </a:r>
+          </a:p>
+          <a:p>
+            <a:pPr marL="285750" indent="-285750">
+              <a:buFontTx/>
+              <a:buChar char="-"/>
+            </a:pPr>
+            <a:r>
+              <a:rPr lang="ko-KR" altLang="en-US" sz="1400" dirty="0"/>
+              <a:t>어플리케이션을 여러 모듈로 쪼개고 </a:t>
+            </a:r>
+            <a:r>
+              <a:rPr lang="en-US" altLang="ko-KR" sz="1400" dirty="0"/>
+              <a:t>form</a:t>
+            </a:r>
+            <a:r>
+              <a:rPr lang="ko-KR" altLang="en-US" sz="1400" dirty="0"/>
+              <a:t>에 대한 분리된 모듈을 추가하는 것이 권고된다</a:t>
+            </a:r>
+            <a:r>
+              <a:rPr lang="en-US" altLang="ko-KR" sz="1400" dirty="0"/>
+              <a:t>.</a:t>
+            </a:r>
+          </a:p>
+          <a:p>
+            <a:pPr marL="285750" indent="-285750">
+              <a:buFontTx/>
+              <a:buChar char="-"/>
+            </a:pPr>
+            <a:endParaRPr lang="en-US" altLang="ko-KR" sz="1400" dirty="0"/>
+          </a:p>
+          <a:p>
+            <a:pPr marL="285750" indent="-285750">
+              <a:buFontTx/>
+              <a:buChar char="-"/>
+            </a:pPr>
+            <a:r>
+              <a:rPr lang="ko-KR" altLang="en-US" sz="1400" dirty="0"/>
+              <a:t>위의 코드가 전형적인 </a:t>
+            </a:r>
+            <a:r>
+              <a:rPr lang="en-US" altLang="ko-KR" sz="1400" dirty="0"/>
+              <a:t>form </a:t>
+            </a:r>
+            <a:r>
+              <a:rPr lang="ko-KR" altLang="en-US" sz="1400" dirty="0"/>
+              <a:t>예제</a:t>
+            </a:r>
+            <a:endParaRPr lang="en-US" altLang="ko-KR" sz="1400" dirty="0"/>
+          </a:p>
+          <a:p>
+            <a:pPr marL="285750" indent="-285750">
+              <a:buFontTx/>
+              <a:buChar char="-"/>
+            </a:pPr>
+            <a:endParaRPr lang="en-US" altLang="ko-KR" sz="1400" dirty="0"/>
+          </a:p>
+          <a:p>
+            <a:pPr marL="285750" indent="-285750">
+              <a:buFontTx/>
+              <a:buChar char="-"/>
+            </a:pPr>
+            <a:r>
+              <a:rPr lang="en-US" altLang="ko-KR" sz="1400" dirty="0"/>
+              <a:t>Form</a:t>
+            </a:r>
+            <a:r>
+              <a:rPr lang="ko-KR" altLang="en-US" sz="1400" dirty="0"/>
+              <a:t>에 맞는 것을 사용</a:t>
+            </a:r>
+            <a:endParaRPr lang="en-US" altLang="ko-KR" sz="1400" dirty="0"/>
+          </a:p>
+          <a:p>
+            <a:pPr marL="285750" indent="-285750">
+              <a:buFontTx/>
+              <a:buChar char="-"/>
+            </a:pPr>
+            <a:r>
+              <a:rPr lang="en-US" altLang="ko-KR" sz="1400" dirty="0" err="1"/>
+              <a:t>StringField</a:t>
+            </a:r>
+            <a:endParaRPr lang="en-US" altLang="ko-KR" sz="1400" dirty="0"/>
+          </a:p>
+          <a:p>
+            <a:pPr marL="285750" indent="-285750">
+              <a:buFontTx/>
+              <a:buChar char="-"/>
+            </a:pPr>
+            <a:r>
+              <a:rPr lang="en-US" altLang="ko-KR" sz="1400" dirty="0" err="1"/>
+              <a:t>PasswordField</a:t>
+            </a:r>
+            <a:endParaRPr lang="en-US" altLang="ko-KR" sz="1400" dirty="0"/>
+          </a:p>
+          <a:p>
+            <a:pPr marL="285750" indent="-285750">
+              <a:buFontTx/>
+              <a:buChar char="-"/>
+            </a:pPr>
+            <a:r>
+              <a:rPr lang="en-US" altLang="ko-KR" sz="1400" dirty="0" err="1"/>
+              <a:t>SubmitField</a:t>
+            </a:r>
+            <a:endParaRPr lang="en-US" altLang="ko-KR" sz="1400" dirty="0"/>
+          </a:p>
+          <a:p>
+            <a:pPr marL="285750" indent="-285750">
+              <a:buFontTx/>
+              <a:buChar char="-"/>
+            </a:pPr>
+            <a:r>
+              <a:rPr lang="en-US" altLang="ko-KR" sz="1400" dirty="0" err="1"/>
+              <a:t>BooleanField</a:t>
+            </a:r>
+            <a:endParaRPr lang="en-US" altLang="ko-KR" sz="1400" dirty="0"/>
+          </a:p>
+          <a:p>
+            <a:pPr marL="285750" indent="-285750">
+              <a:buFontTx/>
+              <a:buChar char="-"/>
+            </a:pPr>
+            <a:endParaRPr lang="en-US" altLang="ko-KR" sz="1400" dirty="0"/>
+          </a:p>
+        </p:txBody>
+      </p:sp>
+      <p:pic>
+        <p:nvPicPr>
+          <p:cNvPr id="5" name="그림 4">
+            <a:extLst>
+              <a:ext uri="{FF2B5EF4-FFF2-40B4-BE49-F238E27FC236}">
+                <a16:creationId xmlns:a16="http://schemas.microsoft.com/office/drawing/2014/main" id="{766B28D3-2C05-43A6-9806-8A328D94057C}"/>
+              </a:ext>
+            </a:extLst>
+          </p:cNvPr>
+          <p:cNvPicPr>
+            <a:picLocks noChangeAspect="1"/>
+          </p:cNvPicPr>
+          <p:nvPr/>
+        </p:nvPicPr>
+        <p:blipFill>
+          <a:blip r:embed="rId2"/>
+          <a:stretch>
+            <a:fillRect/>
+          </a:stretch>
+        </p:blipFill>
+        <p:spPr>
+          <a:xfrm>
+            <a:off x="893385" y="2145893"/>
+            <a:ext cx="6539607" cy="3483176"/>
+          </a:xfrm>
+          <a:prstGeom prst="rect">
+            <a:avLst/>
+          </a:prstGeom>
+        </p:spPr>
+      </p:pic>
+    </p:spTree>
+    <p:extLst>
+      <p:ext uri="{BB962C8B-B14F-4D97-AF65-F5344CB8AC3E}">
+        <p14:creationId xmlns:p14="http://schemas.microsoft.com/office/powerpoint/2010/main" val="1528351578"/>
+      </p:ext>
+    </p:extLst>
+  </p:cSld>
+  <p:clrMapOvr>
+    <a:masterClrMapping/>
+  </p:clrMapOvr>
+</p:sld>
+</file>
+
+<file path=ppt/slides/slide7.xml><?xml version="1.0" encoding="utf-8"?>
+<p:sld xmlns:a="http://schemas.openxmlformats.org/drawingml/2006/main" xmlns:r="http://schemas.openxmlformats.org/officeDocument/2006/relationships" xmlns:p="http://schemas.openxmlformats.org/presentationml/2006/main">
+  <p:cSld>
+    <p:spTree>
+      <p:nvGrpSpPr>
+        <p:cNvPr id="1" name=""/>
+        <p:cNvGrpSpPr/>
+        <p:nvPr/>
+      </p:nvGrpSpPr>
+      <p:grpSpPr>
+        <a:xfrm>
+          <a:off x="0" y="0"/>
+          <a:ext cx="0" cy="0"/>
+          <a:chOff x="0" y="0"/>
+          <a:chExt cx="0" cy="0"/>
+        </a:xfrm>
+      </p:grpSpPr>
+      <p:sp>
+        <p:nvSpPr>
+          <p:cNvPr id="2" name="제목 1">
+            <a:extLst>
+              <a:ext uri="{FF2B5EF4-FFF2-40B4-BE49-F238E27FC236}">
+                <a16:creationId xmlns:a16="http://schemas.microsoft.com/office/drawing/2014/main" id="{2EC833C6-FAC3-442B-803D-3FB02DF07980}"/>
+              </a:ext>
+            </a:extLst>
+          </p:cNvPr>
+          <p:cNvSpPr>
+            <a:spLocks noGrp="1"/>
+          </p:cNvSpPr>
+          <p:nvPr>
+            <p:ph type="title"/>
+          </p:nvPr>
+        </p:nvSpPr>
+        <p:spPr>
+          <a:xfrm>
+            <a:off x="677334" y="609600"/>
+            <a:ext cx="8596668" cy="517864"/>
+          </a:xfrm>
+        </p:spPr>
+        <p:txBody>
+          <a:bodyPr>
+            <a:normAutofit fontScale="90000"/>
+          </a:bodyPr>
+          <a:lstStyle/>
+          <a:p>
+            <a:r>
+              <a:rPr lang="en-US" altLang="ko-KR" dirty="0"/>
+              <a:t>3. Forms and User Input</a:t>
+            </a:r>
+            <a:endParaRPr lang="ko-KR" altLang="en-US" dirty="0"/>
+          </a:p>
+        </p:txBody>
+      </p:sp>
+      <p:sp>
+        <p:nvSpPr>
+          <p:cNvPr id="4" name="제목 1">
+            <a:extLst>
+              <a:ext uri="{FF2B5EF4-FFF2-40B4-BE49-F238E27FC236}">
+                <a16:creationId xmlns:a16="http://schemas.microsoft.com/office/drawing/2014/main" id="{824331F3-9831-4A24-AC95-4771B0BCE333}"/>
+              </a:ext>
+            </a:extLst>
+          </p:cNvPr>
+          <p:cNvSpPr txBox="1">
+            <a:spLocks/>
+          </p:cNvSpPr>
+          <p:nvPr/>
+        </p:nvSpPr>
+        <p:spPr>
+          <a:xfrm>
+            <a:off x="1307647" y="1180730"/>
+            <a:ext cx="8022783" cy="436518"/>
+          </a:xfrm>
+          <a:prstGeom prst="rect">
+            <a:avLst/>
+          </a:prstGeom>
+        </p:spPr>
+        <p:txBody>
+          <a:bodyPr vert="horz" lIns="91440" tIns="45720" rIns="91440" bIns="45720" rtlCol="0" anchor="t">
+            <a:normAutofit lnSpcReduction="10000"/>
+          </a:bodyPr>
+          <a:lstStyle>
+            <a:lvl1pPr algn="l" defTabSz="457200" rtl="0" eaLnBrk="1" latinLnBrk="1" hangingPunct="1">
+              <a:spcBef>
+                <a:spcPct val="0"/>
+              </a:spcBef>
+              <a:buNone/>
+              <a:defRPr sz="3600" kern="1200">
+                <a:solidFill>
+                  <a:schemeClr val="accent1"/>
+                </a:solidFill>
+                <a:latin typeface="+mj-lt"/>
+                <a:ea typeface="+mj-ea"/>
+                <a:cs typeface="+mj-cs"/>
+              </a:defRPr>
+            </a:lvl1pPr>
+            <a:lvl2pPr eaLnBrk="1" latinLnBrk="1" hangingPunct="1">
+              <a:defRPr>
+                <a:solidFill>
+                  <a:schemeClr val="tx2"/>
+                </a:solidFill>
+              </a:defRPr>
+            </a:lvl2pPr>
+            <a:lvl3pPr eaLnBrk="1" latinLnBrk="1" hangingPunct="1">
+              <a:defRPr>
+                <a:solidFill>
+                  <a:schemeClr val="tx2"/>
+                </a:solidFill>
+              </a:defRPr>
+            </a:lvl3pPr>
+            <a:lvl4pPr eaLnBrk="1" latinLnBrk="1" hangingPunct="1">
+              <a:defRPr>
+                <a:solidFill>
+                  <a:schemeClr val="tx2"/>
+                </a:solidFill>
+              </a:defRPr>
+            </a:lvl4pPr>
+            <a:lvl5pPr eaLnBrk="1" latinLnBrk="1" hangingPunct="1">
+              <a:defRPr>
+                <a:solidFill>
+                  <a:schemeClr val="tx2"/>
+                </a:solidFill>
+              </a:defRPr>
+            </a:lvl5pPr>
+            <a:lvl6pPr eaLnBrk="1" latinLnBrk="1" hangingPunct="1">
+              <a:defRPr>
+                <a:solidFill>
+                  <a:schemeClr val="tx2"/>
+                </a:solidFill>
+              </a:defRPr>
+            </a:lvl6pPr>
+            <a:lvl7pPr eaLnBrk="1" latinLnBrk="1" hangingPunct="1">
+              <a:defRPr>
+                <a:solidFill>
+                  <a:schemeClr val="tx2"/>
+                </a:solidFill>
+              </a:defRPr>
+            </a:lvl7pPr>
+            <a:lvl8pPr eaLnBrk="1" latinLnBrk="1" hangingPunct="1">
+              <a:defRPr>
+                <a:solidFill>
+                  <a:schemeClr val="tx2"/>
+                </a:solidFill>
+              </a:defRPr>
+            </a:lvl8pPr>
+            <a:lvl9pPr eaLnBrk="1" latinLnBrk="1" hangingPunct="1">
+              <a:defRPr>
+                <a:solidFill>
+                  <a:schemeClr val="tx2"/>
+                </a:solidFill>
+              </a:defRPr>
+            </a:lvl9pPr>
+          </a:lstStyle>
+          <a:p>
+            <a:r>
               <a:rPr lang="en-US" altLang="ko-KR" sz="2400" dirty="0"/>
               <a:t>In the view</a:t>
             </a:r>
@@ -7181,6 +9287,961 @@
     <p:extLst>
       <p:ext uri="{BB962C8B-B14F-4D97-AF65-F5344CB8AC3E}">
         <p14:creationId xmlns:p14="http://schemas.microsoft.com/office/powerpoint/2010/main" val="2791102259"/>
+      </p:ext>
+    </p:extLst>
+  </p:cSld>
+  <p:clrMapOvr>
+    <a:masterClrMapping/>
+  </p:clrMapOvr>
+</p:sld>
+</file>
+
+<file path=ppt/slides/slide8.xml><?xml version="1.0" encoding="utf-8"?>
+<p:sld xmlns:a="http://schemas.openxmlformats.org/drawingml/2006/main" xmlns:r="http://schemas.openxmlformats.org/officeDocument/2006/relationships" xmlns:p="http://schemas.openxmlformats.org/presentationml/2006/main">
+  <p:cSld>
+    <p:spTree>
+      <p:nvGrpSpPr>
+        <p:cNvPr id="1" name=""/>
+        <p:cNvGrpSpPr/>
+        <p:nvPr/>
+      </p:nvGrpSpPr>
+      <p:grpSpPr>
+        <a:xfrm>
+          <a:off x="0" y="0"/>
+          <a:ext cx="0" cy="0"/>
+          <a:chOff x="0" y="0"/>
+          <a:chExt cx="0" cy="0"/>
+        </a:xfrm>
+      </p:grpSpPr>
+      <p:sp>
+        <p:nvSpPr>
+          <p:cNvPr id="2" name="제목 1">
+            <a:extLst>
+              <a:ext uri="{FF2B5EF4-FFF2-40B4-BE49-F238E27FC236}">
+                <a16:creationId xmlns:a16="http://schemas.microsoft.com/office/drawing/2014/main" id="{2EC833C6-FAC3-442B-803D-3FB02DF07980}"/>
+              </a:ext>
+            </a:extLst>
+          </p:cNvPr>
+          <p:cNvSpPr>
+            <a:spLocks noGrp="1"/>
+          </p:cNvSpPr>
+          <p:nvPr>
+            <p:ph type="title"/>
+          </p:nvPr>
+        </p:nvSpPr>
+        <p:spPr>
+          <a:xfrm>
+            <a:off x="677334" y="609600"/>
+            <a:ext cx="8596668" cy="517864"/>
+          </a:xfrm>
+        </p:spPr>
+        <p:txBody>
+          <a:bodyPr>
+            <a:normAutofit fontScale="90000"/>
+          </a:bodyPr>
+          <a:lstStyle/>
+          <a:p>
+            <a:r>
+              <a:rPr lang="en-US" altLang="ko-KR" dirty="0"/>
+              <a:t>3. Forms and User Input</a:t>
+            </a:r>
+            <a:endParaRPr lang="ko-KR" altLang="en-US" dirty="0"/>
+          </a:p>
+        </p:txBody>
+      </p:sp>
+      <p:sp>
+        <p:nvSpPr>
+          <p:cNvPr id="4" name="제목 1">
+            <a:extLst>
+              <a:ext uri="{FF2B5EF4-FFF2-40B4-BE49-F238E27FC236}">
+                <a16:creationId xmlns:a16="http://schemas.microsoft.com/office/drawing/2014/main" id="{824331F3-9831-4A24-AC95-4771B0BCE333}"/>
+              </a:ext>
+            </a:extLst>
+          </p:cNvPr>
+          <p:cNvSpPr txBox="1">
+            <a:spLocks/>
+          </p:cNvSpPr>
+          <p:nvPr/>
+        </p:nvSpPr>
+        <p:spPr>
+          <a:xfrm>
+            <a:off x="1307647" y="1180730"/>
+            <a:ext cx="8022783" cy="436518"/>
+          </a:xfrm>
+          <a:prstGeom prst="rect">
+            <a:avLst/>
+          </a:prstGeom>
+        </p:spPr>
+        <p:txBody>
+          <a:bodyPr vert="horz" lIns="91440" tIns="45720" rIns="91440" bIns="45720" rtlCol="0" anchor="t">
+            <a:normAutofit lnSpcReduction="10000"/>
+          </a:bodyPr>
+          <a:lstStyle>
+            <a:lvl1pPr algn="l" defTabSz="457200" rtl="0" eaLnBrk="1" latinLnBrk="1" hangingPunct="1">
+              <a:spcBef>
+                <a:spcPct val="0"/>
+              </a:spcBef>
+              <a:buNone/>
+              <a:defRPr sz="3600" kern="1200">
+                <a:solidFill>
+                  <a:schemeClr val="accent1"/>
+                </a:solidFill>
+                <a:latin typeface="+mj-lt"/>
+                <a:ea typeface="+mj-ea"/>
+                <a:cs typeface="+mj-cs"/>
+              </a:defRPr>
+            </a:lvl1pPr>
+            <a:lvl2pPr eaLnBrk="1" latinLnBrk="1" hangingPunct="1">
+              <a:defRPr>
+                <a:solidFill>
+                  <a:schemeClr val="tx2"/>
+                </a:solidFill>
+              </a:defRPr>
+            </a:lvl2pPr>
+            <a:lvl3pPr eaLnBrk="1" latinLnBrk="1" hangingPunct="1">
+              <a:defRPr>
+                <a:solidFill>
+                  <a:schemeClr val="tx2"/>
+                </a:solidFill>
+              </a:defRPr>
+            </a:lvl3pPr>
+            <a:lvl4pPr eaLnBrk="1" latinLnBrk="1" hangingPunct="1">
+              <a:defRPr>
+                <a:solidFill>
+                  <a:schemeClr val="tx2"/>
+                </a:solidFill>
+              </a:defRPr>
+            </a:lvl4pPr>
+            <a:lvl5pPr eaLnBrk="1" latinLnBrk="1" hangingPunct="1">
+              <a:defRPr>
+                <a:solidFill>
+                  <a:schemeClr val="tx2"/>
+                </a:solidFill>
+              </a:defRPr>
+            </a:lvl5pPr>
+            <a:lvl6pPr eaLnBrk="1" latinLnBrk="1" hangingPunct="1">
+              <a:defRPr>
+                <a:solidFill>
+                  <a:schemeClr val="tx2"/>
+                </a:solidFill>
+              </a:defRPr>
+            </a:lvl6pPr>
+            <a:lvl7pPr eaLnBrk="1" latinLnBrk="1" hangingPunct="1">
+              <a:defRPr>
+                <a:solidFill>
+                  <a:schemeClr val="tx2"/>
+                </a:solidFill>
+              </a:defRPr>
+            </a:lvl7pPr>
+            <a:lvl8pPr eaLnBrk="1" latinLnBrk="1" hangingPunct="1">
+              <a:defRPr>
+                <a:solidFill>
+                  <a:schemeClr val="tx2"/>
+                </a:solidFill>
+              </a:defRPr>
+            </a:lvl8pPr>
+            <a:lvl9pPr eaLnBrk="1" latinLnBrk="1" hangingPunct="1">
+              <a:defRPr>
+                <a:solidFill>
+                  <a:schemeClr val="tx2"/>
+                </a:solidFill>
+              </a:defRPr>
+            </a:lvl9pPr>
+          </a:lstStyle>
+          <a:p>
+            <a:r>
+              <a:rPr lang="en-US" altLang="ko-KR" sz="2400" dirty="0"/>
+              <a:t>HTML Rendering of Forms</a:t>
+            </a:r>
+          </a:p>
+        </p:txBody>
+      </p:sp>
+      <p:sp>
+        <p:nvSpPr>
+          <p:cNvPr id="6" name="직사각형 5">
+            <a:extLst>
+              <a:ext uri="{FF2B5EF4-FFF2-40B4-BE49-F238E27FC236}">
+                <a16:creationId xmlns:a16="http://schemas.microsoft.com/office/drawing/2014/main" id="{6A60F032-B172-43E0-B147-16329887DE8F}"/>
+              </a:ext>
+            </a:extLst>
+          </p:cNvPr>
+          <p:cNvSpPr/>
+          <p:nvPr/>
+        </p:nvSpPr>
+        <p:spPr>
+          <a:xfrm>
+            <a:off x="7620874" y="2196693"/>
+            <a:ext cx="4470512" cy="4616648"/>
+          </a:xfrm>
+          <a:prstGeom prst="rect">
+            <a:avLst/>
+          </a:prstGeom>
+        </p:spPr>
+        <p:txBody>
+          <a:bodyPr wrap="square">
+            <a:spAutoFit/>
+          </a:bodyPr>
+          <a:lstStyle/>
+          <a:p>
+            <a:pPr marL="285750" indent="-285750">
+              <a:buFontTx/>
+              <a:buChar char="-"/>
+            </a:pPr>
+            <a:r>
+              <a:rPr lang="en-US" altLang="ko-KR" sz="1400" dirty="0"/>
+              <a:t>Form field </a:t>
+            </a:r>
+            <a:r>
+              <a:rPr lang="ko-KR" altLang="en-US" sz="1400" dirty="0"/>
+              <a:t>는 호출 가능</a:t>
+            </a:r>
+            <a:endParaRPr lang="en-US" altLang="ko-KR" sz="1400" dirty="0"/>
+          </a:p>
+          <a:p>
+            <a:pPr marL="285750" indent="-285750">
+              <a:buFontTx/>
+              <a:buChar char="-"/>
+            </a:pPr>
+            <a:r>
+              <a:rPr lang="en-US" altLang="ko-KR" sz="1400" dirty="0"/>
+              <a:t>Form field</a:t>
+            </a:r>
+            <a:r>
+              <a:rPr lang="ko-KR" altLang="en-US" sz="1400" dirty="0"/>
+              <a:t> 가 호출되면 </a:t>
+            </a:r>
+            <a:r>
+              <a:rPr lang="en-US" altLang="ko-KR" sz="1400" dirty="0"/>
+              <a:t>templates</a:t>
+            </a:r>
+            <a:r>
+              <a:rPr lang="ko-KR" altLang="en-US" sz="1400" dirty="0"/>
+              <a:t>는 </a:t>
+            </a:r>
+            <a:r>
+              <a:rPr lang="en-US" altLang="ko-KR" sz="1400" dirty="0"/>
+              <a:t>HTML</a:t>
+            </a:r>
+            <a:r>
+              <a:rPr lang="ko-KR" altLang="en-US" sz="1400" dirty="0"/>
+              <a:t>로 </a:t>
+            </a:r>
+            <a:r>
+              <a:rPr lang="en-US" altLang="ko-KR" sz="1400" dirty="0"/>
+              <a:t>rendering </a:t>
+            </a:r>
+            <a:r>
+              <a:rPr lang="ko-KR" altLang="en-US" sz="1400" dirty="0"/>
+              <a:t>이 된다</a:t>
+            </a:r>
+            <a:r>
+              <a:rPr lang="en-US" altLang="ko-KR" sz="1400" dirty="0"/>
+              <a:t>.</a:t>
+            </a:r>
+          </a:p>
+          <a:p>
+            <a:pPr marL="285750" indent="-285750">
+              <a:buFontTx/>
+              <a:buChar char="-"/>
+            </a:pPr>
+            <a:endParaRPr lang="en-US" altLang="ko-KR" sz="1400" dirty="0"/>
+          </a:p>
+          <a:p>
+            <a:pPr marL="285750" indent="-285750">
+              <a:buFontTx/>
+              <a:buChar char="-"/>
+            </a:pPr>
+            <a:r>
+              <a:rPr lang="en-US" altLang="ko-KR" sz="1400" dirty="0"/>
+              <a:t>View </a:t>
+            </a:r>
+            <a:r>
+              <a:rPr lang="ko-KR" altLang="en-US" sz="1400" dirty="0"/>
+              <a:t>함수는 </a:t>
+            </a:r>
+            <a:r>
+              <a:rPr lang="en-US" altLang="ko-KR" sz="1400" dirty="0" err="1"/>
+              <a:t>NameForm</a:t>
+            </a:r>
+            <a:r>
+              <a:rPr lang="en-US" altLang="ko-KR" sz="1400" dirty="0"/>
+              <a:t> </a:t>
+            </a:r>
+            <a:r>
+              <a:rPr lang="ko-KR" altLang="en-US" sz="1400" dirty="0"/>
+              <a:t>인스턴스를 </a:t>
+            </a:r>
+            <a:r>
+              <a:rPr lang="en-US" altLang="ko-KR" sz="1400" dirty="0"/>
+              <a:t>form </a:t>
+            </a:r>
+            <a:r>
+              <a:rPr lang="ko-KR" altLang="en-US" sz="1400" dirty="0"/>
+              <a:t>이라는 이름을 갖는 인수로서 템플릿에 전달하여 </a:t>
+            </a:r>
+            <a:r>
+              <a:rPr lang="en-US" altLang="ko-KR" sz="1400" dirty="0"/>
+              <a:t>HTML form</a:t>
+            </a:r>
+            <a:r>
+              <a:rPr lang="ko-KR" altLang="en-US" sz="1400" dirty="0"/>
+              <a:t>을 생성</a:t>
+            </a:r>
+            <a:endParaRPr lang="en-US" altLang="ko-KR" sz="1400" dirty="0"/>
+          </a:p>
+          <a:p>
+            <a:pPr marL="285750" indent="-285750">
+              <a:buFontTx/>
+              <a:buChar char="-"/>
+            </a:pPr>
+            <a:endParaRPr lang="en-US" altLang="ko-KR" sz="1400" dirty="0"/>
+          </a:p>
+          <a:p>
+            <a:pPr marL="285750" indent="-285750">
+              <a:buFontTx/>
+              <a:buChar char="-"/>
+            </a:pPr>
+            <a:r>
+              <a:rPr lang="en-US" altLang="ko-KR" sz="1400" dirty="0"/>
+              <a:t>Id</a:t>
+            </a:r>
+            <a:r>
+              <a:rPr lang="ko-KR" altLang="en-US" sz="1400" dirty="0"/>
+              <a:t> 필드나 </a:t>
+            </a:r>
+            <a:r>
+              <a:rPr lang="en-US" altLang="ko-KR" sz="1400" dirty="0"/>
+              <a:t>class </a:t>
+            </a:r>
+            <a:r>
+              <a:rPr lang="ko-KR" altLang="en-US" sz="1400" dirty="0"/>
+              <a:t>속성을 주게 되면 </a:t>
+            </a:r>
+            <a:r>
+              <a:rPr lang="en-US" altLang="ko-KR" sz="1400" dirty="0"/>
+              <a:t>CSS </a:t>
+            </a:r>
+            <a:r>
+              <a:rPr lang="ko-KR" altLang="en-US" sz="1400" dirty="0"/>
+              <a:t>스타일의 정의할 수 있다</a:t>
+            </a:r>
+            <a:r>
+              <a:rPr lang="en-US" altLang="ko-KR" sz="1400" dirty="0"/>
+              <a:t>.</a:t>
+            </a:r>
+          </a:p>
+          <a:p>
+            <a:pPr marL="285750" indent="-285750">
+              <a:buFontTx/>
+              <a:buChar char="-"/>
+            </a:pPr>
+            <a:endParaRPr lang="en-US" altLang="ko-KR" sz="1400" dirty="0"/>
+          </a:p>
+          <a:p>
+            <a:pPr marL="285750" indent="-285750">
+              <a:buFontTx/>
+              <a:buChar char="-"/>
+            </a:pPr>
+            <a:r>
+              <a:rPr lang="en-US" altLang="ko-KR" sz="1400" dirty="0"/>
+              <a:t>Flask-Bootstrap</a:t>
+            </a:r>
+            <a:r>
+              <a:rPr lang="ko-KR" altLang="en-US" sz="1400" dirty="0"/>
+              <a:t>은 전체 </a:t>
+            </a:r>
+            <a:r>
+              <a:rPr lang="en-US" altLang="ko-KR" sz="1400" dirty="0"/>
+              <a:t>Flask-WTF form</a:t>
+            </a:r>
+            <a:r>
+              <a:rPr lang="ko-KR" altLang="en-US" sz="1400" dirty="0"/>
+              <a:t>을 렌더링 하기 위해 미리 정의된 폼 스타일을 사용하도록 하는 상위 레벨의 </a:t>
+            </a:r>
+            <a:r>
+              <a:rPr lang="ko-KR" altLang="en-US" sz="1400" dirty="0" err="1"/>
+              <a:t>헬퍼</a:t>
+            </a:r>
+            <a:r>
+              <a:rPr lang="ko-KR" altLang="en-US" sz="1400" dirty="0"/>
+              <a:t> 함수를 제공</a:t>
+            </a:r>
+            <a:endParaRPr lang="en-US" altLang="ko-KR" sz="1400" dirty="0"/>
+          </a:p>
+          <a:p>
+            <a:pPr marL="285750" indent="-285750">
+              <a:buFontTx/>
+              <a:buChar char="-"/>
+            </a:pPr>
+            <a:r>
+              <a:rPr lang="ko-KR" altLang="en-US" sz="1400" dirty="0"/>
+              <a:t>이 모든 것이 한 번의 호출로 이루어짐</a:t>
+            </a:r>
+            <a:endParaRPr lang="en-US" altLang="ko-KR" sz="1400" dirty="0"/>
+          </a:p>
+          <a:p>
+            <a:pPr marL="285750" indent="-285750">
+              <a:buFontTx/>
+              <a:buChar char="-"/>
+            </a:pPr>
+            <a:endParaRPr lang="en-US" altLang="ko-KR" sz="1400" dirty="0"/>
+          </a:p>
+          <a:p>
+            <a:pPr marL="285750" indent="-285750">
+              <a:buFontTx/>
+              <a:buChar char="-"/>
+            </a:pPr>
+            <a:r>
+              <a:rPr lang="en-US" altLang="ko-KR" sz="1400" dirty="0"/>
+              <a:t>Import</a:t>
+            </a:r>
+            <a:r>
+              <a:rPr lang="ko-KR" altLang="en-US" sz="1400" dirty="0"/>
+              <a:t> 는 템플릿 </a:t>
+            </a:r>
+            <a:r>
+              <a:rPr lang="ko-KR" altLang="en-US" sz="1400" dirty="0" err="1"/>
+              <a:t>엘리먼트가</a:t>
+            </a:r>
+            <a:r>
+              <a:rPr lang="ko-KR" altLang="en-US" sz="1400" dirty="0"/>
+              <a:t> </a:t>
+            </a:r>
+            <a:r>
+              <a:rPr lang="en-US" altLang="ko-KR" sz="1400" dirty="0"/>
+              <a:t>import </a:t>
+            </a:r>
+            <a:r>
+              <a:rPr lang="ko-KR" altLang="en-US" sz="1400" dirty="0"/>
+              <a:t>되고 다른 템플릿에서 사용되도록 함</a:t>
+            </a:r>
+            <a:r>
+              <a:rPr lang="en-US" altLang="ko-KR" sz="1400" dirty="0"/>
+              <a:t>.</a:t>
+            </a:r>
+          </a:p>
+          <a:p>
+            <a:pPr marL="285750" indent="-285750">
+              <a:buFontTx/>
+              <a:buChar char="-"/>
+            </a:pPr>
+            <a:r>
+              <a:rPr lang="ko-KR" altLang="en-US" sz="1400" dirty="0" err="1"/>
+              <a:t>임포트된</a:t>
+            </a:r>
+            <a:r>
+              <a:rPr lang="ko-KR" altLang="en-US" sz="1400" dirty="0"/>
+              <a:t> </a:t>
+            </a:r>
+            <a:r>
+              <a:rPr lang="en-US" altLang="ko-KR" sz="1400" dirty="0"/>
+              <a:t>bootstrap/wtf.html </a:t>
+            </a:r>
+            <a:r>
+              <a:rPr lang="ko-KR" altLang="en-US" sz="1400" dirty="0"/>
+              <a:t>파일은 부트스트랩을 사용하여 </a:t>
+            </a:r>
+            <a:r>
+              <a:rPr lang="en-US" altLang="ko-KR" sz="1400" dirty="0"/>
+              <a:t>Flask-WTF </a:t>
+            </a:r>
+            <a:r>
+              <a:rPr lang="ko-KR" altLang="en-US" sz="1400" dirty="0"/>
+              <a:t>폼을 렌더링하도록 하는 </a:t>
+            </a:r>
+            <a:r>
+              <a:rPr lang="ko-KR" altLang="en-US" sz="1400" dirty="0" err="1"/>
+              <a:t>헬퍼</a:t>
+            </a:r>
+            <a:r>
+              <a:rPr lang="ko-KR" altLang="en-US" sz="1400" dirty="0"/>
+              <a:t> 함수를 정의</a:t>
+            </a:r>
+            <a:endParaRPr lang="en-US" altLang="ko-KR" sz="1400" dirty="0"/>
+          </a:p>
+        </p:txBody>
+      </p:sp>
+      <p:pic>
+        <p:nvPicPr>
+          <p:cNvPr id="5" name="그림 4">
+            <a:extLst>
+              <a:ext uri="{FF2B5EF4-FFF2-40B4-BE49-F238E27FC236}">
+                <a16:creationId xmlns:a16="http://schemas.microsoft.com/office/drawing/2014/main" id="{AFD96B19-A014-4699-9AAA-11108FE929D5}"/>
+              </a:ext>
+            </a:extLst>
+          </p:cNvPr>
+          <p:cNvPicPr>
+            <a:picLocks noChangeAspect="1"/>
+          </p:cNvPicPr>
+          <p:nvPr/>
+        </p:nvPicPr>
+        <p:blipFill>
+          <a:blip r:embed="rId2"/>
+          <a:stretch>
+            <a:fillRect/>
+          </a:stretch>
+        </p:blipFill>
+        <p:spPr>
+          <a:xfrm>
+            <a:off x="1458430" y="1895261"/>
+            <a:ext cx="3658111" cy="1533739"/>
+          </a:xfrm>
+          <a:prstGeom prst="rect">
+            <a:avLst/>
+          </a:prstGeom>
+        </p:spPr>
+      </p:pic>
+      <p:pic>
+        <p:nvPicPr>
+          <p:cNvPr id="7" name="그림 6">
+            <a:extLst>
+              <a:ext uri="{FF2B5EF4-FFF2-40B4-BE49-F238E27FC236}">
+                <a16:creationId xmlns:a16="http://schemas.microsoft.com/office/drawing/2014/main" id="{8E737507-A452-4255-9722-C4B708DCA86D}"/>
+              </a:ext>
+            </a:extLst>
+          </p:cNvPr>
+          <p:cNvPicPr>
+            <a:picLocks noChangeAspect="1"/>
+          </p:cNvPicPr>
+          <p:nvPr/>
+        </p:nvPicPr>
+        <p:blipFill>
+          <a:blip r:embed="rId3"/>
+          <a:stretch>
+            <a:fillRect/>
+          </a:stretch>
+        </p:blipFill>
+        <p:spPr>
+          <a:xfrm>
+            <a:off x="1458430" y="3466780"/>
+            <a:ext cx="5297380" cy="1533738"/>
+          </a:xfrm>
+          <a:prstGeom prst="rect">
+            <a:avLst/>
+          </a:prstGeom>
+        </p:spPr>
+      </p:pic>
+      <p:pic>
+        <p:nvPicPr>
+          <p:cNvPr id="8" name="그림 7">
+            <a:extLst>
+              <a:ext uri="{FF2B5EF4-FFF2-40B4-BE49-F238E27FC236}">
+                <a16:creationId xmlns:a16="http://schemas.microsoft.com/office/drawing/2014/main" id="{68174E61-0332-41AB-9D8C-7EE9739497D9}"/>
+              </a:ext>
+            </a:extLst>
+          </p:cNvPr>
+          <p:cNvPicPr>
+            <a:picLocks noChangeAspect="1"/>
+          </p:cNvPicPr>
+          <p:nvPr/>
+        </p:nvPicPr>
+        <p:blipFill>
+          <a:blip r:embed="rId4"/>
+          <a:stretch>
+            <a:fillRect/>
+          </a:stretch>
+        </p:blipFill>
+        <p:spPr>
+          <a:xfrm>
+            <a:off x="1458430" y="5295767"/>
+            <a:ext cx="4261175" cy="1121362"/>
+          </a:xfrm>
+          <a:prstGeom prst="rect">
+            <a:avLst/>
+          </a:prstGeom>
+        </p:spPr>
+      </p:pic>
+    </p:spTree>
+    <p:extLst>
+      <p:ext uri="{BB962C8B-B14F-4D97-AF65-F5344CB8AC3E}">
+        <p14:creationId xmlns:p14="http://schemas.microsoft.com/office/powerpoint/2010/main" val="734824461"/>
+      </p:ext>
+    </p:extLst>
+  </p:cSld>
+  <p:clrMapOvr>
+    <a:masterClrMapping/>
+  </p:clrMapOvr>
+</p:sld>
+</file>
+
+<file path=ppt/slides/slide9.xml><?xml version="1.0" encoding="utf-8"?>
+<p:sld xmlns:a="http://schemas.openxmlformats.org/drawingml/2006/main" xmlns:r="http://schemas.openxmlformats.org/officeDocument/2006/relationships" xmlns:p="http://schemas.openxmlformats.org/presentationml/2006/main">
+  <p:cSld>
+    <p:spTree>
+      <p:nvGrpSpPr>
+        <p:cNvPr id="1" name=""/>
+        <p:cNvGrpSpPr/>
+        <p:nvPr/>
+      </p:nvGrpSpPr>
+      <p:grpSpPr>
+        <a:xfrm>
+          <a:off x="0" y="0"/>
+          <a:ext cx="0" cy="0"/>
+          <a:chOff x="0" y="0"/>
+          <a:chExt cx="0" cy="0"/>
+        </a:xfrm>
+      </p:grpSpPr>
+      <p:sp>
+        <p:nvSpPr>
+          <p:cNvPr id="2" name="제목 1">
+            <a:extLst>
+              <a:ext uri="{FF2B5EF4-FFF2-40B4-BE49-F238E27FC236}">
+                <a16:creationId xmlns:a16="http://schemas.microsoft.com/office/drawing/2014/main" id="{2EC833C6-FAC3-442B-803D-3FB02DF07980}"/>
+              </a:ext>
+            </a:extLst>
+          </p:cNvPr>
+          <p:cNvSpPr>
+            <a:spLocks noGrp="1"/>
+          </p:cNvSpPr>
+          <p:nvPr>
+            <p:ph type="title"/>
+          </p:nvPr>
+        </p:nvSpPr>
+        <p:spPr>
+          <a:xfrm>
+            <a:off x="677334" y="609600"/>
+            <a:ext cx="8596668" cy="517864"/>
+          </a:xfrm>
+        </p:spPr>
+        <p:txBody>
+          <a:bodyPr>
+            <a:normAutofit fontScale="90000"/>
+          </a:bodyPr>
+          <a:lstStyle/>
+          <a:p>
+            <a:r>
+              <a:rPr lang="en-US" altLang="ko-KR" dirty="0"/>
+              <a:t>3. Forms and User Input</a:t>
+            </a:r>
+            <a:endParaRPr lang="ko-KR" altLang="en-US" dirty="0"/>
+          </a:p>
+        </p:txBody>
+      </p:sp>
+      <p:sp>
+        <p:nvSpPr>
+          <p:cNvPr id="4" name="제목 1">
+            <a:extLst>
+              <a:ext uri="{FF2B5EF4-FFF2-40B4-BE49-F238E27FC236}">
+                <a16:creationId xmlns:a16="http://schemas.microsoft.com/office/drawing/2014/main" id="{824331F3-9831-4A24-AC95-4771B0BCE333}"/>
+              </a:ext>
+            </a:extLst>
+          </p:cNvPr>
+          <p:cNvSpPr txBox="1">
+            <a:spLocks/>
+          </p:cNvSpPr>
+          <p:nvPr/>
+        </p:nvSpPr>
+        <p:spPr>
+          <a:xfrm>
+            <a:off x="1307647" y="1180730"/>
+            <a:ext cx="8022783" cy="436518"/>
+          </a:xfrm>
+          <a:prstGeom prst="rect">
+            <a:avLst/>
+          </a:prstGeom>
+        </p:spPr>
+        <p:txBody>
+          <a:bodyPr vert="horz" lIns="91440" tIns="45720" rIns="91440" bIns="45720" rtlCol="0" anchor="t">
+            <a:normAutofit lnSpcReduction="10000"/>
+          </a:bodyPr>
+          <a:lstStyle>
+            <a:lvl1pPr algn="l" defTabSz="457200" rtl="0" eaLnBrk="1" latinLnBrk="1" hangingPunct="1">
+              <a:spcBef>
+                <a:spcPct val="0"/>
+              </a:spcBef>
+              <a:buNone/>
+              <a:defRPr sz="3600" kern="1200">
+                <a:solidFill>
+                  <a:schemeClr val="accent1"/>
+                </a:solidFill>
+                <a:latin typeface="+mj-lt"/>
+                <a:ea typeface="+mj-ea"/>
+                <a:cs typeface="+mj-cs"/>
+              </a:defRPr>
+            </a:lvl1pPr>
+            <a:lvl2pPr eaLnBrk="1" latinLnBrk="1" hangingPunct="1">
+              <a:defRPr>
+                <a:solidFill>
+                  <a:schemeClr val="tx2"/>
+                </a:solidFill>
+              </a:defRPr>
+            </a:lvl2pPr>
+            <a:lvl3pPr eaLnBrk="1" latinLnBrk="1" hangingPunct="1">
+              <a:defRPr>
+                <a:solidFill>
+                  <a:schemeClr val="tx2"/>
+                </a:solidFill>
+              </a:defRPr>
+            </a:lvl3pPr>
+            <a:lvl4pPr eaLnBrk="1" latinLnBrk="1" hangingPunct="1">
+              <a:defRPr>
+                <a:solidFill>
+                  <a:schemeClr val="tx2"/>
+                </a:solidFill>
+              </a:defRPr>
+            </a:lvl4pPr>
+            <a:lvl5pPr eaLnBrk="1" latinLnBrk="1" hangingPunct="1">
+              <a:defRPr>
+                <a:solidFill>
+                  <a:schemeClr val="tx2"/>
+                </a:solidFill>
+              </a:defRPr>
+            </a:lvl5pPr>
+            <a:lvl6pPr eaLnBrk="1" latinLnBrk="1" hangingPunct="1">
+              <a:defRPr>
+                <a:solidFill>
+                  <a:schemeClr val="tx2"/>
+                </a:solidFill>
+              </a:defRPr>
+            </a:lvl6pPr>
+            <a:lvl7pPr eaLnBrk="1" latinLnBrk="1" hangingPunct="1">
+              <a:defRPr>
+                <a:solidFill>
+                  <a:schemeClr val="tx2"/>
+                </a:solidFill>
+              </a:defRPr>
+            </a:lvl7pPr>
+            <a:lvl8pPr eaLnBrk="1" latinLnBrk="1" hangingPunct="1">
+              <a:defRPr>
+                <a:solidFill>
+                  <a:schemeClr val="tx2"/>
+                </a:solidFill>
+              </a:defRPr>
+            </a:lvl8pPr>
+            <a:lvl9pPr eaLnBrk="1" latinLnBrk="1" hangingPunct="1">
+              <a:defRPr>
+                <a:solidFill>
+                  <a:schemeClr val="tx2"/>
+                </a:solidFill>
+              </a:defRPr>
+            </a:lvl9pPr>
+          </a:lstStyle>
+          <a:p>
+            <a:r>
+              <a:rPr lang="en-US" altLang="ko-KR" sz="2400" dirty="0"/>
+              <a:t>HTML Rendering of Forms</a:t>
+            </a:r>
+          </a:p>
+        </p:txBody>
+      </p:sp>
+      <p:sp>
+        <p:nvSpPr>
+          <p:cNvPr id="6" name="직사각형 5">
+            <a:extLst>
+              <a:ext uri="{FF2B5EF4-FFF2-40B4-BE49-F238E27FC236}">
+                <a16:creationId xmlns:a16="http://schemas.microsoft.com/office/drawing/2014/main" id="{6A60F032-B172-43E0-B147-16329887DE8F}"/>
+              </a:ext>
+            </a:extLst>
+          </p:cNvPr>
+          <p:cNvSpPr/>
+          <p:nvPr/>
+        </p:nvSpPr>
+        <p:spPr>
+          <a:xfrm>
+            <a:off x="7620874" y="2196693"/>
+            <a:ext cx="4470512" cy="2462213"/>
+          </a:xfrm>
+          <a:prstGeom prst="rect">
+            <a:avLst/>
+          </a:prstGeom>
+        </p:spPr>
+        <p:txBody>
+          <a:bodyPr wrap="square">
+            <a:spAutoFit/>
+          </a:bodyPr>
+          <a:lstStyle/>
+          <a:p>
+            <a:pPr marL="285750" indent="-285750">
+              <a:buFontTx/>
+              <a:buChar char="-"/>
+            </a:pPr>
+            <a:r>
+              <a:rPr lang="en-US" altLang="ko-KR" sz="1400" dirty="0" err="1"/>
+              <a:t>Wtf.quick_form</a:t>
+            </a:r>
+            <a:r>
+              <a:rPr lang="en-US" altLang="ko-KR" sz="1400" dirty="0"/>
+              <a:t>() </a:t>
+            </a:r>
+            <a:r>
+              <a:rPr lang="ko-KR" altLang="en-US" sz="1400" dirty="0"/>
+              <a:t>함수는 </a:t>
+            </a:r>
+            <a:r>
+              <a:rPr lang="en-US" altLang="ko-KR" sz="1400" dirty="0"/>
+              <a:t>Flask-WTF </a:t>
+            </a:r>
+            <a:r>
+              <a:rPr lang="ko-KR" altLang="en-US" sz="1400" dirty="0"/>
+              <a:t>폼 오브젝트를 받아서 디폴트 부트스트랩 스타일을 </a:t>
+            </a:r>
+            <a:r>
+              <a:rPr lang="ko-KR" altLang="en-US" sz="1400" dirty="0" err="1"/>
+              <a:t>하용하여</a:t>
+            </a:r>
+            <a:r>
+              <a:rPr lang="ko-KR" altLang="en-US" sz="1400" dirty="0"/>
+              <a:t> 렌더링함</a:t>
+            </a:r>
+            <a:endParaRPr lang="en-US" altLang="ko-KR" sz="1400" dirty="0"/>
+          </a:p>
+          <a:p>
+            <a:pPr marL="285750" indent="-285750">
+              <a:buFontTx/>
+              <a:buChar char="-"/>
+            </a:pPr>
+            <a:endParaRPr lang="en-US" altLang="ko-KR" sz="1400" dirty="0"/>
+          </a:p>
+          <a:p>
+            <a:pPr marL="285750" indent="-285750">
+              <a:buFontTx/>
+              <a:buChar char="-"/>
+            </a:pPr>
+            <a:r>
+              <a:rPr lang="ko-KR" altLang="en-US" sz="1400" dirty="0"/>
+              <a:t>템플릿 컨텐츠 영역은 </a:t>
+            </a:r>
+            <a:r>
+              <a:rPr lang="en-US" altLang="ko-KR" sz="1400" dirty="0"/>
+              <a:t>2</a:t>
+            </a:r>
+            <a:r>
+              <a:rPr lang="ko-KR" altLang="en-US" sz="1400" dirty="0"/>
+              <a:t>개의 </a:t>
+            </a:r>
+            <a:r>
+              <a:rPr lang="ko-KR" altLang="en-US" sz="1400" dirty="0" err="1"/>
+              <a:t>섹션으로</a:t>
+            </a:r>
+            <a:r>
+              <a:rPr lang="ko-KR" altLang="en-US" sz="1400" dirty="0"/>
+              <a:t> 나뉘고</a:t>
+            </a:r>
+            <a:endParaRPr lang="en-US" altLang="ko-KR" sz="1400" dirty="0"/>
+          </a:p>
+          <a:p>
+            <a:pPr marL="285750" indent="-285750">
+              <a:buFontTx/>
+              <a:buChar char="-"/>
+            </a:pPr>
+            <a:r>
+              <a:rPr lang="ko-KR" altLang="en-US" sz="1400" dirty="0"/>
+              <a:t>첫 번째는 페이지의 </a:t>
+            </a:r>
+            <a:r>
+              <a:rPr lang="en-US" altLang="ko-KR" sz="1400" dirty="0"/>
+              <a:t>header</a:t>
+            </a:r>
+          </a:p>
+          <a:p>
+            <a:pPr marL="285750" indent="-285750">
+              <a:buFontTx/>
+              <a:buChar char="-"/>
+            </a:pPr>
+            <a:r>
+              <a:rPr lang="en-US" altLang="ko-KR" sz="1400" dirty="0"/>
+              <a:t>Hello</a:t>
+            </a:r>
+            <a:r>
+              <a:rPr lang="ko-KR" altLang="en-US" sz="1400" dirty="0"/>
+              <a:t>를 출력하고 </a:t>
+            </a:r>
+            <a:r>
+              <a:rPr lang="en-US" altLang="ko-KR" sz="1400" dirty="0"/>
+              <a:t>name</a:t>
+            </a:r>
+            <a:r>
+              <a:rPr lang="ko-KR" altLang="en-US" sz="1400" dirty="0"/>
+              <a:t>이 정의 되어있지 않으면 </a:t>
+            </a:r>
+            <a:r>
+              <a:rPr lang="en-US" altLang="ko-KR" sz="1400" dirty="0"/>
+              <a:t>Stranger! </a:t>
+            </a:r>
+            <a:r>
+              <a:rPr lang="ko-KR" altLang="en-US" sz="1400" dirty="0"/>
+              <a:t>를 출력</a:t>
+            </a:r>
+            <a:endParaRPr lang="en-US" altLang="ko-KR" sz="1400" dirty="0"/>
+          </a:p>
+          <a:p>
+            <a:pPr marL="285750" indent="-285750">
+              <a:buFontTx/>
+              <a:buChar char="-"/>
+            </a:pPr>
+            <a:endParaRPr lang="en-US" altLang="ko-KR" sz="1400" dirty="0"/>
+          </a:p>
+          <a:p>
+            <a:pPr marL="285750" indent="-285750">
+              <a:buFontTx/>
+              <a:buChar char="-"/>
+            </a:pPr>
+            <a:r>
+              <a:rPr lang="ko-KR" altLang="en-US" sz="1400" dirty="0"/>
+              <a:t>두번째 컨텐츠는 </a:t>
+            </a:r>
+            <a:r>
+              <a:rPr lang="en-US" altLang="ko-KR" sz="1400" dirty="0" err="1"/>
+              <a:t>wtf.quick_form</a:t>
+            </a:r>
+            <a:r>
+              <a:rPr lang="en-US" altLang="ko-KR" sz="1400" dirty="0"/>
+              <a:t>() </a:t>
+            </a:r>
+            <a:r>
+              <a:rPr lang="ko-KR" altLang="en-US" sz="1400" dirty="0"/>
+              <a:t>함수를 사용하여 </a:t>
+            </a:r>
+            <a:r>
+              <a:rPr lang="en-US" altLang="ko-KR" sz="1400" dirty="0" err="1"/>
+              <a:t>NameForm</a:t>
+            </a:r>
+            <a:r>
+              <a:rPr lang="en-US" altLang="ko-KR" sz="1400" dirty="0"/>
+              <a:t> </a:t>
+            </a:r>
+            <a:r>
+              <a:rPr lang="ko-KR" altLang="en-US" sz="1400" dirty="0"/>
+              <a:t>오브젝트를 렌더링함</a:t>
+            </a:r>
+            <a:endParaRPr lang="en-US" altLang="ko-KR" sz="1400" dirty="0"/>
+          </a:p>
+        </p:txBody>
+      </p:sp>
+      <p:pic>
+        <p:nvPicPr>
+          <p:cNvPr id="3" name="그림 2">
+            <a:extLst>
+              <a:ext uri="{FF2B5EF4-FFF2-40B4-BE49-F238E27FC236}">
+                <a16:creationId xmlns:a16="http://schemas.microsoft.com/office/drawing/2014/main" id="{B031A426-D854-4FDF-95ED-1B3683568388}"/>
+              </a:ext>
+            </a:extLst>
+          </p:cNvPr>
+          <p:cNvPicPr>
+            <a:picLocks noChangeAspect="1"/>
+          </p:cNvPicPr>
+          <p:nvPr/>
+        </p:nvPicPr>
+        <p:blipFill>
+          <a:blip r:embed="rId2"/>
+          <a:stretch>
+            <a:fillRect/>
+          </a:stretch>
+        </p:blipFill>
+        <p:spPr>
+          <a:xfrm>
+            <a:off x="271081" y="2231768"/>
+            <a:ext cx="6997371" cy="3882020"/>
+          </a:xfrm>
+          <a:prstGeom prst="rect">
+            <a:avLst/>
+          </a:prstGeom>
+        </p:spPr>
+      </p:pic>
+    </p:spTree>
+    <p:extLst>
+      <p:ext uri="{BB962C8B-B14F-4D97-AF65-F5344CB8AC3E}">
+        <p14:creationId xmlns:p14="http://schemas.microsoft.com/office/powerpoint/2010/main" val="2342272785"/>
       </p:ext>
     </p:extLst>
   </p:cSld>

--- a/Study/03. Forms and User Input/Forms and User Input.pptx
+++ b/Study/03. Forms and User Input/Forms and User Input.pptx
@@ -8,14 +8,17 @@
     <p:sldId id="256" r:id="rId2"/>
     <p:sldId id="284" r:id="rId3"/>
     <p:sldId id="293" r:id="rId4"/>
-    <p:sldId id="294" r:id="rId5"/>
-    <p:sldId id="296" r:id="rId6"/>
-    <p:sldId id="297" r:id="rId7"/>
-    <p:sldId id="295" r:id="rId8"/>
-    <p:sldId id="298" r:id="rId9"/>
-    <p:sldId id="299" r:id="rId10"/>
-    <p:sldId id="300" r:id="rId11"/>
-    <p:sldId id="301" r:id="rId12"/>
+    <p:sldId id="302" r:id="rId5"/>
+    <p:sldId id="294" r:id="rId6"/>
+    <p:sldId id="296" r:id="rId7"/>
+    <p:sldId id="297" r:id="rId8"/>
+    <p:sldId id="295" r:id="rId9"/>
+    <p:sldId id="303" r:id="rId10"/>
+    <p:sldId id="304" r:id="rId11"/>
+    <p:sldId id="298" r:id="rId12"/>
+    <p:sldId id="299" r:id="rId13"/>
+    <p:sldId id="300" r:id="rId14"/>
+    <p:sldId id="301" r:id="rId15"/>
   </p:sldIdLst>
   <p:sldSz cx="12192000" cy="6858000"/>
   <p:notesSz cx="6858000" cy="9144000"/>
@@ -844,7 +847,7 @@
           <a:p>
             <a:fld id="{B6FB7DCD-5BA3-48A2-BE8C-591555253DD2}" type="datetimeFigureOut">
               <a:rPr lang="ko-KR" altLang="en-US" smtClean="0"/>
-              <a:t>2020-06-28</a:t>
+              <a:t>2020-06-30</a:t>
             </a:fld>
             <a:endParaRPr lang="ko-KR" altLang="en-US"/>
           </a:p>
@@ -1095,7 +1098,7 @@
           <a:p>
             <a:fld id="{B6FB7DCD-5BA3-48A2-BE8C-591555253DD2}" type="datetimeFigureOut">
               <a:rPr lang="ko-KR" altLang="en-US" smtClean="0"/>
-              <a:t>2020-06-28</a:t>
+              <a:t>2020-06-30</a:t>
             </a:fld>
             <a:endParaRPr lang="ko-KR" altLang="en-US"/>
           </a:p>
@@ -1409,7 +1412,7 @@
           <a:p>
             <a:fld id="{B6FB7DCD-5BA3-48A2-BE8C-591555253DD2}" type="datetimeFigureOut">
               <a:rPr lang="ko-KR" altLang="en-US" smtClean="0"/>
-              <a:t>2020-06-28</a:t>
+              <a:t>2020-06-30</a:t>
             </a:fld>
             <a:endParaRPr lang="ko-KR" altLang="en-US"/>
           </a:p>
@@ -1750,7 +1753,7 @@
           <a:p>
             <a:fld id="{B6FB7DCD-5BA3-48A2-BE8C-591555253DD2}" type="datetimeFigureOut">
               <a:rPr lang="ko-KR" altLang="en-US" smtClean="0"/>
-              <a:t>2020-06-28</a:t>
+              <a:t>2020-06-30</a:t>
             </a:fld>
             <a:endParaRPr lang="ko-KR" altLang="en-US"/>
           </a:p>
@@ -2064,7 +2067,7 @@
           <a:p>
             <a:fld id="{B6FB7DCD-5BA3-48A2-BE8C-591555253DD2}" type="datetimeFigureOut">
               <a:rPr lang="ko-KR" altLang="en-US" smtClean="0"/>
-              <a:t>2020-06-28</a:t>
+              <a:t>2020-06-30</a:t>
             </a:fld>
             <a:endParaRPr lang="ko-KR" altLang="en-US"/>
           </a:p>
@@ -2457,7 +2460,7 @@
           <a:p>
             <a:fld id="{B6FB7DCD-5BA3-48A2-BE8C-591555253DD2}" type="datetimeFigureOut">
               <a:rPr lang="ko-KR" altLang="en-US" smtClean="0"/>
-              <a:t>2020-06-28</a:t>
+              <a:t>2020-06-30</a:t>
             </a:fld>
             <a:endParaRPr lang="ko-KR" altLang="en-US"/>
           </a:p>
@@ -2627,7 +2630,7 @@
           <a:p>
             <a:fld id="{B6FB7DCD-5BA3-48A2-BE8C-591555253DD2}" type="datetimeFigureOut">
               <a:rPr lang="ko-KR" altLang="en-US" smtClean="0"/>
-              <a:t>2020-06-28</a:t>
+              <a:t>2020-06-30</a:t>
             </a:fld>
             <a:endParaRPr lang="ko-KR" altLang="en-US"/>
           </a:p>
@@ -2807,7 +2810,7 @@
           <a:p>
             <a:fld id="{B6FB7DCD-5BA3-48A2-BE8C-591555253DD2}" type="datetimeFigureOut">
               <a:rPr lang="ko-KR" altLang="en-US" smtClean="0"/>
-              <a:t>2020-06-28</a:t>
+              <a:t>2020-06-30</a:t>
             </a:fld>
             <a:endParaRPr lang="ko-KR" altLang="en-US"/>
           </a:p>
@@ -2983,7 +2986,7 @@
           <a:p>
             <a:fld id="{B6FB7DCD-5BA3-48A2-BE8C-591555253DD2}" type="datetimeFigureOut">
               <a:rPr lang="ko-KR" altLang="en-US" smtClean="0"/>
-              <a:t>2020-06-28</a:t>
+              <a:t>2020-06-30</a:t>
             </a:fld>
             <a:endParaRPr lang="ko-KR" altLang="en-US"/>
           </a:p>
@@ -3230,7 +3233,7 @@
           <a:p>
             <a:fld id="{B6FB7DCD-5BA3-48A2-BE8C-591555253DD2}" type="datetimeFigureOut">
               <a:rPr lang="ko-KR" altLang="en-US" smtClean="0"/>
-              <a:t>2020-06-28</a:t>
+              <a:t>2020-06-30</a:t>
             </a:fld>
             <a:endParaRPr lang="ko-KR" altLang="en-US"/>
           </a:p>
@@ -3462,7 +3465,7 @@
           <a:p>
             <a:fld id="{B6FB7DCD-5BA3-48A2-BE8C-591555253DD2}" type="datetimeFigureOut">
               <a:rPr lang="ko-KR" altLang="en-US" smtClean="0"/>
-              <a:t>2020-06-28</a:t>
+              <a:t>2020-06-30</a:t>
             </a:fld>
             <a:endParaRPr lang="ko-KR" altLang="en-US"/>
           </a:p>
@@ -3836,7 +3839,7 @@
           <a:p>
             <a:fld id="{B6FB7DCD-5BA3-48A2-BE8C-591555253DD2}" type="datetimeFigureOut">
               <a:rPr lang="ko-KR" altLang="en-US" smtClean="0"/>
-              <a:t>2020-06-28</a:t>
+              <a:t>2020-06-30</a:t>
             </a:fld>
             <a:endParaRPr lang="ko-KR" altLang="en-US"/>
           </a:p>
@@ -3959,7 +3962,7 @@
           <a:p>
             <a:fld id="{B6FB7DCD-5BA3-48A2-BE8C-591555253DD2}" type="datetimeFigureOut">
               <a:rPr lang="ko-KR" altLang="en-US" smtClean="0"/>
-              <a:t>2020-06-28</a:t>
+              <a:t>2020-06-30</a:t>
             </a:fld>
             <a:endParaRPr lang="ko-KR" altLang="en-US"/>
           </a:p>
@@ -4054,7 +4057,7 @@
           <a:p>
             <a:fld id="{B6FB7DCD-5BA3-48A2-BE8C-591555253DD2}" type="datetimeFigureOut">
               <a:rPr lang="ko-KR" altLang="en-US" smtClean="0"/>
-              <a:t>2020-06-28</a:t>
+              <a:t>2020-06-30</a:t>
             </a:fld>
             <a:endParaRPr lang="ko-KR" altLang="en-US"/>
           </a:p>
@@ -4309,7 +4312,7 @@
           <a:p>
             <a:fld id="{B6FB7DCD-5BA3-48A2-BE8C-591555253DD2}" type="datetimeFigureOut">
               <a:rPr lang="ko-KR" altLang="en-US" smtClean="0"/>
-              <a:t>2020-06-28</a:t>
+              <a:t>2020-06-30</a:t>
             </a:fld>
             <a:endParaRPr lang="ko-KR" altLang="en-US"/>
           </a:p>
@@ -4572,7 +4575,7 @@
           <a:p>
             <a:fld id="{B6FB7DCD-5BA3-48A2-BE8C-591555253DD2}" type="datetimeFigureOut">
               <a:rPr lang="ko-KR" altLang="en-US" smtClean="0"/>
-              <a:t>2020-06-28</a:t>
+              <a:t>2020-06-30</a:t>
             </a:fld>
             <a:endParaRPr lang="ko-KR" altLang="en-US"/>
           </a:p>
@@ -5315,7 +5318,7 @@
           <a:p>
             <a:fld id="{B6FB7DCD-5BA3-48A2-BE8C-591555253DD2}" type="datetimeFigureOut">
               <a:rPr lang="ko-KR" altLang="en-US" smtClean="0"/>
-              <a:t>2020-06-28</a:t>
+              <a:t>2020-06-30</a:t>
             </a:fld>
             <a:endParaRPr lang="ko-KR" altLang="en-US"/>
           </a:p>
@@ -6062,33 +6065,10 @@
           </a:lstStyle>
           <a:p>
             <a:r>
-              <a:rPr lang="en-US" altLang="ko-KR" sz="2400" dirty="0"/>
-              <a:t>Form</a:t>
-            </a:r>
-            <a:r>
               <a:rPr lang="ko-KR" altLang="en-US" sz="2400" dirty="0"/>
-              <a:t> </a:t>
-            </a:r>
-            <a:r>
-              <a:rPr lang="en-US" altLang="ko-KR" sz="2400" dirty="0"/>
-              <a:t>Handling</a:t>
-            </a:r>
-            <a:r>
-              <a:rPr lang="ko-KR" altLang="en-US" sz="2400" dirty="0"/>
-              <a:t> </a:t>
-            </a:r>
-            <a:r>
-              <a:rPr lang="en-US" altLang="ko-KR" sz="2400" dirty="0"/>
-              <a:t>in</a:t>
-            </a:r>
-            <a:r>
-              <a:rPr lang="ko-KR" altLang="en-US" sz="2400" dirty="0"/>
-              <a:t> </a:t>
-            </a:r>
-            <a:r>
-              <a:rPr lang="en-US" altLang="ko-KR" sz="2400" dirty="0"/>
-              <a:t>View Functions</a:t>
-            </a:r>
+              <a:t>템플릿에 있는 폼</a:t>
+            </a:r>
+            <a:endParaRPr lang="en-US" altLang="ko-KR" sz="2400" dirty="0"/>
           </a:p>
         </p:txBody>
       </p:sp>
@@ -6107,7 +6087,7 @@
         <p:spPr>
           <a:xfrm>
             <a:off x="7620874" y="2196693"/>
-            <a:ext cx="4470512" cy="3754874"/>
+            <a:ext cx="4470512" cy="3970318"/>
           </a:xfrm>
           <a:prstGeom prst="rect">
             <a:avLst/>
@@ -6124,92 +6104,195 @@
               <a:buChar char="-"/>
             </a:pPr>
             <a:r>
+              <a:rPr lang="ko-KR" altLang="en-US" sz="1400" dirty="0"/>
+              <a:t>템플릿에 폼을 넘겨주면 그 폼을 템플릿에서 쉽게 뿌려줄 수 있다</a:t>
+            </a:r>
+            <a:r>
+              <a:rPr lang="en-US" altLang="ko-KR" sz="1400" dirty="0"/>
+              <a:t>.</a:t>
+            </a:r>
+          </a:p>
+          <a:p>
+            <a:pPr marL="285750" indent="-285750">
+              <a:buFontTx/>
+              <a:buChar char="-"/>
+            </a:pPr>
+            <a:r>
               <a:rPr lang="en-US" altLang="ko-KR" sz="1400" dirty="0" err="1"/>
-              <a:t>App.route</a:t>
+              <a:t>WTForms</a:t>
+            </a:r>
+            <a:r>
+              <a:rPr lang="ko-KR" altLang="en-US" sz="1400" dirty="0"/>
+              <a:t> 가 이미 폼 생성의 반을 처리</a:t>
+            </a:r>
+            <a:endParaRPr lang="en-US" altLang="ko-KR" sz="1400" dirty="0"/>
+          </a:p>
+          <a:p>
+            <a:pPr marL="285750" indent="-285750">
+              <a:buFontTx/>
+              <a:buChar char="-"/>
+            </a:pPr>
+            <a:r>
+              <a:rPr lang="ko-KR" altLang="en-US" sz="1400" dirty="0"/>
+              <a:t>레이블과 오류가 발생한다면 오류의 목록까지 가진 필드를 그려줄 매크로</a:t>
+            </a:r>
+            <a:r>
+              <a:rPr lang="en-US" altLang="ko-KR" sz="1400" dirty="0"/>
+              <a:t>(macro)</a:t>
+            </a:r>
+            <a:r>
+              <a:rPr lang="ko-KR" altLang="en-US" sz="1400" dirty="0"/>
+              <a:t>를 작성할 수 있다</a:t>
+            </a:r>
+            <a:r>
+              <a:rPr lang="en-US" altLang="ko-KR" sz="1400" dirty="0"/>
+              <a:t>.</a:t>
+            </a:r>
+          </a:p>
+          <a:p>
+            <a:pPr marL="285750" indent="-285750">
+              <a:buFontTx/>
+              <a:buChar char="-"/>
+            </a:pPr>
+            <a:r>
+              <a:rPr lang="ko-KR" altLang="en-US" sz="1400" dirty="0"/>
+              <a:t>이 코드는 매크로를 가지 예제</a:t>
+            </a:r>
+            <a:r>
+              <a:rPr lang="en-US" altLang="ko-KR" sz="1400" dirty="0"/>
+              <a:t>.</a:t>
+            </a:r>
+          </a:p>
+          <a:p>
+            <a:pPr marL="285750" indent="-285750">
+              <a:buFontTx/>
+              <a:buChar char="-"/>
+            </a:pPr>
+            <a:r>
+              <a:rPr lang="ko-KR" altLang="en-US" sz="1400" dirty="0"/>
+              <a:t>이 매크로는 필드를 뿌리는 </a:t>
+            </a:r>
+            <a:r>
+              <a:rPr lang="en-US" altLang="ko-KR" sz="1400" dirty="0" err="1"/>
+              <a:t>WTForms</a:t>
             </a:r>
             <a:r>
               <a:rPr lang="en-US" altLang="ko-KR" sz="1400" dirty="0"/>
               <a:t> </a:t>
             </a:r>
             <a:r>
-              <a:rPr lang="ko-KR" altLang="en-US" sz="1400" dirty="0" err="1"/>
-              <a:t>데코레이터에</a:t>
-            </a:r>
-            <a:r>
-              <a:rPr lang="ko-KR" altLang="en-US" sz="1400" dirty="0"/>
-              <a:t> 추가된 </a:t>
-            </a:r>
-            <a:r>
-              <a:rPr lang="en-US" altLang="ko-KR" sz="1400" dirty="0"/>
-              <a:t>methods </a:t>
-            </a:r>
-            <a:r>
-              <a:rPr lang="ko-KR" altLang="en-US" sz="1400" dirty="0"/>
-              <a:t>인수는 </a:t>
-            </a:r>
-            <a:r>
-              <a:rPr lang="en-US" altLang="ko-KR" sz="1400" dirty="0"/>
-              <a:t>Flask </a:t>
-            </a:r>
-            <a:r>
-              <a:rPr lang="ko-KR" altLang="en-US" sz="1400" dirty="0"/>
-              <a:t>에서 </a:t>
+              <a:rPr lang="ko-KR" altLang="en-US" sz="1400" dirty="0"/>
+              <a:t>의 필드 함수로 넘겨지는 몇가지 키워드 인자를 허용</a:t>
+            </a:r>
+            <a:r>
+              <a:rPr lang="en-US" altLang="ko-KR" sz="1400" dirty="0"/>
+              <a:t>.</a:t>
+            </a:r>
+          </a:p>
+          <a:p>
+            <a:pPr marL="285750" indent="-285750">
+              <a:buFontTx/>
+              <a:buChar char="-"/>
+            </a:pPr>
+            <a:r>
+              <a:rPr lang="ko-KR" altLang="en-US" sz="1400" dirty="0"/>
+              <a:t>그 키워드 인자는 </a:t>
+            </a:r>
+            <a:r>
+              <a:rPr lang="en-US" altLang="ko-KR" sz="1400" dirty="0"/>
+              <a:t>HTML </a:t>
+            </a:r>
+            <a:r>
+              <a:rPr lang="ko-KR" altLang="en-US" sz="1400" dirty="0"/>
+              <a:t>속성으로 추가</a:t>
+            </a:r>
+            <a:r>
+              <a:rPr lang="en-US" altLang="ko-KR" sz="1400" dirty="0"/>
+              <a:t>.</a:t>
+            </a:r>
+          </a:p>
+          <a:p>
+            <a:pPr marL="285750" indent="-285750">
+              <a:buFontTx/>
+              <a:buChar char="-"/>
+            </a:pPr>
+            <a:r>
+              <a:rPr lang="ko-KR" altLang="en-US" sz="1400" dirty="0"/>
+              <a:t>입력 요소에 </a:t>
+            </a:r>
+            <a:r>
+              <a:rPr lang="en-US" altLang="ko-KR" sz="1400" dirty="0"/>
+              <a:t>class </a:t>
+            </a:r>
+            <a:r>
+              <a:rPr lang="ko-KR" altLang="en-US" sz="1400" dirty="0"/>
+              <a:t>를 추가하기 위해 </a:t>
             </a:r>
             <a:r>
               <a:rPr lang="en-US" altLang="ko-KR" sz="1400" dirty="0" err="1"/>
-              <a:t>url</a:t>
+              <a:t>render_field</a:t>
+            </a:r>
+            <a:r>
+              <a:rPr lang="en-US" altLang="ko-KR" sz="1400" dirty="0"/>
+              <a:t>(</a:t>
+            </a:r>
+            <a:r>
+              <a:rPr lang="en-US" altLang="ko-KR" sz="1400" dirty="0" err="1"/>
+              <a:t>form.username</a:t>
+            </a:r>
+            <a:r>
+              <a:rPr lang="en-US" altLang="ko-KR" sz="1400" dirty="0"/>
+              <a:t>, class=‘username’)</a:t>
+            </a:r>
+            <a:r>
+              <a:rPr lang="ko-KR" altLang="en-US" sz="1400" dirty="0"/>
+              <a:t>을 호출할 수 있다</a:t>
+            </a:r>
+            <a:r>
+              <a:rPr lang="en-US" altLang="ko-KR" sz="1400" dirty="0"/>
+              <a:t>.</a:t>
+            </a:r>
+          </a:p>
+          <a:p>
+            <a:pPr marL="285750" indent="-285750">
+              <a:buFontTx/>
+              <a:buChar char="-"/>
+            </a:pPr>
+            <a:r>
+              <a:rPr lang="en-US" altLang="ko-KR" sz="1400" dirty="0" err="1"/>
+              <a:t>WTForms</a:t>
             </a:r>
             <a:r>
               <a:rPr lang="en-US" altLang="ko-KR" sz="1400" dirty="0"/>
               <a:t> </a:t>
             </a:r>
             <a:r>
-              <a:rPr lang="ko-KR" altLang="en-US" sz="1400" dirty="0" err="1"/>
-              <a:t>맵의</a:t>
-            </a:r>
-            <a:r>
-              <a:rPr lang="ko-KR" altLang="en-US" sz="1400" dirty="0"/>
-              <a:t> </a:t>
-            </a:r>
-            <a:r>
-              <a:rPr lang="en-US" altLang="ko-KR" sz="1400" dirty="0"/>
-              <a:t>GET</a:t>
-            </a:r>
-            <a:r>
-              <a:rPr lang="ko-KR" altLang="en-US" sz="1400" dirty="0"/>
-              <a:t>과 </a:t>
-            </a:r>
-            <a:r>
-              <a:rPr lang="en-US" altLang="ko-KR" sz="1400" dirty="0"/>
-              <a:t>POST </a:t>
-            </a:r>
-            <a:r>
-              <a:rPr lang="ko-KR" altLang="en-US" sz="1400" dirty="0"/>
-              <a:t>를 </a:t>
-            </a:r>
-            <a:r>
-              <a:rPr lang="en-US" altLang="ko-KR" sz="1400" dirty="0"/>
-              <a:t>request </a:t>
-            </a:r>
-            <a:r>
-              <a:rPr lang="ko-KR" altLang="en-US" sz="1400" dirty="0"/>
-              <a:t>위한 </a:t>
-            </a:r>
-            <a:r>
-              <a:rPr lang="ko-KR" altLang="en-US" sz="1400" dirty="0" err="1"/>
-              <a:t>핸들러</a:t>
-            </a:r>
-            <a:r>
-              <a:rPr lang="ko-KR" altLang="en-US" sz="1400" dirty="0"/>
-              <a:t> </a:t>
-            </a:r>
-            <a:r>
-              <a:rPr lang="en-US" altLang="ko-KR" sz="1400" dirty="0"/>
-              <a:t>view </a:t>
-            </a:r>
-            <a:r>
-              <a:rPr lang="ko-KR" altLang="en-US" sz="1400" dirty="0"/>
-              <a:t>함수이다</a:t>
+              <a:rPr lang="ko-KR" altLang="en-US" sz="1400" dirty="0"/>
+              <a:t>는 표준 파이썬 유니코드 문자열을 반환하므로 </a:t>
+            </a:r>
+            <a:r>
+              <a:rPr lang="en-US" altLang="ko-KR" sz="1400" dirty="0"/>
+              <a:t>Jinja2</a:t>
+            </a:r>
+            <a:r>
+              <a:rPr lang="ko-KR" altLang="en-US" sz="1400" dirty="0"/>
+              <a:t>에 </a:t>
+            </a:r>
+            <a:r>
+              <a:rPr lang="en-US" altLang="ko-KR" sz="1400" dirty="0"/>
+              <a:t>safe </a:t>
+            </a:r>
+            <a:r>
+              <a:rPr lang="ko-KR" altLang="en-US" sz="1400" dirty="0"/>
+              <a:t>필터를 가지고 이 데이터를 이미 </a:t>
+            </a:r>
+            <a:r>
+              <a:rPr lang="en-US" altLang="ko-KR" sz="1400" dirty="0"/>
+              <a:t>HTML escape </a:t>
+            </a:r>
+            <a:r>
+              <a:rPr lang="ko-KR" altLang="en-US" sz="1400" dirty="0"/>
+              <a:t>하게 해야 한다</a:t>
             </a:r>
             <a:r>
               <a:rPr lang="en-US" altLang="ko-KR" sz="1400" dirty="0"/>
@@ -6221,26 +6304,6 @@
               <a:buFontTx/>
               <a:buChar char="-"/>
             </a:pPr>
-            <a:r>
-              <a:rPr lang="ko-KR" altLang="en-US" sz="1400" dirty="0"/>
-              <a:t>메소드가 주어지지 않으면 </a:t>
-            </a:r>
-            <a:r>
-              <a:rPr lang="en-US" altLang="ko-KR" sz="1400" dirty="0"/>
-              <a:t>view</a:t>
-            </a:r>
-            <a:r>
-              <a:rPr lang="ko-KR" altLang="en-US" sz="1400" dirty="0"/>
-              <a:t>함수는 </a:t>
-            </a:r>
-            <a:r>
-              <a:rPr lang="en-US" altLang="ko-KR" sz="1400" dirty="0"/>
-              <a:t>GET request</a:t>
-            </a:r>
-            <a:r>
-              <a:rPr lang="ko-KR" altLang="en-US" sz="1400" dirty="0"/>
-              <a:t>만 처리</a:t>
-            </a:r>
             <a:endParaRPr lang="en-US" altLang="ko-KR" sz="1400" dirty="0"/>
           </a:p>
           <a:p>
@@ -6250,188 +6313,33 @@
             </a:pPr>
             <a:r>
               <a:rPr lang="en-US" altLang="ko-KR" sz="1400" dirty="0"/>
-              <a:t>Name</a:t>
-            </a:r>
-            <a:r>
-              <a:rPr lang="ko-KR" altLang="en-US" sz="1400" dirty="0"/>
-              <a:t> 변수는 </a:t>
-            </a:r>
-            <a:r>
-              <a:rPr lang="en-US" altLang="ko-KR" sz="1400" dirty="0"/>
-              <a:t>form</a:t>
-            </a:r>
-            <a:r>
-              <a:rPr lang="ko-KR" altLang="en-US" sz="1400" dirty="0"/>
-              <a:t>으로 부터 받은 이름을 저장</a:t>
-            </a:r>
-            <a:endParaRPr lang="en-US" altLang="ko-KR" sz="1400" dirty="0"/>
-          </a:p>
-          <a:p>
-            <a:pPr marL="285750" indent="-285750">
-              <a:buFontTx/>
-              <a:buChar char="-"/>
-            </a:pPr>
-            <a:r>
-              <a:rPr lang="en-US" altLang="ko-KR" sz="1400" dirty="0" err="1"/>
-              <a:t>Validate_on_submit</a:t>
-            </a:r>
-            <a:r>
-              <a:rPr lang="en-US" altLang="ko-KR" sz="1400" dirty="0"/>
-              <a:t>() </a:t>
-            </a:r>
-            <a:r>
-              <a:rPr lang="ko-KR" altLang="en-US" sz="1400" dirty="0"/>
-              <a:t>은 메서드의 폼이 </a:t>
-            </a:r>
-            <a:r>
-              <a:rPr lang="ko-KR" altLang="en-US" sz="1400" dirty="0" err="1"/>
-              <a:t>서브밋될때</a:t>
-            </a:r>
-            <a:r>
-              <a:rPr lang="ko-KR" altLang="en-US" sz="1400" dirty="0"/>
-              <a:t> </a:t>
-            </a:r>
-            <a:r>
-              <a:rPr lang="en-US" altLang="ko-KR" sz="1400" dirty="0"/>
-              <a:t>True</a:t>
-            </a:r>
-            <a:r>
-              <a:rPr lang="ko-KR" altLang="en-US" sz="1400" dirty="0"/>
-              <a:t>를 리턴하고 데이터는 모든 </a:t>
-            </a:r>
-            <a:r>
-              <a:rPr lang="en-US" altLang="ko-KR" sz="1400" dirty="0"/>
-              <a:t>field </a:t>
-            </a:r>
-            <a:r>
-              <a:rPr lang="ko-KR" altLang="en-US" sz="1400" dirty="0"/>
-              <a:t>검증자에 의해 받아들여진다</a:t>
-            </a:r>
-            <a:r>
-              <a:rPr lang="en-US" altLang="ko-KR" sz="1400" dirty="0"/>
-              <a:t>.(</a:t>
-            </a:r>
-            <a:r>
-              <a:rPr lang="ko-KR" altLang="en-US" sz="1400" dirty="0"/>
-              <a:t>유효성 검사</a:t>
-            </a:r>
-            <a:r>
-              <a:rPr lang="en-US" altLang="ko-KR" sz="1400" dirty="0"/>
-              <a:t>)</a:t>
-            </a:r>
-          </a:p>
-          <a:p>
-            <a:pPr marL="285750" indent="-285750">
-              <a:buFontTx/>
-              <a:buChar char="-"/>
-            </a:pPr>
-            <a:r>
-              <a:rPr lang="ko-KR" altLang="en-US" sz="1400" dirty="0"/>
-              <a:t>다른 경우에는 </a:t>
-            </a:r>
-            <a:r>
-              <a:rPr lang="en-US" altLang="ko-KR" sz="1400" dirty="0"/>
-              <a:t>False </a:t>
-            </a:r>
-            <a:r>
-              <a:rPr lang="ko-KR" altLang="en-US" sz="1400" dirty="0"/>
-              <a:t>반환</a:t>
-            </a:r>
-            <a:endParaRPr lang="en-US" altLang="ko-KR" sz="1400" dirty="0"/>
-          </a:p>
-          <a:p>
-            <a:pPr marL="285750" indent="-285750">
-              <a:buFontTx/>
-              <a:buChar char="-"/>
-            </a:pPr>
-            <a:endParaRPr lang="en-US" altLang="ko-KR" sz="1400" dirty="0"/>
-          </a:p>
-          <a:p>
-            <a:pPr marL="285750" indent="-285750">
-              <a:buFontTx/>
-              <a:buChar char="-"/>
-            </a:pPr>
-            <a:r>
-              <a:rPr lang="ko-KR" altLang="en-US" sz="1400" dirty="0"/>
-              <a:t>사용자가 폼을 제출할 때 데이터와 함께 서버는 </a:t>
-            </a:r>
-            <a:r>
-              <a:rPr lang="en-US" altLang="ko-KR" sz="1400" dirty="0"/>
-              <a:t>POST request</a:t>
-            </a:r>
-            <a:r>
-              <a:rPr lang="ko-KR" altLang="en-US" sz="1400" dirty="0"/>
-              <a:t>를 받고 </a:t>
-            </a:r>
-            <a:r>
-              <a:rPr lang="en-US" altLang="ko-KR" sz="1400" dirty="0" err="1"/>
-              <a:t>validate_on_submit</a:t>
-            </a:r>
-            <a:r>
-              <a:rPr lang="en-US" altLang="ko-KR" sz="1400" dirty="0"/>
-              <a:t>() </a:t>
-            </a:r>
-            <a:r>
-              <a:rPr lang="ko-KR" altLang="en-US" sz="1400" dirty="0"/>
-              <a:t>을 호출하면 </a:t>
-            </a:r>
-            <a:r>
-              <a:rPr lang="en-US" altLang="ko-KR" sz="1400" dirty="0"/>
-              <a:t>name </a:t>
-            </a:r>
-            <a:r>
-              <a:rPr lang="ko-KR" altLang="en-US" sz="1400" dirty="0"/>
-              <a:t>필드에 붙어 있는 </a:t>
-            </a:r>
-            <a:r>
-              <a:rPr lang="en-US" altLang="ko-KR" sz="1400" dirty="0"/>
-              <a:t>Required() </a:t>
-            </a:r>
-            <a:r>
-              <a:rPr lang="ko-KR" altLang="en-US" sz="1400" dirty="0"/>
-              <a:t>검증자가 호출</a:t>
-            </a:r>
-            <a:endParaRPr lang="en-US" altLang="ko-KR" sz="1400" dirty="0"/>
-          </a:p>
-          <a:p>
-            <a:pPr marL="285750" indent="-285750">
-              <a:buFontTx/>
-              <a:buChar char="-"/>
-            </a:pPr>
-            <a:r>
-              <a:rPr lang="en-US" altLang="ko-KR" sz="1400" dirty="0"/>
-              <a:t>Name</a:t>
-            </a:r>
-            <a:r>
-              <a:rPr lang="ko-KR" altLang="en-US" sz="1400" dirty="0"/>
-              <a:t>이 비어 있으면</a:t>
-            </a:r>
-            <a:r>
-              <a:rPr lang="en-US" altLang="ko-KR" sz="1400" dirty="0"/>
-              <a:t>, </a:t>
-            </a:r>
-            <a:r>
-              <a:rPr lang="ko-KR" altLang="en-US" sz="1400" dirty="0"/>
-              <a:t>검증자가 값을 받아 </a:t>
-            </a:r>
-            <a:r>
-              <a:rPr lang="en-US" altLang="ko-KR" sz="1400" dirty="0"/>
-              <a:t>True </a:t>
-            </a:r>
-            <a:r>
-              <a:rPr lang="ko-KR" altLang="en-US" sz="1400" dirty="0"/>
-              <a:t>반환</a:t>
-            </a:r>
-            <a:endParaRPr lang="en-US" altLang="ko-KR" sz="1400" dirty="0"/>
+              <a:t>Formhelpers.html </a:t>
+            </a:r>
+            <a:r>
+              <a:rPr lang="ko-KR" altLang="en-US" sz="1400" dirty="0"/>
+              <a:t>템플릿을 이용해서 만든 </a:t>
+            </a:r>
+            <a:r>
+              <a:rPr lang="en-US" altLang="ko-KR" sz="1400" dirty="0"/>
+              <a:t>register.html </a:t>
+            </a:r>
+            <a:r>
+              <a:rPr lang="ko-KR" altLang="en-US" sz="1400" dirty="0"/>
+              <a:t>템플릿이다</a:t>
+            </a:r>
+            <a:r>
+              <a:rPr lang="en-US" altLang="ko-KR" sz="1400" dirty="0"/>
+              <a:t>.</a:t>
+            </a:r>
           </a:p>
         </p:txBody>
       </p:sp>
       <p:pic>
         <p:nvPicPr>
-          <p:cNvPr id="5" name="그림 4">
+          <p:cNvPr id="3" name="그림 2">
             <a:extLst>
               <a:ext uri="{FF2B5EF4-FFF2-40B4-BE49-F238E27FC236}">
-                <a16:creationId xmlns:a16="http://schemas.microsoft.com/office/drawing/2014/main" id="{FDC6DD09-369E-45DC-B44D-527EBD4B2B36}"/>
+                <a16:creationId xmlns:a16="http://schemas.microsoft.com/office/drawing/2014/main" id="{40641189-13E5-4F16-A5A5-0BBFE912DB1D}"/>
               </a:ext>
             </a:extLst>
           </p:cNvPr>
@@ -6448,8 +6356,38 @@
         </p:blipFill>
         <p:spPr>
           <a:xfrm>
-            <a:off x="507819" y="1913023"/>
-            <a:ext cx="6986995" cy="3158300"/>
+            <a:off x="1509083" y="1856946"/>
+            <a:ext cx="3062044" cy="2235661"/>
+          </a:xfrm>
+          <a:prstGeom prst="rect">
+            <a:avLst/>
+          </a:prstGeom>
+        </p:spPr>
+      </p:pic>
+      <p:pic>
+        <p:nvPicPr>
+          <p:cNvPr id="7" name="그림 6">
+            <a:extLst>
+              <a:ext uri="{FF2B5EF4-FFF2-40B4-BE49-F238E27FC236}">
+                <a16:creationId xmlns:a16="http://schemas.microsoft.com/office/drawing/2014/main" id="{F78ABEFB-C52E-4E16-BE4F-537153873CFD}"/>
+              </a:ext>
+            </a:extLst>
+          </p:cNvPr>
+          <p:cNvPicPr>
+            <a:picLocks noChangeAspect="1"/>
+          </p:cNvPicPr>
+          <p:nvPr/>
+        </p:nvPicPr>
+        <p:blipFill>
+          <a:blip r:embed="rId3"/>
+          <a:stretch>
+            <a:fillRect/>
+          </a:stretch>
+        </p:blipFill>
+        <p:spPr>
+          <a:xfrm>
+            <a:off x="828255" y="4332305"/>
+            <a:ext cx="4755800" cy="2408109"/>
           </a:xfrm>
           <a:prstGeom prst="rect">
             <a:avLst/>
@@ -6459,7 +6397,7 @@
     </p:spTree>
     <p:extLst>
       <p:ext uri="{BB962C8B-B14F-4D97-AF65-F5344CB8AC3E}">
-        <p14:creationId xmlns:p14="http://schemas.microsoft.com/office/powerpoint/2010/main" val="3774428932"/>
+        <p14:creationId xmlns:p14="http://schemas.microsoft.com/office/powerpoint/2010/main" val="2665446618"/>
       </p:ext>
     </p:extLst>
   </p:cSld>
@@ -6470,2833 +6408,6 @@
 </file>
 
 <file path=ppt/slides/slide11.xml><?xml version="1.0" encoding="utf-8"?>
-<p:sld xmlns:a="http://schemas.openxmlformats.org/drawingml/2006/main" xmlns:r="http://schemas.openxmlformats.org/officeDocument/2006/relationships" xmlns:p="http://schemas.openxmlformats.org/presentationml/2006/main">
-  <p:cSld>
-    <p:spTree>
-      <p:nvGrpSpPr>
-        <p:cNvPr id="1" name=""/>
-        <p:cNvGrpSpPr/>
-        <p:nvPr/>
-      </p:nvGrpSpPr>
-      <p:grpSpPr>
-        <a:xfrm>
-          <a:off x="0" y="0"/>
-          <a:ext cx="0" cy="0"/>
-          <a:chOff x="0" y="0"/>
-          <a:chExt cx="0" cy="0"/>
-        </a:xfrm>
-      </p:grpSpPr>
-      <p:sp>
-        <p:nvSpPr>
-          <p:cNvPr id="2" name="제목 1">
-            <a:extLst>
-              <a:ext uri="{FF2B5EF4-FFF2-40B4-BE49-F238E27FC236}">
-                <a16:creationId xmlns:a16="http://schemas.microsoft.com/office/drawing/2014/main" id="{2EC833C6-FAC3-442B-803D-3FB02DF07980}"/>
-              </a:ext>
-            </a:extLst>
-          </p:cNvPr>
-          <p:cNvSpPr>
-            <a:spLocks noGrp="1"/>
-          </p:cNvSpPr>
-          <p:nvPr>
-            <p:ph type="title"/>
-          </p:nvPr>
-        </p:nvSpPr>
-        <p:spPr>
-          <a:xfrm>
-            <a:off x="677334" y="609600"/>
-            <a:ext cx="8596668" cy="517864"/>
-          </a:xfrm>
-        </p:spPr>
-        <p:txBody>
-          <a:bodyPr>
-            <a:normAutofit fontScale="90000"/>
-          </a:bodyPr>
-          <a:lstStyle/>
-          <a:p>
-            <a:r>
-              <a:rPr lang="en-US" altLang="ko-KR" dirty="0"/>
-              <a:t>3. Forms and User Input</a:t>
-            </a:r>
-            <a:endParaRPr lang="ko-KR" altLang="en-US" dirty="0"/>
-          </a:p>
-        </p:txBody>
-      </p:sp>
-      <p:sp>
-        <p:nvSpPr>
-          <p:cNvPr id="4" name="제목 1">
-            <a:extLst>
-              <a:ext uri="{FF2B5EF4-FFF2-40B4-BE49-F238E27FC236}">
-                <a16:creationId xmlns:a16="http://schemas.microsoft.com/office/drawing/2014/main" id="{824331F3-9831-4A24-AC95-4771B0BCE333}"/>
-              </a:ext>
-            </a:extLst>
-          </p:cNvPr>
-          <p:cNvSpPr txBox="1">
-            <a:spLocks/>
-          </p:cNvSpPr>
-          <p:nvPr/>
-        </p:nvSpPr>
-        <p:spPr>
-          <a:xfrm>
-            <a:off x="1307647" y="1180730"/>
-            <a:ext cx="8022783" cy="436518"/>
-          </a:xfrm>
-          <a:prstGeom prst="rect">
-            <a:avLst/>
-          </a:prstGeom>
-        </p:spPr>
-        <p:txBody>
-          <a:bodyPr vert="horz" lIns="91440" tIns="45720" rIns="91440" bIns="45720" rtlCol="0" anchor="t">
-            <a:normAutofit lnSpcReduction="10000"/>
-          </a:bodyPr>
-          <a:lstStyle>
-            <a:lvl1pPr algn="l" defTabSz="457200" rtl="0" eaLnBrk="1" latinLnBrk="1" hangingPunct="1">
-              <a:spcBef>
-                <a:spcPct val="0"/>
-              </a:spcBef>
-              <a:buNone/>
-              <a:defRPr sz="3600" kern="1200">
-                <a:solidFill>
-                  <a:schemeClr val="accent1"/>
-                </a:solidFill>
-                <a:latin typeface="+mj-lt"/>
-                <a:ea typeface="+mj-ea"/>
-                <a:cs typeface="+mj-cs"/>
-              </a:defRPr>
-            </a:lvl1pPr>
-            <a:lvl2pPr eaLnBrk="1" latinLnBrk="1" hangingPunct="1">
-              <a:defRPr>
-                <a:solidFill>
-                  <a:schemeClr val="tx2"/>
-                </a:solidFill>
-              </a:defRPr>
-            </a:lvl2pPr>
-            <a:lvl3pPr eaLnBrk="1" latinLnBrk="1" hangingPunct="1">
-              <a:defRPr>
-                <a:solidFill>
-                  <a:schemeClr val="tx2"/>
-                </a:solidFill>
-              </a:defRPr>
-            </a:lvl3pPr>
-            <a:lvl4pPr eaLnBrk="1" latinLnBrk="1" hangingPunct="1">
-              <a:defRPr>
-                <a:solidFill>
-                  <a:schemeClr val="tx2"/>
-                </a:solidFill>
-              </a:defRPr>
-            </a:lvl4pPr>
-            <a:lvl5pPr eaLnBrk="1" latinLnBrk="1" hangingPunct="1">
-              <a:defRPr>
-                <a:solidFill>
-                  <a:schemeClr val="tx2"/>
-                </a:solidFill>
-              </a:defRPr>
-            </a:lvl5pPr>
-            <a:lvl6pPr eaLnBrk="1" latinLnBrk="1" hangingPunct="1">
-              <a:defRPr>
-                <a:solidFill>
-                  <a:schemeClr val="tx2"/>
-                </a:solidFill>
-              </a:defRPr>
-            </a:lvl6pPr>
-            <a:lvl7pPr eaLnBrk="1" latinLnBrk="1" hangingPunct="1">
-              <a:defRPr>
-                <a:solidFill>
-                  <a:schemeClr val="tx2"/>
-                </a:solidFill>
-              </a:defRPr>
-            </a:lvl7pPr>
-            <a:lvl8pPr eaLnBrk="1" latinLnBrk="1" hangingPunct="1">
-              <a:defRPr>
-                <a:solidFill>
-                  <a:schemeClr val="tx2"/>
-                </a:solidFill>
-              </a:defRPr>
-            </a:lvl8pPr>
-            <a:lvl9pPr eaLnBrk="1" latinLnBrk="1" hangingPunct="1">
-              <a:defRPr>
-                <a:solidFill>
-                  <a:schemeClr val="tx2"/>
-                </a:solidFill>
-              </a:defRPr>
-            </a:lvl9pPr>
-          </a:lstStyle>
-          <a:p>
-            <a:r>
-              <a:rPr lang="en-US" altLang="ko-KR" sz="2400" dirty="0"/>
-              <a:t>Redirects and User Sessions</a:t>
-            </a:r>
-          </a:p>
-        </p:txBody>
-      </p:sp>
-      <p:sp>
-        <p:nvSpPr>
-          <p:cNvPr id="6" name="직사각형 5">
-            <a:extLst>
-              <a:ext uri="{FF2B5EF4-FFF2-40B4-BE49-F238E27FC236}">
-                <a16:creationId xmlns:a16="http://schemas.microsoft.com/office/drawing/2014/main" id="{6A60F032-B172-43E0-B147-16329887DE8F}"/>
-              </a:ext>
-            </a:extLst>
-          </p:cNvPr>
-          <p:cNvSpPr/>
-          <p:nvPr/>
-        </p:nvSpPr>
-        <p:spPr>
-          <a:xfrm>
-            <a:off x="7620874" y="2196693"/>
-            <a:ext cx="4470512" cy="3754874"/>
-          </a:xfrm>
-          <a:prstGeom prst="rect">
-            <a:avLst/>
-          </a:prstGeom>
-        </p:spPr>
-        <p:txBody>
-          <a:bodyPr wrap="square">
-            <a:spAutoFit/>
-          </a:bodyPr>
-          <a:lstStyle/>
-          <a:p>
-            <a:pPr marL="285750" indent="-285750">
-              <a:buFontTx/>
-              <a:buChar char="-"/>
-            </a:pPr>
-            <a:r>
-              <a:rPr lang="ko-KR" altLang="en-US" sz="1400" dirty="0"/>
-              <a:t>첫번째는 </a:t>
-            </a:r>
-            <a:r>
-              <a:rPr lang="en-US" altLang="ko-KR" sz="1400" dirty="0"/>
-              <a:t>form</a:t>
-            </a:r>
-            <a:r>
-              <a:rPr lang="ko-KR" altLang="en-US" sz="1400" dirty="0"/>
-              <a:t>의 작동 예시</a:t>
-            </a:r>
-            <a:endParaRPr lang="en-US" altLang="ko-KR" sz="1400" dirty="0"/>
-          </a:p>
-          <a:p>
-            <a:pPr marL="285750" indent="-285750">
-              <a:buFontTx/>
-              <a:buChar char="-"/>
-            </a:pPr>
-            <a:r>
-              <a:rPr lang="ko-KR" altLang="en-US" sz="1400" dirty="0"/>
-              <a:t>두번째는 새로운 이름을 제출한 상태</a:t>
-            </a:r>
-            <a:endParaRPr lang="en-US" altLang="ko-KR" sz="1400" dirty="0"/>
-          </a:p>
-          <a:p>
-            <a:pPr marL="285750" indent="-285750">
-              <a:buFontTx/>
-              <a:buChar char="-"/>
-            </a:pPr>
-            <a:r>
-              <a:rPr lang="ko-KR" altLang="en-US" sz="1400" dirty="0"/>
-              <a:t>세번째는 검증에 실패</a:t>
-            </a:r>
-            <a:endParaRPr lang="en-US" altLang="ko-KR" sz="1400" dirty="0"/>
-          </a:p>
-          <a:p>
-            <a:pPr marL="285750" indent="-285750">
-              <a:buFontTx/>
-              <a:buChar char="-"/>
-            </a:pPr>
-            <a:endParaRPr lang="en-US" altLang="ko-KR" sz="1400" dirty="0"/>
-          </a:p>
-          <a:p>
-            <a:pPr marL="285750" indent="-285750">
-              <a:buFontTx/>
-              <a:buChar char="-"/>
-            </a:pPr>
-            <a:r>
-              <a:rPr lang="ko-KR" altLang="en-US" sz="1400" dirty="0"/>
-              <a:t>폼을 제출하고 </a:t>
-            </a:r>
-            <a:r>
-              <a:rPr lang="ko-KR" altLang="en-US" sz="1400" dirty="0" err="1"/>
-              <a:t>새로고침을</a:t>
-            </a:r>
-            <a:r>
-              <a:rPr lang="ko-KR" altLang="en-US" sz="1400" dirty="0"/>
-              <a:t> 하면 제출이 또 일어나서 폼 서브미션이 두 번하게 되는 문제 발생</a:t>
-            </a:r>
-            <a:endParaRPr lang="en-US" altLang="ko-KR" sz="1400" dirty="0"/>
-          </a:p>
-          <a:p>
-            <a:pPr marL="285750" indent="-285750">
-              <a:buFontTx/>
-              <a:buChar char="-"/>
-            </a:pPr>
-            <a:r>
-              <a:rPr lang="ko-KR" altLang="en-US" sz="1400" dirty="0"/>
-              <a:t>마지막 </a:t>
-            </a:r>
-            <a:r>
-              <a:rPr lang="ko-KR" altLang="en-US" sz="1400" dirty="0" err="1"/>
-              <a:t>리퀘스트를</a:t>
-            </a:r>
-            <a:r>
-              <a:rPr lang="ko-KR" altLang="en-US" sz="1400" dirty="0"/>
-              <a:t> 반복해서 </a:t>
-            </a:r>
-            <a:r>
-              <a:rPr lang="en-US" altLang="ko-KR" sz="1400" dirty="0"/>
-              <a:t>POST </a:t>
-            </a:r>
-            <a:r>
-              <a:rPr lang="ko-KR" altLang="en-US" sz="1400" dirty="0" err="1"/>
-              <a:t>리퀘스트가</a:t>
-            </a:r>
-            <a:r>
-              <a:rPr lang="ko-KR" altLang="en-US" sz="1400" dirty="0"/>
-              <a:t> 다시 </a:t>
-            </a:r>
-            <a:r>
-              <a:rPr lang="ko-KR" altLang="en-US" sz="1400" dirty="0" err="1"/>
-              <a:t>전송되서</a:t>
-            </a:r>
-            <a:r>
-              <a:rPr lang="ko-KR" altLang="en-US" sz="1400" dirty="0"/>
-              <a:t> 생기는 문제</a:t>
-            </a:r>
-            <a:endParaRPr lang="en-US" altLang="ko-KR" sz="1400" dirty="0"/>
-          </a:p>
-          <a:p>
-            <a:pPr marL="285750" indent="-285750">
-              <a:buFontTx/>
-              <a:buChar char="-"/>
-            </a:pPr>
-            <a:r>
-              <a:rPr lang="ko-KR" altLang="en-US" sz="1400" dirty="0"/>
-              <a:t>정상적인 응답 대신 </a:t>
-            </a:r>
-            <a:r>
-              <a:rPr lang="en-US" altLang="ko-KR" sz="1400" dirty="0"/>
-              <a:t>redirect </a:t>
-            </a:r>
-            <a:r>
-              <a:rPr lang="ko-KR" altLang="en-US" sz="1400" dirty="0"/>
-              <a:t>와 </a:t>
-            </a:r>
-            <a:r>
-              <a:rPr lang="en-US" altLang="ko-KR" sz="1400" dirty="0"/>
-              <a:t>POST </a:t>
-            </a:r>
-            <a:r>
-              <a:rPr lang="ko-KR" altLang="en-US" sz="1400" dirty="0" err="1"/>
-              <a:t>리퀘스트에</a:t>
-            </a:r>
-            <a:r>
-              <a:rPr lang="ko-KR" altLang="en-US" sz="1400" dirty="0"/>
-              <a:t> 대해 응답하면 된다</a:t>
-            </a:r>
-            <a:r>
-              <a:rPr lang="en-US" altLang="ko-KR" sz="1400" dirty="0"/>
-              <a:t>.</a:t>
-            </a:r>
-          </a:p>
-          <a:p>
-            <a:pPr marL="285750" indent="-285750">
-              <a:buFontTx/>
-              <a:buChar char="-"/>
-            </a:pPr>
-            <a:r>
-              <a:rPr lang="en-US" altLang="ko-KR" sz="1400" dirty="0"/>
-              <a:t>Redirect</a:t>
-            </a:r>
-            <a:r>
-              <a:rPr lang="ko-KR" altLang="en-US" sz="1400" dirty="0"/>
-              <a:t>는 특별한 형태의 응답이고 </a:t>
-            </a:r>
-            <a:r>
-              <a:rPr lang="en-US" altLang="ko-KR" sz="1400" dirty="0"/>
-              <a:t>HTML </a:t>
-            </a:r>
-            <a:r>
-              <a:rPr lang="ko-KR" altLang="en-US" sz="1400" dirty="0"/>
-              <a:t>코드로 되어 있는 문자열 대신 </a:t>
-            </a:r>
-            <a:r>
-              <a:rPr lang="en-US" altLang="ko-KR" sz="1400" dirty="0"/>
-              <a:t>URL</a:t>
-            </a:r>
-            <a:r>
-              <a:rPr lang="ko-KR" altLang="en-US" sz="1400" dirty="0"/>
-              <a:t>을 가지고 있다</a:t>
-            </a:r>
-            <a:r>
-              <a:rPr lang="en-US" altLang="ko-KR" sz="1400" dirty="0"/>
-              <a:t>.</a:t>
-            </a:r>
-          </a:p>
-          <a:p>
-            <a:pPr marL="285750" indent="-285750">
-              <a:buFontTx/>
-              <a:buChar char="-"/>
-            </a:pPr>
-            <a:r>
-              <a:rPr lang="ko-KR" altLang="en-US" sz="1400" dirty="0"/>
-              <a:t>응답을 받게 되면 </a:t>
-            </a:r>
-            <a:r>
-              <a:rPr lang="ko-KR" altLang="en-US" sz="1400" dirty="0" err="1"/>
-              <a:t>리다이렉트</a:t>
-            </a:r>
-            <a:r>
-              <a:rPr lang="ko-KR" altLang="en-US" sz="1400" dirty="0"/>
-              <a:t> </a:t>
-            </a:r>
-            <a:r>
-              <a:rPr lang="en-US" altLang="ko-KR" sz="1400" dirty="0" err="1"/>
-              <a:t>url</a:t>
-            </a:r>
-            <a:r>
-              <a:rPr lang="ko-KR" altLang="en-US" sz="1400" dirty="0"/>
-              <a:t>에 대한 </a:t>
-            </a:r>
-            <a:r>
-              <a:rPr lang="en-US" altLang="ko-KR" sz="1400" dirty="0"/>
-              <a:t>GET </a:t>
-            </a:r>
-            <a:r>
-              <a:rPr lang="ko-KR" altLang="en-US" sz="1400" dirty="0" err="1"/>
-              <a:t>리퀘스트를</a:t>
-            </a:r>
-            <a:r>
-              <a:rPr lang="ko-KR" altLang="en-US" sz="1400" dirty="0"/>
-              <a:t> 발생 시키고 이것이 보여지는 페이지가 된다</a:t>
-            </a:r>
-            <a:r>
-              <a:rPr lang="en-US" altLang="ko-KR" sz="1400" dirty="0"/>
-              <a:t>.</a:t>
-            </a:r>
-          </a:p>
-          <a:p>
-            <a:pPr marL="285750" indent="-285750">
-              <a:buFontTx/>
-              <a:buChar char="-"/>
-            </a:pPr>
-            <a:r>
-              <a:rPr lang="ko-KR" altLang="en-US" sz="1400" dirty="0"/>
-              <a:t>이것이 </a:t>
-            </a:r>
-            <a:r>
-              <a:rPr lang="en-US" altLang="ko-KR" sz="1400" dirty="0"/>
-              <a:t>Post/Redirect/Get pattern </a:t>
-            </a:r>
-            <a:r>
-              <a:rPr lang="ko-KR" altLang="en-US" sz="1400" dirty="0"/>
-              <a:t>이다</a:t>
-            </a:r>
-            <a:r>
-              <a:rPr lang="en-US" altLang="ko-KR" sz="1400"/>
-              <a:t>.</a:t>
-            </a:r>
-          </a:p>
-          <a:p>
-            <a:pPr marL="285750" indent="-285750">
-              <a:buFontTx/>
-              <a:buChar char="-"/>
-            </a:pPr>
-            <a:endParaRPr lang="en-US" altLang="ko-KR" sz="1400" dirty="0"/>
-          </a:p>
-        </p:txBody>
-      </p:sp>
-      <p:pic>
-        <p:nvPicPr>
-          <p:cNvPr id="1026" name="Picture 2" descr="image">
-            <a:extLst>
-              <a:ext uri="{FF2B5EF4-FFF2-40B4-BE49-F238E27FC236}">
-                <a16:creationId xmlns:a16="http://schemas.microsoft.com/office/drawing/2014/main" id="{0B12C31F-15EE-4073-AD5B-BB97198FC8F3}"/>
-              </a:ext>
-            </a:extLst>
-          </p:cNvPr>
-          <p:cNvPicPr>
-            <a:picLocks noChangeAspect="1" noChangeArrowheads="1"/>
-          </p:cNvPicPr>
-          <p:nvPr/>
-        </p:nvPicPr>
-        <p:blipFill>
-          <a:blip r:embed="rId2">
-            <a:extLst>
-              <a:ext uri="{28A0092B-C50C-407E-A947-70E740481C1C}">
-                <a14:useLocalDpi xmlns:a14="http://schemas.microsoft.com/office/drawing/2010/main" val="0"/>
-              </a:ext>
-            </a:extLst>
-          </a:blip>
-          <a:srcRect/>
-          <a:stretch>
-            <a:fillRect/>
-          </a:stretch>
-        </p:blipFill>
-        <p:spPr bwMode="auto">
-          <a:xfrm>
-            <a:off x="48987" y="2237951"/>
-            <a:ext cx="2478779" cy="1841628"/>
-          </a:xfrm>
-          <a:prstGeom prst="rect">
-            <a:avLst/>
-          </a:prstGeom>
-          <a:noFill/>
-          <a:extLst>
-            <a:ext uri="{909E8E84-426E-40DD-AFC4-6F175D3DCCD1}">
-              <a14:hiddenFill xmlns:a14="http://schemas.microsoft.com/office/drawing/2010/main">
-                <a:solidFill>
-                  <a:srgbClr val="FFFFFF"/>
-                </a:solidFill>
-              </a14:hiddenFill>
-            </a:ext>
-          </a:extLst>
-        </p:spPr>
-      </p:pic>
-      <p:pic>
-        <p:nvPicPr>
-          <p:cNvPr id="1028" name="Picture 4" descr="image">
-            <a:extLst>
-              <a:ext uri="{FF2B5EF4-FFF2-40B4-BE49-F238E27FC236}">
-                <a16:creationId xmlns:a16="http://schemas.microsoft.com/office/drawing/2014/main" id="{5A6B5AB4-3B66-4E1D-8902-D3A10DB49F45}"/>
-              </a:ext>
-            </a:extLst>
-          </p:cNvPr>
-          <p:cNvPicPr>
-            <a:picLocks noChangeAspect="1" noChangeArrowheads="1"/>
-          </p:cNvPicPr>
-          <p:nvPr/>
-        </p:nvPicPr>
-        <p:blipFill>
-          <a:blip r:embed="rId3">
-            <a:extLst>
-              <a:ext uri="{28A0092B-C50C-407E-A947-70E740481C1C}">
-                <a14:useLocalDpi xmlns:a14="http://schemas.microsoft.com/office/drawing/2010/main" val="0"/>
-              </a:ext>
-            </a:extLst>
-          </a:blip>
-          <a:srcRect/>
-          <a:stretch>
-            <a:fillRect/>
-          </a:stretch>
-        </p:blipFill>
-        <p:spPr bwMode="auto">
-          <a:xfrm>
-            <a:off x="2645226" y="2232501"/>
-            <a:ext cx="2334985" cy="1847078"/>
-          </a:xfrm>
-          <a:prstGeom prst="rect">
-            <a:avLst/>
-          </a:prstGeom>
-          <a:noFill/>
-          <a:extLst>
-            <a:ext uri="{909E8E84-426E-40DD-AFC4-6F175D3DCCD1}">
-              <a14:hiddenFill xmlns:a14="http://schemas.microsoft.com/office/drawing/2010/main">
-                <a:solidFill>
-                  <a:srgbClr val="FFFFFF"/>
-                </a:solidFill>
-              </a14:hiddenFill>
-            </a:ext>
-          </a:extLst>
-        </p:spPr>
-      </p:pic>
-      <p:pic>
-        <p:nvPicPr>
-          <p:cNvPr id="1030" name="Picture 6" descr="image">
-            <a:extLst>
-              <a:ext uri="{FF2B5EF4-FFF2-40B4-BE49-F238E27FC236}">
-                <a16:creationId xmlns:a16="http://schemas.microsoft.com/office/drawing/2014/main" id="{EC4E017E-3172-40DF-B292-7E0DF853210A}"/>
-              </a:ext>
-            </a:extLst>
-          </p:cNvPr>
-          <p:cNvPicPr>
-            <a:picLocks noChangeAspect="1" noChangeArrowheads="1"/>
-          </p:cNvPicPr>
-          <p:nvPr/>
-        </p:nvPicPr>
-        <p:blipFill>
-          <a:blip r:embed="rId4">
-            <a:extLst>
-              <a:ext uri="{28A0092B-C50C-407E-A947-70E740481C1C}">
-                <a14:useLocalDpi xmlns:a14="http://schemas.microsoft.com/office/drawing/2010/main" val="0"/>
-              </a:ext>
-            </a:extLst>
-          </a:blip>
-          <a:srcRect/>
-          <a:stretch>
-            <a:fillRect/>
-          </a:stretch>
-        </p:blipFill>
-        <p:spPr bwMode="auto">
-          <a:xfrm>
-            <a:off x="5149376" y="2196693"/>
-            <a:ext cx="2149495" cy="1887155"/>
-          </a:xfrm>
-          <a:prstGeom prst="rect">
-            <a:avLst/>
-          </a:prstGeom>
-          <a:noFill/>
-          <a:extLst>
-            <a:ext uri="{909E8E84-426E-40DD-AFC4-6F175D3DCCD1}">
-              <a14:hiddenFill xmlns:a14="http://schemas.microsoft.com/office/drawing/2010/main">
-                <a:solidFill>
-                  <a:srgbClr val="FFFFFF"/>
-                </a:solidFill>
-              </a14:hiddenFill>
-            </a:ext>
-          </a:extLst>
-        </p:spPr>
-      </p:pic>
-    </p:spTree>
-    <p:extLst>
-      <p:ext uri="{BB962C8B-B14F-4D97-AF65-F5344CB8AC3E}">
-        <p14:creationId xmlns:p14="http://schemas.microsoft.com/office/powerpoint/2010/main" val="4188577066"/>
-      </p:ext>
-    </p:extLst>
-  </p:cSld>
-  <p:clrMapOvr>
-    <a:masterClrMapping/>
-  </p:clrMapOvr>
-</p:sld>
-</file>
-
-<file path=ppt/slides/slide2.xml><?xml version="1.0" encoding="utf-8"?>
-<p:sld xmlns:a="http://schemas.openxmlformats.org/drawingml/2006/main" xmlns:r="http://schemas.openxmlformats.org/officeDocument/2006/relationships" xmlns:p="http://schemas.openxmlformats.org/presentationml/2006/main">
-  <p:cSld>
-    <p:spTree>
-      <p:nvGrpSpPr>
-        <p:cNvPr id="1" name=""/>
-        <p:cNvGrpSpPr/>
-        <p:nvPr/>
-      </p:nvGrpSpPr>
-      <p:grpSpPr>
-        <a:xfrm>
-          <a:off x="0" y="0"/>
-          <a:ext cx="0" cy="0"/>
-          <a:chOff x="0" y="0"/>
-          <a:chExt cx="0" cy="0"/>
-        </a:xfrm>
-      </p:grpSpPr>
-      <p:sp>
-        <p:nvSpPr>
-          <p:cNvPr id="2" name="제목 1">
-            <a:extLst>
-              <a:ext uri="{FF2B5EF4-FFF2-40B4-BE49-F238E27FC236}">
-                <a16:creationId xmlns:a16="http://schemas.microsoft.com/office/drawing/2014/main" id="{11F7ECDD-6C8C-4DC9-BAE8-787D827B25C2}"/>
-              </a:ext>
-            </a:extLst>
-          </p:cNvPr>
-          <p:cNvSpPr>
-            <a:spLocks noGrp="1"/>
-          </p:cNvSpPr>
-          <p:nvPr>
-            <p:ph type="title"/>
-          </p:nvPr>
-        </p:nvSpPr>
-        <p:spPr/>
-        <p:txBody>
-          <a:bodyPr/>
-          <a:lstStyle/>
-          <a:p>
-            <a:r>
-              <a:rPr lang="ko-KR" altLang="en-US" dirty="0"/>
-              <a:t>목차</a:t>
-            </a:r>
-          </a:p>
-        </p:txBody>
-      </p:sp>
-      <p:sp>
-        <p:nvSpPr>
-          <p:cNvPr id="3" name="내용 개체 틀 2">
-            <a:extLst>
-              <a:ext uri="{FF2B5EF4-FFF2-40B4-BE49-F238E27FC236}">
-                <a16:creationId xmlns:a16="http://schemas.microsoft.com/office/drawing/2014/main" id="{78E0D18E-A1CC-42A5-BA2D-A0504A727BCF}"/>
-              </a:ext>
-            </a:extLst>
-          </p:cNvPr>
-          <p:cNvSpPr>
-            <a:spLocks noGrp="1"/>
-          </p:cNvSpPr>
-          <p:nvPr>
-            <p:ph idx="1"/>
-          </p:nvPr>
-        </p:nvSpPr>
-        <p:spPr/>
-        <p:txBody>
-          <a:bodyPr/>
-          <a:lstStyle/>
-          <a:p>
-            <a:r>
-              <a:rPr lang="en-US" altLang="ko-KR" dirty="0"/>
-              <a:t>Forms and User Input</a:t>
-            </a:r>
-            <a:endParaRPr lang="ko-KR" altLang="en-US" dirty="0"/>
-          </a:p>
-        </p:txBody>
-      </p:sp>
-    </p:spTree>
-    <p:extLst>
-      <p:ext uri="{BB962C8B-B14F-4D97-AF65-F5344CB8AC3E}">
-        <p14:creationId xmlns:p14="http://schemas.microsoft.com/office/powerpoint/2010/main" val="869180821"/>
-      </p:ext>
-    </p:extLst>
-  </p:cSld>
-  <p:clrMapOvr>
-    <a:masterClrMapping/>
-  </p:clrMapOvr>
-</p:sld>
-</file>
-
-<file path=ppt/slides/slide3.xml><?xml version="1.0" encoding="utf-8"?>
-<p:sld xmlns:a="http://schemas.openxmlformats.org/drawingml/2006/main" xmlns:r="http://schemas.openxmlformats.org/officeDocument/2006/relationships" xmlns:p="http://schemas.openxmlformats.org/presentationml/2006/main">
-  <p:cSld>
-    <p:spTree>
-      <p:nvGrpSpPr>
-        <p:cNvPr id="1" name=""/>
-        <p:cNvGrpSpPr/>
-        <p:nvPr/>
-      </p:nvGrpSpPr>
-      <p:grpSpPr>
-        <a:xfrm>
-          <a:off x="0" y="0"/>
-          <a:ext cx="0" cy="0"/>
-          <a:chOff x="0" y="0"/>
-          <a:chExt cx="0" cy="0"/>
-        </a:xfrm>
-      </p:grpSpPr>
-      <p:sp>
-        <p:nvSpPr>
-          <p:cNvPr id="2" name="제목 1">
-            <a:extLst>
-              <a:ext uri="{FF2B5EF4-FFF2-40B4-BE49-F238E27FC236}">
-                <a16:creationId xmlns:a16="http://schemas.microsoft.com/office/drawing/2014/main" id="{2EC833C6-FAC3-442B-803D-3FB02DF07980}"/>
-              </a:ext>
-            </a:extLst>
-          </p:cNvPr>
-          <p:cNvSpPr>
-            <a:spLocks noGrp="1"/>
-          </p:cNvSpPr>
-          <p:nvPr>
-            <p:ph type="title"/>
-          </p:nvPr>
-        </p:nvSpPr>
-        <p:spPr>
-          <a:xfrm>
-            <a:off x="677334" y="609600"/>
-            <a:ext cx="8596668" cy="517864"/>
-          </a:xfrm>
-        </p:spPr>
-        <p:txBody>
-          <a:bodyPr>
-            <a:normAutofit fontScale="90000"/>
-          </a:bodyPr>
-          <a:lstStyle/>
-          <a:p>
-            <a:r>
-              <a:rPr lang="en-US" altLang="ko-KR" dirty="0"/>
-              <a:t>3. Forms and User Input</a:t>
-            </a:r>
-            <a:endParaRPr lang="ko-KR" altLang="en-US" dirty="0"/>
-          </a:p>
-        </p:txBody>
-      </p:sp>
-      <p:sp>
-        <p:nvSpPr>
-          <p:cNvPr id="6" name="직사각형 5">
-            <a:extLst>
-              <a:ext uri="{FF2B5EF4-FFF2-40B4-BE49-F238E27FC236}">
-                <a16:creationId xmlns:a16="http://schemas.microsoft.com/office/drawing/2014/main" id="{6A60F032-B172-43E0-B147-16329887DE8F}"/>
-              </a:ext>
-            </a:extLst>
-          </p:cNvPr>
-          <p:cNvSpPr/>
-          <p:nvPr/>
-        </p:nvSpPr>
-        <p:spPr>
-          <a:xfrm>
-            <a:off x="7620874" y="2196693"/>
-            <a:ext cx="4470512" cy="1384995"/>
-          </a:xfrm>
-          <a:prstGeom prst="rect">
-            <a:avLst/>
-          </a:prstGeom>
-        </p:spPr>
-        <p:txBody>
-          <a:bodyPr wrap="square">
-            <a:spAutoFit/>
-          </a:bodyPr>
-          <a:lstStyle/>
-          <a:p>
-            <a:pPr marL="285750" indent="-285750">
-              <a:buFontTx/>
-              <a:buChar char="-"/>
-            </a:pPr>
-            <a:r>
-              <a:rPr lang="en-US" altLang="ko-KR" sz="1400" dirty="0" err="1"/>
-              <a:t>WTForms</a:t>
-            </a:r>
-            <a:r>
-              <a:rPr lang="ko-KR" altLang="en-US" sz="1400" dirty="0"/>
-              <a:t>로 작업할 때 </a:t>
-            </a:r>
-            <a:r>
-              <a:rPr lang="en-US" altLang="ko-KR" sz="1400" dirty="0"/>
-              <a:t>class</a:t>
-            </a:r>
-            <a:r>
-              <a:rPr lang="ko-KR" altLang="en-US" sz="1400" dirty="0"/>
-              <a:t>로 먼저 그 </a:t>
-            </a:r>
-            <a:r>
-              <a:rPr lang="en-US" altLang="ko-KR" sz="1400" dirty="0"/>
-              <a:t>forms</a:t>
-            </a:r>
-            <a:r>
-              <a:rPr lang="ko-KR" altLang="en-US" sz="1400" dirty="0"/>
-              <a:t>을 정의 </a:t>
-            </a:r>
-            <a:r>
-              <a:rPr lang="ko-KR" altLang="en-US" sz="1400" dirty="0" err="1"/>
-              <a:t>해야한다</a:t>
-            </a:r>
-            <a:r>
-              <a:rPr lang="en-US" altLang="ko-KR" sz="1400" dirty="0"/>
-              <a:t>.</a:t>
-            </a:r>
-          </a:p>
-          <a:p>
-            <a:pPr marL="285750" indent="-285750">
-              <a:buFontTx/>
-              <a:buChar char="-"/>
-            </a:pPr>
-            <a:r>
-              <a:rPr lang="ko-KR" altLang="en-US" sz="1400" dirty="0"/>
-              <a:t>어플리케이션을 여러 모듈로 쪼개고 </a:t>
-            </a:r>
-            <a:r>
-              <a:rPr lang="en-US" altLang="ko-KR" sz="1400" dirty="0"/>
-              <a:t>form</a:t>
-            </a:r>
-            <a:r>
-              <a:rPr lang="ko-KR" altLang="en-US" sz="1400" dirty="0"/>
-              <a:t>에 대한 분리된 모듈을 추가하는 것이 권고된다</a:t>
-            </a:r>
-            <a:r>
-              <a:rPr lang="en-US" altLang="ko-KR" sz="1400" dirty="0"/>
-              <a:t>.</a:t>
-            </a:r>
-          </a:p>
-          <a:p>
-            <a:endParaRPr lang="en-US" altLang="ko-KR" sz="1400" dirty="0"/>
-          </a:p>
-          <a:p>
-            <a:endParaRPr lang="en-US" altLang="ko-KR" sz="1400" dirty="0"/>
-          </a:p>
-        </p:txBody>
-      </p:sp>
-      <p:sp>
-        <p:nvSpPr>
-          <p:cNvPr id="5" name="직사각형 4">
-            <a:extLst>
-              <a:ext uri="{FF2B5EF4-FFF2-40B4-BE49-F238E27FC236}">
-                <a16:creationId xmlns:a16="http://schemas.microsoft.com/office/drawing/2014/main" id="{39CC5049-A41A-4F6B-9773-FD1531970FA0}"/>
-              </a:ext>
-            </a:extLst>
-          </p:cNvPr>
-          <p:cNvSpPr/>
-          <p:nvPr/>
-        </p:nvSpPr>
-        <p:spPr>
-          <a:xfrm>
-            <a:off x="848526" y="2196693"/>
-            <a:ext cx="5584358" cy="3631763"/>
-          </a:xfrm>
-          <a:prstGeom prst="rect">
-            <a:avLst/>
-          </a:prstGeom>
-        </p:spPr>
-        <p:txBody>
-          <a:bodyPr wrap="square">
-            <a:spAutoFit/>
-          </a:bodyPr>
-          <a:lstStyle/>
-          <a:p>
-            <a:r>
-              <a:rPr lang="en-US" altLang="ko-KR" dirty="0"/>
-              <a:t>Flask </a:t>
-            </a:r>
-            <a:r>
-              <a:rPr lang="ko-KR" altLang="en-US" dirty="0"/>
-              <a:t>폴더</a:t>
-            </a:r>
-            <a:br>
-              <a:rPr lang="ko-KR" altLang="en-US" dirty="0"/>
-            </a:br>
-            <a:r>
-              <a:rPr lang="ko-KR" altLang="en-US" dirty="0"/>
-              <a:t>│   ├── </a:t>
-            </a:r>
-            <a:r>
-              <a:rPr lang="en-US" altLang="ko-KR" dirty="0"/>
-              <a:t>templates </a:t>
-            </a:r>
-            <a:br>
-              <a:rPr lang="ko-KR" altLang="en-US" dirty="0"/>
-            </a:br>
-            <a:r>
-              <a:rPr lang="ko-KR" altLang="en-US" dirty="0"/>
-              <a:t>│          ├── </a:t>
-            </a:r>
-            <a:r>
-              <a:rPr lang="en-US" altLang="ko-KR" dirty="0"/>
-              <a:t>about.html</a:t>
-            </a:r>
-            <a:r>
-              <a:rPr lang="ko-KR" altLang="en-US" dirty="0"/>
-              <a:t>                                    </a:t>
-            </a:r>
-            <a:br>
-              <a:rPr lang="ko-KR" altLang="en-US" dirty="0"/>
-            </a:br>
-            <a:r>
-              <a:rPr lang="ko-KR" altLang="en-US" dirty="0"/>
-              <a:t>│          ├── </a:t>
-            </a:r>
-            <a:r>
-              <a:rPr lang="en-US" altLang="ko-KR" dirty="0"/>
-              <a:t>home.html</a:t>
-            </a:r>
-            <a:r>
-              <a:rPr lang="ko-KR" altLang="en-US" dirty="0"/>
-              <a:t>       </a:t>
-            </a:r>
-            <a:br>
-              <a:rPr lang="ko-KR" altLang="en-US" dirty="0"/>
-            </a:br>
-            <a:r>
-              <a:rPr lang="ko-KR" altLang="en-US" dirty="0"/>
-              <a:t>│          ├── </a:t>
-            </a:r>
-            <a:r>
-              <a:rPr lang="en-US" altLang="ko-KR" dirty="0"/>
-              <a:t>layout.html</a:t>
-            </a:r>
-            <a:r>
-              <a:rPr lang="ko-KR" altLang="en-US" dirty="0"/>
-              <a:t> </a:t>
-            </a:r>
-            <a:endParaRPr lang="en-US" altLang="ko-KR" dirty="0"/>
-          </a:p>
-          <a:p>
-            <a:r>
-              <a:rPr lang="ko-KR" altLang="en-US" dirty="0"/>
-              <a:t>│          ├── </a:t>
-            </a:r>
-            <a:r>
-              <a:rPr lang="en-US" altLang="ko-KR" dirty="0"/>
-              <a:t>login.html</a:t>
-            </a:r>
-            <a:r>
-              <a:rPr lang="ko-KR" altLang="en-US" dirty="0"/>
-              <a:t>                                    </a:t>
-            </a:r>
-            <a:endParaRPr lang="en-US" altLang="ko-KR" dirty="0"/>
-          </a:p>
-          <a:p>
-            <a:r>
-              <a:rPr lang="ko-KR" altLang="en-US" dirty="0"/>
-              <a:t>│          ├── </a:t>
-            </a:r>
-            <a:r>
-              <a:rPr lang="en-US" altLang="ko-KR" dirty="0"/>
-              <a:t>register.html</a:t>
-            </a:r>
-            <a:r>
-              <a:rPr lang="ko-KR" altLang="en-US" dirty="0"/>
-              <a:t>                                    </a:t>
-            </a:r>
-            <a:br>
-              <a:rPr lang="ko-KR" altLang="en-US" dirty="0"/>
-            </a:br>
-            <a:r>
-              <a:rPr lang="ko-KR" altLang="en-US" dirty="0"/>
-              <a:t>├── </a:t>
-            </a:r>
-            <a:r>
-              <a:rPr lang="en-US" altLang="ko-KR" dirty="0"/>
-              <a:t>flaskblog.py</a:t>
-            </a:r>
-            <a:r>
-              <a:rPr lang="ko-KR" altLang="en-US" dirty="0"/>
-              <a:t> </a:t>
-            </a:r>
-            <a:r>
-              <a:rPr lang="en-US" altLang="ko-KR" dirty="0"/>
-              <a:t> </a:t>
-            </a:r>
-            <a:r>
-              <a:rPr lang="ko-KR" altLang="en-US" dirty="0"/>
-              <a:t>                                          </a:t>
-            </a:r>
-            <a:br>
-              <a:rPr lang="ko-KR" altLang="en-US" dirty="0"/>
-            </a:br>
-            <a:r>
-              <a:rPr lang="ko-KR" altLang="en-US" dirty="0"/>
-              <a:t>├── </a:t>
-            </a:r>
-            <a:r>
-              <a:rPr lang="en-US" altLang="ko-KR" dirty="0"/>
-              <a:t>forms.py </a:t>
-            </a:r>
-          </a:p>
-          <a:p>
-            <a:r>
-              <a:rPr lang="en-US" altLang="ko-KR" dirty="0"/>
-              <a:t>static </a:t>
-            </a:r>
-            <a:r>
-              <a:rPr lang="ko-KR" altLang="en-US" dirty="0"/>
-              <a:t>폴더</a:t>
-            </a:r>
-            <a:br>
-              <a:rPr lang="ko-KR" altLang="en-US" dirty="0"/>
-            </a:br>
-            <a:r>
-              <a:rPr lang="ko-KR" altLang="en-US" dirty="0"/>
-              <a:t>│   ├── </a:t>
-            </a:r>
-            <a:r>
-              <a:rPr lang="en-US" altLang="ko-KR" dirty="0"/>
-              <a:t>main.css</a:t>
-            </a:r>
-            <a:br>
-              <a:rPr lang="ko-KR" altLang="en-US" dirty="0"/>
-            </a:br>
-            <a:endParaRPr lang="en-US" altLang="ko-KR" dirty="0"/>
-          </a:p>
-          <a:p>
-            <a:endParaRPr lang="en-US" altLang="ko-KR" sz="1400" dirty="0"/>
-          </a:p>
-        </p:txBody>
-      </p:sp>
-    </p:spTree>
-    <p:extLst>
-      <p:ext uri="{BB962C8B-B14F-4D97-AF65-F5344CB8AC3E}">
-        <p14:creationId xmlns:p14="http://schemas.microsoft.com/office/powerpoint/2010/main" val="1412398302"/>
-      </p:ext>
-    </p:extLst>
-  </p:cSld>
-  <p:clrMapOvr>
-    <a:masterClrMapping/>
-  </p:clrMapOvr>
-</p:sld>
-</file>
-
-<file path=ppt/slides/slide4.xml><?xml version="1.0" encoding="utf-8"?>
-<p:sld xmlns:a="http://schemas.openxmlformats.org/drawingml/2006/main" xmlns:r="http://schemas.openxmlformats.org/officeDocument/2006/relationships" xmlns:p="http://schemas.openxmlformats.org/presentationml/2006/main">
-  <p:cSld>
-    <p:spTree>
-      <p:nvGrpSpPr>
-        <p:cNvPr id="1" name=""/>
-        <p:cNvGrpSpPr/>
-        <p:nvPr/>
-      </p:nvGrpSpPr>
-      <p:grpSpPr>
-        <a:xfrm>
-          <a:off x="0" y="0"/>
-          <a:ext cx="0" cy="0"/>
-          <a:chOff x="0" y="0"/>
-          <a:chExt cx="0" cy="0"/>
-        </a:xfrm>
-      </p:grpSpPr>
-      <p:sp>
-        <p:nvSpPr>
-          <p:cNvPr id="2" name="제목 1">
-            <a:extLst>
-              <a:ext uri="{FF2B5EF4-FFF2-40B4-BE49-F238E27FC236}">
-                <a16:creationId xmlns:a16="http://schemas.microsoft.com/office/drawing/2014/main" id="{2EC833C6-FAC3-442B-803D-3FB02DF07980}"/>
-              </a:ext>
-            </a:extLst>
-          </p:cNvPr>
-          <p:cNvSpPr>
-            <a:spLocks noGrp="1"/>
-          </p:cNvSpPr>
-          <p:nvPr>
-            <p:ph type="title"/>
-          </p:nvPr>
-        </p:nvSpPr>
-        <p:spPr>
-          <a:xfrm>
-            <a:off x="677334" y="609600"/>
-            <a:ext cx="8596668" cy="517864"/>
-          </a:xfrm>
-        </p:spPr>
-        <p:txBody>
-          <a:bodyPr>
-            <a:normAutofit fontScale="90000"/>
-          </a:bodyPr>
-          <a:lstStyle/>
-          <a:p>
-            <a:r>
-              <a:rPr lang="en-US" altLang="ko-KR" dirty="0"/>
-              <a:t>3. Forms and User Input</a:t>
-            </a:r>
-            <a:endParaRPr lang="ko-KR" altLang="en-US" dirty="0"/>
-          </a:p>
-        </p:txBody>
-      </p:sp>
-      <p:sp>
-        <p:nvSpPr>
-          <p:cNvPr id="4" name="제목 1">
-            <a:extLst>
-              <a:ext uri="{FF2B5EF4-FFF2-40B4-BE49-F238E27FC236}">
-                <a16:creationId xmlns:a16="http://schemas.microsoft.com/office/drawing/2014/main" id="{824331F3-9831-4A24-AC95-4771B0BCE333}"/>
-              </a:ext>
-            </a:extLst>
-          </p:cNvPr>
-          <p:cNvSpPr txBox="1">
-            <a:spLocks/>
-          </p:cNvSpPr>
-          <p:nvPr/>
-        </p:nvSpPr>
-        <p:spPr>
-          <a:xfrm>
-            <a:off x="1307647" y="1180730"/>
-            <a:ext cx="8022783" cy="436518"/>
-          </a:xfrm>
-          <a:prstGeom prst="rect">
-            <a:avLst/>
-          </a:prstGeom>
-        </p:spPr>
-        <p:txBody>
-          <a:bodyPr vert="horz" lIns="91440" tIns="45720" rIns="91440" bIns="45720" rtlCol="0" anchor="t">
-            <a:normAutofit lnSpcReduction="10000"/>
-          </a:bodyPr>
-          <a:lstStyle>
-            <a:lvl1pPr algn="l" defTabSz="457200" rtl="0" eaLnBrk="1" latinLnBrk="1" hangingPunct="1">
-              <a:spcBef>
-                <a:spcPct val="0"/>
-              </a:spcBef>
-              <a:buNone/>
-              <a:defRPr sz="3600" kern="1200">
-                <a:solidFill>
-                  <a:schemeClr val="accent1"/>
-                </a:solidFill>
-                <a:latin typeface="+mj-lt"/>
-                <a:ea typeface="+mj-ea"/>
-                <a:cs typeface="+mj-cs"/>
-              </a:defRPr>
-            </a:lvl1pPr>
-            <a:lvl2pPr eaLnBrk="1" latinLnBrk="1" hangingPunct="1">
-              <a:defRPr>
-                <a:solidFill>
-                  <a:schemeClr val="tx2"/>
-                </a:solidFill>
-              </a:defRPr>
-            </a:lvl2pPr>
-            <a:lvl3pPr eaLnBrk="1" latinLnBrk="1" hangingPunct="1">
-              <a:defRPr>
-                <a:solidFill>
-                  <a:schemeClr val="tx2"/>
-                </a:solidFill>
-              </a:defRPr>
-            </a:lvl3pPr>
-            <a:lvl4pPr eaLnBrk="1" latinLnBrk="1" hangingPunct="1">
-              <a:defRPr>
-                <a:solidFill>
-                  <a:schemeClr val="tx2"/>
-                </a:solidFill>
-              </a:defRPr>
-            </a:lvl4pPr>
-            <a:lvl5pPr eaLnBrk="1" latinLnBrk="1" hangingPunct="1">
-              <a:defRPr>
-                <a:solidFill>
-                  <a:schemeClr val="tx2"/>
-                </a:solidFill>
-              </a:defRPr>
-            </a:lvl5pPr>
-            <a:lvl6pPr eaLnBrk="1" latinLnBrk="1" hangingPunct="1">
-              <a:defRPr>
-                <a:solidFill>
-                  <a:schemeClr val="tx2"/>
-                </a:solidFill>
-              </a:defRPr>
-            </a:lvl6pPr>
-            <a:lvl7pPr eaLnBrk="1" latinLnBrk="1" hangingPunct="1">
-              <a:defRPr>
-                <a:solidFill>
-                  <a:schemeClr val="tx2"/>
-                </a:solidFill>
-              </a:defRPr>
-            </a:lvl7pPr>
-            <a:lvl8pPr eaLnBrk="1" latinLnBrk="1" hangingPunct="1">
-              <a:defRPr>
-                <a:solidFill>
-                  <a:schemeClr val="tx2"/>
-                </a:solidFill>
-              </a:defRPr>
-            </a:lvl8pPr>
-            <a:lvl9pPr eaLnBrk="1" latinLnBrk="1" hangingPunct="1">
-              <a:defRPr>
-                <a:solidFill>
-                  <a:schemeClr val="tx2"/>
-                </a:solidFill>
-              </a:defRPr>
-            </a:lvl9pPr>
-          </a:lstStyle>
-          <a:p>
-            <a:r>
-              <a:rPr lang="ko-KR" altLang="en-US" sz="2400" dirty="0"/>
-              <a:t>전형적인 등록 페이지에 대한 예제 </a:t>
-            </a:r>
-            <a:r>
-              <a:rPr lang="en-US" altLang="ko-KR" sz="2400" dirty="0"/>
-              <a:t>Form</a:t>
-            </a:r>
-          </a:p>
-        </p:txBody>
-      </p:sp>
-      <p:sp>
-        <p:nvSpPr>
-          <p:cNvPr id="6" name="직사각형 5">
-            <a:extLst>
-              <a:ext uri="{FF2B5EF4-FFF2-40B4-BE49-F238E27FC236}">
-                <a16:creationId xmlns:a16="http://schemas.microsoft.com/office/drawing/2014/main" id="{6A60F032-B172-43E0-B147-16329887DE8F}"/>
-              </a:ext>
-            </a:extLst>
-          </p:cNvPr>
-          <p:cNvSpPr/>
-          <p:nvPr/>
-        </p:nvSpPr>
-        <p:spPr>
-          <a:xfrm>
-            <a:off x="7620874" y="2196693"/>
-            <a:ext cx="4470512" cy="3754874"/>
-          </a:xfrm>
-          <a:prstGeom prst="rect">
-            <a:avLst/>
-          </a:prstGeom>
-        </p:spPr>
-        <p:txBody>
-          <a:bodyPr wrap="square">
-            <a:spAutoFit/>
-          </a:bodyPr>
-          <a:lstStyle/>
-          <a:p>
-            <a:pPr marL="285750" indent="-285750">
-              <a:buFontTx/>
-              <a:buChar char="-"/>
-            </a:pPr>
-            <a:r>
-              <a:rPr lang="ko-KR" altLang="en-US" sz="1400" dirty="0"/>
-              <a:t>브라우저에서 전송되는 </a:t>
-            </a:r>
-            <a:r>
-              <a:rPr lang="en-US" altLang="ko-KR" sz="1400" dirty="0"/>
-              <a:t>form data</a:t>
-            </a:r>
-            <a:r>
-              <a:rPr lang="ko-KR" altLang="en-US" sz="1400" dirty="0"/>
-              <a:t>를 가지고 작업을 </a:t>
-            </a:r>
-            <a:r>
-              <a:rPr lang="ko-KR" altLang="en-US" sz="1400" dirty="0" err="1"/>
-              <a:t>해야할</a:t>
-            </a:r>
-            <a:r>
-              <a:rPr lang="ko-KR" altLang="en-US" sz="1400" dirty="0"/>
-              <a:t> 때</a:t>
-            </a:r>
-            <a:r>
-              <a:rPr lang="en-US" altLang="ko-KR" sz="1400" dirty="0"/>
-              <a:t>, view code</a:t>
-            </a:r>
-            <a:r>
-              <a:rPr lang="ko-KR" altLang="en-US" sz="1400" dirty="0"/>
-              <a:t>를 읽기가 매우 </a:t>
-            </a:r>
-            <a:r>
-              <a:rPr lang="ko-KR" altLang="en-US" sz="1400" dirty="0" err="1"/>
-              <a:t>어려짐</a:t>
-            </a:r>
-            <a:r>
-              <a:rPr lang="en-US" altLang="ko-KR" sz="1400" dirty="0"/>
-              <a:t>.</a:t>
-            </a:r>
-          </a:p>
-          <a:p>
-            <a:pPr marL="285750" indent="-285750">
-              <a:buFontTx/>
-              <a:buChar char="-"/>
-            </a:pPr>
-            <a:r>
-              <a:rPr lang="ko-KR" altLang="en-US" sz="1400" dirty="0"/>
-              <a:t>이 과정을 더 쉽게 관리할 수 있도록 설계된 라이브러리가 있는데 그것이 </a:t>
-            </a:r>
-            <a:r>
-              <a:rPr lang="en-US" altLang="ko-KR" sz="1400" dirty="0" err="1"/>
-              <a:t>WTForms</a:t>
-            </a:r>
-            <a:r>
-              <a:rPr lang="en-US" altLang="ko-KR" sz="1400" dirty="0"/>
-              <a:t> </a:t>
-            </a:r>
-            <a:r>
-              <a:rPr lang="ko-KR" altLang="en-US" sz="1400" dirty="0"/>
-              <a:t>다</a:t>
-            </a:r>
-            <a:r>
-              <a:rPr lang="en-US" altLang="ko-KR" sz="1400" dirty="0"/>
-              <a:t>.</a:t>
-            </a:r>
-          </a:p>
-          <a:p>
-            <a:pPr marL="285750" indent="-285750">
-              <a:buFontTx/>
-              <a:buChar char="-"/>
-            </a:pPr>
-            <a:r>
-              <a:rPr lang="en-US" altLang="ko-KR" sz="1400" dirty="0" err="1"/>
-              <a:t>WTForms</a:t>
-            </a:r>
-            <a:r>
-              <a:rPr lang="ko-KR" altLang="en-US" sz="1400" dirty="0"/>
-              <a:t>로 작업 </a:t>
-            </a:r>
-            <a:r>
-              <a:rPr lang="ko-KR" altLang="en-US" sz="1400" dirty="0" err="1"/>
-              <a:t>할때는</a:t>
-            </a:r>
-            <a:r>
-              <a:rPr lang="ko-KR" altLang="en-US" sz="1400" dirty="0"/>
-              <a:t> 먼저 </a:t>
-            </a:r>
-            <a:r>
-              <a:rPr lang="en-US" altLang="ko-KR" sz="1400" dirty="0"/>
-              <a:t>class</a:t>
-            </a:r>
-            <a:r>
-              <a:rPr lang="ko-KR" altLang="en-US" sz="1400" dirty="0"/>
-              <a:t>로 그 </a:t>
-            </a:r>
-            <a:r>
-              <a:rPr lang="en-US" altLang="ko-KR" sz="1400" dirty="0"/>
-              <a:t>form</a:t>
-            </a:r>
-            <a:r>
-              <a:rPr lang="ko-KR" altLang="en-US" sz="1400" dirty="0"/>
-              <a:t>들을 정의해야 한다</a:t>
-            </a:r>
-            <a:r>
-              <a:rPr lang="en-US" altLang="ko-KR" sz="1400" dirty="0"/>
-              <a:t>.</a:t>
-            </a:r>
-          </a:p>
-          <a:p>
-            <a:pPr marL="285750" indent="-285750">
-              <a:buFontTx/>
-              <a:buChar char="-"/>
-            </a:pPr>
-            <a:r>
-              <a:rPr lang="ko-KR" altLang="en-US" sz="1400" dirty="0"/>
-              <a:t>어플리케이션을 여러 모듈로 쪼개고 </a:t>
-            </a:r>
-            <a:r>
-              <a:rPr lang="en-US" altLang="ko-KR" sz="1400" dirty="0"/>
-              <a:t>form</a:t>
-            </a:r>
-            <a:r>
-              <a:rPr lang="ko-KR" altLang="en-US" sz="1400" dirty="0"/>
-              <a:t>에 대한 분리된 모듈을 추가하는 것이 권고된다</a:t>
-            </a:r>
-            <a:r>
-              <a:rPr lang="en-US" altLang="ko-KR" sz="1400" dirty="0"/>
-              <a:t>.</a:t>
-            </a:r>
-          </a:p>
-          <a:p>
-            <a:pPr marL="285750" indent="-285750">
-              <a:buFontTx/>
-              <a:buChar char="-"/>
-            </a:pPr>
-            <a:endParaRPr lang="en-US" altLang="ko-KR" sz="1400" dirty="0"/>
-          </a:p>
-          <a:p>
-            <a:pPr marL="285750" indent="-285750">
-              <a:buFontTx/>
-              <a:buChar char="-"/>
-            </a:pPr>
-            <a:r>
-              <a:rPr lang="ko-KR" altLang="en-US" sz="1400" dirty="0"/>
-              <a:t>위의 코드가 전형적인 </a:t>
-            </a:r>
-            <a:r>
-              <a:rPr lang="en-US" altLang="ko-KR" sz="1400" dirty="0"/>
-              <a:t>form </a:t>
-            </a:r>
-            <a:r>
-              <a:rPr lang="ko-KR" altLang="en-US" sz="1400" dirty="0"/>
-              <a:t>예제</a:t>
-            </a:r>
-            <a:endParaRPr lang="en-US" altLang="ko-KR" sz="1400" dirty="0"/>
-          </a:p>
-          <a:p>
-            <a:pPr marL="285750" indent="-285750">
-              <a:buFontTx/>
-              <a:buChar char="-"/>
-            </a:pPr>
-            <a:endParaRPr lang="en-US" altLang="ko-KR" sz="1400" dirty="0"/>
-          </a:p>
-          <a:p>
-            <a:pPr marL="285750" indent="-285750">
-              <a:buFontTx/>
-              <a:buChar char="-"/>
-            </a:pPr>
-            <a:r>
-              <a:rPr lang="en-US" altLang="ko-KR" sz="1400" dirty="0"/>
-              <a:t>Form</a:t>
-            </a:r>
-            <a:r>
-              <a:rPr lang="ko-KR" altLang="en-US" sz="1400" dirty="0"/>
-              <a:t>에 맞는 것을 사용</a:t>
-            </a:r>
-            <a:endParaRPr lang="en-US" altLang="ko-KR" sz="1400" dirty="0"/>
-          </a:p>
-          <a:p>
-            <a:pPr marL="285750" indent="-285750">
-              <a:buFontTx/>
-              <a:buChar char="-"/>
-            </a:pPr>
-            <a:r>
-              <a:rPr lang="en-US" altLang="ko-KR" sz="1400" dirty="0" err="1"/>
-              <a:t>StringField</a:t>
-            </a:r>
-            <a:endParaRPr lang="en-US" altLang="ko-KR" sz="1400" dirty="0"/>
-          </a:p>
-          <a:p>
-            <a:pPr marL="285750" indent="-285750">
-              <a:buFontTx/>
-              <a:buChar char="-"/>
-            </a:pPr>
-            <a:r>
-              <a:rPr lang="en-US" altLang="ko-KR" sz="1400" dirty="0" err="1"/>
-              <a:t>PasswordField</a:t>
-            </a:r>
-            <a:endParaRPr lang="en-US" altLang="ko-KR" sz="1400" dirty="0"/>
-          </a:p>
-          <a:p>
-            <a:pPr marL="285750" indent="-285750">
-              <a:buFontTx/>
-              <a:buChar char="-"/>
-            </a:pPr>
-            <a:r>
-              <a:rPr lang="en-US" altLang="ko-KR" sz="1400" dirty="0" err="1"/>
-              <a:t>SubmitField</a:t>
-            </a:r>
-            <a:endParaRPr lang="en-US" altLang="ko-KR" sz="1400" dirty="0"/>
-          </a:p>
-          <a:p>
-            <a:pPr marL="285750" indent="-285750">
-              <a:buFontTx/>
-              <a:buChar char="-"/>
-            </a:pPr>
-            <a:r>
-              <a:rPr lang="en-US" altLang="ko-KR" sz="1400" dirty="0" err="1"/>
-              <a:t>BooleanField</a:t>
-            </a:r>
-            <a:endParaRPr lang="en-US" altLang="ko-KR" sz="1400" dirty="0"/>
-          </a:p>
-          <a:p>
-            <a:pPr marL="285750" indent="-285750">
-              <a:buFontTx/>
-              <a:buChar char="-"/>
-            </a:pPr>
-            <a:endParaRPr lang="en-US" altLang="ko-KR" sz="1400" dirty="0"/>
-          </a:p>
-        </p:txBody>
-      </p:sp>
-      <p:pic>
-        <p:nvPicPr>
-          <p:cNvPr id="8" name="그림 7">
-            <a:extLst>
-              <a:ext uri="{FF2B5EF4-FFF2-40B4-BE49-F238E27FC236}">
-                <a16:creationId xmlns:a16="http://schemas.microsoft.com/office/drawing/2014/main" id="{E122AF97-F87C-4E7E-AC32-8916AA08ECA6}"/>
-              </a:ext>
-            </a:extLst>
-          </p:cNvPr>
-          <p:cNvPicPr>
-            <a:picLocks noChangeAspect="1"/>
-          </p:cNvPicPr>
-          <p:nvPr/>
-        </p:nvPicPr>
-        <p:blipFill>
-          <a:blip r:embed="rId2"/>
-          <a:stretch>
-            <a:fillRect/>
-          </a:stretch>
-        </p:blipFill>
-        <p:spPr>
-          <a:xfrm>
-            <a:off x="876814" y="1670514"/>
-            <a:ext cx="6438384" cy="5057473"/>
-          </a:xfrm>
-          <a:prstGeom prst="rect">
-            <a:avLst/>
-          </a:prstGeom>
-        </p:spPr>
-      </p:pic>
-    </p:spTree>
-    <p:extLst>
-      <p:ext uri="{BB962C8B-B14F-4D97-AF65-F5344CB8AC3E}">
-        <p14:creationId xmlns:p14="http://schemas.microsoft.com/office/powerpoint/2010/main" val="3875879065"/>
-      </p:ext>
-    </p:extLst>
-  </p:cSld>
-  <p:clrMapOvr>
-    <a:masterClrMapping/>
-  </p:clrMapOvr>
-</p:sld>
-</file>
-
-<file path=ppt/slides/slide5.xml><?xml version="1.0" encoding="utf-8"?>
-<p:sld xmlns:a="http://schemas.openxmlformats.org/drawingml/2006/main" xmlns:r="http://schemas.openxmlformats.org/officeDocument/2006/relationships" xmlns:p="http://schemas.openxmlformats.org/presentationml/2006/main">
-  <p:cSld>
-    <p:spTree>
-      <p:nvGrpSpPr>
-        <p:cNvPr id="1" name=""/>
-        <p:cNvGrpSpPr/>
-        <p:nvPr/>
-      </p:nvGrpSpPr>
-      <p:grpSpPr>
-        <a:xfrm>
-          <a:off x="0" y="0"/>
-          <a:ext cx="0" cy="0"/>
-          <a:chOff x="0" y="0"/>
-          <a:chExt cx="0" cy="0"/>
-        </a:xfrm>
-      </p:grpSpPr>
-      <p:sp>
-        <p:nvSpPr>
-          <p:cNvPr id="2" name="제목 1">
-            <a:extLst>
-              <a:ext uri="{FF2B5EF4-FFF2-40B4-BE49-F238E27FC236}">
-                <a16:creationId xmlns:a16="http://schemas.microsoft.com/office/drawing/2014/main" id="{2EC833C6-FAC3-442B-803D-3FB02DF07980}"/>
-              </a:ext>
-            </a:extLst>
-          </p:cNvPr>
-          <p:cNvSpPr>
-            <a:spLocks noGrp="1"/>
-          </p:cNvSpPr>
-          <p:nvPr>
-            <p:ph type="title"/>
-          </p:nvPr>
-        </p:nvSpPr>
-        <p:spPr>
-          <a:xfrm>
-            <a:off x="677334" y="609600"/>
-            <a:ext cx="8596668" cy="517864"/>
-          </a:xfrm>
-        </p:spPr>
-        <p:txBody>
-          <a:bodyPr>
-            <a:normAutofit fontScale="90000"/>
-          </a:bodyPr>
-          <a:lstStyle/>
-          <a:p>
-            <a:r>
-              <a:rPr lang="en-US" altLang="ko-KR" dirty="0"/>
-              <a:t>3. Forms and User Input</a:t>
-            </a:r>
-            <a:endParaRPr lang="ko-KR" altLang="en-US" dirty="0"/>
-          </a:p>
-        </p:txBody>
-      </p:sp>
-      <p:sp>
-        <p:nvSpPr>
-          <p:cNvPr id="4" name="제목 1">
-            <a:extLst>
-              <a:ext uri="{FF2B5EF4-FFF2-40B4-BE49-F238E27FC236}">
-                <a16:creationId xmlns:a16="http://schemas.microsoft.com/office/drawing/2014/main" id="{824331F3-9831-4A24-AC95-4771B0BCE333}"/>
-              </a:ext>
-            </a:extLst>
-          </p:cNvPr>
-          <p:cNvSpPr txBox="1">
-            <a:spLocks/>
-          </p:cNvSpPr>
-          <p:nvPr/>
-        </p:nvSpPr>
-        <p:spPr>
-          <a:xfrm>
-            <a:off x="1307647" y="1180730"/>
-            <a:ext cx="8022783" cy="436518"/>
-          </a:xfrm>
-          <a:prstGeom prst="rect">
-            <a:avLst/>
-          </a:prstGeom>
-        </p:spPr>
-        <p:txBody>
-          <a:bodyPr vert="horz" lIns="91440" tIns="45720" rIns="91440" bIns="45720" rtlCol="0" anchor="t">
-            <a:normAutofit lnSpcReduction="10000"/>
-          </a:bodyPr>
-          <a:lstStyle>
-            <a:lvl1pPr algn="l" defTabSz="457200" rtl="0" eaLnBrk="1" latinLnBrk="1" hangingPunct="1">
-              <a:spcBef>
-                <a:spcPct val="0"/>
-              </a:spcBef>
-              <a:buNone/>
-              <a:defRPr sz="3600" kern="1200">
-                <a:solidFill>
-                  <a:schemeClr val="accent1"/>
-                </a:solidFill>
-                <a:latin typeface="+mj-lt"/>
-                <a:ea typeface="+mj-ea"/>
-                <a:cs typeface="+mj-cs"/>
-              </a:defRPr>
-            </a:lvl1pPr>
-            <a:lvl2pPr eaLnBrk="1" latinLnBrk="1" hangingPunct="1">
-              <a:defRPr>
-                <a:solidFill>
-                  <a:schemeClr val="tx2"/>
-                </a:solidFill>
-              </a:defRPr>
-            </a:lvl2pPr>
-            <a:lvl3pPr eaLnBrk="1" latinLnBrk="1" hangingPunct="1">
-              <a:defRPr>
-                <a:solidFill>
-                  <a:schemeClr val="tx2"/>
-                </a:solidFill>
-              </a:defRPr>
-            </a:lvl3pPr>
-            <a:lvl4pPr eaLnBrk="1" latinLnBrk="1" hangingPunct="1">
-              <a:defRPr>
-                <a:solidFill>
-                  <a:schemeClr val="tx2"/>
-                </a:solidFill>
-              </a:defRPr>
-            </a:lvl4pPr>
-            <a:lvl5pPr eaLnBrk="1" latinLnBrk="1" hangingPunct="1">
-              <a:defRPr>
-                <a:solidFill>
-                  <a:schemeClr val="tx2"/>
-                </a:solidFill>
-              </a:defRPr>
-            </a:lvl5pPr>
-            <a:lvl6pPr eaLnBrk="1" latinLnBrk="1" hangingPunct="1">
-              <a:defRPr>
-                <a:solidFill>
-                  <a:schemeClr val="tx2"/>
-                </a:solidFill>
-              </a:defRPr>
-            </a:lvl6pPr>
-            <a:lvl7pPr eaLnBrk="1" latinLnBrk="1" hangingPunct="1">
-              <a:defRPr>
-                <a:solidFill>
-                  <a:schemeClr val="tx2"/>
-                </a:solidFill>
-              </a:defRPr>
-            </a:lvl7pPr>
-            <a:lvl8pPr eaLnBrk="1" latinLnBrk="1" hangingPunct="1">
-              <a:defRPr>
-                <a:solidFill>
-                  <a:schemeClr val="tx2"/>
-                </a:solidFill>
-              </a:defRPr>
-            </a:lvl8pPr>
-            <a:lvl9pPr eaLnBrk="1" latinLnBrk="1" hangingPunct="1">
-              <a:defRPr>
-                <a:solidFill>
-                  <a:schemeClr val="tx2"/>
-                </a:solidFill>
-              </a:defRPr>
-            </a:lvl9pPr>
-          </a:lstStyle>
-          <a:p>
-            <a:r>
-              <a:rPr lang="en-US" altLang="ko-KR" sz="2400" dirty="0" err="1"/>
-              <a:t>WTForms</a:t>
-            </a:r>
-            <a:r>
-              <a:rPr lang="ko-KR" altLang="en-US" sz="2400" dirty="0"/>
-              <a:t> </a:t>
-            </a:r>
-            <a:r>
-              <a:rPr lang="en-US" altLang="ko-KR" sz="2400" dirty="0"/>
-              <a:t>standard</a:t>
-            </a:r>
-            <a:r>
-              <a:rPr lang="ko-KR" altLang="en-US" sz="2400" dirty="0"/>
-              <a:t> </a:t>
-            </a:r>
-            <a:r>
-              <a:rPr lang="en-US" altLang="ko-KR" sz="2400" dirty="0"/>
-              <a:t>HTML</a:t>
-            </a:r>
-            <a:r>
-              <a:rPr lang="ko-KR" altLang="en-US" sz="2400" dirty="0"/>
-              <a:t> </a:t>
-            </a:r>
-            <a:r>
-              <a:rPr lang="en-US" altLang="ko-KR" sz="2400" dirty="0"/>
-              <a:t>fields</a:t>
-            </a:r>
-          </a:p>
-        </p:txBody>
-      </p:sp>
-      <p:sp>
-        <p:nvSpPr>
-          <p:cNvPr id="6" name="직사각형 5">
-            <a:extLst>
-              <a:ext uri="{FF2B5EF4-FFF2-40B4-BE49-F238E27FC236}">
-                <a16:creationId xmlns:a16="http://schemas.microsoft.com/office/drawing/2014/main" id="{6A60F032-B172-43E0-B147-16329887DE8F}"/>
-              </a:ext>
-            </a:extLst>
-          </p:cNvPr>
-          <p:cNvSpPr/>
-          <p:nvPr/>
-        </p:nvSpPr>
-        <p:spPr>
-          <a:xfrm>
-            <a:off x="7620874" y="2196693"/>
-            <a:ext cx="4470512" cy="3754874"/>
-          </a:xfrm>
-          <a:prstGeom prst="rect">
-            <a:avLst/>
-          </a:prstGeom>
-        </p:spPr>
-        <p:txBody>
-          <a:bodyPr wrap="square">
-            <a:spAutoFit/>
-          </a:bodyPr>
-          <a:lstStyle/>
-          <a:p>
-            <a:pPr marL="285750" indent="-285750">
-              <a:buFontTx/>
-              <a:buChar char="-"/>
-            </a:pPr>
-            <a:r>
-              <a:rPr lang="ko-KR" altLang="en-US" sz="1400" dirty="0"/>
-              <a:t>브라우저에서 전송되는 </a:t>
-            </a:r>
-            <a:r>
-              <a:rPr lang="en-US" altLang="ko-KR" sz="1400" dirty="0"/>
-              <a:t>form data</a:t>
-            </a:r>
-            <a:r>
-              <a:rPr lang="ko-KR" altLang="en-US" sz="1400" dirty="0"/>
-              <a:t>를 가지고 작업을 </a:t>
-            </a:r>
-            <a:r>
-              <a:rPr lang="ko-KR" altLang="en-US" sz="1400" dirty="0" err="1"/>
-              <a:t>해야할</a:t>
-            </a:r>
-            <a:r>
-              <a:rPr lang="ko-KR" altLang="en-US" sz="1400" dirty="0"/>
-              <a:t> 때</a:t>
-            </a:r>
-            <a:r>
-              <a:rPr lang="en-US" altLang="ko-KR" sz="1400" dirty="0"/>
-              <a:t>, view code</a:t>
-            </a:r>
-            <a:r>
-              <a:rPr lang="ko-KR" altLang="en-US" sz="1400" dirty="0"/>
-              <a:t>를 읽기가 매우 </a:t>
-            </a:r>
-            <a:r>
-              <a:rPr lang="ko-KR" altLang="en-US" sz="1400" dirty="0" err="1"/>
-              <a:t>어려짐</a:t>
-            </a:r>
-            <a:r>
-              <a:rPr lang="en-US" altLang="ko-KR" sz="1400" dirty="0"/>
-              <a:t>.</a:t>
-            </a:r>
-          </a:p>
-          <a:p>
-            <a:pPr marL="285750" indent="-285750">
-              <a:buFontTx/>
-              <a:buChar char="-"/>
-            </a:pPr>
-            <a:r>
-              <a:rPr lang="ko-KR" altLang="en-US" sz="1400" dirty="0"/>
-              <a:t>이 과정을 더 쉽게 관리할 수 있도록 설계된 라이브러리가 있는데 그것이 </a:t>
-            </a:r>
-            <a:r>
-              <a:rPr lang="en-US" altLang="ko-KR" sz="1400" dirty="0" err="1"/>
-              <a:t>WTForms</a:t>
-            </a:r>
-            <a:r>
-              <a:rPr lang="en-US" altLang="ko-KR" sz="1400" dirty="0"/>
-              <a:t> </a:t>
-            </a:r>
-            <a:r>
-              <a:rPr lang="ko-KR" altLang="en-US" sz="1400" dirty="0"/>
-              <a:t>다</a:t>
-            </a:r>
-            <a:r>
-              <a:rPr lang="en-US" altLang="ko-KR" sz="1400" dirty="0"/>
-              <a:t>.</a:t>
-            </a:r>
-          </a:p>
-          <a:p>
-            <a:pPr marL="285750" indent="-285750">
-              <a:buFontTx/>
-              <a:buChar char="-"/>
-            </a:pPr>
-            <a:r>
-              <a:rPr lang="en-US" altLang="ko-KR" sz="1400" dirty="0" err="1"/>
-              <a:t>WTForms</a:t>
-            </a:r>
-            <a:r>
-              <a:rPr lang="ko-KR" altLang="en-US" sz="1400" dirty="0"/>
-              <a:t>로 작업 </a:t>
-            </a:r>
-            <a:r>
-              <a:rPr lang="ko-KR" altLang="en-US" sz="1400" dirty="0" err="1"/>
-              <a:t>할때는</a:t>
-            </a:r>
-            <a:r>
-              <a:rPr lang="ko-KR" altLang="en-US" sz="1400" dirty="0"/>
-              <a:t> 먼저 </a:t>
-            </a:r>
-            <a:r>
-              <a:rPr lang="en-US" altLang="ko-KR" sz="1400" dirty="0"/>
-              <a:t>class</a:t>
-            </a:r>
-            <a:r>
-              <a:rPr lang="ko-KR" altLang="en-US" sz="1400" dirty="0"/>
-              <a:t>로 그 </a:t>
-            </a:r>
-            <a:r>
-              <a:rPr lang="en-US" altLang="ko-KR" sz="1400" dirty="0"/>
-              <a:t>form</a:t>
-            </a:r>
-            <a:r>
-              <a:rPr lang="ko-KR" altLang="en-US" sz="1400" dirty="0"/>
-              <a:t>들을 정의해야 한다</a:t>
-            </a:r>
-            <a:r>
-              <a:rPr lang="en-US" altLang="ko-KR" sz="1400" dirty="0"/>
-              <a:t>.</a:t>
-            </a:r>
-          </a:p>
-          <a:p>
-            <a:pPr marL="285750" indent="-285750">
-              <a:buFontTx/>
-              <a:buChar char="-"/>
-            </a:pPr>
-            <a:r>
-              <a:rPr lang="ko-KR" altLang="en-US" sz="1400" dirty="0"/>
-              <a:t>어플리케이션을 여러 모듈로 쪼개고 </a:t>
-            </a:r>
-            <a:r>
-              <a:rPr lang="en-US" altLang="ko-KR" sz="1400" dirty="0"/>
-              <a:t>form</a:t>
-            </a:r>
-            <a:r>
-              <a:rPr lang="ko-KR" altLang="en-US" sz="1400" dirty="0"/>
-              <a:t>에 대한 분리된 모듈을 추가하는 것이 권고된다</a:t>
-            </a:r>
-            <a:r>
-              <a:rPr lang="en-US" altLang="ko-KR" sz="1400" dirty="0"/>
-              <a:t>.</a:t>
-            </a:r>
-          </a:p>
-          <a:p>
-            <a:pPr marL="285750" indent="-285750">
-              <a:buFontTx/>
-              <a:buChar char="-"/>
-            </a:pPr>
-            <a:endParaRPr lang="en-US" altLang="ko-KR" sz="1400" dirty="0"/>
-          </a:p>
-          <a:p>
-            <a:pPr marL="285750" indent="-285750">
-              <a:buFontTx/>
-              <a:buChar char="-"/>
-            </a:pPr>
-            <a:r>
-              <a:rPr lang="ko-KR" altLang="en-US" sz="1400" dirty="0"/>
-              <a:t>위의 코드가 전형적인 </a:t>
-            </a:r>
-            <a:r>
-              <a:rPr lang="en-US" altLang="ko-KR" sz="1400" dirty="0"/>
-              <a:t>form </a:t>
-            </a:r>
-            <a:r>
-              <a:rPr lang="ko-KR" altLang="en-US" sz="1400" dirty="0"/>
-              <a:t>예제</a:t>
-            </a:r>
-            <a:endParaRPr lang="en-US" altLang="ko-KR" sz="1400" dirty="0"/>
-          </a:p>
-          <a:p>
-            <a:pPr marL="285750" indent="-285750">
-              <a:buFontTx/>
-              <a:buChar char="-"/>
-            </a:pPr>
-            <a:endParaRPr lang="en-US" altLang="ko-KR" sz="1400" dirty="0"/>
-          </a:p>
-          <a:p>
-            <a:pPr marL="285750" indent="-285750">
-              <a:buFontTx/>
-              <a:buChar char="-"/>
-            </a:pPr>
-            <a:r>
-              <a:rPr lang="en-US" altLang="ko-KR" sz="1400" dirty="0"/>
-              <a:t>Form</a:t>
-            </a:r>
-            <a:r>
-              <a:rPr lang="ko-KR" altLang="en-US" sz="1400" dirty="0"/>
-              <a:t>에 맞는 것을 사용</a:t>
-            </a:r>
-            <a:endParaRPr lang="en-US" altLang="ko-KR" sz="1400" dirty="0"/>
-          </a:p>
-          <a:p>
-            <a:pPr marL="285750" indent="-285750">
-              <a:buFontTx/>
-              <a:buChar char="-"/>
-            </a:pPr>
-            <a:r>
-              <a:rPr lang="en-US" altLang="ko-KR" sz="1400" dirty="0" err="1"/>
-              <a:t>StringField</a:t>
-            </a:r>
-            <a:endParaRPr lang="en-US" altLang="ko-KR" sz="1400" dirty="0"/>
-          </a:p>
-          <a:p>
-            <a:pPr marL="285750" indent="-285750">
-              <a:buFontTx/>
-              <a:buChar char="-"/>
-            </a:pPr>
-            <a:r>
-              <a:rPr lang="en-US" altLang="ko-KR" sz="1400" dirty="0" err="1"/>
-              <a:t>PasswordField</a:t>
-            </a:r>
-            <a:endParaRPr lang="en-US" altLang="ko-KR" sz="1400" dirty="0"/>
-          </a:p>
-          <a:p>
-            <a:pPr marL="285750" indent="-285750">
-              <a:buFontTx/>
-              <a:buChar char="-"/>
-            </a:pPr>
-            <a:r>
-              <a:rPr lang="en-US" altLang="ko-KR" sz="1400" dirty="0" err="1"/>
-              <a:t>SubmitField</a:t>
-            </a:r>
-            <a:endParaRPr lang="en-US" altLang="ko-KR" sz="1400" dirty="0"/>
-          </a:p>
-          <a:p>
-            <a:pPr marL="285750" indent="-285750">
-              <a:buFontTx/>
-              <a:buChar char="-"/>
-            </a:pPr>
-            <a:r>
-              <a:rPr lang="en-US" altLang="ko-KR" sz="1400" dirty="0" err="1"/>
-              <a:t>BooleanField</a:t>
-            </a:r>
-            <a:endParaRPr lang="en-US" altLang="ko-KR" sz="1400" dirty="0"/>
-          </a:p>
-          <a:p>
-            <a:pPr marL="285750" indent="-285750">
-              <a:buFontTx/>
-              <a:buChar char="-"/>
-            </a:pPr>
-            <a:endParaRPr lang="en-US" altLang="ko-KR" sz="1400" dirty="0"/>
-          </a:p>
-        </p:txBody>
-      </p:sp>
-      <p:pic>
-        <p:nvPicPr>
-          <p:cNvPr id="3" name="그림 2">
-            <a:extLst>
-              <a:ext uri="{FF2B5EF4-FFF2-40B4-BE49-F238E27FC236}">
-                <a16:creationId xmlns:a16="http://schemas.microsoft.com/office/drawing/2014/main" id="{352C2449-9DB4-49A0-A914-99B0B2667B71}"/>
-              </a:ext>
-            </a:extLst>
-          </p:cNvPr>
-          <p:cNvPicPr>
-            <a:picLocks noChangeAspect="1"/>
-          </p:cNvPicPr>
-          <p:nvPr/>
-        </p:nvPicPr>
-        <p:blipFill>
-          <a:blip r:embed="rId2"/>
-          <a:stretch>
-            <a:fillRect/>
-          </a:stretch>
-        </p:blipFill>
-        <p:spPr>
-          <a:xfrm>
-            <a:off x="1507600" y="1712962"/>
-            <a:ext cx="5170787" cy="5047965"/>
-          </a:xfrm>
-          <a:prstGeom prst="rect">
-            <a:avLst/>
-          </a:prstGeom>
-        </p:spPr>
-      </p:pic>
-    </p:spTree>
-    <p:extLst>
-      <p:ext uri="{BB962C8B-B14F-4D97-AF65-F5344CB8AC3E}">
-        <p14:creationId xmlns:p14="http://schemas.microsoft.com/office/powerpoint/2010/main" val="729960550"/>
-      </p:ext>
-    </p:extLst>
-  </p:cSld>
-  <p:clrMapOvr>
-    <a:masterClrMapping/>
-  </p:clrMapOvr>
-</p:sld>
-</file>
-
-<file path=ppt/slides/slide6.xml><?xml version="1.0" encoding="utf-8"?>
-<p:sld xmlns:a="http://schemas.openxmlformats.org/drawingml/2006/main" xmlns:r="http://schemas.openxmlformats.org/officeDocument/2006/relationships" xmlns:p="http://schemas.openxmlformats.org/presentationml/2006/main">
-  <p:cSld>
-    <p:spTree>
-      <p:nvGrpSpPr>
-        <p:cNvPr id="1" name=""/>
-        <p:cNvGrpSpPr/>
-        <p:nvPr/>
-      </p:nvGrpSpPr>
-      <p:grpSpPr>
-        <a:xfrm>
-          <a:off x="0" y="0"/>
-          <a:ext cx="0" cy="0"/>
-          <a:chOff x="0" y="0"/>
-          <a:chExt cx="0" cy="0"/>
-        </a:xfrm>
-      </p:grpSpPr>
-      <p:sp>
-        <p:nvSpPr>
-          <p:cNvPr id="2" name="제목 1">
-            <a:extLst>
-              <a:ext uri="{FF2B5EF4-FFF2-40B4-BE49-F238E27FC236}">
-                <a16:creationId xmlns:a16="http://schemas.microsoft.com/office/drawing/2014/main" id="{2EC833C6-FAC3-442B-803D-3FB02DF07980}"/>
-              </a:ext>
-            </a:extLst>
-          </p:cNvPr>
-          <p:cNvSpPr>
-            <a:spLocks noGrp="1"/>
-          </p:cNvSpPr>
-          <p:nvPr>
-            <p:ph type="title"/>
-          </p:nvPr>
-        </p:nvSpPr>
-        <p:spPr>
-          <a:xfrm>
-            <a:off x="677334" y="609600"/>
-            <a:ext cx="8596668" cy="517864"/>
-          </a:xfrm>
-        </p:spPr>
-        <p:txBody>
-          <a:bodyPr>
-            <a:normAutofit fontScale="90000"/>
-          </a:bodyPr>
-          <a:lstStyle/>
-          <a:p>
-            <a:r>
-              <a:rPr lang="en-US" altLang="ko-KR" dirty="0"/>
-              <a:t>3. Forms and User Input</a:t>
-            </a:r>
-            <a:endParaRPr lang="ko-KR" altLang="en-US" dirty="0"/>
-          </a:p>
-        </p:txBody>
-      </p:sp>
-      <p:sp>
-        <p:nvSpPr>
-          <p:cNvPr id="4" name="제목 1">
-            <a:extLst>
-              <a:ext uri="{FF2B5EF4-FFF2-40B4-BE49-F238E27FC236}">
-                <a16:creationId xmlns:a16="http://schemas.microsoft.com/office/drawing/2014/main" id="{824331F3-9831-4A24-AC95-4771B0BCE333}"/>
-              </a:ext>
-            </a:extLst>
-          </p:cNvPr>
-          <p:cNvSpPr txBox="1">
-            <a:spLocks/>
-          </p:cNvSpPr>
-          <p:nvPr/>
-        </p:nvSpPr>
-        <p:spPr>
-          <a:xfrm>
-            <a:off x="1307647" y="1180730"/>
-            <a:ext cx="8022783" cy="436518"/>
-          </a:xfrm>
-          <a:prstGeom prst="rect">
-            <a:avLst/>
-          </a:prstGeom>
-        </p:spPr>
-        <p:txBody>
-          <a:bodyPr vert="horz" lIns="91440" tIns="45720" rIns="91440" bIns="45720" rtlCol="0" anchor="t">
-            <a:normAutofit lnSpcReduction="10000"/>
-          </a:bodyPr>
-          <a:lstStyle>
-            <a:lvl1pPr algn="l" defTabSz="457200" rtl="0" eaLnBrk="1" latinLnBrk="1" hangingPunct="1">
-              <a:spcBef>
-                <a:spcPct val="0"/>
-              </a:spcBef>
-              <a:buNone/>
-              <a:defRPr sz="3600" kern="1200">
-                <a:solidFill>
-                  <a:schemeClr val="accent1"/>
-                </a:solidFill>
-                <a:latin typeface="+mj-lt"/>
-                <a:ea typeface="+mj-ea"/>
-                <a:cs typeface="+mj-cs"/>
-              </a:defRPr>
-            </a:lvl1pPr>
-            <a:lvl2pPr eaLnBrk="1" latinLnBrk="1" hangingPunct="1">
-              <a:defRPr>
-                <a:solidFill>
-                  <a:schemeClr val="tx2"/>
-                </a:solidFill>
-              </a:defRPr>
-            </a:lvl2pPr>
-            <a:lvl3pPr eaLnBrk="1" latinLnBrk="1" hangingPunct="1">
-              <a:defRPr>
-                <a:solidFill>
-                  <a:schemeClr val="tx2"/>
-                </a:solidFill>
-              </a:defRPr>
-            </a:lvl3pPr>
-            <a:lvl4pPr eaLnBrk="1" latinLnBrk="1" hangingPunct="1">
-              <a:defRPr>
-                <a:solidFill>
-                  <a:schemeClr val="tx2"/>
-                </a:solidFill>
-              </a:defRPr>
-            </a:lvl4pPr>
-            <a:lvl5pPr eaLnBrk="1" latinLnBrk="1" hangingPunct="1">
-              <a:defRPr>
-                <a:solidFill>
-                  <a:schemeClr val="tx2"/>
-                </a:solidFill>
-              </a:defRPr>
-            </a:lvl5pPr>
-            <a:lvl6pPr eaLnBrk="1" latinLnBrk="1" hangingPunct="1">
-              <a:defRPr>
-                <a:solidFill>
-                  <a:schemeClr val="tx2"/>
-                </a:solidFill>
-              </a:defRPr>
-            </a:lvl6pPr>
-            <a:lvl7pPr eaLnBrk="1" latinLnBrk="1" hangingPunct="1">
-              <a:defRPr>
-                <a:solidFill>
-                  <a:schemeClr val="tx2"/>
-                </a:solidFill>
-              </a:defRPr>
-            </a:lvl7pPr>
-            <a:lvl8pPr eaLnBrk="1" latinLnBrk="1" hangingPunct="1">
-              <a:defRPr>
-                <a:solidFill>
-                  <a:schemeClr val="tx2"/>
-                </a:solidFill>
-              </a:defRPr>
-            </a:lvl8pPr>
-            <a:lvl9pPr eaLnBrk="1" latinLnBrk="1" hangingPunct="1">
-              <a:defRPr>
-                <a:solidFill>
-                  <a:schemeClr val="tx2"/>
-                </a:solidFill>
-              </a:defRPr>
-            </a:lvl9pPr>
-          </a:lstStyle>
-          <a:p>
-            <a:r>
-              <a:rPr lang="en-US" altLang="ko-KR" sz="2400" dirty="0" err="1"/>
-              <a:t>WTForms</a:t>
-            </a:r>
-            <a:r>
-              <a:rPr lang="en-US" altLang="ko-KR" sz="2400" dirty="0"/>
-              <a:t> Validator</a:t>
-            </a:r>
-          </a:p>
-        </p:txBody>
-      </p:sp>
-      <p:sp>
-        <p:nvSpPr>
-          <p:cNvPr id="6" name="직사각형 5">
-            <a:extLst>
-              <a:ext uri="{FF2B5EF4-FFF2-40B4-BE49-F238E27FC236}">
-                <a16:creationId xmlns:a16="http://schemas.microsoft.com/office/drawing/2014/main" id="{6A60F032-B172-43E0-B147-16329887DE8F}"/>
-              </a:ext>
-            </a:extLst>
-          </p:cNvPr>
-          <p:cNvSpPr/>
-          <p:nvPr/>
-        </p:nvSpPr>
-        <p:spPr>
-          <a:xfrm>
-            <a:off x="7620874" y="2196693"/>
-            <a:ext cx="4470512" cy="3754874"/>
-          </a:xfrm>
-          <a:prstGeom prst="rect">
-            <a:avLst/>
-          </a:prstGeom>
-        </p:spPr>
-        <p:txBody>
-          <a:bodyPr wrap="square">
-            <a:spAutoFit/>
-          </a:bodyPr>
-          <a:lstStyle/>
-          <a:p>
-            <a:pPr marL="285750" indent="-285750">
-              <a:buFontTx/>
-              <a:buChar char="-"/>
-            </a:pPr>
-            <a:r>
-              <a:rPr lang="ko-KR" altLang="en-US" sz="1400" dirty="0"/>
-              <a:t>브라우저에서 전송되는 </a:t>
-            </a:r>
-            <a:r>
-              <a:rPr lang="en-US" altLang="ko-KR" sz="1400" dirty="0"/>
-              <a:t>form data</a:t>
-            </a:r>
-            <a:r>
-              <a:rPr lang="ko-KR" altLang="en-US" sz="1400" dirty="0"/>
-              <a:t>를 가지고 작업을 </a:t>
-            </a:r>
-            <a:r>
-              <a:rPr lang="ko-KR" altLang="en-US" sz="1400" dirty="0" err="1"/>
-              <a:t>해야할</a:t>
-            </a:r>
-            <a:r>
-              <a:rPr lang="ko-KR" altLang="en-US" sz="1400" dirty="0"/>
-              <a:t> 때</a:t>
-            </a:r>
-            <a:r>
-              <a:rPr lang="en-US" altLang="ko-KR" sz="1400" dirty="0"/>
-              <a:t>, view code</a:t>
-            </a:r>
-            <a:r>
-              <a:rPr lang="ko-KR" altLang="en-US" sz="1400" dirty="0"/>
-              <a:t>를 읽기가 매우 </a:t>
-            </a:r>
-            <a:r>
-              <a:rPr lang="ko-KR" altLang="en-US" sz="1400" dirty="0" err="1"/>
-              <a:t>어려짐</a:t>
-            </a:r>
-            <a:r>
-              <a:rPr lang="en-US" altLang="ko-KR" sz="1400" dirty="0"/>
-              <a:t>.</a:t>
-            </a:r>
-          </a:p>
-          <a:p>
-            <a:pPr marL="285750" indent="-285750">
-              <a:buFontTx/>
-              <a:buChar char="-"/>
-            </a:pPr>
-            <a:r>
-              <a:rPr lang="ko-KR" altLang="en-US" sz="1400" dirty="0"/>
-              <a:t>이 과정을 더 쉽게 관리할 수 있도록 설계된 라이브러리가 있는데 그것이 </a:t>
-            </a:r>
-            <a:r>
-              <a:rPr lang="en-US" altLang="ko-KR" sz="1400" dirty="0" err="1"/>
-              <a:t>WTForms</a:t>
-            </a:r>
-            <a:r>
-              <a:rPr lang="en-US" altLang="ko-KR" sz="1400" dirty="0"/>
-              <a:t> </a:t>
-            </a:r>
-            <a:r>
-              <a:rPr lang="ko-KR" altLang="en-US" sz="1400" dirty="0"/>
-              <a:t>다</a:t>
-            </a:r>
-            <a:r>
-              <a:rPr lang="en-US" altLang="ko-KR" sz="1400" dirty="0"/>
-              <a:t>.</a:t>
-            </a:r>
-          </a:p>
-          <a:p>
-            <a:pPr marL="285750" indent="-285750">
-              <a:buFontTx/>
-              <a:buChar char="-"/>
-            </a:pPr>
-            <a:r>
-              <a:rPr lang="en-US" altLang="ko-KR" sz="1400" dirty="0" err="1"/>
-              <a:t>WTForms</a:t>
-            </a:r>
-            <a:r>
-              <a:rPr lang="ko-KR" altLang="en-US" sz="1400" dirty="0"/>
-              <a:t>로 작업 </a:t>
-            </a:r>
-            <a:r>
-              <a:rPr lang="ko-KR" altLang="en-US" sz="1400" dirty="0" err="1"/>
-              <a:t>할때는</a:t>
-            </a:r>
-            <a:r>
-              <a:rPr lang="ko-KR" altLang="en-US" sz="1400" dirty="0"/>
-              <a:t> 먼저 </a:t>
-            </a:r>
-            <a:r>
-              <a:rPr lang="en-US" altLang="ko-KR" sz="1400" dirty="0"/>
-              <a:t>class</a:t>
-            </a:r>
-            <a:r>
-              <a:rPr lang="ko-KR" altLang="en-US" sz="1400" dirty="0"/>
-              <a:t>로 그 </a:t>
-            </a:r>
-            <a:r>
-              <a:rPr lang="en-US" altLang="ko-KR" sz="1400" dirty="0"/>
-              <a:t>form</a:t>
-            </a:r>
-            <a:r>
-              <a:rPr lang="ko-KR" altLang="en-US" sz="1400" dirty="0"/>
-              <a:t>들을 정의해야 한다</a:t>
-            </a:r>
-            <a:r>
-              <a:rPr lang="en-US" altLang="ko-KR" sz="1400" dirty="0"/>
-              <a:t>.</a:t>
-            </a:r>
-          </a:p>
-          <a:p>
-            <a:pPr marL="285750" indent="-285750">
-              <a:buFontTx/>
-              <a:buChar char="-"/>
-            </a:pPr>
-            <a:r>
-              <a:rPr lang="ko-KR" altLang="en-US" sz="1400" dirty="0"/>
-              <a:t>어플리케이션을 여러 모듈로 쪼개고 </a:t>
-            </a:r>
-            <a:r>
-              <a:rPr lang="en-US" altLang="ko-KR" sz="1400" dirty="0"/>
-              <a:t>form</a:t>
-            </a:r>
-            <a:r>
-              <a:rPr lang="ko-KR" altLang="en-US" sz="1400" dirty="0"/>
-              <a:t>에 대한 분리된 모듈을 추가하는 것이 권고된다</a:t>
-            </a:r>
-            <a:r>
-              <a:rPr lang="en-US" altLang="ko-KR" sz="1400" dirty="0"/>
-              <a:t>.</a:t>
-            </a:r>
-          </a:p>
-          <a:p>
-            <a:pPr marL="285750" indent="-285750">
-              <a:buFontTx/>
-              <a:buChar char="-"/>
-            </a:pPr>
-            <a:endParaRPr lang="en-US" altLang="ko-KR" sz="1400" dirty="0"/>
-          </a:p>
-          <a:p>
-            <a:pPr marL="285750" indent="-285750">
-              <a:buFontTx/>
-              <a:buChar char="-"/>
-            </a:pPr>
-            <a:r>
-              <a:rPr lang="ko-KR" altLang="en-US" sz="1400" dirty="0"/>
-              <a:t>위의 코드가 전형적인 </a:t>
-            </a:r>
-            <a:r>
-              <a:rPr lang="en-US" altLang="ko-KR" sz="1400" dirty="0"/>
-              <a:t>form </a:t>
-            </a:r>
-            <a:r>
-              <a:rPr lang="ko-KR" altLang="en-US" sz="1400" dirty="0"/>
-              <a:t>예제</a:t>
-            </a:r>
-            <a:endParaRPr lang="en-US" altLang="ko-KR" sz="1400" dirty="0"/>
-          </a:p>
-          <a:p>
-            <a:pPr marL="285750" indent="-285750">
-              <a:buFontTx/>
-              <a:buChar char="-"/>
-            </a:pPr>
-            <a:endParaRPr lang="en-US" altLang="ko-KR" sz="1400" dirty="0"/>
-          </a:p>
-          <a:p>
-            <a:pPr marL="285750" indent="-285750">
-              <a:buFontTx/>
-              <a:buChar char="-"/>
-            </a:pPr>
-            <a:r>
-              <a:rPr lang="en-US" altLang="ko-KR" sz="1400" dirty="0"/>
-              <a:t>Form</a:t>
-            </a:r>
-            <a:r>
-              <a:rPr lang="ko-KR" altLang="en-US" sz="1400" dirty="0"/>
-              <a:t>에 맞는 것을 사용</a:t>
-            </a:r>
-            <a:endParaRPr lang="en-US" altLang="ko-KR" sz="1400" dirty="0"/>
-          </a:p>
-          <a:p>
-            <a:pPr marL="285750" indent="-285750">
-              <a:buFontTx/>
-              <a:buChar char="-"/>
-            </a:pPr>
-            <a:r>
-              <a:rPr lang="en-US" altLang="ko-KR" sz="1400" dirty="0" err="1"/>
-              <a:t>StringField</a:t>
-            </a:r>
-            <a:endParaRPr lang="en-US" altLang="ko-KR" sz="1400" dirty="0"/>
-          </a:p>
-          <a:p>
-            <a:pPr marL="285750" indent="-285750">
-              <a:buFontTx/>
-              <a:buChar char="-"/>
-            </a:pPr>
-            <a:r>
-              <a:rPr lang="en-US" altLang="ko-KR" sz="1400" dirty="0" err="1"/>
-              <a:t>PasswordField</a:t>
-            </a:r>
-            <a:endParaRPr lang="en-US" altLang="ko-KR" sz="1400" dirty="0"/>
-          </a:p>
-          <a:p>
-            <a:pPr marL="285750" indent="-285750">
-              <a:buFontTx/>
-              <a:buChar char="-"/>
-            </a:pPr>
-            <a:r>
-              <a:rPr lang="en-US" altLang="ko-KR" sz="1400" dirty="0" err="1"/>
-              <a:t>SubmitField</a:t>
-            </a:r>
-            <a:endParaRPr lang="en-US" altLang="ko-KR" sz="1400" dirty="0"/>
-          </a:p>
-          <a:p>
-            <a:pPr marL="285750" indent="-285750">
-              <a:buFontTx/>
-              <a:buChar char="-"/>
-            </a:pPr>
-            <a:r>
-              <a:rPr lang="en-US" altLang="ko-KR" sz="1400" dirty="0" err="1"/>
-              <a:t>BooleanField</a:t>
-            </a:r>
-            <a:endParaRPr lang="en-US" altLang="ko-KR" sz="1400" dirty="0"/>
-          </a:p>
-          <a:p>
-            <a:pPr marL="285750" indent="-285750">
-              <a:buFontTx/>
-              <a:buChar char="-"/>
-            </a:pPr>
-            <a:endParaRPr lang="en-US" altLang="ko-KR" sz="1400" dirty="0"/>
-          </a:p>
-        </p:txBody>
-      </p:sp>
-      <p:pic>
-        <p:nvPicPr>
-          <p:cNvPr id="5" name="그림 4">
-            <a:extLst>
-              <a:ext uri="{FF2B5EF4-FFF2-40B4-BE49-F238E27FC236}">
-                <a16:creationId xmlns:a16="http://schemas.microsoft.com/office/drawing/2014/main" id="{766B28D3-2C05-43A6-9806-8A328D94057C}"/>
-              </a:ext>
-            </a:extLst>
-          </p:cNvPr>
-          <p:cNvPicPr>
-            <a:picLocks noChangeAspect="1"/>
-          </p:cNvPicPr>
-          <p:nvPr/>
-        </p:nvPicPr>
-        <p:blipFill>
-          <a:blip r:embed="rId2"/>
-          <a:stretch>
-            <a:fillRect/>
-          </a:stretch>
-        </p:blipFill>
-        <p:spPr>
-          <a:xfrm>
-            <a:off x="893385" y="2145893"/>
-            <a:ext cx="6539607" cy="3483176"/>
-          </a:xfrm>
-          <a:prstGeom prst="rect">
-            <a:avLst/>
-          </a:prstGeom>
-        </p:spPr>
-      </p:pic>
-    </p:spTree>
-    <p:extLst>
-      <p:ext uri="{BB962C8B-B14F-4D97-AF65-F5344CB8AC3E}">
-        <p14:creationId xmlns:p14="http://schemas.microsoft.com/office/powerpoint/2010/main" val="1528351578"/>
-      </p:ext>
-    </p:extLst>
-  </p:cSld>
-  <p:clrMapOvr>
-    <a:masterClrMapping/>
-  </p:clrMapOvr>
-</p:sld>
-</file>
-
-<file path=ppt/slides/slide7.xml><?xml version="1.0" encoding="utf-8"?>
-<p:sld xmlns:a="http://schemas.openxmlformats.org/drawingml/2006/main" xmlns:r="http://schemas.openxmlformats.org/officeDocument/2006/relationships" xmlns:p="http://schemas.openxmlformats.org/presentationml/2006/main">
-  <p:cSld>
-    <p:spTree>
-      <p:nvGrpSpPr>
-        <p:cNvPr id="1" name=""/>
-        <p:cNvGrpSpPr/>
-        <p:nvPr/>
-      </p:nvGrpSpPr>
-      <p:grpSpPr>
-        <a:xfrm>
-          <a:off x="0" y="0"/>
-          <a:ext cx="0" cy="0"/>
-          <a:chOff x="0" y="0"/>
-          <a:chExt cx="0" cy="0"/>
-        </a:xfrm>
-      </p:grpSpPr>
-      <p:sp>
-        <p:nvSpPr>
-          <p:cNvPr id="2" name="제목 1">
-            <a:extLst>
-              <a:ext uri="{FF2B5EF4-FFF2-40B4-BE49-F238E27FC236}">
-                <a16:creationId xmlns:a16="http://schemas.microsoft.com/office/drawing/2014/main" id="{2EC833C6-FAC3-442B-803D-3FB02DF07980}"/>
-              </a:ext>
-            </a:extLst>
-          </p:cNvPr>
-          <p:cNvSpPr>
-            <a:spLocks noGrp="1"/>
-          </p:cNvSpPr>
-          <p:nvPr>
-            <p:ph type="title"/>
-          </p:nvPr>
-        </p:nvSpPr>
-        <p:spPr>
-          <a:xfrm>
-            <a:off x="677334" y="609600"/>
-            <a:ext cx="8596668" cy="517864"/>
-          </a:xfrm>
-        </p:spPr>
-        <p:txBody>
-          <a:bodyPr>
-            <a:normAutofit fontScale="90000"/>
-          </a:bodyPr>
-          <a:lstStyle/>
-          <a:p>
-            <a:r>
-              <a:rPr lang="en-US" altLang="ko-KR" dirty="0"/>
-              <a:t>3. Forms and User Input</a:t>
-            </a:r>
-            <a:endParaRPr lang="ko-KR" altLang="en-US" dirty="0"/>
-          </a:p>
-        </p:txBody>
-      </p:sp>
-      <p:sp>
-        <p:nvSpPr>
-          <p:cNvPr id="4" name="제목 1">
-            <a:extLst>
-              <a:ext uri="{FF2B5EF4-FFF2-40B4-BE49-F238E27FC236}">
-                <a16:creationId xmlns:a16="http://schemas.microsoft.com/office/drawing/2014/main" id="{824331F3-9831-4A24-AC95-4771B0BCE333}"/>
-              </a:ext>
-            </a:extLst>
-          </p:cNvPr>
-          <p:cNvSpPr txBox="1">
-            <a:spLocks/>
-          </p:cNvSpPr>
-          <p:nvPr/>
-        </p:nvSpPr>
-        <p:spPr>
-          <a:xfrm>
-            <a:off x="1307647" y="1180730"/>
-            <a:ext cx="8022783" cy="436518"/>
-          </a:xfrm>
-          <a:prstGeom prst="rect">
-            <a:avLst/>
-          </a:prstGeom>
-        </p:spPr>
-        <p:txBody>
-          <a:bodyPr vert="horz" lIns="91440" tIns="45720" rIns="91440" bIns="45720" rtlCol="0" anchor="t">
-            <a:normAutofit lnSpcReduction="10000"/>
-          </a:bodyPr>
-          <a:lstStyle>
-            <a:lvl1pPr algn="l" defTabSz="457200" rtl="0" eaLnBrk="1" latinLnBrk="1" hangingPunct="1">
-              <a:spcBef>
-                <a:spcPct val="0"/>
-              </a:spcBef>
-              <a:buNone/>
-              <a:defRPr sz="3600" kern="1200">
-                <a:solidFill>
-                  <a:schemeClr val="accent1"/>
-                </a:solidFill>
-                <a:latin typeface="+mj-lt"/>
-                <a:ea typeface="+mj-ea"/>
-                <a:cs typeface="+mj-cs"/>
-              </a:defRPr>
-            </a:lvl1pPr>
-            <a:lvl2pPr eaLnBrk="1" latinLnBrk="1" hangingPunct="1">
-              <a:defRPr>
-                <a:solidFill>
-                  <a:schemeClr val="tx2"/>
-                </a:solidFill>
-              </a:defRPr>
-            </a:lvl2pPr>
-            <a:lvl3pPr eaLnBrk="1" latinLnBrk="1" hangingPunct="1">
-              <a:defRPr>
-                <a:solidFill>
-                  <a:schemeClr val="tx2"/>
-                </a:solidFill>
-              </a:defRPr>
-            </a:lvl3pPr>
-            <a:lvl4pPr eaLnBrk="1" latinLnBrk="1" hangingPunct="1">
-              <a:defRPr>
-                <a:solidFill>
-                  <a:schemeClr val="tx2"/>
-                </a:solidFill>
-              </a:defRPr>
-            </a:lvl4pPr>
-            <a:lvl5pPr eaLnBrk="1" latinLnBrk="1" hangingPunct="1">
-              <a:defRPr>
-                <a:solidFill>
-                  <a:schemeClr val="tx2"/>
-                </a:solidFill>
-              </a:defRPr>
-            </a:lvl5pPr>
-            <a:lvl6pPr eaLnBrk="1" latinLnBrk="1" hangingPunct="1">
-              <a:defRPr>
-                <a:solidFill>
-                  <a:schemeClr val="tx2"/>
-                </a:solidFill>
-              </a:defRPr>
-            </a:lvl6pPr>
-            <a:lvl7pPr eaLnBrk="1" latinLnBrk="1" hangingPunct="1">
-              <a:defRPr>
-                <a:solidFill>
-                  <a:schemeClr val="tx2"/>
-                </a:solidFill>
-              </a:defRPr>
-            </a:lvl7pPr>
-            <a:lvl8pPr eaLnBrk="1" latinLnBrk="1" hangingPunct="1">
-              <a:defRPr>
-                <a:solidFill>
-                  <a:schemeClr val="tx2"/>
-                </a:solidFill>
-              </a:defRPr>
-            </a:lvl8pPr>
-            <a:lvl9pPr eaLnBrk="1" latinLnBrk="1" hangingPunct="1">
-              <a:defRPr>
-                <a:solidFill>
-                  <a:schemeClr val="tx2"/>
-                </a:solidFill>
-              </a:defRPr>
-            </a:lvl9pPr>
-          </a:lstStyle>
-          <a:p>
-            <a:r>
-              <a:rPr lang="en-US" altLang="ko-KR" sz="2400" dirty="0"/>
-              <a:t>In the view</a:t>
-            </a:r>
-          </a:p>
-        </p:txBody>
-      </p:sp>
-      <p:sp>
-        <p:nvSpPr>
-          <p:cNvPr id="6" name="직사각형 5">
-            <a:extLst>
-              <a:ext uri="{FF2B5EF4-FFF2-40B4-BE49-F238E27FC236}">
-                <a16:creationId xmlns:a16="http://schemas.microsoft.com/office/drawing/2014/main" id="{6A60F032-B172-43E0-B147-16329887DE8F}"/>
-              </a:ext>
-            </a:extLst>
-          </p:cNvPr>
-          <p:cNvSpPr/>
-          <p:nvPr/>
-        </p:nvSpPr>
-        <p:spPr>
-          <a:xfrm>
-            <a:off x="7620874" y="2196693"/>
-            <a:ext cx="4470512" cy="2462213"/>
-          </a:xfrm>
-          <a:prstGeom prst="rect">
-            <a:avLst/>
-          </a:prstGeom>
-        </p:spPr>
-        <p:txBody>
-          <a:bodyPr wrap="square">
-            <a:spAutoFit/>
-          </a:bodyPr>
-          <a:lstStyle/>
-          <a:p>
-            <a:pPr marL="285750" indent="-285750">
-              <a:buFontTx/>
-              <a:buChar char="-"/>
-            </a:pPr>
-            <a:r>
-              <a:rPr lang="en-US" altLang="ko-KR" sz="1400" dirty="0"/>
-              <a:t>Forms.py</a:t>
-            </a:r>
-            <a:r>
-              <a:rPr lang="ko-KR" altLang="en-US" sz="1400" dirty="0"/>
-              <a:t> 를 </a:t>
-            </a:r>
-            <a:r>
-              <a:rPr lang="en-US" altLang="ko-KR" sz="1400" dirty="0"/>
-              <a:t>import </a:t>
-            </a:r>
-            <a:r>
-              <a:rPr lang="ko-KR" altLang="en-US" sz="1400" dirty="0"/>
-              <a:t>하여 </a:t>
-            </a:r>
-            <a:r>
-              <a:rPr lang="en-US" altLang="ko-KR" sz="1400" dirty="0"/>
-              <a:t>register</a:t>
-            </a:r>
-            <a:r>
-              <a:rPr lang="ko-KR" altLang="en-US" sz="1400" dirty="0"/>
-              <a:t> 과 </a:t>
-            </a:r>
-            <a:r>
-              <a:rPr lang="en-US" altLang="ko-KR" sz="1400" dirty="0"/>
-              <a:t>login </a:t>
-            </a:r>
-            <a:r>
-              <a:rPr lang="ko-KR" altLang="en-US" sz="1400" dirty="0"/>
-              <a:t>에서 사용</a:t>
-            </a:r>
-            <a:endParaRPr lang="en-US" altLang="ko-KR" sz="1400" dirty="0"/>
-          </a:p>
-          <a:p>
-            <a:pPr marL="285750" indent="-285750">
-              <a:buFontTx/>
-              <a:buChar char="-"/>
-            </a:pPr>
-            <a:r>
-              <a:rPr lang="en-US" altLang="ko-KR" sz="1400" dirty="0"/>
-              <a:t>HTTP POST </a:t>
-            </a:r>
-            <a:r>
-              <a:rPr lang="ko-KR" altLang="en-US" sz="1400" dirty="0"/>
-              <a:t>메소드로 데이터가 전송됐다면 요청의 </a:t>
-            </a:r>
-            <a:r>
-              <a:rPr lang="en-US" altLang="ko-KR" sz="1400" dirty="0"/>
-              <a:t>form </a:t>
-            </a:r>
-            <a:r>
-              <a:rPr lang="ko-KR" altLang="en-US" sz="1400" dirty="0"/>
-              <a:t>값으로 부터 </a:t>
-            </a:r>
-            <a:r>
-              <a:rPr lang="en-US" altLang="ko-KR" sz="1400" dirty="0"/>
-              <a:t>form</a:t>
-            </a:r>
-            <a:r>
-              <a:rPr lang="ko-KR" altLang="en-US" sz="1400" dirty="0"/>
-              <a:t>을 생성하고</a:t>
-            </a:r>
-            <a:r>
-              <a:rPr lang="en-US" altLang="ko-KR" sz="1400" dirty="0"/>
-              <a:t>, GET</a:t>
-            </a:r>
-            <a:r>
-              <a:rPr lang="ko-KR" altLang="en-US" sz="1400" dirty="0"/>
-              <a:t> 으로 전송됐다면 </a:t>
-            </a:r>
-            <a:r>
-              <a:rPr lang="en-US" altLang="ko-KR" sz="1400" dirty="0" err="1"/>
-              <a:t>args</a:t>
-            </a:r>
-            <a:r>
-              <a:rPr lang="en-US" altLang="ko-KR" sz="1400" dirty="0"/>
-              <a:t> </a:t>
-            </a:r>
-            <a:r>
-              <a:rPr lang="ko-KR" altLang="en-US" sz="1400" dirty="0"/>
-              <a:t>에서 폼을 생성</a:t>
-            </a:r>
-            <a:endParaRPr lang="en-US" altLang="ko-KR" sz="1400" dirty="0"/>
-          </a:p>
-          <a:p>
-            <a:pPr marL="285750" indent="-285750">
-              <a:buFontTx/>
-              <a:buChar char="-"/>
-            </a:pPr>
-            <a:r>
-              <a:rPr lang="ko-KR" altLang="en-US" sz="1400" dirty="0"/>
-              <a:t>데이터를 검증하기 위해서</a:t>
-            </a:r>
-            <a:r>
-              <a:rPr lang="en-US" altLang="ko-KR" sz="1400" dirty="0"/>
-              <a:t>, validate() </a:t>
-            </a:r>
-            <a:r>
-              <a:rPr lang="ko-KR" altLang="en-US" sz="1400" dirty="0"/>
-              <a:t>메소드를 호출하고 데이터가 유효하면</a:t>
-            </a:r>
-            <a:r>
-              <a:rPr lang="en-US" altLang="ko-KR" sz="1400" dirty="0"/>
-              <a:t> ‘True’</a:t>
-            </a:r>
-            <a:r>
-              <a:rPr lang="ko-KR" altLang="en-US" sz="1400" dirty="0"/>
-              <a:t>를 얻고 유효하지 않으면 </a:t>
-            </a:r>
-            <a:r>
-              <a:rPr lang="en-US" altLang="ko-KR" sz="1400" dirty="0"/>
-              <a:t>‘False</a:t>
-            </a:r>
-            <a:r>
-              <a:rPr lang="ko-KR" altLang="en-US" sz="1400" dirty="0"/>
-              <a:t>를 얻는다</a:t>
-            </a:r>
-            <a:r>
-              <a:rPr lang="en-US" altLang="ko-KR" sz="1400" dirty="0"/>
-              <a:t>.</a:t>
-            </a:r>
-          </a:p>
-          <a:p>
-            <a:pPr marL="285750" indent="-285750">
-              <a:buFontTx/>
-              <a:buChar char="-"/>
-            </a:pPr>
-            <a:r>
-              <a:rPr lang="en-US" altLang="ko-KR" sz="1400" dirty="0"/>
-              <a:t>Form </a:t>
-            </a:r>
-            <a:r>
-              <a:rPr lang="ko-KR" altLang="en-US" sz="1400" dirty="0"/>
-              <a:t>에서 개별 값에 접근하기 위해서</a:t>
-            </a:r>
-            <a:r>
-              <a:rPr lang="en-US" altLang="ko-KR" sz="1400" dirty="0"/>
-              <a:t>, form&lt;NAME&gt;.data</a:t>
-            </a:r>
-            <a:r>
-              <a:rPr lang="ko-KR" altLang="en-US" sz="1400" dirty="0"/>
-              <a:t> 로 접근</a:t>
-            </a:r>
-            <a:endParaRPr lang="en-US" altLang="ko-KR" sz="1400" dirty="0"/>
-          </a:p>
-          <a:p>
-            <a:pPr marL="285750" indent="-285750">
-              <a:buFontTx/>
-              <a:buChar char="-"/>
-            </a:pPr>
-            <a:endParaRPr lang="en-US" altLang="ko-KR" sz="1400" dirty="0"/>
-          </a:p>
-        </p:txBody>
-      </p:sp>
-      <p:pic>
-        <p:nvPicPr>
-          <p:cNvPr id="3" name="그림 2">
-            <a:extLst>
-              <a:ext uri="{FF2B5EF4-FFF2-40B4-BE49-F238E27FC236}">
-                <a16:creationId xmlns:a16="http://schemas.microsoft.com/office/drawing/2014/main" id="{4D970662-3D4D-4F13-80B7-E2D19C15270D}"/>
-              </a:ext>
-            </a:extLst>
-          </p:cNvPr>
-          <p:cNvPicPr>
-            <a:picLocks noChangeAspect="1"/>
-          </p:cNvPicPr>
-          <p:nvPr/>
-        </p:nvPicPr>
-        <p:blipFill>
-          <a:blip r:embed="rId2"/>
-          <a:stretch>
-            <a:fillRect/>
-          </a:stretch>
-        </p:blipFill>
-        <p:spPr>
-          <a:xfrm>
-            <a:off x="262410" y="1887628"/>
-            <a:ext cx="7064097" cy="4360772"/>
-          </a:xfrm>
-          <a:prstGeom prst="rect">
-            <a:avLst/>
-          </a:prstGeom>
-        </p:spPr>
-      </p:pic>
-    </p:spTree>
-    <p:extLst>
-      <p:ext uri="{BB962C8B-B14F-4D97-AF65-F5344CB8AC3E}">
-        <p14:creationId xmlns:p14="http://schemas.microsoft.com/office/powerpoint/2010/main" val="2791102259"/>
-      </p:ext>
-    </p:extLst>
-  </p:cSld>
-  <p:clrMapOvr>
-    <a:masterClrMapping/>
-  </p:clrMapOvr>
-</p:sld>
-</file>
-
-<file path=ppt/slides/slide8.xml><?xml version="1.0" encoding="utf-8"?>
 <p:sld xmlns:a="http://schemas.openxmlformats.org/drawingml/2006/main" xmlns:r="http://schemas.openxmlformats.org/officeDocument/2006/relationships" xmlns:p="http://schemas.openxmlformats.org/presentationml/2006/main">
   <p:cSld>
     <p:spTree>
@@ -9864,7 +6975,7 @@
 </p:sld>
 </file>
 
-<file path=ppt/slides/slide9.xml><?xml version="1.0" encoding="utf-8"?>
+<file path=ppt/slides/slide12.xml><?xml version="1.0" encoding="utf-8"?>
 <p:sld xmlns:a="http://schemas.openxmlformats.org/drawingml/2006/main" xmlns:r="http://schemas.openxmlformats.org/officeDocument/2006/relationships" xmlns:p="http://schemas.openxmlformats.org/presentationml/2006/main">
   <p:cSld>
     <p:spTree>
@@ -10073,15 +7184,7 @@
             </a:r>
             <a:r>
               <a:rPr lang="ko-KR" altLang="en-US" sz="1400" dirty="0"/>
-              <a:t>폼 오브젝트를 받아서 디폴트 부트스트랩 스타일을 </a:t>
-            </a:r>
-            <a:r>
-              <a:rPr lang="ko-KR" altLang="en-US" sz="1400" dirty="0" err="1"/>
-              <a:t>하용하여</a:t>
-            </a:r>
-            <a:r>
-              <a:rPr lang="ko-KR" altLang="en-US" sz="1400" dirty="0"/>
-              <a:t> 렌더링함</a:t>
+              <a:t>폼 오브젝트를 받아서 디폴트 부트스트랩 스타일을 허용하여 렌더링함</a:t>
             </a:r>
             <a:endParaRPr lang="en-US" altLang="ko-KR" sz="1400" dirty="0"/>
           </a:p>
@@ -10242,6 +7345,4485 @@
     <p:extLst>
       <p:ext uri="{BB962C8B-B14F-4D97-AF65-F5344CB8AC3E}">
         <p14:creationId xmlns:p14="http://schemas.microsoft.com/office/powerpoint/2010/main" val="2342272785"/>
+      </p:ext>
+    </p:extLst>
+  </p:cSld>
+  <p:clrMapOvr>
+    <a:masterClrMapping/>
+  </p:clrMapOvr>
+</p:sld>
+</file>
+
+<file path=ppt/slides/slide13.xml><?xml version="1.0" encoding="utf-8"?>
+<p:sld xmlns:a="http://schemas.openxmlformats.org/drawingml/2006/main" xmlns:r="http://schemas.openxmlformats.org/officeDocument/2006/relationships" xmlns:p="http://schemas.openxmlformats.org/presentationml/2006/main">
+  <p:cSld>
+    <p:spTree>
+      <p:nvGrpSpPr>
+        <p:cNvPr id="1" name=""/>
+        <p:cNvGrpSpPr/>
+        <p:nvPr/>
+      </p:nvGrpSpPr>
+      <p:grpSpPr>
+        <a:xfrm>
+          <a:off x="0" y="0"/>
+          <a:ext cx="0" cy="0"/>
+          <a:chOff x="0" y="0"/>
+          <a:chExt cx="0" cy="0"/>
+        </a:xfrm>
+      </p:grpSpPr>
+      <p:sp>
+        <p:nvSpPr>
+          <p:cNvPr id="2" name="제목 1">
+            <a:extLst>
+              <a:ext uri="{FF2B5EF4-FFF2-40B4-BE49-F238E27FC236}">
+                <a16:creationId xmlns:a16="http://schemas.microsoft.com/office/drawing/2014/main" id="{2EC833C6-FAC3-442B-803D-3FB02DF07980}"/>
+              </a:ext>
+            </a:extLst>
+          </p:cNvPr>
+          <p:cNvSpPr>
+            <a:spLocks noGrp="1"/>
+          </p:cNvSpPr>
+          <p:nvPr>
+            <p:ph type="title"/>
+          </p:nvPr>
+        </p:nvSpPr>
+        <p:spPr>
+          <a:xfrm>
+            <a:off x="677334" y="609600"/>
+            <a:ext cx="8596668" cy="517864"/>
+          </a:xfrm>
+        </p:spPr>
+        <p:txBody>
+          <a:bodyPr>
+            <a:normAutofit fontScale="90000"/>
+          </a:bodyPr>
+          <a:lstStyle/>
+          <a:p>
+            <a:r>
+              <a:rPr lang="en-US" altLang="ko-KR" dirty="0"/>
+              <a:t>3. Forms and User Input</a:t>
+            </a:r>
+            <a:endParaRPr lang="ko-KR" altLang="en-US" dirty="0"/>
+          </a:p>
+        </p:txBody>
+      </p:sp>
+      <p:sp>
+        <p:nvSpPr>
+          <p:cNvPr id="4" name="제목 1">
+            <a:extLst>
+              <a:ext uri="{FF2B5EF4-FFF2-40B4-BE49-F238E27FC236}">
+                <a16:creationId xmlns:a16="http://schemas.microsoft.com/office/drawing/2014/main" id="{824331F3-9831-4A24-AC95-4771B0BCE333}"/>
+              </a:ext>
+            </a:extLst>
+          </p:cNvPr>
+          <p:cNvSpPr txBox="1">
+            <a:spLocks/>
+          </p:cNvSpPr>
+          <p:nvPr/>
+        </p:nvSpPr>
+        <p:spPr>
+          <a:xfrm>
+            <a:off x="1307647" y="1180730"/>
+            <a:ext cx="8022783" cy="436518"/>
+          </a:xfrm>
+          <a:prstGeom prst="rect">
+            <a:avLst/>
+          </a:prstGeom>
+        </p:spPr>
+        <p:txBody>
+          <a:bodyPr vert="horz" lIns="91440" tIns="45720" rIns="91440" bIns="45720" rtlCol="0" anchor="t">
+            <a:normAutofit lnSpcReduction="10000"/>
+          </a:bodyPr>
+          <a:lstStyle>
+            <a:lvl1pPr algn="l" defTabSz="457200" rtl="0" eaLnBrk="1" latinLnBrk="1" hangingPunct="1">
+              <a:spcBef>
+                <a:spcPct val="0"/>
+              </a:spcBef>
+              <a:buNone/>
+              <a:defRPr sz="3600" kern="1200">
+                <a:solidFill>
+                  <a:schemeClr val="accent1"/>
+                </a:solidFill>
+                <a:latin typeface="+mj-lt"/>
+                <a:ea typeface="+mj-ea"/>
+                <a:cs typeface="+mj-cs"/>
+              </a:defRPr>
+            </a:lvl1pPr>
+            <a:lvl2pPr eaLnBrk="1" latinLnBrk="1" hangingPunct="1">
+              <a:defRPr>
+                <a:solidFill>
+                  <a:schemeClr val="tx2"/>
+                </a:solidFill>
+              </a:defRPr>
+            </a:lvl2pPr>
+            <a:lvl3pPr eaLnBrk="1" latinLnBrk="1" hangingPunct="1">
+              <a:defRPr>
+                <a:solidFill>
+                  <a:schemeClr val="tx2"/>
+                </a:solidFill>
+              </a:defRPr>
+            </a:lvl3pPr>
+            <a:lvl4pPr eaLnBrk="1" latinLnBrk="1" hangingPunct="1">
+              <a:defRPr>
+                <a:solidFill>
+                  <a:schemeClr val="tx2"/>
+                </a:solidFill>
+              </a:defRPr>
+            </a:lvl4pPr>
+            <a:lvl5pPr eaLnBrk="1" latinLnBrk="1" hangingPunct="1">
+              <a:defRPr>
+                <a:solidFill>
+                  <a:schemeClr val="tx2"/>
+                </a:solidFill>
+              </a:defRPr>
+            </a:lvl5pPr>
+            <a:lvl6pPr eaLnBrk="1" latinLnBrk="1" hangingPunct="1">
+              <a:defRPr>
+                <a:solidFill>
+                  <a:schemeClr val="tx2"/>
+                </a:solidFill>
+              </a:defRPr>
+            </a:lvl6pPr>
+            <a:lvl7pPr eaLnBrk="1" latinLnBrk="1" hangingPunct="1">
+              <a:defRPr>
+                <a:solidFill>
+                  <a:schemeClr val="tx2"/>
+                </a:solidFill>
+              </a:defRPr>
+            </a:lvl7pPr>
+            <a:lvl8pPr eaLnBrk="1" latinLnBrk="1" hangingPunct="1">
+              <a:defRPr>
+                <a:solidFill>
+                  <a:schemeClr val="tx2"/>
+                </a:solidFill>
+              </a:defRPr>
+            </a:lvl8pPr>
+            <a:lvl9pPr eaLnBrk="1" latinLnBrk="1" hangingPunct="1">
+              <a:defRPr>
+                <a:solidFill>
+                  <a:schemeClr val="tx2"/>
+                </a:solidFill>
+              </a:defRPr>
+            </a:lvl9pPr>
+          </a:lstStyle>
+          <a:p>
+            <a:r>
+              <a:rPr lang="en-US" altLang="ko-KR" sz="2400" dirty="0"/>
+              <a:t>Form</a:t>
+            </a:r>
+            <a:r>
+              <a:rPr lang="ko-KR" altLang="en-US" sz="2400" dirty="0"/>
+              <a:t> </a:t>
+            </a:r>
+            <a:r>
+              <a:rPr lang="en-US" altLang="ko-KR" sz="2400" dirty="0"/>
+              <a:t>Handling</a:t>
+            </a:r>
+            <a:r>
+              <a:rPr lang="ko-KR" altLang="en-US" sz="2400" dirty="0"/>
+              <a:t> </a:t>
+            </a:r>
+            <a:r>
+              <a:rPr lang="en-US" altLang="ko-KR" sz="2400" dirty="0"/>
+              <a:t>in</a:t>
+            </a:r>
+            <a:r>
+              <a:rPr lang="ko-KR" altLang="en-US" sz="2400" dirty="0"/>
+              <a:t> </a:t>
+            </a:r>
+            <a:r>
+              <a:rPr lang="en-US" altLang="ko-KR" sz="2400" dirty="0"/>
+              <a:t>View Functions</a:t>
+            </a:r>
+          </a:p>
+        </p:txBody>
+      </p:sp>
+      <p:sp>
+        <p:nvSpPr>
+          <p:cNvPr id="6" name="직사각형 5">
+            <a:extLst>
+              <a:ext uri="{FF2B5EF4-FFF2-40B4-BE49-F238E27FC236}">
+                <a16:creationId xmlns:a16="http://schemas.microsoft.com/office/drawing/2014/main" id="{6A60F032-B172-43E0-B147-16329887DE8F}"/>
+              </a:ext>
+            </a:extLst>
+          </p:cNvPr>
+          <p:cNvSpPr/>
+          <p:nvPr/>
+        </p:nvSpPr>
+        <p:spPr>
+          <a:xfrm>
+            <a:off x="7620874" y="2196693"/>
+            <a:ext cx="4470512" cy="3754874"/>
+          </a:xfrm>
+          <a:prstGeom prst="rect">
+            <a:avLst/>
+          </a:prstGeom>
+        </p:spPr>
+        <p:txBody>
+          <a:bodyPr wrap="square">
+            <a:spAutoFit/>
+          </a:bodyPr>
+          <a:lstStyle/>
+          <a:p>
+            <a:pPr marL="285750" indent="-285750">
+              <a:buFontTx/>
+              <a:buChar char="-"/>
+            </a:pPr>
+            <a:r>
+              <a:rPr lang="en-US" altLang="ko-KR" sz="1400" dirty="0" err="1"/>
+              <a:t>App.route</a:t>
+            </a:r>
+            <a:r>
+              <a:rPr lang="en-US" altLang="ko-KR" sz="1400" dirty="0"/>
+              <a:t> </a:t>
+            </a:r>
+            <a:r>
+              <a:rPr lang="ko-KR" altLang="en-US" sz="1400" dirty="0" err="1"/>
+              <a:t>데코레이터에</a:t>
+            </a:r>
+            <a:r>
+              <a:rPr lang="ko-KR" altLang="en-US" sz="1400" dirty="0"/>
+              <a:t> 추가된 </a:t>
+            </a:r>
+            <a:r>
+              <a:rPr lang="en-US" altLang="ko-KR" sz="1400" dirty="0"/>
+              <a:t>methods </a:t>
+            </a:r>
+            <a:r>
+              <a:rPr lang="ko-KR" altLang="en-US" sz="1400" dirty="0"/>
+              <a:t>인수는 </a:t>
+            </a:r>
+            <a:r>
+              <a:rPr lang="en-US" altLang="ko-KR" sz="1400" dirty="0"/>
+              <a:t>Flask </a:t>
+            </a:r>
+            <a:r>
+              <a:rPr lang="ko-KR" altLang="en-US" sz="1400" dirty="0"/>
+              <a:t>에서 </a:t>
+            </a:r>
+            <a:r>
+              <a:rPr lang="en-US" altLang="ko-KR" sz="1400" dirty="0" err="1"/>
+              <a:t>url</a:t>
+            </a:r>
+            <a:r>
+              <a:rPr lang="en-US" altLang="ko-KR" sz="1400" dirty="0"/>
+              <a:t> </a:t>
+            </a:r>
+            <a:r>
+              <a:rPr lang="ko-KR" altLang="en-US" sz="1400" dirty="0" err="1"/>
+              <a:t>맵의</a:t>
+            </a:r>
+            <a:r>
+              <a:rPr lang="ko-KR" altLang="en-US" sz="1400" dirty="0"/>
+              <a:t> </a:t>
+            </a:r>
+            <a:r>
+              <a:rPr lang="en-US" altLang="ko-KR" sz="1400" dirty="0"/>
+              <a:t>GET</a:t>
+            </a:r>
+            <a:r>
+              <a:rPr lang="ko-KR" altLang="en-US" sz="1400" dirty="0"/>
+              <a:t>과 </a:t>
+            </a:r>
+            <a:r>
+              <a:rPr lang="en-US" altLang="ko-KR" sz="1400" dirty="0"/>
+              <a:t>POST </a:t>
+            </a:r>
+            <a:r>
+              <a:rPr lang="ko-KR" altLang="en-US" sz="1400" dirty="0"/>
+              <a:t>를 </a:t>
+            </a:r>
+            <a:r>
+              <a:rPr lang="en-US" altLang="ko-KR" sz="1400" dirty="0"/>
+              <a:t>request </a:t>
+            </a:r>
+            <a:r>
+              <a:rPr lang="ko-KR" altLang="en-US" sz="1400" dirty="0"/>
+              <a:t>위한 </a:t>
+            </a:r>
+            <a:r>
+              <a:rPr lang="ko-KR" altLang="en-US" sz="1400" dirty="0" err="1"/>
+              <a:t>핸들러</a:t>
+            </a:r>
+            <a:r>
+              <a:rPr lang="ko-KR" altLang="en-US" sz="1400" dirty="0"/>
+              <a:t> </a:t>
+            </a:r>
+            <a:r>
+              <a:rPr lang="en-US" altLang="ko-KR" sz="1400" dirty="0"/>
+              <a:t>view </a:t>
+            </a:r>
+            <a:r>
+              <a:rPr lang="ko-KR" altLang="en-US" sz="1400" dirty="0"/>
+              <a:t>함수이다</a:t>
+            </a:r>
+            <a:r>
+              <a:rPr lang="en-US" altLang="ko-KR" sz="1400" dirty="0"/>
+              <a:t>.</a:t>
+            </a:r>
+          </a:p>
+          <a:p>
+            <a:pPr marL="285750" indent="-285750">
+              <a:buFontTx/>
+              <a:buChar char="-"/>
+            </a:pPr>
+            <a:r>
+              <a:rPr lang="ko-KR" altLang="en-US" sz="1400" dirty="0"/>
+              <a:t>메소드가 주어지지 않으면 </a:t>
+            </a:r>
+            <a:r>
+              <a:rPr lang="en-US" altLang="ko-KR" sz="1400" dirty="0"/>
+              <a:t>view</a:t>
+            </a:r>
+            <a:r>
+              <a:rPr lang="ko-KR" altLang="en-US" sz="1400" dirty="0"/>
+              <a:t>함수는 </a:t>
+            </a:r>
+            <a:r>
+              <a:rPr lang="en-US" altLang="ko-KR" sz="1400" dirty="0"/>
+              <a:t>GET request</a:t>
+            </a:r>
+            <a:r>
+              <a:rPr lang="ko-KR" altLang="en-US" sz="1400" dirty="0"/>
+              <a:t>만 처리</a:t>
+            </a:r>
+            <a:endParaRPr lang="en-US" altLang="ko-KR" sz="1400" dirty="0"/>
+          </a:p>
+          <a:p>
+            <a:pPr marL="285750" indent="-285750">
+              <a:buFontTx/>
+              <a:buChar char="-"/>
+            </a:pPr>
+            <a:r>
+              <a:rPr lang="en-US" altLang="ko-KR" sz="1400" dirty="0"/>
+              <a:t>Name</a:t>
+            </a:r>
+            <a:r>
+              <a:rPr lang="ko-KR" altLang="en-US" sz="1400" dirty="0"/>
+              <a:t> 변수는 </a:t>
+            </a:r>
+            <a:r>
+              <a:rPr lang="en-US" altLang="ko-KR" sz="1400" dirty="0"/>
+              <a:t>form</a:t>
+            </a:r>
+            <a:r>
+              <a:rPr lang="ko-KR" altLang="en-US" sz="1400" dirty="0"/>
+              <a:t>으로 부터 받은 이름을 저장</a:t>
+            </a:r>
+            <a:endParaRPr lang="en-US" altLang="ko-KR" sz="1400" dirty="0"/>
+          </a:p>
+          <a:p>
+            <a:pPr marL="285750" indent="-285750">
+              <a:buFontTx/>
+              <a:buChar char="-"/>
+            </a:pPr>
+            <a:r>
+              <a:rPr lang="en-US" altLang="ko-KR" sz="1400" dirty="0" err="1"/>
+              <a:t>Validate_on_submit</a:t>
+            </a:r>
+            <a:r>
+              <a:rPr lang="en-US" altLang="ko-KR" sz="1400" dirty="0"/>
+              <a:t>() </a:t>
+            </a:r>
+            <a:r>
+              <a:rPr lang="ko-KR" altLang="en-US" sz="1400" dirty="0"/>
+              <a:t>은 메서드의 폼이 </a:t>
+            </a:r>
+            <a:r>
+              <a:rPr lang="ko-KR" altLang="en-US" sz="1400" dirty="0" err="1"/>
+              <a:t>서브밋될때</a:t>
+            </a:r>
+            <a:r>
+              <a:rPr lang="ko-KR" altLang="en-US" sz="1400" dirty="0"/>
+              <a:t> </a:t>
+            </a:r>
+            <a:r>
+              <a:rPr lang="en-US" altLang="ko-KR" sz="1400" dirty="0"/>
+              <a:t>True</a:t>
+            </a:r>
+            <a:r>
+              <a:rPr lang="ko-KR" altLang="en-US" sz="1400" dirty="0"/>
+              <a:t>를 리턴하고 데이터는 모든 </a:t>
+            </a:r>
+            <a:r>
+              <a:rPr lang="en-US" altLang="ko-KR" sz="1400" dirty="0"/>
+              <a:t>field </a:t>
+            </a:r>
+            <a:r>
+              <a:rPr lang="ko-KR" altLang="en-US" sz="1400" dirty="0"/>
+              <a:t>검증자에 의해 받아들여진다</a:t>
+            </a:r>
+            <a:r>
+              <a:rPr lang="en-US" altLang="ko-KR" sz="1400" dirty="0"/>
+              <a:t>.(</a:t>
+            </a:r>
+            <a:r>
+              <a:rPr lang="ko-KR" altLang="en-US" sz="1400" dirty="0"/>
+              <a:t>유효성 검사</a:t>
+            </a:r>
+            <a:r>
+              <a:rPr lang="en-US" altLang="ko-KR" sz="1400" dirty="0"/>
+              <a:t>)</a:t>
+            </a:r>
+          </a:p>
+          <a:p>
+            <a:pPr marL="285750" indent="-285750">
+              <a:buFontTx/>
+              <a:buChar char="-"/>
+            </a:pPr>
+            <a:r>
+              <a:rPr lang="ko-KR" altLang="en-US" sz="1400" dirty="0"/>
+              <a:t>다른 경우에는 </a:t>
+            </a:r>
+            <a:r>
+              <a:rPr lang="en-US" altLang="ko-KR" sz="1400" dirty="0"/>
+              <a:t>False </a:t>
+            </a:r>
+            <a:r>
+              <a:rPr lang="ko-KR" altLang="en-US" sz="1400" dirty="0"/>
+              <a:t>반환</a:t>
+            </a:r>
+            <a:endParaRPr lang="en-US" altLang="ko-KR" sz="1400" dirty="0"/>
+          </a:p>
+          <a:p>
+            <a:pPr marL="285750" indent="-285750">
+              <a:buFontTx/>
+              <a:buChar char="-"/>
+            </a:pPr>
+            <a:endParaRPr lang="en-US" altLang="ko-KR" sz="1400" dirty="0"/>
+          </a:p>
+          <a:p>
+            <a:pPr marL="285750" indent="-285750">
+              <a:buFontTx/>
+              <a:buChar char="-"/>
+            </a:pPr>
+            <a:r>
+              <a:rPr lang="ko-KR" altLang="en-US" sz="1400" dirty="0"/>
+              <a:t>사용자가 폼을 제출할 때 데이터와 함께 서버는 </a:t>
+            </a:r>
+            <a:r>
+              <a:rPr lang="en-US" altLang="ko-KR" sz="1400" dirty="0"/>
+              <a:t>POST request</a:t>
+            </a:r>
+            <a:r>
+              <a:rPr lang="ko-KR" altLang="en-US" sz="1400" dirty="0"/>
+              <a:t>를 받고 </a:t>
+            </a:r>
+            <a:r>
+              <a:rPr lang="en-US" altLang="ko-KR" sz="1400" dirty="0" err="1"/>
+              <a:t>validate_on_submit</a:t>
+            </a:r>
+            <a:r>
+              <a:rPr lang="en-US" altLang="ko-KR" sz="1400" dirty="0"/>
+              <a:t>() </a:t>
+            </a:r>
+            <a:r>
+              <a:rPr lang="ko-KR" altLang="en-US" sz="1400" dirty="0"/>
+              <a:t>을 호출하면 </a:t>
+            </a:r>
+            <a:r>
+              <a:rPr lang="en-US" altLang="ko-KR" sz="1400" dirty="0"/>
+              <a:t>name </a:t>
+            </a:r>
+            <a:r>
+              <a:rPr lang="ko-KR" altLang="en-US" sz="1400" dirty="0"/>
+              <a:t>필드에 붙어 있는 </a:t>
+            </a:r>
+            <a:r>
+              <a:rPr lang="en-US" altLang="ko-KR" sz="1400" dirty="0"/>
+              <a:t>Required() </a:t>
+            </a:r>
+            <a:r>
+              <a:rPr lang="ko-KR" altLang="en-US" sz="1400" dirty="0"/>
+              <a:t>검증자가 호출</a:t>
+            </a:r>
+            <a:endParaRPr lang="en-US" altLang="ko-KR" sz="1400" dirty="0"/>
+          </a:p>
+          <a:p>
+            <a:pPr marL="285750" indent="-285750">
+              <a:buFontTx/>
+              <a:buChar char="-"/>
+            </a:pPr>
+            <a:r>
+              <a:rPr lang="en-US" altLang="ko-KR" sz="1400" dirty="0"/>
+              <a:t>Name</a:t>
+            </a:r>
+            <a:r>
+              <a:rPr lang="ko-KR" altLang="en-US" sz="1400" dirty="0"/>
+              <a:t>이 비어 있으면</a:t>
+            </a:r>
+            <a:r>
+              <a:rPr lang="en-US" altLang="ko-KR" sz="1400" dirty="0"/>
+              <a:t>, </a:t>
+            </a:r>
+            <a:r>
+              <a:rPr lang="ko-KR" altLang="en-US" sz="1400" dirty="0"/>
+              <a:t>검증자가 값을 받아 </a:t>
+            </a:r>
+            <a:r>
+              <a:rPr lang="en-US" altLang="ko-KR" sz="1400" dirty="0"/>
+              <a:t>True </a:t>
+            </a:r>
+            <a:r>
+              <a:rPr lang="ko-KR" altLang="en-US" sz="1400" dirty="0"/>
+              <a:t>반환</a:t>
+            </a:r>
+            <a:endParaRPr lang="en-US" altLang="ko-KR" sz="1400" dirty="0"/>
+          </a:p>
+        </p:txBody>
+      </p:sp>
+      <p:pic>
+        <p:nvPicPr>
+          <p:cNvPr id="5" name="그림 4">
+            <a:extLst>
+              <a:ext uri="{FF2B5EF4-FFF2-40B4-BE49-F238E27FC236}">
+                <a16:creationId xmlns:a16="http://schemas.microsoft.com/office/drawing/2014/main" id="{FDC6DD09-369E-45DC-B44D-527EBD4B2B36}"/>
+              </a:ext>
+            </a:extLst>
+          </p:cNvPr>
+          <p:cNvPicPr>
+            <a:picLocks noChangeAspect="1"/>
+          </p:cNvPicPr>
+          <p:nvPr/>
+        </p:nvPicPr>
+        <p:blipFill>
+          <a:blip r:embed="rId2"/>
+          <a:stretch>
+            <a:fillRect/>
+          </a:stretch>
+        </p:blipFill>
+        <p:spPr>
+          <a:xfrm>
+            <a:off x="507819" y="1913023"/>
+            <a:ext cx="6986995" cy="3158300"/>
+          </a:xfrm>
+          <a:prstGeom prst="rect">
+            <a:avLst/>
+          </a:prstGeom>
+        </p:spPr>
+      </p:pic>
+    </p:spTree>
+    <p:extLst>
+      <p:ext uri="{BB962C8B-B14F-4D97-AF65-F5344CB8AC3E}">
+        <p14:creationId xmlns:p14="http://schemas.microsoft.com/office/powerpoint/2010/main" val="3774428932"/>
+      </p:ext>
+    </p:extLst>
+  </p:cSld>
+  <p:clrMapOvr>
+    <a:masterClrMapping/>
+  </p:clrMapOvr>
+</p:sld>
+</file>
+
+<file path=ppt/slides/slide14.xml><?xml version="1.0" encoding="utf-8"?>
+<p:sld xmlns:a="http://schemas.openxmlformats.org/drawingml/2006/main" xmlns:r="http://schemas.openxmlformats.org/officeDocument/2006/relationships" xmlns:p="http://schemas.openxmlformats.org/presentationml/2006/main">
+  <p:cSld>
+    <p:spTree>
+      <p:nvGrpSpPr>
+        <p:cNvPr id="1" name=""/>
+        <p:cNvGrpSpPr/>
+        <p:nvPr/>
+      </p:nvGrpSpPr>
+      <p:grpSpPr>
+        <a:xfrm>
+          <a:off x="0" y="0"/>
+          <a:ext cx="0" cy="0"/>
+          <a:chOff x="0" y="0"/>
+          <a:chExt cx="0" cy="0"/>
+        </a:xfrm>
+      </p:grpSpPr>
+      <p:sp>
+        <p:nvSpPr>
+          <p:cNvPr id="2" name="제목 1">
+            <a:extLst>
+              <a:ext uri="{FF2B5EF4-FFF2-40B4-BE49-F238E27FC236}">
+                <a16:creationId xmlns:a16="http://schemas.microsoft.com/office/drawing/2014/main" id="{2EC833C6-FAC3-442B-803D-3FB02DF07980}"/>
+              </a:ext>
+            </a:extLst>
+          </p:cNvPr>
+          <p:cNvSpPr>
+            <a:spLocks noGrp="1"/>
+          </p:cNvSpPr>
+          <p:nvPr>
+            <p:ph type="title"/>
+          </p:nvPr>
+        </p:nvSpPr>
+        <p:spPr>
+          <a:xfrm>
+            <a:off x="677334" y="609600"/>
+            <a:ext cx="8596668" cy="517864"/>
+          </a:xfrm>
+        </p:spPr>
+        <p:txBody>
+          <a:bodyPr>
+            <a:normAutofit fontScale="90000"/>
+          </a:bodyPr>
+          <a:lstStyle/>
+          <a:p>
+            <a:r>
+              <a:rPr lang="en-US" altLang="ko-KR" dirty="0"/>
+              <a:t>3. Forms and User Input</a:t>
+            </a:r>
+            <a:endParaRPr lang="ko-KR" altLang="en-US" dirty="0"/>
+          </a:p>
+        </p:txBody>
+      </p:sp>
+      <p:sp>
+        <p:nvSpPr>
+          <p:cNvPr id="4" name="제목 1">
+            <a:extLst>
+              <a:ext uri="{FF2B5EF4-FFF2-40B4-BE49-F238E27FC236}">
+                <a16:creationId xmlns:a16="http://schemas.microsoft.com/office/drawing/2014/main" id="{824331F3-9831-4A24-AC95-4771B0BCE333}"/>
+              </a:ext>
+            </a:extLst>
+          </p:cNvPr>
+          <p:cNvSpPr txBox="1">
+            <a:spLocks/>
+          </p:cNvSpPr>
+          <p:nvPr/>
+        </p:nvSpPr>
+        <p:spPr>
+          <a:xfrm>
+            <a:off x="1307647" y="1180730"/>
+            <a:ext cx="8022783" cy="436518"/>
+          </a:xfrm>
+          <a:prstGeom prst="rect">
+            <a:avLst/>
+          </a:prstGeom>
+        </p:spPr>
+        <p:txBody>
+          <a:bodyPr vert="horz" lIns="91440" tIns="45720" rIns="91440" bIns="45720" rtlCol="0" anchor="t">
+            <a:normAutofit lnSpcReduction="10000"/>
+          </a:bodyPr>
+          <a:lstStyle>
+            <a:lvl1pPr algn="l" defTabSz="457200" rtl="0" eaLnBrk="1" latinLnBrk="1" hangingPunct="1">
+              <a:spcBef>
+                <a:spcPct val="0"/>
+              </a:spcBef>
+              <a:buNone/>
+              <a:defRPr sz="3600" kern="1200">
+                <a:solidFill>
+                  <a:schemeClr val="accent1"/>
+                </a:solidFill>
+                <a:latin typeface="+mj-lt"/>
+                <a:ea typeface="+mj-ea"/>
+                <a:cs typeface="+mj-cs"/>
+              </a:defRPr>
+            </a:lvl1pPr>
+            <a:lvl2pPr eaLnBrk="1" latinLnBrk="1" hangingPunct="1">
+              <a:defRPr>
+                <a:solidFill>
+                  <a:schemeClr val="tx2"/>
+                </a:solidFill>
+              </a:defRPr>
+            </a:lvl2pPr>
+            <a:lvl3pPr eaLnBrk="1" latinLnBrk="1" hangingPunct="1">
+              <a:defRPr>
+                <a:solidFill>
+                  <a:schemeClr val="tx2"/>
+                </a:solidFill>
+              </a:defRPr>
+            </a:lvl3pPr>
+            <a:lvl4pPr eaLnBrk="1" latinLnBrk="1" hangingPunct="1">
+              <a:defRPr>
+                <a:solidFill>
+                  <a:schemeClr val="tx2"/>
+                </a:solidFill>
+              </a:defRPr>
+            </a:lvl4pPr>
+            <a:lvl5pPr eaLnBrk="1" latinLnBrk="1" hangingPunct="1">
+              <a:defRPr>
+                <a:solidFill>
+                  <a:schemeClr val="tx2"/>
+                </a:solidFill>
+              </a:defRPr>
+            </a:lvl5pPr>
+            <a:lvl6pPr eaLnBrk="1" latinLnBrk="1" hangingPunct="1">
+              <a:defRPr>
+                <a:solidFill>
+                  <a:schemeClr val="tx2"/>
+                </a:solidFill>
+              </a:defRPr>
+            </a:lvl6pPr>
+            <a:lvl7pPr eaLnBrk="1" latinLnBrk="1" hangingPunct="1">
+              <a:defRPr>
+                <a:solidFill>
+                  <a:schemeClr val="tx2"/>
+                </a:solidFill>
+              </a:defRPr>
+            </a:lvl7pPr>
+            <a:lvl8pPr eaLnBrk="1" latinLnBrk="1" hangingPunct="1">
+              <a:defRPr>
+                <a:solidFill>
+                  <a:schemeClr val="tx2"/>
+                </a:solidFill>
+              </a:defRPr>
+            </a:lvl8pPr>
+            <a:lvl9pPr eaLnBrk="1" latinLnBrk="1" hangingPunct="1">
+              <a:defRPr>
+                <a:solidFill>
+                  <a:schemeClr val="tx2"/>
+                </a:solidFill>
+              </a:defRPr>
+            </a:lvl9pPr>
+          </a:lstStyle>
+          <a:p>
+            <a:r>
+              <a:rPr lang="en-US" altLang="ko-KR" sz="2400" dirty="0"/>
+              <a:t>Redirects and User Sessions</a:t>
+            </a:r>
+          </a:p>
+        </p:txBody>
+      </p:sp>
+      <p:sp>
+        <p:nvSpPr>
+          <p:cNvPr id="6" name="직사각형 5">
+            <a:extLst>
+              <a:ext uri="{FF2B5EF4-FFF2-40B4-BE49-F238E27FC236}">
+                <a16:creationId xmlns:a16="http://schemas.microsoft.com/office/drawing/2014/main" id="{6A60F032-B172-43E0-B147-16329887DE8F}"/>
+              </a:ext>
+            </a:extLst>
+          </p:cNvPr>
+          <p:cNvSpPr/>
+          <p:nvPr/>
+        </p:nvSpPr>
+        <p:spPr>
+          <a:xfrm>
+            <a:off x="7620874" y="2196693"/>
+            <a:ext cx="4470512" cy="3754874"/>
+          </a:xfrm>
+          <a:prstGeom prst="rect">
+            <a:avLst/>
+          </a:prstGeom>
+        </p:spPr>
+        <p:txBody>
+          <a:bodyPr wrap="square">
+            <a:spAutoFit/>
+          </a:bodyPr>
+          <a:lstStyle/>
+          <a:p>
+            <a:pPr marL="285750" indent="-285750">
+              <a:buFontTx/>
+              <a:buChar char="-"/>
+            </a:pPr>
+            <a:r>
+              <a:rPr lang="ko-KR" altLang="en-US" sz="1400" dirty="0"/>
+              <a:t>첫번째는 </a:t>
+            </a:r>
+            <a:r>
+              <a:rPr lang="en-US" altLang="ko-KR" sz="1400" dirty="0"/>
+              <a:t>form</a:t>
+            </a:r>
+            <a:r>
+              <a:rPr lang="ko-KR" altLang="en-US" sz="1400" dirty="0"/>
+              <a:t>의 작동 예시</a:t>
+            </a:r>
+            <a:endParaRPr lang="en-US" altLang="ko-KR" sz="1400" dirty="0"/>
+          </a:p>
+          <a:p>
+            <a:pPr marL="285750" indent="-285750">
+              <a:buFontTx/>
+              <a:buChar char="-"/>
+            </a:pPr>
+            <a:r>
+              <a:rPr lang="ko-KR" altLang="en-US" sz="1400" dirty="0"/>
+              <a:t>두번째는 새로운 이름을 제출한 상태</a:t>
+            </a:r>
+            <a:endParaRPr lang="en-US" altLang="ko-KR" sz="1400" dirty="0"/>
+          </a:p>
+          <a:p>
+            <a:pPr marL="285750" indent="-285750">
+              <a:buFontTx/>
+              <a:buChar char="-"/>
+            </a:pPr>
+            <a:r>
+              <a:rPr lang="ko-KR" altLang="en-US" sz="1400" dirty="0"/>
+              <a:t>세번째는 검증에 실패</a:t>
+            </a:r>
+            <a:endParaRPr lang="en-US" altLang="ko-KR" sz="1400" dirty="0"/>
+          </a:p>
+          <a:p>
+            <a:pPr marL="285750" indent="-285750">
+              <a:buFontTx/>
+              <a:buChar char="-"/>
+            </a:pPr>
+            <a:endParaRPr lang="en-US" altLang="ko-KR" sz="1400" dirty="0"/>
+          </a:p>
+          <a:p>
+            <a:pPr marL="285750" indent="-285750">
+              <a:buFontTx/>
+              <a:buChar char="-"/>
+            </a:pPr>
+            <a:r>
+              <a:rPr lang="ko-KR" altLang="en-US" sz="1400" dirty="0"/>
+              <a:t>폼을 제출하고 </a:t>
+            </a:r>
+            <a:r>
+              <a:rPr lang="ko-KR" altLang="en-US" sz="1400" dirty="0" err="1"/>
+              <a:t>새로고침을</a:t>
+            </a:r>
+            <a:r>
+              <a:rPr lang="ko-KR" altLang="en-US" sz="1400" dirty="0"/>
+              <a:t> 하면 제출이 또 일어나서 폼 서브미션이 두 번하게 되는 문제 발생</a:t>
+            </a:r>
+            <a:endParaRPr lang="en-US" altLang="ko-KR" sz="1400" dirty="0"/>
+          </a:p>
+          <a:p>
+            <a:pPr marL="285750" indent="-285750">
+              <a:buFontTx/>
+              <a:buChar char="-"/>
+            </a:pPr>
+            <a:r>
+              <a:rPr lang="ko-KR" altLang="en-US" sz="1400" dirty="0"/>
+              <a:t>마지막 </a:t>
+            </a:r>
+            <a:r>
+              <a:rPr lang="ko-KR" altLang="en-US" sz="1400" dirty="0" err="1"/>
+              <a:t>리퀘스트를</a:t>
+            </a:r>
+            <a:r>
+              <a:rPr lang="ko-KR" altLang="en-US" sz="1400" dirty="0"/>
+              <a:t> 반복해서 </a:t>
+            </a:r>
+            <a:r>
+              <a:rPr lang="en-US" altLang="ko-KR" sz="1400" dirty="0"/>
+              <a:t>POST </a:t>
+            </a:r>
+            <a:r>
+              <a:rPr lang="ko-KR" altLang="en-US" sz="1400" dirty="0" err="1"/>
+              <a:t>리퀘스트가</a:t>
+            </a:r>
+            <a:r>
+              <a:rPr lang="ko-KR" altLang="en-US" sz="1400" dirty="0"/>
+              <a:t> 다시 </a:t>
+            </a:r>
+            <a:r>
+              <a:rPr lang="ko-KR" altLang="en-US" sz="1400" dirty="0" err="1"/>
+              <a:t>전송되서</a:t>
+            </a:r>
+            <a:r>
+              <a:rPr lang="ko-KR" altLang="en-US" sz="1400" dirty="0"/>
+              <a:t> 생기는 문제</a:t>
+            </a:r>
+            <a:endParaRPr lang="en-US" altLang="ko-KR" sz="1400" dirty="0"/>
+          </a:p>
+          <a:p>
+            <a:pPr marL="285750" indent="-285750">
+              <a:buFontTx/>
+              <a:buChar char="-"/>
+            </a:pPr>
+            <a:r>
+              <a:rPr lang="ko-KR" altLang="en-US" sz="1400" dirty="0"/>
+              <a:t>정상적인 응답 대신 </a:t>
+            </a:r>
+            <a:r>
+              <a:rPr lang="en-US" altLang="ko-KR" sz="1400" dirty="0"/>
+              <a:t>redirect </a:t>
+            </a:r>
+            <a:r>
+              <a:rPr lang="ko-KR" altLang="en-US" sz="1400" dirty="0"/>
+              <a:t>와 </a:t>
+            </a:r>
+            <a:r>
+              <a:rPr lang="en-US" altLang="ko-KR" sz="1400" dirty="0"/>
+              <a:t>POST </a:t>
+            </a:r>
+            <a:r>
+              <a:rPr lang="ko-KR" altLang="en-US" sz="1400" dirty="0" err="1"/>
+              <a:t>리퀘스트에</a:t>
+            </a:r>
+            <a:r>
+              <a:rPr lang="ko-KR" altLang="en-US" sz="1400" dirty="0"/>
+              <a:t> 대해 응답하면 된다</a:t>
+            </a:r>
+            <a:r>
+              <a:rPr lang="en-US" altLang="ko-KR" sz="1400" dirty="0"/>
+              <a:t>.</a:t>
+            </a:r>
+          </a:p>
+          <a:p>
+            <a:pPr marL="285750" indent="-285750">
+              <a:buFontTx/>
+              <a:buChar char="-"/>
+            </a:pPr>
+            <a:r>
+              <a:rPr lang="en-US" altLang="ko-KR" sz="1400" dirty="0"/>
+              <a:t>Redirect</a:t>
+            </a:r>
+            <a:r>
+              <a:rPr lang="ko-KR" altLang="en-US" sz="1400" dirty="0"/>
+              <a:t>는 특별한 형태의 응답이고 </a:t>
+            </a:r>
+            <a:r>
+              <a:rPr lang="en-US" altLang="ko-KR" sz="1400" dirty="0"/>
+              <a:t>HTML </a:t>
+            </a:r>
+            <a:r>
+              <a:rPr lang="ko-KR" altLang="en-US" sz="1400" dirty="0"/>
+              <a:t>코드로 되어 있는 문자열 대신 </a:t>
+            </a:r>
+            <a:r>
+              <a:rPr lang="en-US" altLang="ko-KR" sz="1400" dirty="0"/>
+              <a:t>URL</a:t>
+            </a:r>
+            <a:r>
+              <a:rPr lang="ko-KR" altLang="en-US" sz="1400" dirty="0"/>
+              <a:t>을 가지고 있다</a:t>
+            </a:r>
+            <a:r>
+              <a:rPr lang="en-US" altLang="ko-KR" sz="1400" dirty="0"/>
+              <a:t>.</a:t>
+            </a:r>
+          </a:p>
+          <a:p>
+            <a:pPr marL="285750" indent="-285750">
+              <a:buFontTx/>
+              <a:buChar char="-"/>
+            </a:pPr>
+            <a:r>
+              <a:rPr lang="ko-KR" altLang="en-US" sz="1400" dirty="0"/>
+              <a:t>응답을 받게 되면 </a:t>
+            </a:r>
+            <a:r>
+              <a:rPr lang="ko-KR" altLang="en-US" sz="1400" dirty="0" err="1"/>
+              <a:t>리다이렉트</a:t>
+            </a:r>
+            <a:r>
+              <a:rPr lang="ko-KR" altLang="en-US" sz="1400" dirty="0"/>
+              <a:t> </a:t>
+            </a:r>
+            <a:r>
+              <a:rPr lang="en-US" altLang="ko-KR" sz="1400" dirty="0" err="1"/>
+              <a:t>url</a:t>
+            </a:r>
+            <a:r>
+              <a:rPr lang="ko-KR" altLang="en-US" sz="1400" dirty="0"/>
+              <a:t>에 대한 </a:t>
+            </a:r>
+            <a:r>
+              <a:rPr lang="en-US" altLang="ko-KR" sz="1400" dirty="0"/>
+              <a:t>GET </a:t>
+            </a:r>
+            <a:r>
+              <a:rPr lang="ko-KR" altLang="en-US" sz="1400" dirty="0" err="1"/>
+              <a:t>리퀘스트를</a:t>
+            </a:r>
+            <a:r>
+              <a:rPr lang="ko-KR" altLang="en-US" sz="1400" dirty="0"/>
+              <a:t> 발생 시키고 이것이 보여지는 페이지가 된다</a:t>
+            </a:r>
+            <a:r>
+              <a:rPr lang="en-US" altLang="ko-KR" sz="1400" dirty="0"/>
+              <a:t>.</a:t>
+            </a:r>
+          </a:p>
+          <a:p>
+            <a:pPr marL="285750" indent="-285750">
+              <a:buFontTx/>
+              <a:buChar char="-"/>
+            </a:pPr>
+            <a:r>
+              <a:rPr lang="ko-KR" altLang="en-US" sz="1400" dirty="0"/>
+              <a:t>이것이 </a:t>
+            </a:r>
+            <a:r>
+              <a:rPr lang="en-US" altLang="ko-KR" sz="1400" dirty="0"/>
+              <a:t>Post/Redirect/Get pattern </a:t>
+            </a:r>
+            <a:r>
+              <a:rPr lang="ko-KR" altLang="en-US" sz="1400" dirty="0"/>
+              <a:t>이다</a:t>
+            </a:r>
+            <a:r>
+              <a:rPr lang="en-US" altLang="ko-KR" sz="1400"/>
+              <a:t>.</a:t>
+            </a:r>
+          </a:p>
+          <a:p>
+            <a:pPr marL="285750" indent="-285750">
+              <a:buFontTx/>
+              <a:buChar char="-"/>
+            </a:pPr>
+            <a:endParaRPr lang="en-US" altLang="ko-KR" sz="1400" dirty="0"/>
+          </a:p>
+        </p:txBody>
+      </p:sp>
+      <p:pic>
+        <p:nvPicPr>
+          <p:cNvPr id="1026" name="Picture 2" descr="image">
+            <a:extLst>
+              <a:ext uri="{FF2B5EF4-FFF2-40B4-BE49-F238E27FC236}">
+                <a16:creationId xmlns:a16="http://schemas.microsoft.com/office/drawing/2014/main" id="{0B12C31F-15EE-4073-AD5B-BB97198FC8F3}"/>
+              </a:ext>
+            </a:extLst>
+          </p:cNvPr>
+          <p:cNvPicPr>
+            <a:picLocks noChangeAspect="1" noChangeArrowheads="1"/>
+          </p:cNvPicPr>
+          <p:nvPr/>
+        </p:nvPicPr>
+        <p:blipFill>
+          <a:blip r:embed="rId2">
+            <a:extLst>
+              <a:ext uri="{28A0092B-C50C-407E-A947-70E740481C1C}">
+                <a14:useLocalDpi xmlns:a14="http://schemas.microsoft.com/office/drawing/2010/main" val="0"/>
+              </a:ext>
+            </a:extLst>
+          </a:blip>
+          <a:srcRect/>
+          <a:stretch>
+            <a:fillRect/>
+          </a:stretch>
+        </p:blipFill>
+        <p:spPr bwMode="auto">
+          <a:xfrm>
+            <a:off x="48987" y="2237951"/>
+            <a:ext cx="2478779" cy="1841628"/>
+          </a:xfrm>
+          <a:prstGeom prst="rect">
+            <a:avLst/>
+          </a:prstGeom>
+          <a:noFill/>
+          <a:extLst>
+            <a:ext uri="{909E8E84-426E-40DD-AFC4-6F175D3DCCD1}">
+              <a14:hiddenFill xmlns:a14="http://schemas.microsoft.com/office/drawing/2010/main">
+                <a:solidFill>
+                  <a:srgbClr val="FFFFFF"/>
+                </a:solidFill>
+              </a14:hiddenFill>
+            </a:ext>
+          </a:extLst>
+        </p:spPr>
+      </p:pic>
+      <p:pic>
+        <p:nvPicPr>
+          <p:cNvPr id="1028" name="Picture 4" descr="image">
+            <a:extLst>
+              <a:ext uri="{FF2B5EF4-FFF2-40B4-BE49-F238E27FC236}">
+                <a16:creationId xmlns:a16="http://schemas.microsoft.com/office/drawing/2014/main" id="{5A6B5AB4-3B66-4E1D-8902-D3A10DB49F45}"/>
+              </a:ext>
+            </a:extLst>
+          </p:cNvPr>
+          <p:cNvPicPr>
+            <a:picLocks noChangeAspect="1" noChangeArrowheads="1"/>
+          </p:cNvPicPr>
+          <p:nvPr/>
+        </p:nvPicPr>
+        <p:blipFill>
+          <a:blip r:embed="rId3">
+            <a:extLst>
+              <a:ext uri="{28A0092B-C50C-407E-A947-70E740481C1C}">
+                <a14:useLocalDpi xmlns:a14="http://schemas.microsoft.com/office/drawing/2010/main" val="0"/>
+              </a:ext>
+            </a:extLst>
+          </a:blip>
+          <a:srcRect/>
+          <a:stretch>
+            <a:fillRect/>
+          </a:stretch>
+        </p:blipFill>
+        <p:spPr bwMode="auto">
+          <a:xfrm>
+            <a:off x="2645226" y="2232501"/>
+            <a:ext cx="2334985" cy="1847078"/>
+          </a:xfrm>
+          <a:prstGeom prst="rect">
+            <a:avLst/>
+          </a:prstGeom>
+          <a:noFill/>
+          <a:extLst>
+            <a:ext uri="{909E8E84-426E-40DD-AFC4-6F175D3DCCD1}">
+              <a14:hiddenFill xmlns:a14="http://schemas.microsoft.com/office/drawing/2010/main">
+                <a:solidFill>
+                  <a:srgbClr val="FFFFFF"/>
+                </a:solidFill>
+              </a14:hiddenFill>
+            </a:ext>
+          </a:extLst>
+        </p:spPr>
+      </p:pic>
+      <p:pic>
+        <p:nvPicPr>
+          <p:cNvPr id="1030" name="Picture 6" descr="image">
+            <a:extLst>
+              <a:ext uri="{FF2B5EF4-FFF2-40B4-BE49-F238E27FC236}">
+                <a16:creationId xmlns:a16="http://schemas.microsoft.com/office/drawing/2014/main" id="{EC4E017E-3172-40DF-B292-7E0DF853210A}"/>
+              </a:ext>
+            </a:extLst>
+          </p:cNvPr>
+          <p:cNvPicPr>
+            <a:picLocks noChangeAspect="1" noChangeArrowheads="1"/>
+          </p:cNvPicPr>
+          <p:nvPr/>
+        </p:nvPicPr>
+        <p:blipFill>
+          <a:blip r:embed="rId4">
+            <a:extLst>
+              <a:ext uri="{28A0092B-C50C-407E-A947-70E740481C1C}">
+                <a14:useLocalDpi xmlns:a14="http://schemas.microsoft.com/office/drawing/2010/main" val="0"/>
+              </a:ext>
+            </a:extLst>
+          </a:blip>
+          <a:srcRect/>
+          <a:stretch>
+            <a:fillRect/>
+          </a:stretch>
+        </p:blipFill>
+        <p:spPr bwMode="auto">
+          <a:xfrm>
+            <a:off x="5149376" y="2196693"/>
+            <a:ext cx="2149495" cy="1887155"/>
+          </a:xfrm>
+          <a:prstGeom prst="rect">
+            <a:avLst/>
+          </a:prstGeom>
+          <a:noFill/>
+          <a:extLst>
+            <a:ext uri="{909E8E84-426E-40DD-AFC4-6F175D3DCCD1}">
+              <a14:hiddenFill xmlns:a14="http://schemas.microsoft.com/office/drawing/2010/main">
+                <a:solidFill>
+                  <a:srgbClr val="FFFFFF"/>
+                </a:solidFill>
+              </a14:hiddenFill>
+            </a:ext>
+          </a:extLst>
+        </p:spPr>
+      </p:pic>
+    </p:spTree>
+    <p:extLst>
+      <p:ext uri="{BB962C8B-B14F-4D97-AF65-F5344CB8AC3E}">
+        <p14:creationId xmlns:p14="http://schemas.microsoft.com/office/powerpoint/2010/main" val="4188577066"/>
+      </p:ext>
+    </p:extLst>
+  </p:cSld>
+  <p:clrMapOvr>
+    <a:masterClrMapping/>
+  </p:clrMapOvr>
+</p:sld>
+</file>
+
+<file path=ppt/slides/slide2.xml><?xml version="1.0" encoding="utf-8"?>
+<p:sld xmlns:a="http://schemas.openxmlformats.org/drawingml/2006/main" xmlns:r="http://schemas.openxmlformats.org/officeDocument/2006/relationships" xmlns:p="http://schemas.openxmlformats.org/presentationml/2006/main">
+  <p:cSld>
+    <p:spTree>
+      <p:nvGrpSpPr>
+        <p:cNvPr id="1" name=""/>
+        <p:cNvGrpSpPr/>
+        <p:nvPr/>
+      </p:nvGrpSpPr>
+      <p:grpSpPr>
+        <a:xfrm>
+          <a:off x="0" y="0"/>
+          <a:ext cx="0" cy="0"/>
+          <a:chOff x="0" y="0"/>
+          <a:chExt cx="0" cy="0"/>
+        </a:xfrm>
+      </p:grpSpPr>
+      <p:sp>
+        <p:nvSpPr>
+          <p:cNvPr id="2" name="제목 1">
+            <a:extLst>
+              <a:ext uri="{FF2B5EF4-FFF2-40B4-BE49-F238E27FC236}">
+                <a16:creationId xmlns:a16="http://schemas.microsoft.com/office/drawing/2014/main" id="{11F7ECDD-6C8C-4DC9-BAE8-787D827B25C2}"/>
+              </a:ext>
+            </a:extLst>
+          </p:cNvPr>
+          <p:cNvSpPr>
+            <a:spLocks noGrp="1"/>
+          </p:cNvSpPr>
+          <p:nvPr>
+            <p:ph type="title"/>
+          </p:nvPr>
+        </p:nvSpPr>
+        <p:spPr/>
+        <p:txBody>
+          <a:bodyPr/>
+          <a:lstStyle/>
+          <a:p>
+            <a:r>
+              <a:rPr lang="ko-KR" altLang="en-US" dirty="0"/>
+              <a:t>목차</a:t>
+            </a:r>
+          </a:p>
+        </p:txBody>
+      </p:sp>
+      <p:sp>
+        <p:nvSpPr>
+          <p:cNvPr id="3" name="내용 개체 틀 2">
+            <a:extLst>
+              <a:ext uri="{FF2B5EF4-FFF2-40B4-BE49-F238E27FC236}">
+                <a16:creationId xmlns:a16="http://schemas.microsoft.com/office/drawing/2014/main" id="{78E0D18E-A1CC-42A5-BA2D-A0504A727BCF}"/>
+              </a:ext>
+            </a:extLst>
+          </p:cNvPr>
+          <p:cNvSpPr>
+            <a:spLocks noGrp="1"/>
+          </p:cNvSpPr>
+          <p:nvPr>
+            <p:ph idx="1"/>
+          </p:nvPr>
+        </p:nvSpPr>
+        <p:spPr/>
+        <p:txBody>
+          <a:bodyPr/>
+          <a:lstStyle/>
+          <a:p>
+            <a:r>
+              <a:rPr lang="en-US" altLang="ko-KR" dirty="0"/>
+              <a:t>Forms and User Input</a:t>
+            </a:r>
+            <a:endParaRPr lang="ko-KR" altLang="en-US" dirty="0"/>
+          </a:p>
+        </p:txBody>
+      </p:sp>
+    </p:spTree>
+    <p:extLst>
+      <p:ext uri="{BB962C8B-B14F-4D97-AF65-F5344CB8AC3E}">
+        <p14:creationId xmlns:p14="http://schemas.microsoft.com/office/powerpoint/2010/main" val="869180821"/>
+      </p:ext>
+    </p:extLst>
+  </p:cSld>
+  <p:clrMapOvr>
+    <a:masterClrMapping/>
+  </p:clrMapOvr>
+</p:sld>
+</file>
+
+<file path=ppt/slides/slide3.xml><?xml version="1.0" encoding="utf-8"?>
+<p:sld xmlns:a="http://schemas.openxmlformats.org/drawingml/2006/main" xmlns:r="http://schemas.openxmlformats.org/officeDocument/2006/relationships" xmlns:p="http://schemas.openxmlformats.org/presentationml/2006/main">
+  <p:cSld>
+    <p:spTree>
+      <p:nvGrpSpPr>
+        <p:cNvPr id="1" name=""/>
+        <p:cNvGrpSpPr/>
+        <p:nvPr/>
+      </p:nvGrpSpPr>
+      <p:grpSpPr>
+        <a:xfrm>
+          <a:off x="0" y="0"/>
+          <a:ext cx="0" cy="0"/>
+          <a:chOff x="0" y="0"/>
+          <a:chExt cx="0" cy="0"/>
+        </a:xfrm>
+      </p:grpSpPr>
+      <p:sp>
+        <p:nvSpPr>
+          <p:cNvPr id="2" name="제목 1">
+            <a:extLst>
+              <a:ext uri="{FF2B5EF4-FFF2-40B4-BE49-F238E27FC236}">
+                <a16:creationId xmlns:a16="http://schemas.microsoft.com/office/drawing/2014/main" id="{2EC833C6-FAC3-442B-803D-3FB02DF07980}"/>
+              </a:ext>
+            </a:extLst>
+          </p:cNvPr>
+          <p:cNvSpPr>
+            <a:spLocks noGrp="1"/>
+          </p:cNvSpPr>
+          <p:nvPr>
+            <p:ph type="title"/>
+          </p:nvPr>
+        </p:nvSpPr>
+        <p:spPr>
+          <a:xfrm>
+            <a:off x="677334" y="609600"/>
+            <a:ext cx="8596668" cy="517864"/>
+          </a:xfrm>
+        </p:spPr>
+        <p:txBody>
+          <a:bodyPr>
+            <a:normAutofit fontScale="90000"/>
+          </a:bodyPr>
+          <a:lstStyle/>
+          <a:p>
+            <a:r>
+              <a:rPr lang="en-US" altLang="ko-KR" dirty="0"/>
+              <a:t>3. Forms and User Input</a:t>
+            </a:r>
+            <a:endParaRPr lang="ko-KR" altLang="en-US" dirty="0"/>
+          </a:p>
+        </p:txBody>
+      </p:sp>
+      <p:sp>
+        <p:nvSpPr>
+          <p:cNvPr id="6" name="직사각형 5">
+            <a:extLst>
+              <a:ext uri="{FF2B5EF4-FFF2-40B4-BE49-F238E27FC236}">
+                <a16:creationId xmlns:a16="http://schemas.microsoft.com/office/drawing/2014/main" id="{6A60F032-B172-43E0-B147-16329887DE8F}"/>
+              </a:ext>
+            </a:extLst>
+          </p:cNvPr>
+          <p:cNvSpPr/>
+          <p:nvPr/>
+        </p:nvSpPr>
+        <p:spPr>
+          <a:xfrm>
+            <a:off x="7620874" y="2196693"/>
+            <a:ext cx="4470512" cy="1384995"/>
+          </a:xfrm>
+          <a:prstGeom prst="rect">
+            <a:avLst/>
+          </a:prstGeom>
+        </p:spPr>
+        <p:txBody>
+          <a:bodyPr wrap="square">
+            <a:spAutoFit/>
+          </a:bodyPr>
+          <a:lstStyle/>
+          <a:p>
+            <a:pPr marL="285750" indent="-285750">
+              <a:buFontTx/>
+              <a:buChar char="-"/>
+            </a:pPr>
+            <a:r>
+              <a:rPr lang="en-US" altLang="ko-KR" sz="1400" dirty="0" err="1"/>
+              <a:t>WTForms</a:t>
+            </a:r>
+            <a:r>
+              <a:rPr lang="ko-KR" altLang="en-US" sz="1400" dirty="0"/>
+              <a:t>로 작업할 때 </a:t>
+            </a:r>
+            <a:r>
+              <a:rPr lang="en-US" altLang="ko-KR" sz="1400" dirty="0"/>
+              <a:t>class</a:t>
+            </a:r>
+            <a:r>
+              <a:rPr lang="ko-KR" altLang="en-US" sz="1400" dirty="0"/>
+              <a:t>로 먼저 그 </a:t>
+            </a:r>
+            <a:r>
+              <a:rPr lang="en-US" altLang="ko-KR" sz="1400" dirty="0"/>
+              <a:t>forms</a:t>
+            </a:r>
+            <a:r>
+              <a:rPr lang="ko-KR" altLang="en-US" sz="1400" dirty="0"/>
+              <a:t>을 정의 </a:t>
+            </a:r>
+            <a:r>
+              <a:rPr lang="ko-KR" altLang="en-US" sz="1400" dirty="0" err="1"/>
+              <a:t>해야한다</a:t>
+            </a:r>
+            <a:r>
+              <a:rPr lang="en-US" altLang="ko-KR" sz="1400" dirty="0"/>
+              <a:t>.</a:t>
+            </a:r>
+          </a:p>
+          <a:p>
+            <a:pPr marL="285750" indent="-285750">
+              <a:buFontTx/>
+              <a:buChar char="-"/>
+            </a:pPr>
+            <a:r>
+              <a:rPr lang="ko-KR" altLang="en-US" sz="1400" dirty="0"/>
+              <a:t>어플리케이션을 여러 모듈로 쪼개고 </a:t>
+            </a:r>
+            <a:r>
+              <a:rPr lang="en-US" altLang="ko-KR" sz="1400" dirty="0"/>
+              <a:t>form</a:t>
+            </a:r>
+            <a:r>
+              <a:rPr lang="ko-KR" altLang="en-US" sz="1400" dirty="0"/>
+              <a:t>에 대한 분리된 모듈을 추가하는 것이 권고된다</a:t>
+            </a:r>
+            <a:r>
+              <a:rPr lang="en-US" altLang="ko-KR" sz="1400" dirty="0"/>
+              <a:t>.</a:t>
+            </a:r>
+          </a:p>
+          <a:p>
+            <a:endParaRPr lang="en-US" altLang="ko-KR" sz="1400" dirty="0"/>
+          </a:p>
+          <a:p>
+            <a:endParaRPr lang="en-US" altLang="ko-KR" sz="1400" dirty="0"/>
+          </a:p>
+        </p:txBody>
+      </p:sp>
+      <p:sp>
+        <p:nvSpPr>
+          <p:cNvPr id="5" name="직사각형 4">
+            <a:extLst>
+              <a:ext uri="{FF2B5EF4-FFF2-40B4-BE49-F238E27FC236}">
+                <a16:creationId xmlns:a16="http://schemas.microsoft.com/office/drawing/2014/main" id="{39CC5049-A41A-4F6B-9773-FD1531970FA0}"/>
+              </a:ext>
+            </a:extLst>
+          </p:cNvPr>
+          <p:cNvSpPr/>
+          <p:nvPr/>
+        </p:nvSpPr>
+        <p:spPr>
+          <a:xfrm>
+            <a:off x="848526" y="2196693"/>
+            <a:ext cx="5584358" cy="3631763"/>
+          </a:xfrm>
+          <a:prstGeom prst="rect">
+            <a:avLst/>
+          </a:prstGeom>
+        </p:spPr>
+        <p:txBody>
+          <a:bodyPr wrap="square">
+            <a:spAutoFit/>
+          </a:bodyPr>
+          <a:lstStyle/>
+          <a:p>
+            <a:r>
+              <a:rPr lang="en-US" altLang="ko-KR" dirty="0"/>
+              <a:t>Flask </a:t>
+            </a:r>
+            <a:r>
+              <a:rPr lang="ko-KR" altLang="en-US" dirty="0"/>
+              <a:t>폴더</a:t>
+            </a:r>
+            <a:br>
+              <a:rPr lang="ko-KR" altLang="en-US" dirty="0"/>
+            </a:br>
+            <a:r>
+              <a:rPr lang="ko-KR" altLang="en-US" dirty="0"/>
+              <a:t>│   ├── </a:t>
+            </a:r>
+            <a:r>
+              <a:rPr lang="en-US" altLang="ko-KR" dirty="0"/>
+              <a:t>templates </a:t>
+            </a:r>
+            <a:br>
+              <a:rPr lang="ko-KR" altLang="en-US" dirty="0"/>
+            </a:br>
+            <a:r>
+              <a:rPr lang="ko-KR" altLang="en-US" dirty="0"/>
+              <a:t>│          ├── </a:t>
+            </a:r>
+            <a:r>
+              <a:rPr lang="en-US" altLang="ko-KR" dirty="0"/>
+              <a:t>about.html</a:t>
+            </a:r>
+            <a:r>
+              <a:rPr lang="ko-KR" altLang="en-US" dirty="0"/>
+              <a:t>                                    </a:t>
+            </a:r>
+            <a:br>
+              <a:rPr lang="ko-KR" altLang="en-US" dirty="0"/>
+            </a:br>
+            <a:r>
+              <a:rPr lang="ko-KR" altLang="en-US" dirty="0"/>
+              <a:t>│          ├── </a:t>
+            </a:r>
+            <a:r>
+              <a:rPr lang="en-US" altLang="ko-KR" dirty="0"/>
+              <a:t>home.html</a:t>
+            </a:r>
+            <a:r>
+              <a:rPr lang="ko-KR" altLang="en-US" dirty="0"/>
+              <a:t>       </a:t>
+            </a:r>
+            <a:br>
+              <a:rPr lang="ko-KR" altLang="en-US" dirty="0"/>
+            </a:br>
+            <a:r>
+              <a:rPr lang="ko-KR" altLang="en-US" dirty="0"/>
+              <a:t>│          ├── </a:t>
+            </a:r>
+            <a:r>
+              <a:rPr lang="en-US" altLang="ko-KR" dirty="0"/>
+              <a:t>layout.html</a:t>
+            </a:r>
+            <a:r>
+              <a:rPr lang="ko-KR" altLang="en-US" dirty="0"/>
+              <a:t> </a:t>
+            </a:r>
+            <a:endParaRPr lang="en-US" altLang="ko-KR" dirty="0"/>
+          </a:p>
+          <a:p>
+            <a:r>
+              <a:rPr lang="ko-KR" altLang="en-US" dirty="0"/>
+              <a:t>│          ├── </a:t>
+            </a:r>
+            <a:r>
+              <a:rPr lang="en-US" altLang="ko-KR" dirty="0"/>
+              <a:t>login.html</a:t>
+            </a:r>
+            <a:r>
+              <a:rPr lang="ko-KR" altLang="en-US" dirty="0"/>
+              <a:t>                                    </a:t>
+            </a:r>
+            <a:endParaRPr lang="en-US" altLang="ko-KR" dirty="0"/>
+          </a:p>
+          <a:p>
+            <a:r>
+              <a:rPr lang="ko-KR" altLang="en-US" dirty="0"/>
+              <a:t>│          ├── </a:t>
+            </a:r>
+            <a:r>
+              <a:rPr lang="en-US" altLang="ko-KR" dirty="0"/>
+              <a:t>register.html</a:t>
+            </a:r>
+            <a:r>
+              <a:rPr lang="ko-KR" altLang="en-US" dirty="0"/>
+              <a:t>                                    </a:t>
+            </a:r>
+            <a:br>
+              <a:rPr lang="ko-KR" altLang="en-US" dirty="0"/>
+            </a:br>
+            <a:r>
+              <a:rPr lang="ko-KR" altLang="en-US" dirty="0"/>
+              <a:t>├── </a:t>
+            </a:r>
+            <a:r>
+              <a:rPr lang="en-US" altLang="ko-KR" dirty="0"/>
+              <a:t>flaskblog.py</a:t>
+            </a:r>
+            <a:r>
+              <a:rPr lang="ko-KR" altLang="en-US" dirty="0"/>
+              <a:t> </a:t>
+            </a:r>
+            <a:r>
+              <a:rPr lang="en-US" altLang="ko-KR" dirty="0"/>
+              <a:t> </a:t>
+            </a:r>
+            <a:r>
+              <a:rPr lang="ko-KR" altLang="en-US" dirty="0"/>
+              <a:t>                                          </a:t>
+            </a:r>
+            <a:br>
+              <a:rPr lang="ko-KR" altLang="en-US" dirty="0"/>
+            </a:br>
+            <a:r>
+              <a:rPr lang="ko-KR" altLang="en-US" dirty="0"/>
+              <a:t>├── </a:t>
+            </a:r>
+            <a:r>
+              <a:rPr lang="en-US" altLang="ko-KR" dirty="0"/>
+              <a:t>forms.py </a:t>
+            </a:r>
+          </a:p>
+          <a:p>
+            <a:r>
+              <a:rPr lang="en-US" altLang="ko-KR" dirty="0"/>
+              <a:t>static </a:t>
+            </a:r>
+            <a:r>
+              <a:rPr lang="ko-KR" altLang="en-US" dirty="0"/>
+              <a:t>폴더</a:t>
+            </a:r>
+            <a:br>
+              <a:rPr lang="ko-KR" altLang="en-US" dirty="0"/>
+            </a:br>
+            <a:r>
+              <a:rPr lang="ko-KR" altLang="en-US" dirty="0"/>
+              <a:t>│   ├── </a:t>
+            </a:r>
+            <a:r>
+              <a:rPr lang="en-US" altLang="ko-KR" dirty="0"/>
+              <a:t>main.css</a:t>
+            </a:r>
+            <a:br>
+              <a:rPr lang="ko-KR" altLang="en-US" dirty="0"/>
+            </a:br>
+            <a:endParaRPr lang="en-US" altLang="ko-KR" dirty="0"/>
+          </a:p>
+          <a:p>
+            <a:endParaRPr lang="en-US" altLang="ko-KR" sz="1400" dirty="0"/>
+          </a:p>
+        </p:txBody>
+      </p:sp>
+    </p:spTree>
+    <p:extLst>
+      <p:ext uri="{BB962C8B-B14F-4D97-AF65-F5344CB8AC3E}">
+        <p14:creationId xmlns:p14="http://schemas.microsoft.com/office/powerpoint/2010/main" val="1412398302"/>
+      </p:ext>
+    </p:extLst>
+  </p:cSld>
+  <p:clrMapOvr>
+    <a:masterClrMapping/>
+  </p:clrMapOvr>
+</p:sld>
+</file>
+
+<file path=ppt/slides/slide4.xml><?xml version="1.0" encoding="utf-8"?>
+<p:sld xmlns:a="http://schemas.openxmlformats.org/drawingml/2006/main" xmlns:r="http://schemas.openxmlformats.org/officeDocument/2006/relationships" xmlns:p="http://schemas.openxmlformats.org/presentationml/2006/main">
+  <p:cSld>
+    <p:spTree>
+      <p:nvGrpSpPr>
+        <p:cNvPr id="1" name=""/>
+        <p:cNvGrpSpPr/>
+        <p:nvPr/>
+      </p:nvGrpSpPr>
+      <p:grpSpPr>
+        <a:xfrm>
+          <a:off x="0" y="0"/>
+          <a:ext cx="0" cy="0"/>
+          <a:chOff x="0" y="0"/>
+          <a:chExt cx="0" cy="0"/>
+        </a:xfrm>
+      </p:grpSpPr>
+      <p:sp>
+        <p:nvSpPr>
+          <p:cNvPr id="2" name="제목 1">
+            <a:extLst>
+              <a:ext uri="{FF2B5EF4-FFF2-40B4-BE49-F238E27FC236}">
+                <a16:creationId xmlns:a16="http://schemas.microsoft.com/office/drawing/2014/main" id="{2EC833C6-FAC3-442B-803D-3FB02DF07980}"/>
+              </a:ext>
+            </a:extLst>
+          </p:cNvPr>
+          <p:cNvSpPr>
+            <a:spLocks noGrp="1"/>
+          </p:cNvSpPr>
+          <p:nvPr>
+            <p:ph type="title"/>
+          </p:nvPr>
+        </p:nvSpPr>
+        <p:spPr>
+          <a:xfrm>
+            <a:off x="677334" y="609600"/>
+            <a:ext cx="8596668" cy="517864"/>
+          </a:xfrm>
+        </p:spPr>
+        <p:txBody>
+          <a:bodyPr>
+            <a:normAutofit fontScale="90000"/>
+          </a:bodyPr>
+          <a:lstStyle/>
+          <a:p>
+            <a:r>
+              <a:rPr lang="en-US" altLang="ko-KR" dirty="0"/>
+              <a:t>3. Forms and User Input</a:t>
+            </a:r>
+            <a:endParaRPr lang="ko-KR" altLang="en-US" dirty="0"/>
+          </a:p>
+        </p:txBody>
+      </p:sp>
+      <p:sp>
+        <p:nvSpPr>
+          <p:cNvPr id="7" name="제목 1">
+            <a:extLst>
+              <a:ext uri="{FF2B5EF4-FFF2-40B4-BE49-F238E27FC236}">
+                <a16:creationId xmlns:a16="http://schemas.microsoft.com/office/drawing/2014/main" id="{C25DAC4D-54C7-41A3-BFD9-98C8977909F7}"/>
+              </a:ext>
+            </a:extLst>
+          </p:cNvPr>
+          <p:cNvSpPr txBox="1">
+            <a:spLocks/>
+          </p:cNvSpPr>
+          <p:nvPr/>
+        </p:nvSpPr>
+        <p:spPr>
+          <a:xfrm>
+            <a:off x="1307647" y="1180730"/>
+            <a:ext cx="8022783" cy="436518"/>
+          </a:xfrm>
+          <a:prstGeom prst="rect">
+            <a:avLst/>
+          </a:prstGeom>
+        </p:spPr>
+        <p:txBody>
+          <a:bodyPr vert="horz" lIns="91440" tIns="45720" rIns="91440" bIns="45720" rtlCol="0" anchor="t">
+            <a:normAutofit lnSpcReduction="10000"/>
+          </a:bodyPr>
+          <a:lstStyle>
+            <a:lvl1pPr algn="l" defTabSz="457200" rtl="0" eaLnBrk="1" latinLnBrk="1" hangingPunct="1">
+              <a:spcBef>
+                <a:spcPct val="0"/>
+              </a:spcBef>
+              <a:buNone/>
+              <a:defRPr sz="3600" kern="1200">
+                <a:solidFill>
+                  <a:schemeClr val="accent1"/>
+                </a:solidFill>
+                <a:latin typeface="+mj-lt"/>
+                <a:ea typeface="+mj-ea"/>
+                <a:cs typeface="+mj-cs"/>
+              </a:defRPr>
+            </a:lvl1pPr>
+            <a:lvl2pPr eaLnBrk="1" latinLnBrk="1" hangingPunct="1">
+              <a:defRPr>
+                <a:solidFill>
+                  <a:schemeClr val="tx2"/>
+                </a:solidFill>
+              </a:defRPr>
+            </a:lvl2pPr>
+            <a:lvl3pPr eaLnBrk="1" latinLnBrk="1" hangingPunct="1">
+              <a:defRPr>
+                <a:solidFill>
+                  <a:schemeClr val="tx2"/>
+                </a:solidFill>
+              </a:defRPr>
+            </a:lvl3pPr>
+            <a:lvl4pPr eaLnBrk="1" latinLnBrk="1" hangingPunct="1">
+              <a:defRPr>
+                <a:solidFill>
+                  <a:schemeClr val="tx2"/>
+                </a:solidFill>
+              </a:defRPr>
+            </a:lvl4pPr>
+            <a:lvl5pPr eaLnBrk="1" latinLnBrk="1" hangingPunct="1">
+              <a:defRPr>
+                <a:solidFill>
+                  <a:schemeClr val="tx2"/>
+                </a:solidFill>
+              </a:defRPr>
+            </a:lvl5pPr>
+            <a:lvl6pPr eaLnBrk="1" latinLnBrk="1" hangingPunct="1">
+              <a:defRPr>
+                <a:solidFill>
+                  <a:schemeClr val="tx2"/>
+                </a:solidFill>
+              </a:defRPr>
+            </a:lvl6pPr>
+            <a:lvl7pPr eaLnBrk="1" latinLnBrk="1" hangingPunct="1">
+              <a:defRPr>
+                <a:solidFill>
+                  <a:schemeClr val="tx2"/>
+                </a:solidFill>
+              </a:defRPr>
+            </a:lvl7pPr>
+            <a:lvl8pPr eaLnBrk="1" latinLnBrk="1" hangingPunct="1">
+              <a:defRPr>
+                <a:solidFill>
+                  <a:schemeClr val="tx2"/>
+                </a:solidFill>
+              </a:defRPr>
+            </a:lvl8pPr>
+            <a:lvl9pPr eaLnBrk="1" latinLnBrk="1" hangingPunct="1">
+              <a:defRPr>
+                <a:solidFill>
+                  <a:schemeClr val="tx2"/>
+                </a:solidFill>
+              </a:defRPr>
+            </a:lvl9pPr>
+          </a:lstStyle>
+          <a:p>
+            <a:r>
+              <a:rPr lang="en-US" altLang="ko-KR" sz="2400" dirty="0" err="1"/>
+              <a:t>WTForms</a:t>
+            </a:r>
+            <a:r>
+              <a:rPr lang="en-US" altLang="ko-KR" sz="2400" dirty="0"/>
+              <a:t> </a:t>
+            </a:r>
+            <a:r>
+              <a:rPr lang="ko-KR" altLang="en-US" sz="2400" dirty="0"/>
+              <a:t>를 가지고 폼</a:t>
+            </a:r>
+            <a:r>
+              <a:rPr lang="en-US" altLang="ko-KR" sz="2400" dirty="0"/>
+              <a:t> </a:t>
+            </a:r>
+            <a:r>
+              <a:rPr lang="ko-KR" altLang="en-US" sz="2400" dirty="0"/>
+              <a:t>유효성 검사하기</a:t>
+            </a:r>
+            <a:endParaRPr lang="en-US" altLang="ko-KR" sz="2400" dirty="0"/>
+          </a:p>
+        </p:txBody>
+      </p:sp>
+      <p:pic>
+        <p:nvPicPr>
+          <p:cNvPr id="8" name="그림 7">
+            <a:extLst>
+              <a:ext uri="{FF2B5EF4-FFF2-40B4-BE49-F238E27FC236}">
+                <a16:creationId xmlns:a16="http://schemas.microsoft.com/office/drawing/2014/main" id="{AF2F2942-BD06-442A-A617-618A76F6C23A}"/>
+              </a:ext>
+            </a:extLst>
+          </p:cNvPr>
+          <p:cNvPicPr>
+            <a:picLocks noChangeAspect="1"/>
+          </p:cNvPicPr>
+          <p:nvPr/>
+        </p:nvPicPr>
+        <p:blipFill>
+          <a:blip r:embed="rId2"/>
+          <a:stretch>
+            <a:fillRect/>
+          </a:stretch>
+        </p:blipFill>
+        <p:spPr>
+          <a:xfrm>
+            <a:off x="876814" y="1670514"/>
+            <a:ext cx="6438384" cy="5057473"/>
+          </a:xfrm>
+          <a:prstGeom prst="rect">
+            <a:avLst/>
+          </a:prstGeom>
+        </p:spPr>
+      </p:pic>
+      <p:sp>
+        <p:nvSpPr>
+          <p:cNvPr id="10" name="직사각형 9">
+            <a:extLst>
+              <a:ext uri="{FF2B5EF4-FFF2-40B4-BE49-F238E27FC236}">
+                <a16:creationId xmlns:a16="http://schemas.microsoft.com/office/drawing/2014/main" id="{5FCE8AF9-6033-48F2-89E4-C7BC3DCB4422}"/>
+              </a:ext>
+            </a:extLst>
+          </p:cNvPr>
+          <p:cNvSpPr/>
+          <p:nvPr/>
+        </p:nvSpPr>
+        <p:spPr>
+          <a:xfrm>
+            <a:off x="7620874" y="2196693"/>
+            <a:ext cx="4470512" cy="4616648"/>
+          </a:xfrm>
+          <a:prstGeom prst="rect">
+            <a:avLst/>
+          </a:prstGeom>
+        </p:spPr>
+        <p:txBody>
+          <a:bodyPr wrap="square">
+            <a:spAutoFit/>
+          </a:bodyPr>
+          <a:lstStyle/>
+          <a:p>
+            <a:pPr marL="285750" indent="-285750">
+              <a:buFontTx/>
+              <a:buChar char="-"/>
+            </a:pPr>
+            <a:r>
+              <a:rPr lang="ko-KR" altLang="en-US" sz="1400" dirty="0"/>
+              <a:t>브라우저에서 전송되는 </a:t>
+            </a:r>
+            <a:r>
+              <a:rPr lang="en-US" altLang="ko-KR" sz="1400" dirty="0"/>
+              <a:t>form data</a:t>
+            </a:r>
+            <a:r>
+              <a:rPr lang="ko-KR" altLang="en-US" sz="1400" dirty="0"/>
+              <a:t>를 가지고 작업을 </a:t>
+            </a:r>
+            <a:r>
+              <a:rPr lang="ko-KR" altLang="en-US" sz="1400" dirty="0" err="1"/>
+              <a:t>해야할</a:t>
+            </a:r>
+            <a:r>
+              <a:rPr lang="ko-KR" altLang="en-US" sz="1400" dirty="0"/>
+              <a:t> 때</a:t>
+            </a:r>
+            <a:r>
+              <a:rPr lang="en-US" altLang="ko-KR" sz="1400" dirty="0"/>
+              <a:t>, view code</a:t>
+            </a:r>
+            <a:r>
+              <a:rPr lang="ko-KR" altLang="en-US" sz="1400" dirty="0"/>
+              <a:t>를 읽기가 매우 </a:t>
+            </a:r>
+            <a:r>
+              <a:rPr lang="ko-KR" altLang="en-US" sz="1400" dirty="0" err="1"/>
+              <a:t>어려짐</a:t>
+            </a:r>
+            <a:r>
+              <a:rPr lang="en-US" altLang="ko-KR" sz="1400" dirty="0"/>
+              <a:t>.</a:t>
+            </a:r>
+          </a:p>
+          <a:p>
+            <a:pPr marL="285750" indent="-285750">
+              <a:buFontTx/>
+              <a:buChar char="-"/>
+            </a:pPr>
+            <a:r>
+              <a:rPr lang="ko-KR" altLang="en-US" sz="1400" dirty="0"/>
+              <a:t>이 과정을 더 쉽게 관리할 수 있도록 설계된 라이브러리가 있는데 그것이 </a:t>
+            </a:r>
+            <a:r>
+              <a:rPr lang="en-US" altLang="ko-KR" sz="1400" dirty="0" err="1"/>
+              <a:t>WTForms</a:t>
+            </a:r>
+            <a:r>
+              <a:rPr lang="en-US" altLang="ko-KR" sz="1400" dirty="0"/>
+              <a:t> </a:t>
+            </a:r>
+            <a:r>
+              <a:rPr lang="ko-KR" altLang="en-US" sz="1400" dirty="0"/>
+              <a:t>다</a:t>
+            </a:r>
+            <a:r>
+              <a:rPr lang="en-US" altLang="ko-KR" sz="1400" dirty="0"/>
+              <a:t>.</a:t>
+            </a:r>
+          </a:p>
+          <a:p>
+            <a:pPr marL="285750" indent="-285750">
+              <a:buFontTx/>
+              <a:buChar char="-"/>
+            </a:pPr>
+            <a:r>
+              <a:rPr lang="en-US" altLang="ko-KR" sz="1400" dirty="0" err="1"/>
+              <a:t>WTForms</a:t>
+            </a:r>
+            <a:r>
+              <a:rPr lang="ko-KR" altLang="en-US" sz="1400" dirty="0"/>
+              <a:t>로 작업 </a:t>
+            </a:r>
+            <a:r>
+              <a:rPr lang="ko-KR" altLang="en-US" sz="1400" dirty="0" err="1"/>
+              <a:t>할때는</a:t>
+            </a:r>
+            <a:r>
+              <a:rPr lang="ko-KR" altLang="en-US" sz="1400" dirty="0"/>
+              <a:t> 먼저 </a:t>
+            </a:r>
+            <a:r>
+              <a:rPr lang="en-US" altLang="ko-KR" sz="1400" dirty="0"/>
+              <a:t>class</a:t>
+            </a:r>
+            <a:r>
+              <a:rPr lang="ko-KR" altLang="en-US" sz="1400" dirty="0"/>
+              <a:t>로 그 </a:t>
+            </a:r>
+            <a:r>
+              <a:rPr lang="en-US" altLang="ko-KR" sz="1400" dirty="0"/>
+              <a:t>form</a:t>
+            </a:r>
+            <a:r>
+              <a:rPr lang="ko-KR" altLang="en-US" sz="1400" dirty="0"/>
+              <a:t>들을 정의해야 한다</a:t>
+            </a:r>
+            <a:r>
+              <a:rPr lang="en-US" altLang="ko-KR" sz="1400" dirty="0"/>
+              <a:t>.</a:t>
+            </a:r>
+          </a:p>
+          <a:p>
+            <a:pPr marL="285750" indent="-285750">
+              <a:buFontTx/>
+              <a:buChar char="-"/>
+            </a:pPr>
+            <a:r>
+              <a:rPr lang="ko-KR" altLang="en-US" sz="1400" dirty="0"/>
+              <a:t>어플리케이션을 여러 모듈로 쪼개고 </a:t>
+            </a:r>
+            <a:r>
+              <a:rPr lang="en-US" altLang="ko-KR" sz="1400" dirty="0"/>
+              <a:t>form</a:t>
+            </a:r>
+            <a:r>
+              <a:rPr lang="ko-KR" altLang="en-US" sz="1400" dirty="0"/>
+              <a:t>에 대한 분리된 모듈을 추가하는 것이 권고된다</a:t>
+            </a:r>
+            <a:r>
+              <a:rPr lang="en-US" altLang="ko-KR" sz="1400" dirty="0"/>
+              <a:t>.</a:t>
+            </a:r>
+          </a:p>
+          <a:p>
+            <a:pPr marL="285750" indent="-285750">
+              <a:buFontTx/>
+              <a:buChar char="-"/>
+            </a:pPr>
+            <a:endParaRPr lang="en-US" altLang="ko-KR" sz="1400" dirty="0"/>
+          </a:p>
+          <a:p>
+            <a:pPr marL="285750" indent="-285750">
+              <a:buFontTx/>
+              <a:buChar char="-"/>
+            </a:pPr>
+            <a:r>
+              <a:rPr lang="ko-KR" altLang="en-US" sz="1400" dirty="0"/>
+              <a:t>위의 코드가 전형적인 </a:t>
+            </a:r>
+            <a:r>
+              <a:rPr lang="en-US" altLang="ko-KR" sz="1400" dirty="0"/>
+              <a:t>form </a:t>
+            </a:r>
+            <a:r>
+              <a:rPr lang="ko-KR" altLang="en-US" sz="1400" dirty="0"/>
+              <a:t>예제</a:t>
+            </a:r>
+            <a:endParaRPr lang="en-US" altLang="ko-KR" sz="1400" dirty="0"/>
+          </a:p>
+          <a:p>
+            <a:pPr marL="285750" indent="-285750">
+              <a:buFontTx/>
+              <a:buChar char="-"/>
+            </a:pPr>
+            <a:endParaRPr lang="en-US" altLang="ko-KR" sz="1400" dirty="0"/>
+          </a:p>
+          <a:p>
+            <a:pPr marL="285750" indent="-285750">
+              <a:buFontTx/>
+              <a:buChar char="-"/>
+            </a:pPr>
+            <a:r>
+              <a:rPr lang="en-US" altLang="ko-KR" sz="1400" dirty="0"/>
+              <a:t>Form</a:t>
+            </a:r>
+            <a:r>
+              <a:rPr lang="ko-KR" altLang="en-US" sz="1400" dirty="0"/>
+              <a:t>에 맞는 것을 사용</a:t>
+            </a:r>
+            <a:endParaRPr lang="en-US" altLang="ko-KR" sz="1400" dirty="0"/>
+          </a:p>
+          <a:p>
+            <a:pPr marL="285750" indent="-285750">
+              <a:buFontTx/>
+              <a:buChar char="-"/>
+            </a:pPr>
+            <a:r>
+              <a:rPr lang="en-US" altLang="ko-KR" sz="1400" dirty="0" err="1"/>
+              <a:t>StringField</a:t>
+            </a:r>
+            <a:endParaRPr lang="en-US" altLang="ko-KR" sz="1400" dirty="0"/>
+          </a:p>
+          <a:p>
+            <a:pPr marL="285750" indent="-285750">
+              <a:buFontTx/>
+              <a:buChar char="-"/>
+            </a:pPr>
+            <a:r>
+              <a:rPr lang="en-US" altLang="ko-KR" sz="1400" dirty="0" err="1"/>
+              <a:t>PasswordField</a:t>
+            </a:r>
+            <a:endParaRPr lang="en-US" altLang="ko-KR" sz="1400" dirty="0"/>
+          </a:p>
+          <a:p>
+            <a:pPr marL="285750" indent="-285750">
+              <a:buFontTx/>
+              <a:buChar char="-"/>
+            </a:pPr>
+            <a:r>
+              <a:rPr lang="en-US" altLang="ko-KR" sz="1400" dirty="0" err="1"/>
+              <a:t>SubmitField</a:t>
+            </a:r>
+            <a:endParaRPr lang="en-US" altLang="ko-KR" sz="1400" dirty="0"/>
+          </a:p>
+          <a:p>
+            <a:pPr marL="285750" indent="-285750">
+              <a:buFontTx/>
+              <a:buChar char="-"/>
+            </a:pPr>
+            <a:r>
+              <a:rPr lang="en-US" altLang="ko-KR" sz="1400" dirty="0" err="1"/>
+              <a:t>BooleanField</a:t>
+            </a:r>
+            <a:endParaRPr lang="en-US" altLang="ko-KR" sz="1400" dirty="0"/>
+          </a:p>
+          <a:p>
+            <a:pPr marL="285750" indent="-285750">
+              <a:buFontTx/>
+              <a:buChar char="-"/>
+            </a:pPr>
+            <a:endParaRPr lang="en-US" altLang="ko-KR" sz="1400" dirty="0"/>
+          </a:p>
+          <a:p>
+            <a:pPr marL="285750" indent="-285750">
+              <a:buFontTx/>
+              <a:buChar char="-"/>
+            </a:pPr>
+            <a:r>
+              <a:rPr lang="en-US" altLang="ko-KR" sz="1400" dirty="0"/>
+              <a:t>Field : </a:t>
+            </a:r>
+            <a:r>
+              <a:rPr lang="ko-KR" altLang="en-US" sz="1400" dirty="0"/>
+              <a:t>어떠한 형식으로 데이터를 다룰지 선택</a:t>
+            </a:r>
+            <a:endParaRPr lang="en-US" altLang="ko-KR" sz="1400" dirty="0"/>
+          </a:p>
+          <a:p>
+            <a:pPr marL="285750" indent="-285750">
+              <a:buFontTx/>
+              <a:buChar char="-"/>
+            </a:pPr>
+            <a:r>
+              <a:rPr lang="en-US" altLang="ko-KR" sz="1400" dirty="0"/>
+              <a:t>Validator : </a:t>
+            </a:r>
+            <a:r>
+              <a:rPr lang="ko-KR" altLang="en-US" sz="1400" dirty="0"/>
+              <a:t>검증하는 것</a:t>
+            </a:r>
+            <a:r>
+              <a:rPr lang="en-US" altLang="ko-KR" sz="1400" dirty="0"/>
+              <a:t>. </a:t>
+            </a:r>
+            <a:r>
+              <a:rPr lang="ko-KR" altLang="en-US" sz="1400" dirty="0"/>
+              <a:t>검증 되면 </a:t>
+            </a:r>
+            <a:r>
+              <a:rPr lang="en-US" altLang="ko-KR" sz="1400" dirty="0"/>
+              <a:t>True </a:t>
+            </a:r>
+            <a:r>
+              <a:rPr lang="ko-KR" altLang="en-US" sz="1400" dirty="0"/>
+              <a:t>안되면 </a:t>
+            </a:r>
+            <a:r>
+              <a:rPr lang="en-US" altLang="ko-KR" sz="1400" dirty="0"/>
+              <a:t>False</a:t>
+            </a:r>
+          </a:p>
+          <a:p>
+            <a:pPr marL="285750" indent="-285750">
+              <a:buFontTx/>
+              <a:buChar char="-"/>
+            </a:pPr>
+            <a:endParaRPr lang="en-US" altLang="ko-KR" sz="1400" dirty="0"/>
+          </a:p>
+        </p:txBody>
+      </p:sp>
+    </p:spTree>
+    <p:extLst>
+      <p:ext uri="{BB962C8B-B14F-4D97-AF65-F5344CB8AC3E}">
+        <p14:creationId xmlns:p14="http://schemas.microsoft.com/office/powerpoint/2010/main" val="3659577869"/>
+      </p:ext>
+    </p:extLst>
+  </p:cSld>
+  <p:clrMapOvr>
+    <a:masterClrMapping/>
+  </p:clrMapOvr>
+</p:sld>
+</file>
+
+<file path=ppt/slides/slide5.xml><?xml version="1.0" encoding="utf-8"?>
+<p:sld xmlns:a="http://schemas.openxmlformats.org/drawingml/2006/main" xmlns:r="http://schemas.openxmlformats.org/officeDocument/2006/relationships" xmlns:p="http://schemas.openxmlformats.org/presentationml/2006/main">
+  <p:cSld>
+    <p:spTree>
+      <p:nvGrpSpPr>
+        <p:cNvPr id="1" name=""/>
+        <p:cNvGrpSpPr/>
+        <p:nvPr/>
+      </p:nvGrpSpPr>
+      <p:grpSpPr>
+        <a:xfrm>
+          <a:off x="0" y="0"/>
+          <a:ext cx="0" cy="0"/>
+          <a:chOff x="0" y="0"/>
+          <a:chExt cx="0" cy="0"/>
+        </a:xfrm>
+      </p:grpSpPr>
+      <p:sp>
+        <p:nvSpPr>
+          <p:cNvPr id="2" name="제목 1">
+            <a:extLst>
+              <a:ext uri="{FF2B5EF4-FFF2-40B4-BE49-F238E27FC236}">
+                <a16:creationId xmlns:a16="http://schemas.microsoft.com/office/drawing/2014/main" id="{2EC833C6-FAC3-442B-803D-3FB02DF07980}"/>
+              </a:ext>
+            </a:extLst>
+          </p:cNvPr>
+          <p:cNvSpPr>
+            <a:spLocks noGrp="1"/>
+          </p:cNvSpPr>
+          <p:nvPr>
+            <p:ph type="title"/>
+          </p:nvPr>
+        </p:nvSpPr>
+        <p:spPr>
+          <a:xfrm>
+            <a:off x="677334" y="609600"/>
+            <a:ext cx="8596668" cy="517864"/>
+          </a:xfrm>
+        </p:spPr>
+        <p:txBody>
+          <a:bodyPr>
+            <a:normAutofit fontScale="90000"/>
+          </a:bodyPr>
+          <a:lstStyle/>
+          <a:p>
+            <a:r>
+              <a:rPr lang="en-US" altLang="ko-KR" dirty="0"/>
+              <a:t>3. Forms and User Input</a:t>
+            </a:r>
+            <a:endParaRPr lang="ko-KR" altLang="en-US" dirty="0"/>
+          </a:p>
+        </p:txBody>
+      </p:sp>
+      <p:sp>
+        <p:nvSpPr>
+          <p:cNvPr id="4" name="제목 1">
+            <a:extLst>
+              <a:ext uri="{FF2B5EF4-FFF2-40B4-BE49-F238E27FC236}">
+                <a16:creationId xmlns:a16="http://schemas.microsoft.com/office/drawing/2014/main" id="{824331F3-9831-4A24-AC95-4771B0BCE333}"/>
+              </a:ext>
+            </a:extLst>
+          </p:cNvPr>
+          <p:cNvSpPr txBox="1">
+            <a:spLocks/>
+          </p:cNvSpPr>
+          <p:nvPr/>
+        </p:nvSpPr>
+        <p:spPr>
+          <a:xfrm>
+            <a:off x="1307647" y="1180730"/>
+            <a:ext cx="8022783" cy="436518"/>
+          </a:xfrm>
+          <a:prstGeom prst="rect">
+            <a:avLst/>
+          </a:prstGeom>
+        </p:spPr>
+        <p:txBody>
+          <a:bodyPr vert="horz" lIns="91440" tIns="45720" rIns="91440" bIns="45720" rtlCol="0" anchor="t">
+            <a:normAutofit lnSpcReduction="10000"/>
+          </a:bodyPr>
+          <a:lstStyle>
+            <a:lvl1pPr algn="l" defTabSz="457200" rtl="0" eaLnBrk="1" latinLnBrk="1" hangingPunct="1">
+              <a:spcBef>
+                <a:spcPct val="0"/>
+              </a:spcBef>
+              <a:buNone/>
+              <a:defRPr sz="3600" kern="1200">
+                <a:solidFill>
+                  <a:schemeClr val="accent1"/>
+                </a:solidFill>
+                <a:latin typeface="+mj-lt"/>
+                <a:ea typeface="+mj-ea"/>
+                <a:cs typeface="+mj-cs"/>
+              </a:defRPr>
+            </a:lvl1pPr>
+            <a:lvl2pPr eaLnBrk="1" latinLnBrk="1" hangingPunct="1">
+              <a:defRPr>
+                <a:solidFill>
+                  <a:schemeClr val="tx2"/>
+                </a:solidFill>
+              </a:defRPr>
+            </a:lvl2pPr>
+            <a:lvl3pPr eaLnBrk="1" latinLnBrk="1" hangingPunct="1">
+              <a:defRPr>
+                <a:solidFill>
+                  <a:schemeClr val="tx2"/>
+                </a:solidFill>
+              </a:defRPr>
+            </a:lvl3pPr>
+            <a:lvl4pPr eaLnBrk="1" latinLnBrk="1" hangingPunct="1">
+              <a:defRPr>
+                <a:solidFill>
+                  <a:schemeClr val="tx2"/>
+                </a:solidFill>
+              </a:defRPr>
+            </a:lvl4pPr>
+            <a:lvl5pPr eaLnBrk="1" latinLnBrk="1" hangingPunct="1">
+              <a:defRPr>
+                <a:solidFill>
+                  <a:schemeClr val="tx2"/>
+                </a:solidFill>
+              </a:defRPr>
+            </a:lvl5pPr>
+            <a:lvl6pPr eaLnBrk="1" latinLnBrk="1" hangingPunct="1">
+              <a:defRPr>
+                <a:solidFill>
+                  <a:schemeClr val="tx2"/>
+                </a:solidFill>
+              </a:defRPr>
+            </a:lvl6pPr>
+            <a:lvl7pPr eaLnBrk="1" latinLnBrk="1" hangingPunct="1">
+              <a:defRPr>
+                <a:solidFill>
+                  <a:schemeClr val="tx2"/>
+                </a:solidFill>
+              </a:defRPr>
+            </a:lvl7pPr>
+            <a:lvl8pPr eaLnBrk="1" latinLnBrk="1" hangingPunct="1">
+              <a:defRPr>
+                <a:solidFill>
+                  <a:schemeClr val="tx2"/>
+                </a:solidFill>
+              </a:defRPr>
+            </a:lvl8pPr>
+            <a:lvl9pPr eaLnBrk="1" latinLnBrk="1" hangingPunct="1">
+              <a:defRPr>
+                <a:solidFill>
+                  <a:schemeClr val="tx2"/>
+                </a:solidFill>
+              </a:defRPr>
+            </a:lvl9pPr>
+          </a:lstStyle>
+          <a:p>
+            <a:r>
+              <a:rPr lang="ko-KR" altLang="en-US" sz="2400" dirty="0"/>
+              <a:t>전형적인 등록 페이지에 대한 예제 </a:t>
+            </a:r>
+            <a:r>
+              <a:rPr lang="en-US" altLang="ko-KR" sz="2400" dirty="0"/>
+              <a:t>Form</a:t>
+            </a:r>
+          </a:p>
+        </p:txBody>
+      </p:sp>
+      <p:pic>
+        <p:nvPicPr>
+          <p:cNvPr id="3" name="그림 2">
+            <a:extLst>
+              <a:ext uri="{FF2B5EF4-FFF2-40B4-BE49-F238E27FC236}">
+                <a16:creationId xmlns:a16="http://schemas.microsoft.com/office/drawing/2014/main" id="{4F4CC5F2-F0D8-483A-9072-C6C1030680B7}"/>
+              </a:ext>
+            </a:extLst>
+          </p:cNvPr>
+          <p:cNvPicPr>
+            <a:picLocks noChangeAspect="1"/>
+          </p:cNvPicPr>
+          <p:nvPr/>
+        </p:nvPicPr>
+        <p:blipFill rotWithShape="1">
+          <a:blip r:embed="rId2"/>
+          <a:srcRect r="19804"/>
+          <a:stretch/>
+        </p:blipFill>
+        <p:spPr>
+          <a:xfrm>
+            <a:off x="272946" y="2263990"/>
+            <a:ext cx="7283938" cy="2450053"/>
+          </a:xfrm>
+          <a:prstGeom prst="rect">
+            <a:avLst/>
+          </a:prstGeom>
+        </p:spPr>
+      </p:pic>
+      <p:sp>
+        <p:nvSpPr>
+          <p:cNvPr id="7" name="직사각형 6">
+            <a:extLst>
+              <a:ext uri="{FF2B5EF4-FFF2-40B4-BE49-F238E27FC236}">
+                <a16:creationId xmlns:a16="http://schemas.microsoft.com/office/drawing/2014/main" id="{C62AE2F4-62A8-4CAE-867B-E7E72487479B}"/>
+              </a:ext>
+            </a:extLst>
+          </p:cNvPr>
+          <p:cNvSpPr/>
+          <p:nvPr/>
+        </p:nvSpPr>
+        <p:spPr>
+          <a:xfrm>
+            <a:off x="7620874" y="2196693"/>
+            <a:ext cx="4470512" cy="4616648"/>
+          </a:xfrm>
+          <a:prstGeom prst="rect">
+            <a:avLst/>
+          </a:prstGeom>
+        </p:spPr>
+        <p:txBody>
+          <a:bodyPr wrap="square">
+            <a:spAutoFit/>
+          </a:bodyPr>
+          <a:lstStyle/>
+          <a:p>
+            <a:pPr marL="285750" indent="-285750">
+              <a:buFontTx/>
+              <a:buChar char="-"/>
+            </a:pPr>
+            <a:r>
+              <a:rPr lang="ko-KR" altLang="en-US" sz="1400" dirty="0"/>
+              <a:t>브라우저에서 전송되는 </a:t>
+            </a:r>
+            <a:r>
+              <a:rPr lang="en-US" altLang="ko-KR" sz="1400" dirty="0"/>
+              <a:t>form data</a:t>
+            </a:r>
+            <a:r>
+              <a:rPr lang="ko-KR" altLang="en-US" sz="1400" dirty="0"/>
+              <a:t>를 가지고 작업을 </a:t>
+            </a:r>
+            <a:r>
+              <a:rPr lang="ko-KR" altLang="en-US" sz="1400" dirty="0" err="1"/>
+              <a:t>해야할</a:t>
+            </a:r>
+            <a:r>
+              <a:rPr lang="ko-KR" altLang="en-US" sz="1400" dirty="0"/>
+              <a:t> 때</a:t>
+            </a:r>
+            <a:r>
+              <a:rPr lang="en-US" altLang="ko-KR" sz="1400" dirty="0"/>
+              <a:t>, view code</a:t>
+            </a:r>
+            <a:r>
+              <a:rPr lang="ko-KR" altLang="en-US" sz="1400" dirty="0"/>
+              <a:t>를 읽기가 매우 </a:t>
+            </a:r>
+            <a:r>
+              <a:rPr lang="ko-KR" altLang="en-US" sz="1400" dirty="0" err="1"/>
+              <a:t>어려짐</a:t>
+            </a:r>
+            <a:r>
+              <a:rPr lang="en-US" altLang="ko-KR" sz="1400" dirty="0"/>
+              <a:t>.</a:t>
+            </a:r>
+          </a:p>
+          <a:p>
+            <a:pPr marL="285750" indent="-285750">
+              <a:buFontTx/>
+              <a:buChar char="-"/>
+            </a:pPr>
+            <a:r>
+              <a:rPr lang="ko-KR" altLang="en-US" sz="1400" dirty="0"/>
+              <a:t>이 과정을 더 쉽게 관리할 수 있도록 설계된 라이브러리가 있는데 그것이 </a:t>
+            </a:r>
+            <a:r>
+              <a:rPr lang="en-US" altLang="ko-KR" sz="1400" dirty="0" err="1"/>
+              <a:t>WTForms</a:t>
+            </a:r>
+            <a:r>
+              <a:rPr lang="en-US" altLang="ko-KR" sz="1400" dirty="0"/>
+              <a:t> </a:t>
+            </a:r>
+            <a:r>
+              <a:rPr lang="ko-KR" altLang="en-US" sz="1400" dirty="0"/>
+              <a:t>다</a:t>
+            </a:r>
+            <a:r>
+              <a:rPr lang="en-US" altLang="ko-KR" sz="1400" dirty="0"/>
+              <a:t>.</a:t>
+            </a:r>
+          </a:p>
+          <a:p>
+            <a:pPr marL="285750" indent="-285750">
+              <a:buFontTx/>
+              <a:buChar char="-"/>
+            </a:pPr>
+            <a:r>
+              <a:rPr lang="en-US" altLang="ko-KR" sz="1400" dirty="0" err="1"/>
+              <a:t>WTForms</a:t>
+            </a:r>
+            <a:r>
+              <a:rPr lang="ko-KR" altLang="en-US" sz="1400" dirty="0"/>
+              <a:t>로 작업 </a:t>
+            </a:r>
+            <a:r>
+              <a:rPr lang="ko-KR" altLang="en-US" sz="1400" dirty="0" err="1"/>
+              <a:t>할때는</a:t>
+            </a:r>
+            <a:r>
+              <a:rPr lang="ko-KR" altLang="en-US" sz="1400" dirty="0"/>
+              <a:t> 먼저 </a:t>
+            </a:r>
+            <a:r>
+              <a:rPr lang="en-US" altLang="ko-KR" sz="1400" dirty="0"/>
+              <a:t>class</a:t>
+            </a:r>
+            <a:r>
+              <a:rPr lang="ko-KR" altLang="en-US" sz="1400" dirty="0"/>
+              <a:t>로 그 </a:t>
+            </a:r>
+            <a:r>
+              <a:rPr lang="en-US" altLang="ko-KR" sz="1400" dirty="0"/>
+              <a:t>form</a:t>
+            </a:r>
+            <a:r>
+              <a:rPr lang="ko-KR" altLang="en-US" sz="1400" dirty="0"/>
+              <a:t>들을 정의해야 한다</a:t>
+            </a:r>
+            <a:r>
+              <a:rPr lang="en-US" altLang="ko-KR" sz="1400" dirty="0"/>
+              <a:t>.</a:t>
+            </a:r>
+          </a:p>
+          <a:p>
+            <a:pPr marL="285750" indent="-285750">
+              <a:buFontTx/>
+              <a:buChar char="-"/>
+            </a:pPr>
+            <a:r>
+              <a:rPr lang="ko-KR" altLang="en-US" sz="1400" dirty="0"/>
+              <a:t>어플리케이션을 여러 모듈로 쪼개고 </a:t>
+            </a:r>
+            <a:r>
+              <a:rPr lang="en-US" altLang="ko-KR" sz="1400" dirty="0"/>
+              <a:t>form</a:t>
+            </a:r>
+            <a:r>
+              <a:rPr lang="ko-KR" altLang="en-US" sz="1400" dirty="0"/>
+              <a:t>에 대한 분리된 모듈을 추가하는 것이 권고된다</a:t>
+            </a:r>
+            <a:r>
+              <a:rPr lang="en-US" altLang="ko-KR" sz="1400" dirty="0"/>
+              <a:t>.</a:t>
+            </a:r>
+          </a:p>
+          <a:p>
+            <a:pPr marL="285750" indent="-285750">
+              <a:buFontTx/>
+              <a:buChar char="-"/>
+            </a:pPr>
+            <a:endParaRPr lang="en-US" altLang="ko-KR" sz="1400" dirty="0"/>
+          </a:p>
+          <a:p>
+            <a:pPr marL="285750" indent="-285750">
+              <a:buFontTx/>
+              <a:buChar char="-"/>
+            </a:pPr>
+            <a:r>
+              <a:rPr lang="ko-KR" altLang="en-US" sz="1400" dirty="0"/>
+              <a:t>위의 코드가 전형적인 </a:t>
+            </a:r>
+            <a:r>
+              <a:rPr lang="en-US" altLang="ko-KR" sz="1400" dirty="0"/>
+              <a:t>form </a:t>
+            </a:r>
+            <a:r>
+              <a:rPr lang="ko-KR" altLang="en-US" sz="1400" dirty="0"/>
+              <a:t>예제</a:t>
+            </a:r>
+            <a:endParaRPr lang="en-US" altLang="ko-KR" sz="1400" dirty="0"/>
+          </a:p>
+          <a:p>
+            <a:pPr marL="285750" indent="-285750">
+              <a:buFontTx/>
+              <a:buChar char="-"/>
+            </a:pPr>
+            <a:endParaRPr lang="en-US" altLang="ko-KR" sz="1400" dirty="0"/>
+          </a:p>
+          <a:p>
+            <a:pPr marL="285750" indent="-285750">
+              <a:buFontTx/>
+              <a:buChar char="-"/>
+            </a:pPr>
+            <a:r>
+              <a:rPr lang="en-US" altLang="ko-KR" sz="1400" dirty="0"/>
+              <a:t>Form</a:t>
+            </a:r>
+            <a:r>
+              <a:rPr lang="ko-KR" altLang="en-US" sz="1400" dirty="0"/>
+              <a:t>에 맞는 것을 사용</a:t>
+            </a:r>
+            <a:endParaRPr lang="en-US" altLang="ko-KR" sz="1400" dirty="0"/>
+          </a:p>
+          <a:p>
+            <a:pPr marL="285750" indent="-285750">
+              <a:buFontTx/>
+              <a:buChar char="-"/>
+            </a:pPr>
+            <a:r>
+              <a:rPr lang="en-US" altLang="ko-KR" sz="1400" dirty="0" err="1"/>
+              <a:t>StringField</a:t>
+            </a:r>
+            <a:endParaRPr lang="en-US" altLang="ko-KR" sz="1400" dirty="0"/>
+          </a:p>
+          <a:p>
+            <a:pPr marL="285750" indent="-285750">
+              <a:buFontTx/>
+              <a:buChar char="-"/>
+            </a:pPr>
+            <a:r>
+              <a:rPr lang="en-US" altLang="ko-KR" sz="1400" dirty="0" err="1"/>
+              <a:t>PasswordField</a:t>
+            </a:r>
+            <a:endParaRPr lang="en-US" altLang="ko-KR" sz="1400" dirty="0"/>
+          </a:p>
+          <a:p>
+            <a:pPr marL="285750" indent="-285750">
+              <a:buFontTx/>
+              <a:buChar char="-"/>
+            </a:pPr>
+            <a:r>
+              <a:rPr lang="en-US" altLang="ko-KR" sz="1400" dirty="0" err="1"/>
+              <a:t>SubmitField</a:t>
+            </a:r>
+            <a:endParaRPr lang="en-US" altLang="ko-KR" sz="1400" dirty="0"/>
+          </a:p>
+          <a:p>
+            <a:pPr marL="285750" indent="-285750">
+              <a:buFontTx/>
+              <a:buChar char="-"/>
+            </a:pPr>
+            <a:r>
+              <a:rPr lang="en-US" altLang="ko-KR" sz="1400" dirty="0" err="1"/>
+              <a:t>BooleanField</a:t>
+            </a:r>
+            <a:endParaRPr lang="en-US" altLang="ko-KR" sz="1400" dirty="0"/>
+          </a:p>
+          <a:p>
+            <a:pPr marL="285750" indent="-285750">
+              <a:buFontTx/>
+              <a:buChar char="-"/>
+            </a:pPr>
+            <a:endParaRPr lang="en-US" altLang="ko-KR" sz="1400" dirty="0"/>
+          </a:p>
+          <a:p>
+            <a:pPr marL="285750" indent="-285750">
+              <a:buFontTx/>
+              <a:buChar char="-"/>
+            </a:pPr>
+            <a:r>
+              <a:rPr lang="en-US" altLang="ko-KR" sz="1400" dirty="0"/>
+              <a:t>Field : </a:t>
+            </a:r>
+            <a:r>
+              <a:rPr lang="ko-KR" altLang="en-US" sz="1400" dirty="0"/>
+              <a:t>어떠한 형식으로 데이터를 다룰지 선택</a:t>
+            </a:r>
+            <a:endParaRPr lang="en-US" altLang="ko-KR" sz="1400" dirty="0"/>
+          </a:p>
+          <a:p>
+            <a:pPr marL="285750" indent="-285750">
+              <a:buFontTx/>
+              <a:buChar char="-"/>
+            </a:pPr>
+            <a:r>
+              <a:rPr lang="en-US" altLang="ko-KR" sz="1400" dirty="0"/>
+              <a:t>Validator : </a:t>
+            </a:r>
+            <a:r>
+              <a:rPr lang="ko-KR" altLang="en-US" sz="1400" dirty="0"/>
+              <a:t>검증하는 것</a:t>
+            </a:r>
+            <a:r>
+              <a:rPr lang="en-US" altLang="ko-KR" sz="1400" dirty="0"/>
+              <a:t>. </a:t>
+            </a:r>
+            <a:r>
+              <a:rPr lang="ko-KR" altLang="en-US" sz="1400" dirty="0"/>
+              <a:t>검증 되면 </a:t>
+            </a:r>
+            <a:r>
+              <a:rPr lang="en-US" altLang="ko-KR" sz="1400" dirty="0"/>
+              <a:t>True </a:t>
+            </a:r>
+            <a:r>
+              <a:rPr lang="ko-KR" altLang="en-US" sz="1400" dirty="0"/>
+              <a:t>안되면 </a:t>
+            </a:r>
+            <a:r>
+              <a:rPr lang="en-US" altLang="ko-KR" sz="1400" dirty="0"/>
+              <a:t>False</a:t>
+            </a:r>
+          </a:p>
+          <a:p>
+            <a:pPr marL="285750" indent="-285750">
+              <a:buFontTx/>
+              <a:buChar char="-"/>
+            </a:pPr>
+            <a:endParaRPr lang="en-US" altLang="ko-KR" sz="1400" dirty="0"/>
+          </a:p>
+        </p:txBody>
+      </p:sp>
+    </p:spTree>
+    <p:extLst>
+      <p:ext uri="{BB962C8B-B14F-4D97-AF65-F5344CB8AC3E}">
+        <p14:creationId xmlns:p14="http://schemas.microsoft.com/office/powerpoint/2010/main" val="3875879065"/>
+      </p:ext>
+    </p:extLst>
+  </p:cSld>
+  <p:clrMapOvr>
+    <a:masterClrMapping/>
+  </p:clrMapOvr>
+</p:sld>
+</file>
+
+<file path=ppt/slides/slide6.xml><?xml version="1.0" encoding="utf-8"?>
+<p:sld xmlns:a="http://schemas.openxmlformats.org/drawingml/2006/main" xmlns:r="http://schemas.openxmlformats.org/officeDocument/2006/relationships" xmlns:p="http://schemas.openxmlformats.org/presentationml/2006/main">
+  <p:cSld>
+    <p:spTree>
+      <p:nvGrpSpPr>
+        <p:cNvPr id="1" name=""/>
+        <p:cNvGrpSpPr/>
+        <p:nvPr/>
+      </p:nvGrpSpPr>
+      <p:grpSpPr>
+        <a:xfrm>
+          <a:off x="0" y="0"/>
+          <a:ext cx="0" cy="0"/>
+          <a:chOff x="0" y="0"/>
+          <a:chExt cx="0" cy="0"/>
+        </a:xfrm>
+      </p:grpSpPr>
+      <p:sp>
+        <p:nvSpPr>
+          <p:cNvPr id="2" name="제목 1">
+            <a:extLst>
+              <a:ext uri="{FF2B5EF4-FFF2-40B4-BE49-F238E27FC236}">
+                <a16:creationId xmlns:a16="http://schemas.microsoft.com/office/drawing/2014/main" id="{2EC833C6-FAC3-442B-803D-3FB02DF07980}"/>
+              </a:ext>
+            </a:extLst>
+          </p:cNvPr>
+          <p:cNvSpPr>
+            <a:spLocks noGrp="1"/>
+          </p:cNvSpPr>
+          <p:nvPr>
+            <p:ph type="title"/>
+          </p:nvPr>
+        </p:nvSpPr>
+        <p:spPr>
+          <a:xfrm>
+            <a:off x="677334" y="609600"/>
+            <a:ext cx="8596668" cy="517864"/>
+          </a:xfrm>
+        </p:spPr>
+        <p:txBody>
+          <a:bodyPr>
+            <a:normAutofit fontScale="90000"/>
+          </a:bodyPr>
+          <a:lstStyle/>
+          <a:p>
+            <a:r>
+              <a:rPr lang="en-US" altLang="ko-KR" dirty="0"/>
+              <a:t>3. Forms and User Input</a:t>
+            </a:r>
+            <a:endParaRPr lang="ko-KR" altLang="en-US" dirty="0"/>
+          </a:p>
+        </p:txBody>
+      </p:sp>
+      <p:sp>
+        <p:nvSpPr>
+          <p:cNvPr id="4" name="제목 1">
+            <a:extLst>
+              <a:ext uri="{FF2B5EF4-FFF2-40B4-BE49-F238E27FC236}">
+                <a16:creationId xmlns:a16="http://schemas.microsoft.com/office/drawing/2014/main" id="{824331F3-9831-4A24-AC95-4771B0BCE333}"/>
+              </a:ext>
+            </a:extLst>
+          </p:cNvPr>
+          <p:cNvSpPr txBox="1">
+            <a:spLocks/>
+          </p:cNvSpPr>
+          <p:nvPr/>
+        </p:nvSpPr>
+        <p:spPr>
+          <a:xfrm>
+            <a:off x="1307647" y="1180730"/>
+            <a:ext cx="8022783" cy="436518"/>
+          </a:xfrm>
+          <a:prstGeom prst="rect">
+            <a:avLst/>
+          </a:prstGeom>
+        </p:spPr>
+        <p:txBody>
+          <a:bodyPr vert="horz" lIns="91440" tIns="45720" rIns="91440" bIns="45720" rtlCol="0" anchor="t">
+            <a:normAutofit lnSpcReduction="10000"/>
+          </a:bodyPr>
+          <a:lstStyle>
+            <a:lvl1pPr algn="l" defTabSz="457200" rtl="0" eaLnBrk="1" latinLnBrk="1" hangingPunct="1">
+              <a:spcBef>
+                <a:spcPct val="0"/>
+              </a:spcBef>
+              <a:buNone/>
+              <a:defRPr sz="3600" kern="1200">
+                <a:solidFill>
+                  <a:schemeClr val="accent1"/>
+                </a:solidFill>
+                <a:latin typeface="+mj-lt"/>
+                <a:ea typeface="+mj-ea"/>
+                <a:cs typeface="+mj-cs"/>
+              </a:defRPr>
+            </a:lvl1pPr>
+            <a:lvl2pPr eaLnBrk="1" latinLnBrk="1" hangingPunct="1">
+              <a:defRPr>
+                <a:solidFill>
+                  <a:schemeClr val="tx2"/>
+                </a:solidFill>
+              </a:defRPr>
+            </a:lvl2pPr>
+            <a:lvl3pPr eaLnBrk="1" latinLnBrk="1" hangingPunct="1">
+              <a:defRPr>
+                <a:solidFill>
+                  <a:schemeClr val="tx2"/>
+                </a:solidFill>
+              </a:defRPr>
+            </a:lvl3pPr>
+            <a:lvl4pPr eaLnBrk="1" latinLnBrk="1" hangingPunct="1">
+              <a:defRPr>
+                <a:solidFill>
+                  <a:schemeClr val="tx2"/>
+                </a:solidFill>
+              </a:defRPr>
+            </a:lvl4pPr>
+            <a:lvl5pPr eaLnBrk="1" latinLnBrk="1" hangingPunct="1">
+              <a:defRPr>
+                <a:solidFill>
+                  <a:schemeClr val="tx2"/>
+                </a:solidFill>
+              </a:defRPr>
+            </a:lvl5pPr>
+            <a:lvl6pPr eaLnBrk="1" latinLnBrk="1" hangingPunct="1">
+              <a:defRPr>
+                <a:solidFill>
+                  <a:schemeClr val="tx2"/>
+                </a:solidFill>
+              </a:defRPr>
+            </a:lvl6pPr>
+            <a:lvl7pPr eaLnBrk="1" latinLnBrk="1" hangingPunct="1">
+              <a:defRPr>
+                <a:solidFill>
+                  <a:schemeClr val="tx2"/>
+                </a:solidFill>
+              </a:defRPr>
+            </a:lvl7pPr>
+            <a:lvl8pPr eaLnBrk="1" latinLnBrk="1" hangingPunct="1">
+              <a:defRPr>
+                <a:solidFill>
+                  <a:schemeClr val="tx2"/>
+                </a:solidFill>
+              </a:defRPr>
+            </a:lvl8pPr>
+            <a:lvl9pPr eaLnBrk="1" latinLnBrk="1" hangingPunct="1">
+              <a:defRPr>
+                <a:solidFill>
+                  <a:schemeClr val="tx2"/>
+                </a:solidFill>
+              </a:defRPr>
+            </a:lvl9pPr>
+          </a:lstStyle>
+          <a:p>
+            <a:r>
+              <a:rPr lang="en-US" altLang="ko-KR" sz="2400" dirty="0" err="1"/>
+              <a:t>WTForms</a:t>
+            </a:r>
+            <a:r>
+              <a:rPr lang="ko-KR" altLang="en-US" sz="2400" dirty="0"/>
+              <a:t> </a:t>
+            </a:r>
+            <a:r>
+              <a:rPr lang="en-US" altLang="ko-KR" sz="2400" dirty="0"/>
+              <a:t>standard</a:t>
+            </a:r>
+            <a:r>
+              <a:rPr lang="ko-KR" altLang="en-US" sz="2400" dirty="0"/>
+              <a:t> </a:t>
+            </a:r>
+            <a:r>
+              <a:rPr lang="en-US" altLang="ko-KR" sz="2400" dirty="0"/>
+              <a:t>HTML</a:t>
+            </a:r>
+            <a:r>
+              <a:rPr lang="ko-KR" altLang="en-US" sz="2400" dirty="0"/>
+              <a:t> </a:t>
+            </a:r>
+            <a:r>
+              <a:rPr lang="en-US" altLang="ko-KR" sz="2400" dirty="0"/>
+              <a:t>fields</a:t>
+            </a:r>
+          </a:p>
+        </p:txBody>
+      </p:sp>
+      <p:sp>
+        <p:nvSpPr>
+          <p:cNvPr id="6" name="직사각형 5">
+            <a:extLst>
+              <a:ext uri="{FF2B5EF4-FFF2-40B4-BE49-F238E27FC236}">
+                <a16:creationId xmlns:a16="http://schemas.microsoft.com/office/drawing/2014/main" id="{6A60F032-B172-43E0-B147-16329887DE8F}"/>
+              </a:ext>
+            </a:extLst>
+          </p:cNvPr>
+          <p:cNvSpPr/>
+          <p:nvPr/>
+        </p:nvSpPr>
+        <p:spPr>
+          <a:xfrm>
+            <a:off x="7620874" y="2196693"/>
+            <a:ext cx="4470512" cy="4616648"/>
+          </a:xfrm>
+          <a:prstGeom prst="rect">
+            <a:avLst/>
+          </a:prstGeom>
+        </p:spPr>
+        <p:txBody>
+          <a:bodyPr wrap="square">
+            <a:spAutoFit/>
+          </a:bodyPr>
+          <a:lstStyle/>
+          <a:p>
+            <a:pPr marL="285750" indent="-285750">
+              <a:buFontTx/>
+              <a:buChar char="-"/>
+            </a:pPr>
+            <a:r>
+              <a:rPr lang="ko-KR" altLang="en-US" sz="1400" dirty="0"/>
+              <a:t>브라우저에서 전송되는 </a:t>
+            </a:r>
+            <a:r>
+              <a:rPr lang="en-US" altLang="ko-KR" sz="1400" dirty="0"/>
+              <a:t>form data</a:t>
+            </a:r>
+            <a:r>
+              <a:rPr lang="ko-KR" altLang="en-US" sz="1400" dirty="0"/>
+              <a:t>를 가지고 작업을 </a:t>
+            </a:r>
+            <a:r>
+              <a:rPr lang="ko-KR" altLang="en-US" sz="1400" dirty="0" err="1"/>
+              <a:t>해야할</a:t>
+            </a:r>
+            <a:r>
+              <a:rPr lang="ko-KR" altLang="en-US" sz="1400" dirty="0"/>
+              <a:t> 때</a:t>
+            </a:r>
+            <a:r>
+              <a:rPr lang="en-US" altLang="ko-KR" sz="1400" dirty="0"/>
+              <a:t>, view code</a:t>
+            </a:r>
+            <a:r>
+              <a:rPr lang="ko-KR" altLang="en-US" sz="1400" dirty="0"/>
+              <a:t>를 읽기가 매우 </a:t>
+            </a:r>
+            <a:r>
+              <a:rPr lang="ko-KR" altLang="en-US" sz="1400" dirty="0" err="1"/>
+              <a:t>어려짐</a:t>
+            </a:r>
+            <a:r>
+              <a:rPr lang="en-US" altLang="ko-KR" sz="1400" dirty="0"/>
+              <a:t>.</a:t>
+            </a:r>
+          </a:p>
+          <a:p>
+            <a:pPr marL="285750" indent="-285750">
+              <a:buFontTx/>
+              <a:buChar char="-"/>
+            </a:pPr>
+            <a:r>
+              <a:rPr lang="ko-KR" altLang="en-US" sz="1400" dirty="0"/>
+              <a:t>이 과정을 더 쉽게 관리할 수 있도록 설계된 라이브러리가 있는데 그것이 </a:t>
+            </a:r>
+            <a:r>
+              <a:rPr lang="en-US" altLang="ko-KR" sz="1400" dirty="0" err="1"/>
+              <a:t>WTForms</a:t>
+            </a:r>
+            <a:r>
+              <a:rPr lang="en-US" altLang="ko-KR" sz="1400" dirty="0"/>
+              <a:t> </a:t>
+            </a:r>
+            <a:r>
+              <a:rPr lang="ko-KR" altLang="en-US" sz="1400" dirty="0"/>
+              <a:t>다</a:t>
+            </a:r>
+            <a:r>
+              <a:rPr lang="en-US" altLang="ko-KR" sz="1400" dirty="0"/>
+              <a:t>.</a:t>
+            </a:r>
+          </a:p>
+          <a:p>
+            <a:pPr marL="285750" indent="-285750">
+              <a:buFontTx/>
+              <a:buChar char="-"/>
+            </a:pPr>
+            <a:r>
+              <a:rPr lang="en-US" altLang="ko-KR" sz="1400" dirty="0" err="1"/>
+              <a:t>WTForms</a:t>
+            </a:r>
+            <a:r>
+              <a:rPr lang="ko-KR" altLang="en-US" sz="1400" dirty="0"/>
+              <a:t>로 작업 </a:t>
+            </a:r>
+            <a:r>
+              <a:rPr lang="ko-KR" altLang="en-US" sz="1400" dirty="0" err="1"/>
+              <a:t>할때는</a:t>
+            </a:r>
+            <a:r>
+              <a:rPr lang="ko-KR" altLang="en-US" sz="1400" dirty="0"/>
+              <a:t> 먼저 </a:t>
+            </a:r>
+            <a:r>
+              <a:rPr lang="en-US" altLang="ko-KR" sz="1400" dirty="0"/>
+              <a:t>class</a:t>
+            </a:r>
+            <a:r>
+              <a:rPr lang="ko-KR" altLang="en-US" sz="1400" dirty="0"/>
+              <a:t>로 그 </a:t>
+            </a:r>
+            <a:r>
+              <a:rPr lang="en-US" altLang="ko-KR" sz="1400" dirty="0"/>
+              <a:t>form</a:t>
+            </a:r>
+            <a:r>
+              <a:rPr lang="ko-KR" altLang="en-US" sz="1400" dirty="0"/>
+              <a:t>들을 정의해야 한다</a:t>
+            </a:r>
+            <a:r>
+              <a:rPr lang="en-US" altLang="ko-KR" sz="1400" dirty="0"/>
+              <a:t>.</a:t>
+            </a:r>
+          </a:p>
+          <a:p>
+            <a:pPr marL="285750" indent="-285750">
+              <a:buFontTx/>
+              <a:buChar char="-"/>
+            </a:pPr>
+            <a:r>
+              <a:rPr lang="ko-KR" altLang="en-US" sz="1400" dirty="0"/>
+              <a:t>어플리케이션을 여러 모듈로 쪼개고 </a:t>
+            </a:r>
+            <a:r>
+              <a:rPr lang="en-US" altLang="ko-KR" sz="1400" dirty="0"/>
+              <a:t>form</a:t>
+            </a:r>
+            <a:r>
+              <a:rPr lang="ko-KR" altLang="en-US" sz="1400" dirty="0"/>
+              <a:t>에 대한 분리된 모듈을 추가하는 것이 권고된다</a:t>
+            </a:r>
+            <a:r>
+              <a:rPr lang="en-US" altLang="ko-KR" sz="1400" dirty="0"/>
+              <a:t>.</a:t>
+            </a:r>
+          </a:p>
+          <a:p>
+            <a:pPr marL="285750" indent="-285750">
+              <a:buFontTx/>
+              <a:buChar char="-"/>
+            </a:pPr>
+            <a:endParaRPr lang="en-US" altLang="ko-KR" sz="1400" dirty="0"/>
+          </a:p>
+          <a:p>
+            <a:pPr marL="285750" indent="-285750">
+              <a:buFontTx/>
+              <a:buChar char="-"/>
+            </a:pPr>
+            <a:r>
+              <a:rPr lang="ko-KR" altLang="en-US" sz="1400" dirty="0"/>
+              <a:t>위의 코드가 전형적인 </a:t>
+            </a:r>
+            <a:r>
+              <a:rPr lang="en-US" altLang="ko-KR" sz="1400" dirty="0"/>
+              <a:t>form </a:t>
+            </a:r>
+            <a:r>
+              <a:rPr lang="ko-KR" altLang="en-US" sz="1400" dirty="0"/>
+              <a:t>예제</a:t>
+            </a:r>
+            <a:endParaRPr lang="en-US" altLang="ko-KR" sz="1400" dirty="0"/>
+          </a:p>
+          <a:p>
+            <a:pPr marL="285750" indent="-285750">
+              <a:buFontTx/>
+              <a:buChar char="-"/>
+            </a:pPr>
+            <a:endParaRPr lang="en-US" altLang="ko-KR" sz="1400" dirty="0"/>
+          </a:p>
+          <a:p>
+            <a:pPr marL="285750" indent="-285750">
+              <a:buFontTx/>
+              <a:buChar char="-"/>
+            </a:pPr>
+            <a:r>
+              <a:rPr lang="en-US" altLang="ko-KR" sz="1400" dirty="0"/>
+              <a:t>Form</a:t>
+            </a:r>
+            <a:r>
+              <a:rPr lang="ko-KR" altLang="en-US" sz="1400" dirty="0"/>
+              <a:t>에 맞는 것을 사용</a:t>
+            </a:r>
+            <a:endParaRPr lang="en-US" altLang="ko-KR" sz="1400" dirty="0"/>
+          </a:p>
+          <a:p>
+            <a:pPr marL="285750" indent="-285750">
+              <a:buFontTx/>
+              <a:buChar char="-"/>
+            </a:pPr>
+            <a:r>
+              <a:rPr lang="en-US" altLang="ko-KR" sz="1400" dirty="0" err="1"/>
+              <a:t>StringField</a:t>
+            </a:r>
+            <a:endParaRPr lang="en-US" altLang="ko-KR" sz="1400" dirty="0"/>
+          </a:p>
+          <a:p>
+            <a:pPr marL="285750" indent="-285750">
+              <a:buFontTx/>
+              <a:buChar char="-"/>
+            </a:pPr>
+            <a:r>
+              <a:rPr lang="en-US" altLang="ko-KR" sz="1400" dirty="0" err="1"/>
+              <a:t>PasswordField</a:t>
+            </a:r>
+            <a:endParaRPr lang="en-US" altLang="ko-KR" sz="1400" dirty="0"/>
+          </a:p>
+          <a:p>
+            <a:pPr marL="285750" indent="-285750">
+              <a:buFontTx/>
+              <a:buChar char="-"/>
+            </a:pPr>
+            <a:r>
+              <a:rPr lang="en-US" altLang="ko-KR" sz="1400" dirty="0" err="1"/>
+              <a:t>SubmitField</a:t>
+            </a:r>
+            <a:endParaRPr lang="en-US" altLang="ko-KR" sz="1400" dirty="0"/>
+          </a:p>
+          <a:p>
+            <a:pPr marL="285750" indent="-285750">
+              <a:buFontTx/>
+              <a:buChar char="-"/>
+            </a:pPr>
+            <a:r>
+              <a:rPr lang="en-US" altLang="ko-KR" sz="1400" dirty="0" err="1"/>
+              <a:t>BooleanField</a:t>
+            </a:r>
+            <a:endParaRPr lang="en-US" altLang="ko-KR" sz="1400" dirty="0"/>
+          </a:p>
+          <a:p>
+            <a:pPr marL="285750" indent="-285750">
+              <a:buFontTx/>
+              <a:buChar char="-"/>
+            </a:pPr>
+            <a:endParaRPr lang="en-US" altLang="ko-KR" sz="1400" dirty="0"/>
+          </a:p>
+          <a:p>
+            <a:pPr marL="285750" indent="-285750">
+              <a:buFontTx/>
+              <a:buChar char="-"/>
+            </a:pPr>
+            <a:r>
+              <a:rPr lang="en-US" altLang="ko-KR" sz="1400" dirty="0"/>
+              <a:t>Field : </a:t>
+            </a:r>
+            <a:r>
+              <a:rPr lang="ko-KR" altLang="en-US" sz="1400" dirty="0"/>
+              <a:t>어떠한 형식으로 데이터를 다룰지 선택</a:t>
+            </a:r>
+            <a:endParaRPr lang="en-US" altLang="ko-KR" sz="1400" dirty="0"/>
+          </a:p>
+          <a:p>
+            <a:pPr marL="285750" indent="-285750">
+              <a:buFontTx/>
+              <a:buChar char="-"/>
+            </a:pPr>
+            <a:r>
+              <a:rPr lang="en-US" altLang="ko-KR" sz="1400" dirty="0"/>
+              <a:t>Validator : </a:t>
+            </a:r>
+            <a:r>
+              <a:rPr lang="ko-KR" altLang="en-US" sz="1400" dirty="0"/>
+              <a:t>검증하는 것</a:t>
+            </a:r>
+            <a:r>
+              <a:rPr lang="en-US" altLang="ko-KR" sz="1400" dirty="0"/>
+              <a:t>. </a:t>
+            </a:r>
+            <a:r>
+              <a:rPr lang="ko-KR" altLang="en-US" sz="1400" dirty="0"/>
+              <a:t>검증 되면 </a:t>
+            </a:r>
+            <a:r>
+              <a:rPr lang="en-US" altLang="ko-KR" sz="1400" dirty="0"/>
+              <a:t>True </a:t>
+            </a:r>
+            <a:r>
+              <a:rPr lang="ko-KR" altLang="en-US" sz="1400" dirty="0"/>
+              <a:t>안되면 </a:t>
+            </a:r>
+            <a:r>
+              <a:rPr lang="en-US" altLang="ko-KR" sz="1400" dirty="0"/>
+              <a:t>False</a:t>
+            </a:r>
+          </a:p>
+          <a:p>
+            <a:pPr marL="285750" indent="-285750">
+              <a:buFontTx/>
+              <a:buChar char="-"/>
+            </a:pPr>
+            <a:endParaRPr lang="en-US" altLang="ko-KR" sz="1400" dirty="0"/>
+          </a:p>
+        </p:txBody>
+      </p:sp>
+      <p:pic>
+        <p:nvPicPr>
+          <p:cNvPr id="3" name="그림 2">
+            <a:extLst>
+              <a:ext uri="{FF2B5EF4-FFF2-40B4-BE49-F238E27FC236}">
+                <a16:creationId xmlns:a16="http://schemas.microsoft.com/office/drawing/2014/main" id="{352C2449-9DB4-49A0-A914-99B0B2667B71}"/>
+              </a:ext>
+            </a:extLst>
+          </p:cNvPr>
+          <p:cNvPicPr>
+            <a:picLocks noChangeAspect="1"/>
+          </p:cNvPicPr>
+          <p:nvPr/>
+        </p:nvPicPr>
+        <p:blipFill>
+          <a:blip r:embed="rId2"/>
+          <a:stretch>
+            <a:fillRect/>
+          </a:stretch>
+        </p:blipFill>
+        <p:spPr>
+          <a:xfrm>
+            <a:off x="1507600" y="1712962"/>
+            <a:ext cx="5170787" cy="5047965"/>
+          </a:xfrm>
+          <a:prstGeom prst="rect">
+            <a:avLst/>
+          </a:prstGeom>
+        </p:spPr>
+      </p:pic>
+    </p:spTree>
+    <p:extLst>
+      <p:ext uri="{BB962C8B-B14F-4D97-AF65-F5344CB8AC3E}">
+        <p14:creationId xmlns:p14="http://schemas.microsoft.com/office/powerpoint/2010/main" val="729960550"/>
+      </p:ext>
+    </p:extLst>
+  </p:cSld>
+  <p:clrMapOvr>
+    <a:masterClrMapping/>
+  </p:clrMapOvr>
+</p:sld>
+</file>
+
+<file path=ppt/slides/slide7.xml><?xml version="1.0" encoding="utf-8"?>
+<p:sld xmlns:a="http://schemas.openxmlformats.org/drawingml/2006/main" xmlns:r="http://schemas.openxmlformats.org/officeDocument/2006/relationships" xmlns:p="http://schemas.openxmlformats.org/presentationml/2006/main">
+  <p:cSld>
+    <p:spTree>
+      <p:nvGrpSpPr>
+        <p:cNvPr id="1" name=""/>
+        <p:cNvGrpSpPr/>
+        <p:nvPr/>
+      </p:nvGrpSpPr>
+      <p:grpSpPr>
+        <a:xfrm>
+          <a:off x="0" y="0"/>
+          <a:ext cx="0" cy="0"/>
+          <a:chOff x="0" y="0"/>
+          <a:chExt cx="0" cy="0"/>
+        </a:xfrm>
+      </p:grpSpPr>
+      <p:sp>
+        <p:nvSpPr>
+          <p:cNvPr id="2" name="제목 1">
+            <a:extLst>
+              <a:ext uri="{FF2B5EF4-FFF2-40B4-BE49-F238E27FC236}">
+                <a16:creationId xmlns:a16="http://schemas.microsoft.com/office/drawing/2014/main" id="{2EC833C6-FAC3-442B-803D-3FB02DF07980}"/>
+              </a:ext>
+            </a:extLst>
+          </p:cNvPr>
+          <p:cNvSpPr>
+            <a:spLocks noGrp="1"/>
+          </p:cNvSpPr>
+          <p:nvPr>
+            <p:ph type="title"/>
+          </p:nvPr>
+        </p:nvSpPr>
+        <p:spPr>
+          <a:xfrm>
+            <a:off x="677334" y="609600"/>
+            <a:ext cx="8596668" cy="517864"/>
+          </a:xfrm>
+        </p:spPr>
+        <p:txBody>
+          <a:bodyPr>
+            <a:normAutofit fontScale="90000"/>
+          </a:bodyPr>
+          <a:lstStyle/>
+          <a:p>
+            <a:r>
+              <a:rPr lang="en-US" altLang="ko-KR" dirty="0"/>
+              <a:t>3. Forms and User Input</a:t>
+            </a:r>
+            <a:endParaRPr lang="ko-KR" altLang="en-US" dirty="0"/>
+          </a:p>
+        </p:txBody>
+      </p:sp>
+      <p:sp>
+        <p:nvSpPr>
+          <p:cNvPr id="4" name="제목 1">
+            <a:extLst>
+              <a:ext uri="{FF2B5EF4-FFF2-40B4-BE49-F238E27FC236}">
+                <a16:creationId xmlns:a16="http://schemas.microsoft.com/office/drawing/2014/main" id="{824331F3-9831-4A24-AC95-4771B0BCE333}"/>
+              </a:ext>
+            </a:extLst>
+          </p:cNvPr>
+          <p:cNvSpPr txBox="1">
+            <a:spLocks/>
+          </p:cNvSpPr>
+          <p:nvPr/>
+        </p:nvSpPr>
+        <p:spPr>
+          <a:xfrm>
+            <a:off x="1307647" y="1180730"/>
+            <a:ext cx="8022783" cy="436518"/>
+          </a:xfrm>
+          <a:prstGeom prst="rect">
+            <a:avLst/>
+          </a:prstGeom>
+        </p:spPr>
+        <p:txBody>
+          <a:bodyPr vert="horz" lIns="91440" tIns="45720" rIns="91440" bIns="45720" rtlCol="0" anchor="t">
+            <a:normAutofit lnSpcReduction="10000"/>
+          </a:bodyPr>
+          <a:lstStyle>
+            <a:lvl1pPr algn="l" defTabSz="457200" rtl="0" eaLnBrk="1" latinLnBrk="1" hangingPunct="1">
+              <a:spcBef>
+                <a:spcPct val="0"/>
+              </a:spcBef>
+              <a:buNone/>
+              <a:defRPr sz="3600" kern="1200">
+                <a:solidFill>
+                  <a:schemeClr val="accent1"/>
+                </a:solidFill>
+                <a:latin typeface="+mj-lt"/>
+                <a:ea typeface="+mj-ea"/>
+                <a:cs typeface="+mj-cs"/>
+              </a:defRPr>
+            </a:lvl1pPr>
+            <a:lvl2pPr eaLnBrk="1" latinLnBrk="1" hangingPunct="1">
+              <a:defRPr>
+                <a:solidFill>
+                  <a:schemeClr val="tx2"/>
+                </a:solidFill>
+              </a:defRPr>
+            </a:lvl2pPr>
+            <a:lvl3pPr eaLnBrk="1" latinLnBrk="1" hangingPunct="1">
+              <a:defRPr>
+                <a:solidFill>
+                  <a:schemeClr val="tx2"/>
+                </a:solidFill>
+              </a:defRPr>
+            </a:lvl3pPr>
+            <a:lvl4pPr eaLnBrk="1" latinLnBrk="1" hangingPunct="1">
+              <a:defRPr>
+                <a:solidFill>
+                  <a:schemeClr val="tx2"/>
+                </a:solidFill>
+              </a:defRPr>
+            </a:lvl4pPr>
+            <a:lvl5pPr eaLnBrk="1" latinLnBrk="1" hangingPunct="1">
+              <a:defRPr>
+                <a:solidFill>
+                  <a:schemeClr val="tx2"/>
+                </a:solidFill>
+              </a:defRPr>
+            </a:lvl5pPr>
+            <a:lvl6pPr eaLnBrk="1" latinLnBrk="1" hangingPunct="1">
+              <a:defRPr>
+                <a:solidFill>
+                  <a:schemeClr val="tx2"/>
+                </a:solidFill>
+              </a:defRPr>
+            </a:lvl6pPr>
+            <a:lvl7pPr eaLnBrk="1" latinLnBrk="1" hangingPunct="1">
+              <a:defRPr>
+                <a:solidFill>
+                  <a:schemeClr val="tx2"/>
+                </a:solidFill>
+              </a:defRPr>
+            </a:lvl7pPr>
+            <a:lvl8pPr eaLnBrk="1" latinLnBrk="1" hangingPunct="1">
+              <a:defRPr>
+                <a:solidFill>
+                  <a:schemeClr val="tx2"/>
+                </a:solidFill>
+              </a:defRPr>
+            </a:lvl8pPr>
+            <a:lvl9pPr eaLnBrk="1" latinLnBrk="1" hangingPunct="1">
+              <a:defRPr>
+                <a:solidFill>
+                  <a:schemeClr val="tx2"/>
+                </a:solidFill>
+              </a:defRPr>
+            </a:lvl9pPr>
+          </a:lstStyle>
+          <a:p>
+            <a:r>
+              <a:rPr lang="en-US" altLang="ko-KR" sz="2400" dirty="0" err="1"/>
+              <a:t>WTForms</a:t>
+            </a:r>
+            <a:r>
+              <a:rPr lang="en-US" altLang="ko-KR" sz="2400" dirty="0"/>
+              <a:t> Validator</a:t>
+            </a:r>
+          </a:p>
+        </p:txBody>
+      </p:sp>
+      <p:pic>
+        <p:nvPicPr>
+          <p:cNvPr id="5" name="그림 4">
+            <a:extLst>
+              <a:ext uri="{FF2B5EF4-FFF2-40B4-BE49-F238E27FC236}">
+                <a16:creationId xmlns:a16="http://schemas.microsoft.com/office/drawing/2014/main" id="{766B28D3-2C05-43A6-9806-8A328D94057C}"/>
+              </a:ext>
+            </a:extLst>
+          </p:cNvPr>
+          <p:cNvPicPr>
+            <a:picLocks noChangeAspect="1"/>
+          </p:cNvPicPr>
+          <p:nvPr/>
+        </p:nvPicPr>
+        <p:blipFill>
+          <a:blip r:embed="rId2"/>
+          <a:stretch>
+            <a:fillRect/>
+          </a:stretch>
+        </p:blipFill>
+        <p:spPr>
+          <a:xfrm>
+            <a:off x="893385" y="2145893"/>
+            <a:ext cx="6539607" cy="3483176"/>
+          </a:xfrm>
+          <a:prstGeom prst="rect">
+            <a:avLst/>
+          </a:prstGeom>
+        </p:spPr>
+      </p:pic>
+      <p:sp>
+        <p:nvSpPr>
+          <p:cNvPr id="7" name="직사각형 6">
+            <a:extLst>
+              <a:ext uri="{FF2B5EF4-FFF2-40B4-BE49-F238E27FC236}">
+                <a16:creationId xmlns:a16="http://schemas.microsoft.com/office/drawing/2014/main" id="{2EE9B287-804B-42DD-9CE7-0029168F5B66}"/>
+              </a:ext>
+            </a:extLst>
+          </p:cNvPr>
+          <p:cNvSpPr/>
+          <p:nvPr/>
+        </p:nvSpPr>
+        <p:spPr>
+          <a:xfrm>
+            <a:off x="7620874" y="2196693"/>
+            <a:ext cx="4470512" cy="4616648"/>
+          </a:xfrm>
+          <a:prstGeom prst="rect">
+            <a:avLst/>
+          </a:prstGeom>
+        </p:spPr>
+        <p:txBody>
+          <a:bodyPr wrap="square">
+            <a:spAutoFit/>
+          </a:bodyPr>
+          <a:lstStyle/>
+          <a:p>
+            <a:pPr marL="285750" indent="-285750">
+              <a:buFontTx/>
+              <a:buChar char="-"/>
+            </a:pPr>
+            <a:r>
+              <a:rPr lang="ko-KR" altLang="en-US" sz="1400" dirty="0"/>
+              <a:t>브라우저에서 전송되는 </a:t>
+            </a:r>
+            <a:r>
+              <a:rPr lang="en-US" altLang="ko-KR" sz="1400" dirty="0"/>
+              <a:t>form data</a:t>
+            </a:r>
+            <a:r>
+              <a:rPr lang="ko-KR" altLang="en-US" sz="1400" dirty="0"/>
+              <a:t>를 가지고 작업을 </a:t>
+            </a:r>
+            <a:r>
+              <a:rPr lang="ko-KR" altLang="en-US" sz="1400" dirty="0" err="1"/>
+              <a:t>해야할</a:t>
+            </a:r>
+            <a:r>
+              <a:rPr lang="ko-KR" altLang="en-US" sz="1400" dirty="0"/>
+              <a:t> 때</a:t>
+            </a:r>
+            <a:r>
+              <a:rPr lang="en-US" altLang="ko-KR" sz="1400" dirty="0"/>
+              <a:t>, view code</a:t>
+            </a:r>
+            <a:r>
+              <a:rPr lang="ko-KR" altLang="en-US" sz="1400" dirty="0"/>
+              <a:t>를 읽기가 매우 </a:t>
+            </a:r>
+            <a:r>
+              <a:rPr lang="ko-KR" altLang="en-US" sz="1400" dirty="0" err="1"/>
+              <a:t>어려짐</a:t>
+            </a:r>
+            <a:r>
+              <a:rPr lang="en-US" altLang="ko-KR" sz="1400" dirty="0"/>
+              <a:t>.</a:t>
+            </a:r>
+          </a:p>
+          <a:p>
+            <a:pPr marL="285750" indent="-285750">
+              <a:buFontTx/>
+              <a:buChar char="-"/>
+            </a:pPr>
+            <a:r>
+              <a:rPr lang="ko-KR" altLang="en-US" sz="1400" dirty="0"/>
+              <a:t>이 과정을 더 쉽게 관리할 수 있도록 설계된 라이브러리가 있는데 그것이 </a:t>
+            </a:r>
+            <a:r>
+              <a:rPr lang="en-US" altLang="ko-KR" sz="1400" dirty="0" err="1"/>
+              <a:t>WTForms</a:t>
+            </a:r>
+            <a:r>
+              <a:rPr lang="en-US" altLang="ko-KR" sz="1400" dirty="0"/>
+              <a:t> </a:t>
+            </a:r>
+            <a:r>
+              <a:rPr lang="ko-KR" altLang="en-US" sz="1400" dirty="0"/>
+              <a:t>다</a:t>
+            </a:r>
+            <a:r>
+              <a:rPr lang="en-US" altLang="ko-KR" sz="1400" dirty="0"/>
+              <a:t>.</a:t>
+            </a:r>
+          </a:p>
+          <a:p>
+            <a:pPr marL="285750" indent="-285750">
+              <a:buFontTx/>
+              <a:buChar char="-"/>
+            </a:pPr>
+            <a:r>
+              <a:rPr lang="en-US" altLang="ko-KR" sz="1400" dirty="0" err="1"/>
+              <a:t>WTForms</a:t>
+            </a:r>
+            <a:r>
+              <a:rPr lang="ko-KR" altLang="en-US" sz="1400" dirty="0"/>
+              <a:t>로 작업 </a:t>
+            </a:r>
+            <a:r>
+              <a:rPr lang="ko-KR" altLang="en-US" sz="1400" dirty="0" err="1"/>
+              <a:t>할때는</a:t>
+            </a:r>
+            <a:r>
+              <a:rPr lang="ko-KR" altLang="en-US" sz="1400" dirty="0"/>
+              <a:t> 먼저 </a:t>
+            </a:r>
+            <a:r>
+              <a:rPr lang="en-US" altLang="ko-KR" sz="1400" dirty="0"/>
+              <a:t>class</a:t>
+            </a:r>
+            <a:r>
+              <a:rPr lang="ko-KR" altLang="en-US" sz="1400" dirty="0"/>
+              <a:t>로 그 </a:t>
+            </a:r>
+            <a:r>
+              <a:rPr lang="en-US" altLang="ko-KR" sz="1400" dirty="0"/>
+              <a:t>form</a:t>
+            </a:r>
+            <a:r>
+              <a:rPr lang="ko-KR" altLang="en-US" sz="1400" dirty="0"/>
+              <a:t>들을 정의해야 한다</a:t>
+            </a:r>
+            <a:r>
+              <a:rPr lang="en-US" altLang="ko-KR" sz="1400" dirty="0"/>
+              <a:t>.</a:t>
+            </a:r>
+          </a:p>
+          <a:p>
+            <a:pPr marL="285750" indent="-285750">
+              <a:buFontTx/>
+              <a:buChar char="-"/>
+            </a:pPr>
+            <a:r>
+              <a:rPr lang="ko-KR" altLang="en-US" sz="1400" dirty="0"/>
+              <a:t>어플리케이션을 여러 모듈로 쪼개고 </a:t>
+            </a:r>
+            <a:r>
+              <a:rPr lang="en-US" altLang="ko-KR" sz="1400" dirty="0"/>
+              <a:t>form</a:t>
+            </a:r>
+            <a:r>
+              <a:rPr lang="ko-KR" altLang="en-US" sz="1400" dirty="0"/>
+              <a:t>에 대한 분리된 모듈을 추가하는 것이 권고된다</a:t>
+            </a:r>
+            <a:r>
+              <a:rPr lang="en-US" altLang="ko-KR" sz="1400" dirty="0"/>
+              <a:t>.</a:t>
+            </a:r>
+          </a:p>
+          <a:p>
+            <a:pPr marL="285750" indent="-285750">
+              <a:buFontTx/>
+              <a:buChar char="-"/>
+            </a:pPr>
+            <a:endParaRPr lang="en-US" altLang="ko-KR" sz="1400" dirty="0"/>
+          </a:p>
+          <a:p>
+            <a:pPr marL="285750" indent="-285750">
+              <a:buFontTx/>
+              <a:buChar char="-"/>
+            </a:pPr>
+            <a:r>
+              <a:rPr lang="ko-KR" altLang="en-US" sz="1400" dirty="0"/>
+              <a:t>위의 코드가 전형적인 </a:t>
+            </a:r>
+            <a:r>
+              <a:rPr lang="en-US" altLang="ko-KR" sz="1400" dirty="0"/>
+              <a:t>form </a:t>
+            </a:r>
+            <a:r>
+              <a:rPr lang="ko-KR" altLang="en-US" sz="1400" dirty="0"/>
+              <a:t>예제</a:t>
+            </a:r>
+            <a:endParaRPr lang="en-US" altLang="ko-KR" sz="1400" dirty="0"/>
+          </a:p>
+          <a:p>
+            <a:pPr marL="285750" indent="-285750">
+              <a:buFontTx/>
+              <a:buChar char="-"/>
+            </a:pPr>
+            <a:endParaRPr lang="en-US" altLang="ko-KR" sz="1400" dirty="0"/>
+          </a:p>
+          <a:p>
+            <a:pPr marL="285750" indent="-285750">
+              <a:buFontTx/>
+              <a:buChar char="-"/>
+            </a:pPr>
+            <a:r>
+              <a:rPr lang="en-US" altLang="ko-KR" sz="1400" dirty="0"/>
+              <a:t>Form</a:t>
+            </a:r>
+            <a:r>
+              <a:rPr lang="ko-KR" altLang="en-US" sz="1400" dirty="0"/>
+              <a:t>에 맞는 것을 사용</a:t>
+            </a:r>
+            <a:endParaRPr lang="en-US" altLang="ko-KR" sz="1400" dirty="0"/>
+          </a:p>
+          <a:p>
+            <a:pPr marL="285750" indent="-285750">
+              <a:buFontTx/>
+              <a:buChar char="-"/>
+            </a:pPr>
+            <a:r>
+              <a:rPr lang="en-US" altLang="ko-KR" sz="1400" dirty="0" err="1"/>
+              <a:t>StringField</a:t>
+            </a:r>
+            <a:endParaRPr lang="en-US" altLang="ko-KR" sz="1400" dirty="0"/>
+          </a:p>
+          <a:p>
+            <a:pPr marL="285750" indent="-285750">
+              <a:buFontTx/>
+              <a:buChar char="-"/>
+            </a:pPr>
+            <a:r>
+              <a:rPr lang="en-US" altLang="ko-KR" sz="1400" dirty="0" err="1"/>
+              <a:t>PasswordField</a:t>
+            </a:r>
+            <a:endParaRPr lang="en-US" altLang="ko-KR" sz="1400" dirty="0"/>
+          </a:p>
+          <a:p>
+            <a:pPr marL="285750" indent="-285750">
+              <a:buFontTx/>
+              <a:buChar char="-"/>
+            </a:pPr>
+            <a:r>
+              <a:rPr lang="en-US" altLang="ko-KR" sz="1400" dirty="0" err="1"/>
+              <a:t>SubmitField</a:t>
+            </a:r>
+            <a:endParaRPr lang="en-US" altLang="ko-KR" sz="1400" dirty="0"/>
+          </a:p>
+          <a:p>
+            <a:pPr marL="285750" indent="-285750">
+              <a:buFontTx/>
+              <a:buChar char="-"/>
+            </a:pPr>
+            <a:r>
+              <a:rPr lang="en-US" altLang="ko-KR" sz="1400" dirty="0" err="1"/>
+              <a:t>BooleanField</a:t>
+            </a:r>
+            <a:endParaRPr lang="en-US" altLang="ko-KR" sz="1400" dirty="0"/>
+          </a:p>
+          <a:p>
+            <a:pPr marL="285750" indent="-285750">
+              <a:buFontTx/>
+              <a:buChar char="-"/>
+            </a:pPr>
+            <a:endParaRPr lang="en-US" altLang="ko-KR" sz="1400" dirty="0"/>
+          </a:p>
+          <a:p>
+            <a:pPr marL="285750" indent="-285750">
+              <a:buFontTx/>
+              <a:buChar char="-"/>
+            </a:pPr>
+            <a:r>
+              <a:rPr lang="en-US" altLang="ko-KR" sz="1400" dirty="0"/>
+              <a:t>Field : </a:t>
+            </a:r>
+            <a:r>
+              <a:rPr lang="ko-KR" altLang="en-US" sz="1400" dirty="0"/>
+              <a:t>어떠한 형식으로 데이터를 다룰지 선택</a:t>
+            </a:r>
+            <a:endParaRPr lang="en-US" altLang="ko-KR" sz="1400" dirty="0"/>
+          </a:p>
+          <a:p>
+            <a:pPr marL="285750" indent="-285750">
+              <a:buFontTx/>
+              <a:buChar char="-"/>
+            </a:pPr>
+            <a:r>
+              <a:rPr lang="en-US" altLang="ko-KR" sz="1400" dirty="0"/>
+              <a:t>Validator : </a:t>
+            </a:r>
+            <a:r>
+              <a:rPr lang="ko-KR" altLang="en-US" sz="1400" dirty="0"/>
+              <a:t>검증하는 것</a:t>
+            </a:r>
+            <a:r>
+              <a:rPr lang="en-US" altLang="ko-KR" sz="1400" dirty="0"/>
+              <a:t>. </a:t>
+            </a:r>
+            <a:r>
+              <a:rPr lang="ko-KR" altLang="en-US" sz="1400" dirty="0"/>
+              <a:t>검증 되면 </a:t>
+            </a:r>
+            <a:r>
+              <a:rPr lang="en-US" altLang="ko-KR" sz="1400" dirty="0"/>
+              <a:t>True </a:t>
+            </a:r>
+            <a:r>
+              <a:rPr lang="ko-KR" altLang="en-US" sz="1400" dirty="0"/>
+              <a:t>안되면 </a:t>
+            </a:r>
+            <a:r>
+              <a:rPr lang="en-US" altLang="ko-KR" sz="1400" dirty="0"/>
+              <a:t>False</a:t>
+            </a:r>
+          </a:p>
+          <a:p>
+            <a:pPr marL="285750" indent="-285750">
+              <a:buFontTx/>
+              <a:buChar char="-"/>
+            </a:pPr>
+            <a:endParaRPr lang="en-US" altLang="ko-KR" sz="1400" dirty="0"/>
+          </a:p>
+        </p:txBody>
+      </p:sp>
+    </p:spTree>
+    <p:extLst>
+      <p:ext uri="{BB962C8B-B14F-4D97-AF65-F5344CB8AC3E}">
+        <p14:creationId xmlns:p14="http://schemas.microsoft.com/office/powerpoint/2010/main" val="1528351578"/>
+      </p:ext>
+    </p:extLst>
+  </p:cSld>
+  <p:clrMapOvr>
+    <a:masterClrMapping/>
+  </p:clrMapOvr>
+</p:sld>
+</file>
+
+<file path=ppt/slides/slide8.xml><?xml version="1.0" encoding="utf-8"?>
+<p:sld xmlns:a="http://schemas.openxmlformats.org/drawingml/2006/main" xmlns:r="http://schemas.openxmlformats.org/officeDocument/2006/relationships" xmlns:p="http://schemas.openxmlformats.org/presentationml/2006/main">
+  <p:cSld>
+    <p:spTree>
+      <p:nvGrpSpPr>
+        <p:cNvPr id="1" name=""/>
+        <p:cNvGrpSpPr/>
+        <p:nvPr/>
+      </p:nvGrpSpPr>
+      <p:grpSpPr>
+        <a:xfrm>
+          <a:off x="0" y="0"/>
+          <a:ext cx="0" cy="0"/>
+          <a:chOff x="0" y="0"/>
+          <a:chExt cx="0" cy="0"/>
+        </a:xfrm>
+      </p:grpSpPr>
+      <p:sp>
+        <p:nvSpPr>
+          <p:cNvPr id="2" name="제목 1">
+            <a:extLst>
+              <a:ext uri="{FF2B5EF4-FFF2-40B4-BE49-F238E27FC236}">
+                <a16:creationId xmlns:a16="http://schemas.microsoft.com/office/drawing/2014/main" id="{2EC833C6-FAC3-442B-803D-3FB02DF07980}"/>
+              </a:ext>
+            </a:extLst>
+          </p:cNvPr>
+          <p:cNvSpPr>
+            <a:spLocks noGrp="1"/>
+          </p:cNvSpPr>
+          <p:nvPr>
+            <p:ph type="title"/>
+          </p:nvPr>
+        </p:nvSpPr>
+        <p:spPr>
+          <a:xfrm>
+            <a:off x="677334" y="609600"/>
+            <a:ext cx="8596668" cy="517864"/>
+          </a:xfrm>
+        </p:spPr>
+        <p:txBody>
+          <a:bodyPr>
+            <a:normAutofit fontScale="90000"/>
+          </a:bodyPr>
+          <a:lstStyle/>
+          <a:p>
+            <a:r>
+              <a:rPr lang="en-US" altLang="ko-KR" dirty="0"/>
+              <a:t>3. Forms and User Input</a:t>
+            </a:r>
+            <a:endParaRPr lang="ko-KR" altLang="en-US" dirty="0"/>
+          </a:p>
+        </p:txBody>
+      </p:sp>
+      <p:sp>
+        <p:nvSpPr>
+          <p:cNvPr id="4" name="제목 1">
+            <a:extLst>
+              <a:ext uri="{FF2B5EF4-FFF2-40B4-BE49-F238E27FC236}">
+                <a16:creationId xmlns:a16="http://schemas.microsoft.com/office/drawing/2014/main" id="{824331F3-9831-4A24-AC95-4771B0BCE333}"/>
+              </a:ext>
+            </a:extLst>
+          </p:cNvPr>
+          <p:cNvSpPr txBox="1">
+            <a:spLocks/>
+          </p:cNvSpPr>
+          <p:nvPr/>
+        </p:nvSpPr>
+        <p:spPr>
+          <a:xfrm>
+            <a:off x="1307647" y="1180730"/>
+            <a:ext cx="8022783" cy="436518"/>
+          </a:xfrm>
+          <a:prstGeom prst="rect">
+            <a:avLst/>
+          </a:prstGeom>
+        </p:spPr>
+        <p:txBody>
+          <a:bodyPr vert="horz" lIns="91440" tIns="45720" rIns="91440" bIns="45720" rtlCol="0" anchor="t">
+            <a:normAutofit lnSpcReduction="10000"/>
+          </a:bodyPr>
+          <a:lstStyle>
+            <a:lvl1pPr algn="l" defTabSz="457200" rtl="0" eaLnBrk="1" latinLnBrk="1" hangingPunct="1">
+              <a:spcBef>
+                <a:spcPct val="0"/>
+              </a:spcBef>
+              <a:buNone/>
+              <a:defRPr sz="3600" kern="1200">
+                <a:solidFill>
+                  <a:schemeClr val="accent1"/>
+                </a:solidFill>
+                <a:latin typeface="+mj-lt"/>
+                <a:ea typeface="+mj-ea"/>
+                <a:cs typeface="+mj-cs"/>
+              </a:defRPr>
+            </a:lvl1pPr>
+            <a:lvl2pPr eaLnBrk="1" latinLnBrk="1" hangingPunct="1">
+              <a:defRPr>
+                <a:solidFill>
+                  <a:schemeClr val="tx2"/>
+                </a:solidFill>
+              </a:defRPr>
+            </a:lvl2pPr>
+            <a:lvl3pPr eaLnBrk="1" latinLnBrk="1" hangingPunct="1">
+              <a:defRPr>
+                <a:solidFill>
+                  <a:schemeClr val="tx2"/>
+                </a:solidFill>
+              </a:defRPr>
+            </a:lvl3pPr>
+            <a:lvl4pPr eaLnBrk="1" latinLnBrk="1" hangingPunct="1">
+              <a:defRPr>
+                <a:solidFill>
+                  <a:schemeClr val="tx2"/>
+                </a:solidFill>
+              </a:defRPr>
+            </a:lvl4pPr>
+            <a:lvl5pPr eaLnBrk="1" latinLnBrk="1" hangingPunct="1">
+              <a:defRPr>
+                <a:solidFill>
+                  <a:schemeClr val="tx2"/>
+                </a:solidFill>
+              </a:defRPr>
+            </a:lvl5pPr>
+            <a:lvl6pPr eaLnBrk="1" latinLnBrk="1" hangingPunct="1">
+              <a:defRPr>
+                <a:solidFill>
+                  <a:schemeClr val="tx2"/>
+                </a:solidFill>
+              </a:defRPr>
+            </a:lvl6pPr>
+            <a:lvl7pPr eaLnBrk="1" latinLnBrk="1" hangingPunct="1">
+              <a:defRPr>
+                <a:solidFill>
+                  <a:schemeClr val="tx2"/>
+                </a:solidFill>
+              </a:defRPr>
+            </a:lvl7pPr>
+            <a:lvl8pPr eaLnBrk="1" latinLnBrk="1" hangingPunct="1">
+              <a:defRPr>
+                <a:solidFill>
+                  <a:schemeClr val="tx2"/>
+                </a:solidFill>
+              </a:defRPr>
+            </a:lvl8pPr>
+            <a:lvl9pPr eaLnBrk="1" latinLnBrk="1" hangingPunct="1">
+              <a:defRPr>
+                <a:solidFill>
+                  <a:schemeClr val="tx2"/>
+                </a:solidFill>
+              </a:defRPr>
+            </a:lvl9pPr>
+          </a:lstStyle>
+          <a:p>
+            <a:r>
+              <a:rPr lang="en-US" altLang="ko-KR" sz="2400" dirty="0"/>
+              <a:t>In the view</a:t>
+            </a:r>
+          </a:p>
+        </p:txBody>
+      </p:sp>
+      <p:pic>
+        <p:nvPicPr>
+          <p:cNvPr id="3" name="그림 2">
+            <a:extLst>
+              <a:ext uri="{FF2B5EF4-FFF2-40B4-BE49-F238E27FC236}">
+                <a16:creationId xmlns:a16="http://schemas.microsoft.com/office/drawing/2014/main" id="{4D970662-3D4D-4F13-80B7-E2D19C15270D}"/>
+              </a:ext>
+            </a:extLst>
+          </p:cNvPr>
+          <p:cNvPicPr>
+            <a:picLocks noChangeAspect="1"/>
+          </p:cNvPicPr>
+          <p:nvPr/>
+        </p:nvPicPr>
+        <p:blipFill>
+          <a:blip r:embed="rId2"/>
+          <a:stretch>
+            <a:fillRect/>
+          </a:stretch>
+        </p:blipFill>
+        <p:spPr>
+          <a:xfrm>
+            <a:off x="262410" y="1887628"/>
+            <a:ext cx="7064097" cy="4360772"/>
+          </a:xfrm>
+          <a:prstGeom prst="rect">
+            <a:avLst/>
+          </a:prstGeom>
+        </p:spPr>
+      </p:pic>
+      <p:sp>
+        <p:nvSpPr>
+          <p:cNvPr id="7" name="직사각형 6">
+            <a:extLst>
+              <a:ext uri="{FF2B5EF4-FFF2-40B4-BE49-F238E27FC236}">
+                <a16:creationId xmlns:a16="http://schemas.microsoft.com/office/drawing/2014/main" id="{8E81CAFE-F88F-4641-9426-9CABADACE409}"/>
+              </a:ext>
+            </a:extLst>
+          </p:cNvPr>
+          <p:cNvSpPr/>
+          <p:nvPr/>
+        </p:nvSpPr>
+        <p:spPr>
+          <a:xfrm>
+            <a:off x="7620874" y="2196693"/>
+            <a:ext cx="4470512" cy="2462213"/>
+          </a:xfrm>
+          <a:prstGeom prst="rect">
+            <a:avLst/>
+          </a:prstGeom>
+        </p:spPr>
+        <p:txBody>
+          <a:bodyPr wrap="square">
+            <a:spAutoFit/>
+          </a:bodyPr>
+          <a:lstStyle/>
+          <a:p>
+            <a:pPr marL="285750" indent="-285750">
+              <a:buFontTx/>
+              <a:buChar char="-"/>
+            </a:pPr>
+            <a:r>
+              <a:rPr lang="en-US" altLang="ko-KR" sz="1400" dirty="0"/>
+              <a:t>Forms.py</a:t>
+            </a:r>
+            <a:r>
+              <a:rPr lang="ko-KR" altLang="en-US" sz="1400" dirty="0"/>
+              <a:t> 를 </a:t>
+            </a:r>
+            <a:r>
+              <a:rPr lang="en-US" altLang="ko-KR" sz="1400" dirty="0"/>
+              <a:t>import </a:t>
+            </a:r>
+            <a:r>
+              <a:rPr lang="ko-KR" altLang="en-US" sz="1400" dirty="0"/>
+              <a:t>하여 </a:t>
+            </a:r>
+            <a:r>
+              <a:rPr lang="en-US" altLang="ko-KR" sz="1400" dirty="0"/>
+              <a:t>register</a:t>
+            </a:r>
+            <a:r>
+              <a:rPr lang="ko-KR" altLang="en-US" sz="1400" dirty="0"/>
+              <a:t> 과 </a:t>
+            </a:r>
+            <a:r>
+              <a:rPr lang="en-US" altLang="ko-KR" sz="1400" dirty="0"/>
+              <a:t>login </a:t>
+            </a:r>
+            <a:r>
+              <a:rPr lang="ko-KR" altLang="en-US" sz="1400" dirty="0"/>
+              <a:t>에서 사용</a:t>
+            </a:r>
+            <a:endParaRPr lang="en-US" altLang="ko-KR" sz="1400" dirty="0"/>
+          </a:p>
+          <a:p>
+            <a:pPr marL="285750" indent="-285750">
+              <a:buFontTx/>
+              <a:buChar char="-"/>
+            </a:pPr>
+            <a:r>
+              <a:rPr lang="en-US" altLang="ko-KR" sz="1400" dirty="0"/>
+              <a:t>HTTP POST </a:t>
+            </a:r>
+            <a:r>
+              <a:rPr lang="ko-KR" altLang="en-US" sz="1400" dirty="0"/>
+              <a:t>메소드로 데이터가 전송됐다면 요청의 </a:t>
+            </a:r>
+            <a:r>
+              <a:rPr lang="en-US" altLang="ko-KR" sz="1400" dirty="0"/>
+              <a:t>form </a:t>
+            </a:r>
+            <a:r>
+              <a:rPr lang="ko-KR" altLang="en-US" sz="1400" dirty="0"/>
+              <a:t>값으로 부터 </a:t>
+            </a:r>
+            <a:r>
+              <a:rPr lang="en-US" altLang="ko-KR" sz="1400" dirty="0"/>
+              <a:t>form</a:t>
+            </a:r>
+            <a:r>
+              <a:rPr lang="ko-KR" altLang="en-US" sz="1400" dirty="0"/>
+              <a:t>을 생성하고</a:t>
+            </a:r>
+            <a:r>
+              <a:rPr lang="en-US" altLang="ko-KR" sz="1400" dirty="0"/>
+              <a:t>, GET</a:t>
+            </a:r>
+            <a:r>
+              <a:rPr lang="ko-KR" altLang="en-US" sz="1400" dirty="0"/>
+              <a:t> 으로 전송됐다면 </a:t>
+            </a:r>
+            <a:r>
+              <a:rPr lang="en-US" altLang="ko-KR" sz="1400" dirty="0" err="1"/>
+              <a:t>args</a:t>
+            </a:r>
+            <a:r>
+              <a:rPr lang="en-US" altLang="ko-KR" sz="1400" dirty="0"/>
+              <a:t> </a:t>
+            </a:r>
+            <a:r>
+              <a:rPr lang="ko-KR" altLang="en-US" sz="1400" dirty="0"/>
+              <a:t>에서 폼을 생성</a:t>
+            </a:r>
+            <a:endParaRPr lang="en-US" altLang="ko-KR" sz="1400" dirty="0"/>
+          </a:p>
+          <a:p>
+            <a:pPr marL="285750" indent="-285750">
+              <a:buFontTx/>
+              <a:buChar char="-"/>
+            </a:pPr>
+            <a:r>
+              <a:rPr lang="ko-KR" altLang="en-US" sz="1400" dirty="0"/>
+              <a:t>데이터를 검증하기 위해서</a:t>
+            </a:r>
+            <a:r>
+              <a:rPr lang="en-US" altLang="ko-KR" sz="1400" dirty="0"/>
+              <a:t>, validate() </a:t>
+            </a:r>
+            <a:r>
+              <a:rPr lang="ko-KR" altLang="en-US" sz="1400" dirty="0"/>
+              <a:t>메소드를 호출하고 데이터가 유효하면</a:t>
+            </a:r>
+            <a:r>
+              <a:rPr lang="en-US" altLang="ko-KR" sz="1400" dirty="0"/>
+              <a:t> ‘True’</a:t>
+            </a:r>
+            <a:r>
+              <a:rPr lang="ko-KR" altLang="en-US" sz="1400" dirty="0"/>
+              <a:t>를 얻고 유효하지 않으면 </a:t>
+            </a:r>
+            <a:r>
+              <a:rPr lang="en-US" altLang="ko-KR" sz="1400" dirty="0"/>
+              <a:t>‘False</a:t>
+            </a:r>
+            <a:r>
+              <a:rPr lang="ko-KR" altLang="en-US" sz="1400" dirty="0"/>
+              <a:t>를 얻는다</a:t>
+            </a:r>
+            <a:r>
+              <a:rPr lang="en-US" altLang="ko-KR" sz="1400" dirty="0"/>
+              <a:t>.</a:t>
+            </a:r>
+          </a:p>
+          <a:p>
+            <a:pPr marL="285750" indent="-285750">
+              <a:buFontTx/>
+              <a:buChar char="-"/>
+            </a:pPr>
+            <a:r>
+              <a:rPr lang="en-US" altLang="ko-KR" sz="1400" dirty="0"/>
+              <a:t>Form </a:t>
+            </a:r>
+            <a:r>
+              <a:rPr lang="ko-KR" altLang="en-US" sz="1400" dirty="0"/>
+              <a:t>에서 개별 값에 접근하기 위해서</a:t>
+            </a:r>
+            <a:r>
+              <a:rPr lang="en-US" altLang="ko-KR" sz="1400" dirty="0"/>
+              <a:t>, form.&lt;NAME&gt;.data</a:t>
+            </a:r>
+            <a:r>
+              <a:rPr lang="ko-KR" altLang="en-US" sz="1400" dirty="0"/>
+              <a:t> 로 접근</a:t>
+            </a:r>
+            <a:endParaRPr lang="en-US" altLang="ko-KR" sz="1400" dirty="0"/>
+          </a:p>
+          <a:p>
+            <a:pPr marL="285750" indent="-285750">
+              <a:buFontTx/>
+              <a:buChar char="-"/>
+            </a:pPr>
+            <a:endParaRPr lang="en-US" altLang="ko-KR" sz="1400" dirty="0"/>
+          </a:p>
+        </p:txBody>
+      </p:sp>
+    </p:spTree>
+    <p:extLst>
+      <p:ext uri="{BB962C8B-B14F-4D97-AF65-F5344CB8AC3E}">
+        <p14:creationId xmlns:p14="http://schemas.microsoft.com/office/powerpoint/2010/main" val="2791102259"/>
+      </p:ext>
+    </p:extLst>
+  </p:cSld>
+  <p:clrMapOvr>
+    <a:masterClrMapping/>
+  </p:clrMapOvr>
+</p:sld>
+</file>
+
+<file path=ppt/slides/slide9.xml><?xml version="1.0" encoding="utf-8"?>
+<p:sld xmlns:a="http://schemas.openxmlformats.org/drawingml/2006/main" xmlns:r="http://schemas.openxmlformats.org/officeDocument/2006/relationships" xmlns:p="http://schemas.openxmlformats.org/presentationml/2006/main">
+  <p:cSld>
+    <p:spTree>
+      <p:nvGrpSpPr>
+        <p:cNvPr id="1" name=""/>
+        <p:cNvGrpSpPr/>
+        <p:nvPr/>
+      </p:nvGrpSpPr>
+      <p:grpSpPr>
+        <a:xfrm>
+          <a:off x="0" y="0"/>
+          <a:ext cx="0" cy="0"/>
+          <a:chOff x="0" y="0"/>
+          <a:chExt cx="0" cy="0"/>
+        </a:xfrm>
+      </p:grpSpPr>
+      <p:sp>
+        <p:nvSpPr>
+          <p:cNvPr id="2" name="제목 1">
+            <a:extLst>
+              <a:ext uri="{FF2B5EF4-FFF2-40B4-BE49-F238E27FC236}">
+                <a16:creationId xmlns:a16="http://schemas.microsoft.com/office/drawing/2014/main" id="{2EC833C6-FAC3-442B-803D-3FB02DF07980}"/>
+              </a:ext>
+            </a:extLst>
+          </p:cNvPr>
+          <p:cNvSpPr>
+            <a:spLocks noGrp="1"/>
+          </p:cNvSpPr>
+          <p:nvPr>
+            <p:ph type="title"/>
+          </p:nvPr>
+        </p:nvSpPr>
+        <p:spPr>
+          <a:xfrm>
+            <a:off x="677334" y="609600"/>
+            <a:ext cx="8596668" cy="517864"/>
+          </a:xfrm>
+        </p:spPr>
+        <p:txBody>
+          <a:bodyPr>
+            <a:normAutofit fontScale="90000"/>
+          </a:bodyPr>
+          <a:lstStyle/>
+          <a:p>
+            <a:r>
+              <a:rPr lang="en-US" altLang="ko-KR" dirty="0"/>
+              <a:t>3. Forms and User Input</a:t>
+            </a:r>
+            <a:endParaRPr lang="ko-KR" altLang="en-US" dirty="0"/>
+          </a:p>
+        </p:txBody>
+      </p:sp>
+      <p:sp>
+        <p:nvSpPr>
+          <p:cNvPr id="4" name="제목 1">
+            <a:extLst>
+              <a:ext uri="{FF2B5EF4-FFF2-40B4-BE49-F238E27FC236}">
+                <a16:creationId xmlns:a16="http://schemas.microsoft.com/office/drawing/2014/main" id="{824331F3-9831-4A24-AC95-4771B0BCE333}"/>
+              </a:ext>
+            </a:extLst>
+          </p:cNvPr>
+          <p:cNvSpPr txBox="1">
+            <a:spLocks/>
+          </p:cNvSpPr>
+          <p:nvPr/>
+        </p:nvSpPr>
+        <p:spPr>
+          <a:xfrm>
+            <a:off x="1307647" y="1180730"/>
+            <a:ext cx="8022783" cy="436518"/>
+          </a:xfrm>
+          <a:prstGeom prst="rect">
+            <a:avLst/>
+          </a:prstGeom>
+        </p:spPr>
+        <p:txBody>
+          <a:bodyPr vert="horz" lIns="91440" tIns="45720" rIns="91440" bIns="45720" rtlCol="0" anchor="t">
+            <a:normAutofit lnSpcReduction="10000"/>
+          </a:bodyPr>
+          <a:lstStyle>
+            <a:lvl1pPr algn="l" defTabSz="457200" rtl="0" eaLnBrk="1" latinLnBrk="1" hangingPunct="1">
+              <a:spcBef>
+                <a:spcPct val="0"/>
+              </a:spcBef>
+              <a:buNone/>
+              <a:defRPr sz="3600" kern="1200">
+                <a:solidFill>
+                  <a:schemeClr val="accent1"/>
+                </a:solidFill>
+                <a:latin typeface="+mj-lt"/>
+                <a:ea typeface="+mj-ea"/>
+                <a:cs typeface="+mj-cs"/>
+              </a:defRPr>
+            </a:lvl1pPr>
+            <a:lvl2pPr eaLnBrk="1" latinLnBrk="1" hangingPunct="1">
+              <a:defRPr>
+                <a:solidFill>
+                  <a:schemeClr val="tx2"/>
+                </a:solidFill>
+              </a:defRPr>
+            </a:lvl2pPr>
+            <a:lvl3pPr eaLnBrk="1" latinLnBrk="1" hangingPunct="1">
+              <a:defRPr>
+                <a:solidFill>
+                  <a:schemeClr val="tx2"/>
+                </a:solidFill>
+              </a:defRPr>
+            </a:lvl3pPr>
+            <a:lvl4pPr eaLnBrk="1" latinLnBrk="1" hangingPunct="1">
+              <a:defRPr>
+                <a:solidFill>
+                  <a:schemeClr val="tx2"/>
+                </a:solidFill>
+              </a:defRPr>
+            </a:lvl4pPr>
+            <a:lvl5pPr eaLnBrk="1" latinLnBrk="1" hangingPunct="1">
+              <a:defRPr>
+                <a:solidFill>
+                  <a:schemeClr val="tx2"/>
+                </a:solidFill>
+              </a:defRPr>
+            </a:lvl5pPr>
+            <a:lvl6pPr eaLnBrk="1" latinLnBrk="1" hangingPunct="1">
+              <a:defRPr>
+                <a:solidFill>
+                  <a:schemeClr val="tx2"/>
+                </a:solidFill>
+              </a:defRPr>
+            </a:lvl6pPr>
+            <a:lvl7pPr eaLnBrk="1" latinLnBrk="1" hangingPunct="1">
+              <a:defRPr>
+                <a:solidFill>
+                  <a:schemeClr val="tx2"/>
+                </a:solidFill>
+              </a:defRPr>
+            </a:lvl7pPr>
+            <a:lvl8pPr eaLnBrk="1" latinLnBrk="1" hangingPunct="1">
+              <a:defRPr>
+                <a:solidFill>
+                  <a:schemeClr val="tx2"/>
+                </a:solidFill>
+              </a:defRPr>
+            </a:lvl8pPr>
+            <a:lvl9pPr eaLnBrk="1" latinLnBrk="1" hangingPunct="1">
+              <a:defRPr>
+                <a:solidFill>
+                  <a:schemeClr val="tx2"/>
+                </a:solidFill>
+              </a:defRPr>
+            </a:lvl9pPr>
+          </a:lstStyle>
+          <a:p>
+            <a:r>
+              <a:rPr lang="en-US" altLang="ko-KR" sz="2400" dirty="0"/>
+              <a:t>In the view</a:t>
+            </a:r>
+          </a:p>
+        </p:txBody>
+      </p:sp>
+      <p:sp>
+        <p:nvSpPr>
+          <p:cNvPr id="6" name="직사각형 5">
+            <a:extLst>
+              <a:ext uri="{FF2B5EF4-FFF2-40B4-BE49-F238E27FC236}">
+                <a16:creationId xmlns:a16="http://schemas.microsoft.com/office/drawing/2014/main" id="{6A60F032-B172-43E0-B147-16329887DE8F}"/>
+              </a:ext>
+            </a:extLst>
+          </p:cNvPr>
+          <p:cNvSpPr/>
+          <p:nvPr/>
+        </p:nvSpPr>
+        <p:spPr>
+          <a:xfrm>
+            <a:off x="7620874" y="2196693"/>
+            <a:ext cx="4470512" cy="2462213"/>
+          </a:xfrm>
+          <a:prstGeom prst="rect">
+            <a:avLst/>
+          </a:prstGeom>
+        </p:spPr>
+        <p:txBody>
+          <a:bodyPr wrap="square">
+            <a:spAutoFit/>
+          </a:bodyPr>
+          <a:lstStyle/>
+          <a:p>
+            <a:pPr marL="285750" indent="-285750">
+              <a:buFontTx/>
+              <a:buChar char="-"/>
+            </a:pPr>
+            <a:r>
+              <a:rPr lang="en-US" altLang="ko-KR" sz="1400" dirty="0"/>
+              <a:t>Forms.py</a:t>
+            </a:r>
+            <a:r>
+              <a:rPr lang="ko-KR" altLang="en-US" sz="1400" dirty="0"/>
+              <a:t> 를 </a:t>
+            </a:r>
+            <a:r>
+              <a:rPr lang="en-US" altLang="ko-KR" sz="1400" dirty="0"/>
+              <a:t>import </a:t>
+            </a:r>
+            <a:r>
+              <a:rPr lang="ko-KR" altLang="en-US" sz="1400" dirty="0"/>
+              <a:t>하여 </a:t>
+            </a:r>
+            <a:r>
+              <a:rPr lang="en-US" altLang="ko-KR" sz="1400" dirty="0"/>
+              <a:t>register</a:t>
+            </a:r>
+            <a:r>
+              <a:rPr lang="ko-KR" altLang="en-US" sz="1400" dirty="0"/>
+              <a:t> 과 </a:t>
+            </a:r>
+            <a:r>
+              <a:rPr lang="en-US" altLang="ko-KR" sz="1400" dirty="0"/>
+              <a:t>login </a:t>
+            </a:r>
+            <a:r>
+              <a:rPr lang="ko-KR" altLang="en-US" sz="1400" dirty="0"/>
+              <a:t>에서 사용</a:t>
+            </a:r>
+            <a:endParaRPr lang="en-US" altLang="ko-KR" sz="1400" dirty="0"/>
+          </a:p>
+          <a:p>
+            <a:pPr marL="285750" indent="-285750">
+              <a:buFontTx/>
+              <a:buChar char="-"/>
+            </a:pPr>
+            <a:r>
+              <a:rPr lang="en-US" altLang="ko-KR" sz="1400" dirty="0"/>
+              <a:t>HTTP POST </a:t>
+            </a:r>
+            <a:r>
+              <a:rPr lang="ko-KR" altLang="en-US" sz="1400" dirty="0"/>
+              <a:t>메소드로 데이터가 전송됐다면 요청의 </a:t>
+            </a:r>
+            <a:r>
+              <a:rPr lang="en-US" altLang="ko-KR" sz="1400" dirty="0"/>
+              <a:t>form </a:t>
+            </a:r>
+            <a:r>
+              <a:rPr lang="ko-KR" altLang="en-US" sz="1400" dirty="0"/>
+              <a:t>값으로 부터 </a:t>
+            </a:r>
+            <a:r>
+              <a:rPr lang="en-US" altLang="ko-KR" sz="1400" dirty="0"/>
+              <a:t>form</a:t>
+            </a:r>
+            <a:r>
+              <a:rPr lang="ko-KR" altLang="en-US" sz="1400" dirty="0"/>
+              <a:t>을 생성하고</a:t>
+            </a:r>
+            <a:r>
+              <a:rPr lang="en-US" altLang="ko-KR" sz="1400" dirty="0"/>
+              <a:t>, GET</a:t>
+            </a:r>
+            <a:r>
+              <a:rPr lang="ko-KR" altLang="en-US" sz="1400" dirty="0"/>
+              <a:t> 으로 전송됐다면 </a:t>
+            </a:r>
+            <a:r>
+              <a:rPr lang="en-US" altLang="ko-KR" sz="1400" dirty="0" err="1"/>
+              <a:t>args</a:t>
+            </a:r>
+            <a:r>
+              <a:rPr lang="en-US" altLang="ko-KR" sz="1400" dirty="0"/>
+              <a:t> </a:t>
+            </a:r>
+            <a:r>
+              <a:rPr lang="ko-KR" altLang="en-US" sz="1400" dirty="0"/>
+              <a:t>에서 폼을 생성</a:t>
+            </a:r>
+            <a:endParaRPr lang="en-US" altLang="ko-KR" sz="1400" dirty="0"/>
+          </a:p>
+          <a:p>
+            <a:pPr marL="285750" indent="-285750">
+              <a:buFontTx/>
+              <a:buChar char="-"/>
+            </a:pPr>
+            <a:r>
+              <a:rPr lang="ko-KR" altLang="en-US" sz="1400" dirty="0"/>
+              <a:t>데이터를 검증하기 위해서</a:t>
+            </a:r>
+            <a:r>
+              <a:rPr lang="en-US" altLang="ko-KR" sz="1400" dirty="0"/>
+              <a:t>, validate() </a:t>
+            </a:r>
+            <a:r>
+              <a:rPr lang="ko-KR" altLang="en-US" sz="1400" dirty="0"/>
+              <a:t>메소드를 호출하고 데이터가 유효하면</a:t>
+            </a:r>
+            <a:r>
+              <a:rPr lang="en-US" altLang="ko-KR" sz="1400" dirty="0"/>
+              <a:t> ‘True’</a:t>
+            </a:r>
+            <a:r>
+              <a:rPr lang="ko-KR" altLang="en-US" sz="1400" dirty="0"/>
+              <a:t>를 얻고 유효하지 않으면 </a:t>
+            </a:r>
+            <a:r>
+              <a:rPr lang="en-US" altLang="ko-KR" sz="1400" dirty="0"/>
+              <a:t>‘False</a:t>
+            </a:r>
+            <a:r>
+              <a:rPr lang="ko-KR" altLang="en-US" sz="1400" dirty="0"/>
+              <a:t>를 얻는다</a:t>
+            </a:r>
+            <a:r>
+              <a:rPr lang="en-US" altLang="ko-KR" sz="1400" dirty="0"/>
+              <a:t>.</a:t>
+            </a:r>
+          </a:p>
+          <a:p>
+            <a:pPr marL="285750" indent="-285750">
+              <a:buFontTx/>
+              <a:buChar char="-"/>
+            </a:pPr>
+            <a:r>
+              <a:rPr lang="en-US" altLang="ko-KR" sz="1400" dirty="0"/>
+              <a:t>Form </a:t>
+            </a:r>
+            <a:r>
+              <a:rPr lang="ko-KR" altLang="en-US" sz="1400" dirty="0"/>
+              <a:t>에서 개별 값에 접근하기 위해서</a:t>
+            </a:r>
+            <a:r>
+              <a:rPr lang="en-US" altLang="ko-KR" sz="1400" dirty="0"/>
+              <a:t>, form.&lt;NAME&gt;.data</a:t>
+            </a:r>
+            <a:r>
+              <a:rPr lang="ko-KR" altLang="en-US" sz="1400" dirty="0"/>
+              <a:t> 로 접근</a:t>
+            </a:r>
+            <a:endParaRPr lang="en-US" altLang="ko-KR" sz="1400" dirty="0"/>
+          </a:p>
+          <a:p>
+            <a:pPr marL="285750" indent="-285750">
+              <a:buFontTx/>
+              <a:buChar char="-"/>
+            </a:pPr>
+            <a:endParaRPr lang="en-US" altLang="ko-KR" sz="1400" dirty="0"/>
+          </a:p>
+        </p:txBody>
+      </p:sp>
+      <p:pic>
+        <p:nvPicPr>
+          <p:cNvPr id="5" name="그림 4">
+            <a:extLst>
+              <a:ext uri="{FF2B5EF4-FFF2-40B4-BE49-F238E27FC236}">
+                <a16:creationId xmlns:a16="http://schemas.microsoft.com/office/drawing/2014/main" id="{C366E97A-DA2B-405D-8714-D8A2125AD68A}"/>
+              </a:ext>
+            </a:extLst>
+          </p:cNvPr>
+          <p:cNvPicPr>
+            <a:picLocks noChangeAspect="1"/>
+          </p:cNvPicPr>
+          <p:nvPr/>
+        </p:nvPicPr>
+        <p:blipFill>
+          <a:blip r:embed="rId2"/>
+          <a:stretch>
+            <a:fillRect/>
+          </a:stretch>
+        </p:blipFill>
+        <p:spPr>
+          <a:xfrm>
+            <a:off x="916691" y="1947414"/>
+            <a:ext cx="5582429" cy="2448267"/>
+          </a:xfrm>
+          <a:prstGeom prst="rect">
+            <a:avLst/>
+          </a:prstGeom>
+        </p:spPr>
+      </p:pic>
+    </p:spTree>
+    <p:extLst>
+      <p:ext uri="{BB962C8B-B14F-4D97-AF65-F5344CB8AC3E}">
+        <p14:creationId xmlns:p14="http://schemas.microsoft.com/office/powerpoint/2010/main" val="982402449"/>
       </p:ext>
     </p:extLst>
   </p:cSld>
